--- a/graphic.pptx
+++ b/graphic.pptx
@@ -4,12 +4,16 @@
   <p:sldMasterIdLst>
     <p:sldMasterId id="2147483648" r:id="rId1"/>
   </p:sldMasterIdLst>
+  <p:notesMasterIdLst>
+    <p:notesMasterId r:id="rId8"/>
+  </p:notesMasterIdLst>
   <p:sldIdLst>
     <p:sldId id="256" r:id="rId2"/>
     <p:sldId id="257" r:id="rId3"/>
     <p:sldId id="259" r:id="rId4"/>
     <p:sldId id="258" r:id="rId5"/>
-    <p:sldId id="260" r:id="rId6"/>
+    <p:sldId id="261" r:id="rId6"/>
+    <p:sldId id="260" r:id="rId7"/>
   </p:sldIdLst>
   <p:sldSz cx="12192000" cy="6858000"/>
   <p:notesSz cx="6858000" cy="9144000"/>
@@ -116,6 +120,440 @@
 </p:presentation>
 </file>
 
+<file path=ppt/notesMasters/notesMaster1.xml><?xml version="1.0" encoding="utf-8"?>
+<p:notesMaster xmlns:a="http://schemas.openxmlformats.org/drawingml/2006/main" xmlns:r="http://schemas.openxmlformats.org/officeDocument/2006/relationships" xmlns:p="http://schemas.openxmlformats.org/presentationml/2006/main">
+  <p:cSld>
+    <p:bg>
+      <p:bgRef idx="1001">
+        <a:schemeClr val="bg1"/>
+      </p:bgRef>
+    </p:bg>
+    <p:spTree>
+      <p:nvGrpSpPr>
+        <p:cNvPr id="1" name=""/>
+        <p:cNvGrpSpPr/>
+        <p:nvPr/>
+      </p:nvGrpSpPr>
+      <p:grpSpPr>
+        <a:xfrm>
+          <a:off x="0" y="0"/>
+          <a:ext cx="0" cy="0"/>
+          <a:chOff x="0" y="0"/>
+          <a:chExt cx="0" cy="0"/>
+        </a:xfrm>
+      </p:grpSpPr>
+      <p:sp>
+        <p:nvSpPr>
+          <p:cNvPr id="2" name="页眉占位符 1"/>
+          <p:cNvSpPr>
+            <a:spLocks noGrp="1"/>
+          </p:cNvSpPr>
+          <p:nvPr>
+            <p:ph type="hdr" sz="quarter"/>
+          </p:nvPr>
+        </p:nvSpPr>
+        <p:spPr>
+          <a:xfrm>
+            <a:off x="0" y="0"/>
+            <a:ext cx="2971800" cy="458788"/>
+          </a:xfrm>
+          <a:prstGeom prst="rect">
+            <a:avLst/>
+          </a:prstGeom>
+        </p:spPr>
+        <p:txBody>
+          <a:bodyPr vert="horz" lIns="91440" tIns="45720" rIns="91440" bIns="45720" rtlCol="0"/>
+          <a:lstStyle>
+            <a:lvl1pPr algn="l">
+              <a:defRPr sz="1200"/>
+            </a:lvl1pPr>
+          </a:lstStyle>
+          <a:p>
+            <a:endParaRPr lang="zh-CN" altLang="en-US"/>
+          </a:p>
+        </p:txBody>
+      </p:sp>
+      <p:sp>
+        <p:nvSpPr>
+          <p:cNvPr id="3" name="日期占位符 2"/>
+          <p:cNvSpPr>
+            <a:spLocks noGrp="1"/>
+          </p:cNvSpPr>
+          <p:nvPr>
+            <p:ph type="dt" idx="1"/>
+          </p:nvPr>
+        </p:nvSpPr>
+        <p:spPr>
+          <a:xfrm>
+            <a:off x="3884613" y="0"/>
+            <a:ext cx="2971800" cy="458788"/>
+          </a:xfrm>
+          <a:prstGeom prst="rect">
+            <a:avLst/>
+          </a:prstGeom>
+        </p:spPr>
+        <p:txBody>
+          <a:bodyPr vert="horz" lIns="91440" tIns="45720" rIns="91440" bIns="45720" rtlCol="0"/>
+          <a:lstStyle>
+            <a:lvl1pPr algn="r">
+              <a:defRPr sz="1200"/>
+            </a:lvl1pPr>
+          </a:lstStyle>
+          <a:p>
+            <a:fld id="{DDED566E-5D7F-4531-8C4F-B890F2DF42DB}" type="datetimeFigureOut">
+              <a:rPr lang="zh-CN" altLang="en-US" smtClean="0"/>
+              <a:t>2018/7/21</a:t>
+            </a:fld>
+            <a:endParaRPr lang="zh-CN" altLang="en-US"/>
+          </a:p>
+        </p:txBody>
+      </p:sp>
+      <p:sp>
+        <p:nvSpPr>
+          <p:cNvPr id="4" name="幻灯片图像占位符 3"/>
+          <p:cNvSpPr>
+            <a:spLocks noGrp="1" noRot="1" noChangeAspect="1"/>
+          </p:cNvSpPr>
+          <p:nvPr>
+            <p:ph type="sldImg" idx="2"/>
+          </p:nvPr>
+        </p:nvSpPr>
+        <p:spPr>
+          <a:xfrm>
+            <a:off x="685800" y="1143000"/>
+            <a:ext cx="5486400" cy="3086100"/>
+          </a:xfrm>
+          <a:prstGeom prst="rect">
+            <a:avLst/>
+          </a:prstGeom>
+          <a:noFill/>
+          <a:ln w="12700">
+            <a:solidFill>
+              <a:prstClr val="black"/>
+            </a:solidFill>
+          </a:ln>
+        </p:spPr>
+        <p:txBody>
+          <a:bodyPr vert="horz" lIns="91440" tIns="45720" rIns="91440" bIns="45720" rtlCol="0" anchor="ctr"/>
+          <a:lstStyle/>
+          <a:p>
+            <a:endParaRPr lang="zh-CN" altLang="en-US"/>
+          </a:p>
+        </p:txBody>
+      </p:sp>
+      <p:sp>
+        <p:nvSpPr>
+          <p:cNvPr id="5" name="备注占位符 4"/>
+          <p:cNvSpPr>
+            <a:spLocks noGrp="1"/>
+          </p:cNvSpPr>
+          <p:nvPr>
+            <p:ph type="body" sz="quarter" idx="3"/>
+          </p:nvPr>
+        </p:nvSpPr>
+        <p:spPr>
+          <a:xfrm>
+            <a:off x="685800" y="4400550"/>
+            <a:ext cx="5486400" cy="3600450"/>
+          </a:xfrm>
+          <a:prstGeom prst="rect">
+            <a:avLst/>
+          </a:prstGeom>
+        </p:spPr>
+        <p:txBody>
+          <a:bodyPr vert="horz" lIns="91440" tIns="45720" rIns="91440" bIns="45720" rtlCol="0"/>
+          <a:lstStyle/>
+          <a:p>
+            <a:pPr lvl="0"/>
+            <a:r>
+              <a:rPr lang="zh-CN" altLang="en-US" smtClean="0"/>
+              <a:t>单击此处编辑母版文本样式</a:t>
+            </a:r>
+          </a:p>
+          <a:p>
+            <a:pPr lvl="1"/>
+            <a:r>
+              <a:rPr lang="zh-CN" altLang="en-US" smtClean="0"/>
+              <a:t>第二级</a:t>
+            </a:r>
+          </a:p>
+          <a:p>
+            <a:pPr lvl="2"/>
+            <a:r>
+              <a:rPr lang="zh-CN" altLang="en-US" smtClean="0"/>
+              <a:t>第三级</a:t>
+            </a:r>
+          </a:p>
+          <a:p>
+            <a:pPr lvl="3"/>
+            <a:r>
+              <a:rPr lang="zh-CN" altLang="en-US" smtClean="0"/>
+              <a:t>第四级</a:t>
+            </a:r>
+          </a:p>
+          <a:p>
+            <a:pPr lvl="4"/>
+            <a:r>
+              <a:rPr lang="zh-CN" altLang="en-US" smtClean="0"/>
+              <a:t>第五级</a:t>
+            </a:r>
+            <a:endParaRPr lang="zh-CN" altLang="en-US"/>
+          </a:p>
+        </p:txBody>
+      </p:sp>
+      <p:sp>
+        <p:nvSpPr>
+          <p:cNvPr id="6" name="页脚占位符 5"/>
+          <p:cNvSpPr>
+            <a:spLocks noGrp="1"/>
+          </p:cNvSpPr>
+          <p:nvPr>
+            <p:ph type="ftr" sz="quarter" idx="4"/>
+          </p:nvPr>
+        </p:nvSpPr>
+        <p:spPr>
+          <a:xfrm>
+            <a:off x="0" y="8685213"/>
+            <a:ext cx="2971800" cy="458787"/>
+          </a:xfrm>
+          <a:prstGeom prst="rect">
+            <a:avLst/>
+          </a:prstGeom>
+        </p:spPr>
+        <p:txBody>
+          <a:bodyPr vert="horz" lIns="91440" tIns="45720" rIns="91440" bIns="45720" rtlCol="0" anchor="b"/>
+          <a:lstStyle>
+            <a:lvl1pPr algn="l">
+              <a:defRPr sz="1200"/>
+            </a:lvl1pPr>
+          </a:lstStyle>
+          <a:p>
+            <a:endParaRPr lang="zh-CN" altLang="en-US"/>
+          </a:p>
+        </p:txBody>
+      </p:sp>
+      <p:sp>
+        <p:nvSpPr>
+          <p:cNvPr id="7" name="灯片编号占位符 6"/>
+          <p:cNvSpPr>
+            <a:spLocks noGrp="1"/>
+          </p:cNvSpPr>
+          <p:nvPr>
+            <p:ph type="sldNum" sz="quarter" idx="5"/>
+          </p:nvPr>
+        </p:nvSpPr>
+        <p:spPr>
+          <a:xfrm>
+            <a:off x="3884613" y="8685213"/>
+            <a:ext cx="2971800" cy="458787"/>
+          </a:xfrm>
+          <a:prstGeom prst="rect">
+            <a:avLst/>
+          </a:prstGeom>
+        </p:spPr>
+        <p:txBody>
+          <a:bodyPr vert="horz" lIns="91440" tIns="45720" rIns="91440" bIns="45720" rtlCol="0" anchor="b"/>
+          <a:lstStyle>
+            <a:lvl1pPr algn="r">
+              <a:defRPr sz="1200"/>
+            </a:lvl1pPr>
+          </a:lstStyle>
+          <a:p>
+            <a:fld id="{DBC357A4-7A40-42EC-B379-B28BCD7DE22F}" type="slidenum">
+              <a:rPr lang="zh-CN" altLang="en-US" smtClean="0"/>
+              <a:t>‹#›</a:t>
+            </a:fld>
+            <a:endParaRPr lang="zh-CN" altLang="en-US"/>
+          </a:p>
+        </p:txBody>
+      </p:sp>
+    </p:spTree>
+    <p:extLst>
+      <p:ext uri="{BB962C8B-B14F-4D97-AF65-F5344CB8AC3E}">
+        <p14:creationId xmlns:p14="http://schemas.microsoft.com/office/powerpoint/2010/main" val="109984779"/>
+      </p:ext>
+    </p:extLst>
+  </p:cSld>
+  <p:clrMap bg1="lt1" tx1="dk1" bg2="lt2" tx2="dk2" accent1="accent1" accent2="accent2" accent3="accent3" accent4="accent4" accent5="accent5" accent6="accent6" hlink="hlink" folHlink="folHlink"/>
+  <p:notesStyle>
+    <a:lvl1pPr marL="0" algn="l" defTabSz="914400" rtl="0" eaLnBrk="1" latinLnBrk="0" hangingPunct="1">
+      <a:defRPr sz="1200" kern="1200">
+        <a:solidFill>
+          <a:schemeClr val="tx1"/>
+        </a:solidFill>
+        <a:latin typeface="+mn-lt"/>
+        <a:ea typeface="+mn-ea"/>
+        <a:cs typeface="+mn-cs"/>
+      </a:defRPr>
+    </a:lvl1pPr>
+    <a:lvl2pPr marL="457200" algn="l" defTabSz="914400" rtl="0" eaLnBrk="1" latinLnBrk="0" hangingPunct="1">
+      <a:defRPr sz="1200" kern="1200">
+        <a:solidFill>
+          <a:schemeClr val="tx1"/>
+        </a:solidFill>
+        <a:latin typeface="+mn-lt"/>
+        <a:ea typeface="+mn-ea"/>
+        <a:cs typeface="+mn-cs"/>
+      </a:defRPr>
+    </a:lvl2pPr>
+    <a:lvl3pPr marL="914400" algn="l" defTabSz="914400" rtl="0" eaLnBrk="1" latinLnBrk="0" hangingPunct="1">
+      <a:defRPr sz="1200" kern="1200">
+        <a:solidFill>
+          <a:schemeClr val="tx1"/>
+        </a:solidFill>
+        <a:latin typeface="+mn-lt"/>
+        <a:ea typeface="+mn-ea"/>
+        <a:cs typeface="+mn-cs"/>
+      </a:defRPr>
+    </a:lvl3pPr>
+    <a:lvl4pPr marL="1371600" algn="l" defTabSz="914400" rtl="0" eaLnBrk="1" latinLnBrk="0" hangingPunct="1">
+      <a:defRPr sz="1200" kern="1200">
+        <a:solidFill>
+          <a:schemeClr val="tx1"/>
+        </a:solidFill>
+        <a:latin typeface="+mn-lt"/>
+        <a:ea typeface="+mn-ea"/>
+        <a:cs typeface="+mn-cs"/>
+      </a:defRPr>
+    </a:lvl4pPr>
+    <a:lvl5pPr marL="1828800" algn="l" defTabSz="914400" rtl="0" eaLnBrk="1" latinLnBrk="0" hangingPunct="1">
+      <a:defRPr sz="1200" kern="1200">
+        <a:solidFill>
+          <a:schemeClr val="tx1"/>
+        </a:solidFill>
+        <a:latin typeface="+mn-lt"/>
+        <a:ea typeface="+mn-ea"/>
+        <a:cs typeface="+mn-cs"/>
+      </a:defRPr>
+    </a:lvl5pPr>
+    <a:lvl6pPr marL="2286000" algn="l" defTabSz="914400" rtl="0" eaLnBrk="1" latinLnBrk="0" hangingPunct="1">
+      <a:defRPr sz="1200" kern="1200">
+        <a:solidFill>
+          <a:schemeClr val="tx1"/>
+        </a:solidFill>
+        <a:latin typeface="+mn-lt"/>
+        <a:ea typeface="+mn-ea"/>
+        <a:cs typeface="+mn-cs"/>
+      </a:defRPr>
+    </a:lvl6pPr>
+    <a:lvl7pPr marL="2743200" algn="l" defTabSz="914400" rtl="0" eaLnBrk="1" latinLnBrk="0" hangingPunct="1">
+      <a:defRPr sz="1200" kern="1200">
+        <a:solidFill>
+          <a:schemeClr val="tx1"/>
+        </a:solidFill>
+        <a:latin typeface="+mn-lt"/>
+        <a:ea typeface="+mn-ea"/>
+        <a:cs typeface="+mn-cs"/>
+      </a:defRPr>
+    </a:lvl7pPr>
+    <a:lvl8pPr marL="3200400" algn="l" defTabSz="914400" rtl="0" eaLnBrk="1" latinLnBrk="0" hangingPunct="1">
+      <a:defRPr sz="1200" kern="1200">
+        <a:solidFill>
+          <a:schemeClr val="tx1"/>
+        </a:solidFill>
+        <a:latin typeface="+mn-lt"/>
+        <a:ea typeface="+mn-ea"/>
+        <a:cs typeface="+mn-cs"/>
+      </a:defRPr>
+    </a:lvl8pPr>
+    <a:lvl9pPr marL="3657600" algn="l" defTabSz="914400" rtl="0" eaLnBrk="1" latinLnBrk="0" hangingPunct="1">
+      <a:defRPr sz="1200" kern="1200">
+        <a:solidFill>
+          <a:schemeClr val="tx1"/>
+        </a:solidFill>
+        <a:latin typeface="+mn-lt"/>
+        <a:ea typeface="+mn-ea"/>
+        <a:cs typeface="+mn-cs"/>
+      </a:defRPr>
+    </a:lvl9pPr>
+  </p:notesStyle>
+</p:notesMaster>
+</file>
+
+<file path=ppt/notesSlides/notesSlide1.xml><?xml version="1.0" encoding="utf-8"?>
+<p:notes xmlns:a="http://schemas.openxmlformats.org/drawingml/2006/main" xmlns:r="http://schemas.openxmlformats.org/officeDocument/2006/relationships" xmlns:p="http://schemas.openxmlformats.org/presentationml/2006/main">
+  <p:cSld>
+    <p:spTree>
+      <p:nvGrpSpPr>
+        <p:cNvPr id="1" name=""/>
+        <p:cNvGrpSpPr/>
+        <p:nvPr/>
+      </p:nvGrpSpPr>
+      <p:grpSpPr>
+        <a:xfrm>
+          <a:off x="0" y="0"/>
+          <a:ext cx="0" cy="0"/>
+          <a:chOff x="0" y="0"/>
+          <a:chExt cx="0" cy="0"/>
+        </a:xfrm>
+      </p:grpSpPr>
+      <p:sp>
+        <p:nvSpPr>
+          <p:cNvPr id="2" name="幻灯片图像占位符 1"/>
+          <p:cNvSpPr>
+            <a:spLocks noGrp="1" noRot="1" noChangeAspect="1"/>
+          </p:cNvSpPr>
+          <p:nvPr>
+            <p:ph type="sldImg"/>
+          </p:nvPr>
+        </p:nvSpPr>
+        <p:spPr/>
+      </p:sp>
+      <p:sp>
+        <p:nvSpPr>
+          <p:cNvPr id="3" name="备注占位符 2"/>
+          <p:cNvSpPr>
+            <a:spLocks noGrp="1"/>
+          </p:cNvSpPr>
+          <p:nvPr>
+            <p:ph type="body" idx="1"/>
+          </p:nvPr>
+        </p:nvSpPr>
+        <p:spPr/>
+        <p:txBody>
+          <a:bodyPr/>
+          <a:lstStyle/>
+          <a:p>
+            <a:endParaRPr lang="zh-CN" altLang="en-US" dirty="0"/>
+          </a:p>
+        </p:txBody>
+      </p:sp>
+      <p:sp>
+        <p:nvSpPr>
+          <p:cNvPr id="4" name="灯片编号占位符 3"/>
+          <p:cNvSpPr>
+            <a:spLocks noGrp="1"/>
+          </p:cNvSpPr>
+          <p:nvPr>
+            <p:ph type="sldNum" sz="quarter" idx="10"/>
+          </p:nvPr>
+        </p:nvSpPr>
+        <p:spPr/>
+        <p:txBody>
+          <a:bodyPr/>
+          <a:lstStyle/>
+          <a:p>
+            <a:fld id="{DBC357A4-7A40-42EC-B379-B28BCD7DE22F}" type="slidenum">
+              <a:rPr lang="zh-CN" altLang="en-US" smtClean="0"/>
+              <a:t>6</a:t>
+            </a:fld>
+            <a:endParaRPr lang="zh-CN" altLang="en-US"/>
+          </a:p>
+        </p:txBody>
+      </p:sp>
+    </p:spTree>
+    <p:extLst>
+      <p:ext uri="{BB962C8B-B14F-4D97-AF65-F5344CB8AC3E}">
+        <p14:creationId xmlns:p14="http://schemas.microsoft.com/office/powerpoint/2010/main" val="1400590820"/>
+      </p:ext>
+    </p:extLst>
+  </p:cSld>
+  <p:clrMapOvr>
+    <a:masterClrMapping/>
+  </p:clrMapOvr>
+</p:notes>
+</file>
+
 <file path=ppt/slideLayouts/slideLayout1.xml><?xml version="1.0" encoding="utf-8"?>
 <p:sldLayout xmlns:a="http://schemas.openxmlformats.org/drawingml/2006/main" xmlns:r="http://schemas.openxmlformats.org/officeDocument/2006/relationships" xmlns:p="http://schemas.openxmlformats.org/presentationml/2006/main" type="title" preserve="1">
   <p:cSld name="标题幻灯片">
@@ -245,7 +683,7 @@
           <a:p>
             <a:fld id="{7A08BB2A-4DEF-488C-8A91-ACD052FEC8C5}" type="datetimeFigureOut">
               <a:rPr lang="zh-CN" altLang="en-US" smtClean="0"/>
-              <a:t>2018/7/20</a:t>
+              <a:t>2018/7/21</a:t>
             </a:fld>
             <a:endParaRPr lang="zh-CN" altLang="en-US"/>
           </a:p>
@@ -413,7 +851,7 @@
           <a:p>
             <a:fld id="{7A08BB2A-4DEF-488C-8A91-ACD052FEC8C5}" type="datetimeFigureOut">
               <a:rPr lang="zh-CN" altLang="en-US" smtClean="0"/>
-              <a:t>2018/7/20</a:t>
+              <a:t>2018/7/21</a:t>
             </a:fld>
             <a:endParaRPr lang="zh-CN" altLang="en-US"/>
           </a:p>
@@ -591,7 +1029,7 @@
           <a:p>
             <a:fld id="{7A08BB2A-4DEF-488C-8A91-ACD052FEC8C5}" type="datetimeFigureOut">
               <a:rPr lang="zh-CN" altLang="en-US" smtClean="0"/>
-              <a:t>2018/7/20</a:t>
+              <a:t>2018/7/21</a:t>
             </a:fld>
             <a:endParaRPr lang="zh-CN" altLang="en-US"/>
           </a:p>
@@ -759,7 +1197,7 @@
           <a:p>
             <a:fld id="{7A08BB2A-4DEF-488C-8A91-ACD052FEC8C5}" type="datetimeFigureOut">
               <a:rPr lang="zh-CN" altLang="en-US" smtClean="0"/>
-              <a:t>2018/7/20</a:t>
+              <a:t>2018/7/21</a:t>
             </a:fld>
             <a:endParaRPr lang="zh-CN" altLang="en-US"/>
           </a:p>
@@ -1004,7 +1442,7 @@
           <a:p>
             <a:fld id="{7A08BB2A-4DEF-488C-8A91-ACD052FEC8C5}" type="datetimeFigureOut">
               <a:rPr lang="zh-CN" altLang="en-US" smtClean="0"/>
-              <a:t>2018/7/20</a:t>
+              <a:t>2018/7/21</a:t>
             </a:fld>
             <a:endParaRPr lang="zh-CN" altLang="en-US"/>
           </a:p>
@@ -1233,7 +1671,7 @@
           <a:p>
             <a:fld id="{7A08BB2A-4DEF-488C-8A91-ACD052FEC8C5}" type="datetimeFigureOut">
               <a:rPr lang="zh-CN" altLang="en-US" smtClean="0"/>
-              <a:t>2018/7/20</a:t>
+              <a:t>2018/7/21</a:t>
             </a:fld>
             <a:endParaRPr lang="zh-CN" altLang="en-US"/>
           </a:p>
@@ -1597,7 +2035,7 @@
           <a:p>
             <a:fld id="{7A08BB2A-4DEF-488C-8A91-ACD052FEC8C5}" type="datetimeFigureOut">
               <a:rPr lang="zh-CN" altLang="en-US" smtClean="0"/>
-              <a:t>2018/7/20</a:t>
+              <a:t>2018/7/21</a:t>
             </a:fld>
             <a:endParaRPr lang="zh-CN" altLang="en-US"/>
           </a:p>
@@ -1714,7 +2152,7 @@
           <a:p>
             <a:fld id="{7A08BB2A-4DEF-488C-8A91-ACD052FEC8C5}" type="datetimeFigureOut">
               <a:rPr lang="zh-CN" altLang="en-US" smtClean="0"/>
-              <a:t>2018/7/20</a:t>
+              <a:t>2018/7/21</a:t>
             </a:fld>
             <a:endParaRPr lang="zh-CN" altLang="en-US"/>
           </a:p>
@@ -1809,7 +2247,7 @@
           <a:p>
             <a:fld id="{7A08BB2A-4DEF-488C-8A91-ACD052FEC8C5}" type="datetimeFigureOut">
               <a:rPr lang="zh-CN" altLang="en-US" smtClean="0"/>
-              <a:t>2018/7/20</a:t>
+              <a:t>2018/7/21</a:t>
             </a:fld>
             <a:endParaRPr lang="zh-CN" altLang="en-US"/>
           </a:p>
@@ -2084,7 +2522,7 @@
           <a:p>
             <a:fld id="{7A08BB2A-4DEF-488C-8A91-ACD052FEC8C5}" type="datetimeFigureOut">
               <a:rPr lang="zh-CN" altLang="en-US" smtClean="0"/>
-              <a:t>2018/7/20</a:t>
+              <a:t>2018/7/21</a:t>
             </a:fld>
             <a:endParaRPr lang="zh-CN" altLang="en-US"/>
           </a:p>
@@ -2336,7 +2774,7 @@
           <a:p>
             <a:fld id="{7A08BB2A-4DEF-488C-8A91-ACD052FEC8C5}" type="datetimeFigureOut">
               <a:rPr lang="zh-CN" altLang="en-US" smtClean="0"/>
-              <a:t>2018/7/20</a:t>
+              <a:t>2018/7/21</a:t>
             </a:fld>
             <a:endParaRPr lang="zh-CN" altLang="en-US"/>
           </a:p>
@@ -2547,7 +2985,7 @@
           <a:p>
             <a:fld id="{7A08BB2A-4DEF-488C-8A91-ACD052FEC8C5}" type="datetimeFigureOut">
               <a:rPr lang="zh-CN" altLang="en-US" smtClean="0"/>
-              <a:t>2018/7/20</a:t>
+              <a:t>2018/7/21</a:t>
             </a:fld>
             <a:endParaRPr lang="zh-CN" altLang="en-US"/>
           </a:p>
@@ -6629,7 +7067,7 @@
           <p:cNvPr id="59" name="直接连接符 58">
             <a:extLst>
               <a:ext uri="{FF2B5EF4-FFF2-40B4-BE49-F238E27FC236}">
-                <a16:creationId xmlns:a16="http://schemas.microsoft.com/office/drawing/2014/main" id="{B0612C4A-FDB4-49C6-99DC-8A1177131D50}"/>
+                <a16:creationId xmlns="" xmlns:a16="http://schemas.microsoft.com/office/drawing/2014/main" id="{B0612C4A-FDB4-49C6-99DC-8A1177131D50}"/>
               </a:ext>
             </a:extLst>
           </p:cNvPr>
@@ -6673,7 +7111,7 @@
           <p:cNvPr id="57" name="直接连接符 56">
             <a:extLst>
               <a:ext uri="{FF2B5EF4-FFF2-40B4-BE49-F238E27FC236}">
-                <a16:creationId xmlns:a16="http://schemas.microsoft.com/office/drawing/2014/main" id="{61BAD73C-9ED2-49A6-B4F0-1BBDFDB501D8}"/>
+                <a16:creationId xmlns="" xmlns:a16="http://schemas.microsoft.com/office/drawing/2014/main" id="{61BAD73C-9ED2-49A6-B4F0-1BBDFDB501D8}"/>
               </a:ext>
             </a:extLst>
           </p:cNvPr>
@@ -6717,7 +7155,7 @@
           <p:cNvPr id="53" name="直接连接符 52">
             <a:extLst>
               <a:ext uri="{FF2B5EF4-FFF2-40B4-BE49-F238E27FC236}">
-                <a16:creationId xmlns:a16="http://schemas.microsoft.com/office/drawing/2014/main" id="{94FDCC07-00C9-45D0-B707-87B0D913F652}"/>
+                <a16:creationId xmlns="" xmlns:a16="http://schemas.microsoft.com/office/drawing/2014/main" id="{94FDCC07-00C9-45D0-B707-87B0D913F652}"/>
               </a:ext>
             </a:extLst>
           </p:cNvPr>
@@ -6761,7 +7199,7 @@
           <p:cNvPr id="49" name="直接连接符 48">
             <a:extLst>
               <a:ext uri="{FF2B5EF4-FFF2-40B4-BE49-F238E27FC236}">
-                <a16:creationId xmlns:a16="http://schemas.microsoft.com/office/drawing/2014/main" id="{CC165633-05D9-45F4-AF2C-E15F5D957D38}"/>
+                <a16:creationId xmlns="" xmlns:a16="http://schemas.microsoft.com/office/drawing/2014/main" id="{CC165633-05D9-45F4-AF2C-E15F5D957D38}"/>
               </a:ext>
             </a:extLst>
           </p:cNvPr>
@@ -6805,7 +7243,7 @@
           <p:cNvPr id="48" name="直接连接符 47">
             <a:extLst>
               <a:ext uri="{FF2B5EF4-FFF2-40B4-BE49-F238E27FC236}">
-                <a16:creationId xmlns:a16="http://schemas.microsoft.com/office/drawing/2014/main" id="{D6383094-CE0A-4492-A713-BC5D512860D4}"/>
+                <a16:creationId xmlns="" xmlns:a16="http://schemas.microsoft.com/office/drawing/2014/main" id="{D6383094-CE0A-4492-A713-BC5D512860D4}"/>
               </a:ext>
             </a:extLst>
           </p:cNvPr>
@@ -6849,7 +7287,7 @@
           <p:cNvPr id="47" name="直接连接符 46">
             <a:extLst>
               <a:ext uri="{FF2B5EF4-FFF2-40B4-BE49-F238E27FC236}">
-                <a16:creationId xmlns:a16="http://schemas.microsoft.com/office/drawing/2014/main" id="{C94951D2-8DD4-42C0-A481-97E6C25A33B7}"/>
+                <a16:creationId xmlns="" xmlns:a16="http://schemas.microsoft.com/office/drawing/2014/main" id="{C94951D2-8DD4-42C0-A481-97E6C25A33B7}"/>
               </a:ext>
             </a:extLst>
           </p:cNvPr>
@@ -6893,7 +7331,7 @@
           <p:cNvPr id="24" name="直接连接符 23">
             <a:extLst>
               <a:ext uri="{FF2B5EF4-FFF2-40B4-BE49-F238E27FC236}">
-                <a16:creationId xmlns:a16="http://schemas.microsoft.com/office/drawing/2014/main" id="{473A74A2-3CE8-4446-B677-255A62247C1D}"/>
+                <a16:creationId xmlns="" xmlns:a16="http://schemas.microsoft.com/office/drawing/2014/main" id="{473A74A2-3CE8-4446-B677-255A62247C1D}"/>
               </a:ext>
             </a:extLst>
           </p:cNvPr>
@@ -6937,7 +7375,7 @@
           <p:cNvPr id="46" name="直接连接符 45">
             <a:extLst>
               <a:ext uri="{FF2B5EF4-FFF2-40B4-BE49-F238E27FC236}">
-                <a16:creationId xmlns:a16="http://schemas.microsoft.com/office/drawing/2014/main" id="{93CCEF41-3D1A-48AB-BE82-AC1423FC84D5}"/>
+                <a16:creationId xmlns="" xmlns:a16="http://schemas.microsoft.com/office/drawing/2014/main" id="{93CCEF41-3D1A-48AB-BE82-AC1423FC84D5}"/>
               </a:ext>
             </a:extLst>
           </p:cNvPr>
@@ -6981,7 +7419,7 @@
           <p:cNvPr id="40" name="圆柱形 39">
             <a:extLst>
               <a:ext uri="{FF2B5EF4-FFF2-40B4-BE49-F238E27FC236}">
-                <a16:creationId xmlns:a16="http://schemas.microsoft.com/office/drawing/2014/main" id="{FE2E533D-5D96-43CB-A77B-D3799107B0F5}"/>
+                <a16:creationId xmlns="" xmlns:a16="http://schemas.microsoft.com/office/drawing/2014/main" id="{FE2E533D-5D96-43CB-A77B-D3799107B0F5}"/>
               </a:ext>
             </a:extLst>
           </p:cNvPr>
@@ -7035,7 +7473,7 @@
           <p:cNvPr id="43" name="圆柱形 42">
             <a:extLst>
               <a:ext uri="{FF2B5EF4-FFF2-40B4-BE49-F238E27FC236}">
-                <a16:creationId xmlns:a16="http://schemas.microsoft.com/office/drawing/2014/main" id="{CDABACE9-93B0-45D3-8908-7EE179237CF0}"/>
+                <a16:creationId xmlns="" xmlns:a16="http://schemas.microsoft.com/office/drawing/2014/main" id="{CDABACE9-93B0-45D3-8908-7EE179237CF0}"/>
               </a:ext>
             </a:extLst>
           </p:cNvPr>
@@ -7089,7 +7527,7 @@
           <p:cNvPr id="42" name="圆柱形 41">
             <a:extLst>
               <a:ext uri="{FF2B5EF4-FFF2-40B4-BE49-F238E27FC236}">
-                <a16:creationId xmlns:a16="http://schemas.microsoft.com/office/drawing/2014/main" id="{CB57CAD4-FFFE-4646-A55B-FDA28AF9B101}"/>
+                <a16:creationId xmlns="" xmlns:a16="http://schemas.microsoft.com/office/drawing/2014/main" id="{CB57CAD4-FFFE-4646-A55B-FDA28AF9B101}"/>
               </a:ext>
             </a:extLst>
           </p:cNvPr>
@@ -8263,7 +8701,7 @@
           <p:cNvPr id="2" name="矩形 1">
             <a:extLst>
               <a:ext uri="{FF2B5EF4-FFF2-40B4-BE49-F238E27FC236}">
-                <a16:creationId xmlns:a16="http://schemas.microsoft.com/office/drawing/2014/main" id="{6195E1B2-D03E-450A-9908-5A4B12A88C79}"/>
+                <a16:creationId xmlns="" xmlns:a16="http://schemas.microsoft.com/office/drawing/2014/main" id="{6195E1B2-D03E-450A-9908-5A4B12A88C79}"/>
               </a:ext>
             </a:extLst>
           </p:cNvPr>
@@ -8313,7 +8751,7 @@
           <p:cNvPr id="30" name="矩形 29">
             <a:extLst>
               <a:ext uri="{FF2B5EF4-FFF2-40B4-BE49-F238E27FC236}">
-                <a16:creationId xmlns:a16="http://schemas.microsoft.com/office/drawing/2014/main" id="{1E4FF06F-9F23-44B4-93ED-32A23B3A89F4}"/>
+                <a16:creationId xmlns="" xmlns:a16="http://schemas.microsoft.com/office/drawing/2014/main" id="{1E4FF06F-9F23-44B4-93ED-32A23B3A89F4}"/>
               </a:ext>
             </a:extLst>
           </p:cNvPr>
@@ -8368,7 +8806,7 @@
           <p:cNvPr id="31" name="矩形 30">
             <a:extLst>
               <a:ext uri="{FF2B5EF4-FFF2-40B4-BE49-F238E27FC236}">
-                <a16:creationId xmlns:a16="http://schemas.microsoft.com/office/drawing/2014/main" id="{CF9834D3-CBCB-45DB-A2E8-87BF80266815}"/>
+                <a16:creationId xmlns="" xmlns:a16="http://schemas.microsoft.com/office/drawing/2014/main" id="{CF9834D3-CBCB-45DB-A2E8-87BF80266815}"/>
               </a:ext>
             </a:extLst>
           </p:cNvPr>
@@ -8424,7 +8862,7 @@
           <p:cNvPr id="37" name="矩形 36">
             <a:extLst>
               <a:ext uri="{FF2B5EF4-FFF2-40B4-BE49-F238E27FC236}">
-                <a16:creationId xmlns:a16="http://schemas.microsoft.com/office/drawing/2014/main" id="{C4E8A817-9A94-42F8-974D-3F1C511DFBE1}"/>
+                <a16:creationId xmlns="" xmlns:a16="http://schemas.microsoft.com/office/drawing/2014/main" id="{C4E8A817-9A94-42F8-974D-3F1C511DFBE1}"/>
               </a:ext>
             </a:extLst>
           </p:cNvPr>
@@ -8484,7 +8922,7 @@
           <p:cNvPr id="8" name="右大括号 7">
             <a:extLst>
               <a:ext uri="{FF2B5EF4-FFF2-40B4-BE49-F238E27FC236}">
-                <a16:creationId xmlns:a16="http://schemas.microsoft.com/office/drawing/2014/main" id="{65D7FD4A-9DB7-4403-B6AC-B18D53706051}"/>
+                <a16:creationId xmlns="" xmlns:a16="http://schemas.microsoft.com/office/drawing/2014/main" id="{65D7FD4A-9DB7-4403-B6AC-B18D53706051}"/>
               </a:ext>
             </a:extLst>
           </p:cNvPr>
@@ -8531,7 +8969,7 @@
           <p:cNvPr id="14" name="矩形 13">
             <a:extLst>
               <a:ext uri="{FF2B5EF4-FFF2-40B4-BE49-F238E27FC236}">
-                <a16:creationId xmlns:a16="http://schemas.microsoft.com/office/drawing/2014/main" id="{F29A3D16-7342-466D-969F-F25F200F859D}"/>
+                <a16:creationId xmlns="" xmlns:a16="http://schemas.microsoft.com/office/drawing/2014/main" id="{F29A3D16-7342-466D-969F-F25F200F859D}"/>
               </a:ext>
             </a:extLst>
           </p:cNvPr>
@@ -8566,7 +9004,7 @@
           <p:cNvPr id="38" name="圆柱形 37">
             <a:extLst>
               <a:ext uri="{FF2B5EF4-FFF2-40B4-BE49-F238E27FC236}">
-                <a16:creationId xmlns:a16="http://schemas.microsoft.com/office/drawing/2014/main" id="{6B35CB05-826A-4F21-84B4-EC4FF1A7D374}"/>
+                <a16:creationId xmlns="" xmlns:a16="http://schemas.microsoft.com/office/drawing/2014/main" id="{6B35CB05-826A-4F21-84B4-EC4FF1A7D374}"/>
               </a:ext>
             </a:extLst>
           </p:cNvPr>
@@ -8620,7 +9058,7 @@
           <p:cNvPr id="39" name="圆柱形 38">
             <a:extLst>
               <a:ext uri="{FF2B5EF4-FFF2-40B4-BE49-F238E27FC236}">
-                <a16:creationId xmlns:a16="http://schemas.microsoft.com/office/drawing/2014/main" id="{04344B83-66BB-42C8-BD71-01DCB27D7900}"/>
+                <a16:creationId xmlns="" xmlns:a16="http://schemas.microsoft.com/office/drawing/2014/main" id="{04344B83-66BB-42C8-BD71-01DCB27D7900}"/>
               </a:ext>
             </a:extLst>
           </p:cNvPr>
@@ -8674,7 +9112,7 @@
           <p:cNvPr id="18" name="立方体 17">
             <a:extLst>
               <a:ext uri="{FF2B5EF4-FFF2-40B4-BE49-F238E27FC236}">
-                <a16:creationId xmlns:a16="http://schemas.microsoft.com/office/drawing/2014/main" id="{D166C661-D91B-4D1C-A06F-0A0B3ADF2EBC}"/>
+                <a16:creationId xmlns="" xmlns:a16="http://schemas.microsoft.com/office/drawing/2014/main" id="{D166C661-D91B-4D1C-A06F-0A0B3ADF2EBC}"/>
               </a:ext>
             </a:extLst>
           </p:cNvPr>
@@ -8726,7 +9164,7 @@
           <p:cNvPr id="41" name="圆柱形 40">
             <a:extLst>
               <a:ext uri="{FF2B5EF4-FFF2-40B4-BE49-F238E27FC236}">
-                <a16:creationId xmlns:a16="http://schemas.microsoft.com/office/drawing/2014/main" id="{B2CAAB81-D9B0-4614-A32F-D30ED0182F38}"/>
+                <a16:creationId xmlns="" xmlns:a16="http://schemas.microsoft.com/office/drawing/2014/main" id="{B2CAAB81-D9B0-4614-A32F-D30ED0182F38}"/>
               </a:ext>
             </a:extLst>
           </p:cNvPr>
@@ -8780,7 +9218,7 @@
           <p:cNvPr id="44" name="圆柱形 43">
             <a:extLst>
               <a:ext uri="{FF2B5EF4-FFF2-40B4-BE49-F238E27FC236}">
-                <a16:creationId xmlns:a16="http://schemas.microsoft.com/office/drawing/2014/main" id="{28509D93-430C-41BC-9836-AB44C089F33F}"/>
+                <a16:creationId xmlns="" xmlns:a16="http://schemas.microsoft.com/office/drawing/2014/main" id="{28509D93-430C-41BC-9836-AB44C089F33F}"/>
               </a:ext>
             </a:extLst>
           </p:cNvPr>
@@ -9043,7 +9481,7 @@
           <p:cNvPr id="2" name="图片 1">
             <a:extLst>
               <a:ext uri="{FF2B5EF4-FFF2-40B4-BE49-F238E27FC236}">
-                <a16:creationId xmlns:a16="http://schemas.microsoft.com/office/drawing/2014/main" id="{29492C5B-6DC3-4923-B4D8-7044D359FC75}"/>
+                <a16:creationId xmlns="" xmlns:a16="http://schemas.microsoft.com/office/drawing/2014/main" id="{29492C5B-6DC3-4923-B4D8-7044D359FC75}"/>
               </a:ext>
             </a:extLst>
           </p:cNvPr>
@@ -9100,20 +9538,14 @@
       </p:grpSpPr>
       <p:sp>
         <p:nvSpPr>
-          <p:cNvPr id="2" name="矩形 1">
-            <a:extLst>
-              <a:ext uri="{FF2B5EF4-FFF2-40B4-BE49-F238E27FC236}">
-                <a16:creationId xmlns:a16="http://schemas.microsoft.com/office/drawing/2014/main" id="{5AA56607-0C89-4FF1-8AB4-472D95F1B685}"/>
-              </a:ext>
-            </a:extLst>
-          </p:cNvPr>
-          <p:cNvSpPr/>
-          <p:nvPr/>
-        </p:nvSpPr>
-        <p:spPr>
-          <a:xfrm>
-            <a:off x="2216727" y="1288473"/>
-            <a:ext cx="3144982" cy="415636"/>
+          <p:cNvPr id="15" name="矩形 14"/>
+          <p:cNvSpPr/>
+          <p:nvPr/>
+        </p:nvSpPr>
+        <p:spPr>
+          <a:xfrm>
+            <a:off x="2928258" y="859972"/>
+            <a:ext cx="4299856" cy="2506044"/>
           </a:xfrm>
           <a:prstGeom prst="rect">
             <a:avLst/>
@@ -9140,29 +9572,375 @@
           <a:lstStyle/>
           <a:p>
             <a:pPr algn="ctr"/>
-            <a:r>
-              <a:rPr lang="en-US" altLang="zh-CN" dirty="0"/>
-              <a:t>4mm</a:t>
-            </a:r>
-          </a:p>
-        </p:txBody>
-      </p:sp>
-      <p:sp>
-        <p:nvSpPr>
-          <p:cNvPr id="3" name="矩形 2">
-            <a:extLst>
-              <a:ext uri="{FF2B5EF4-FFF2-40B4-BE49-F238E27FC236}">
-                <a16:creationId xmlns:a16="http://schemas.microsoft.com/office/drawing/2014/main" id="{93FA19D6-7D78-400C-AFE8-B4CB85F1F3F9}"/>
-              </a:ext>
-            </a:extLst>
-          </p:cNvPr>
-          <p:cNvSpPr/>
-          <p:nvPr/>
-        </p:nvSpPr>
-        <p:spPr>
-          <a:xfrm>
-            <a:off x="2216727" y="1704109"/>
-            <a:ext cx="3144982" cy="415636"/>
+            <a:endParaRPr lang="zh-CN" altLang="en-US"/>
+          </a:p>
+        </p:txBody>
+      </p:sp>
+      <p:grpSp>
+        <p:nvGrpSpPr>
+          <p:cNvPr id="10" name="组合 9"/>
+          <p:cNvGrpSpPr/>
+          <p:nvPr/>
+        </p:nvGrpSpPr>
+        <p:grpSpPr>
+          <a:xfrm>
+            <a:off x="2928258" y="957943"/>
+            <a:ext cx="1817914" cy="2318658"/>
+            <a:chOff x="2928258" y="957943"/>
+            <a:chExt cx="1817914" cy="2318658"/>
+          </a:xfrm>
+        </p:grpSpPr>
+        <p:sp>
+          <p:nvSpPr>
+            <p:cNvPr id="2" name="矩形 1"/>
+            <p:cNvSpPr/>
+            <p:nvPr/>
+          </p:nvSpPr>
+          <p:spPr>
+            <a:xfrm>
+              <a:off x="2928258" y="957943"/>
+              <a:ext cx="1817914" cy="2318658"/>
+            </a:xfrm>
+            <a:prstGeom prst="rect">
+              <a:avLst/>
+            </a:prstGeom>
+          </p:spPr>
+          <p:style>
+            <a:lnRef idx="2">
+              <a:schemeClr val="accent1">
+                <a:shade val="50000"/>
+              </a:schemeClr>
+            </a:lnRef>
+            <a:fillRef idx="1">
+              <a:schemeClr val="accent1"/>
+            </a:fillRef>
+            <a:effectRef idx="0">
+              <a:schemeClr val="accent1"/>
+            </a:effectRef>
+            <a:fontRef idx="minor">
+              <a:schemeClr val="lt1"/>
+            </a:fontRef>
+          </p:style>
+          <p:txBody>
+            <a:bodyPr rtlCol="0" anchor="ctr"/>
+            <a:lstStyle/>
+            <a:p>
+              <a:pPr algn="ctr"/>
+              <a:endParaRPr lang="zh-CN" altLang="en-US"/>
+            </a:p>
+          </p:txBody>
+        </p:sp>
+        <p:sp>
+          <p:nvSpPr>
+            <p:cNvPr id="4" name="文本框 3"/>
+            <p:cNvSpPr txBox="1"/>
+            <p:nvPr/>
+          </p:nvSpPr>
+          <p:spPr>
+            <a:xfrm rot="16200000">
+              <a:off x="2781300" y="1709057"/>
+              <a:ext cx="887186" cy="369332"/>
+            </a:xfrm>
+            <a:prstGeom prst="rect">
+              <a:avLst/>
+            </a:prstGeom>
+            <a:noFill/>
+          </p:spPr>
+          <p:txBody>
+            <a:bodyPr wrap="square" rtlCol="0">
+              <a:spAutoFit/>
+            </a:bodyPr>
+            <a:lstStyle/>
+            <a:p>
+              <a:r>
+                <a:rPr lang="en-US" altLang="zh-CN" dirty="0" smtClean="0"/>
+                <a:t>58.1</a:t>
+              </a:r>
+              <a:endParaRPr lang="zh-CN" altLang="en-US" dirty="0"/>
+            </a:p>
+          </p:txBody>
+        </p:sp>
+        <p:sp>
+          <p:nvSpPr>
+            <p:cNvPr id="5" name="文本框 4"/>
+            <p:cNvSpPr txBox="1"/>
+            <p:nvPr/>
+          </p:nvSpPr>
+          <p:spPr>
+            <a:xfrm>
+              <a:off x="3565072" y="2764971"/>
+              <a:ext cx="887186" cy="369332"/>
+            </a:xfrm>
+            <a:prstGeom prst="rect">
+              <a:avLst/>
+            </a:prstGeom>
+            <a:noFill/>
+          </p:spPr>
+          <p:txBody>
+            <a:bodyPr wrap="square" rtlCol="0">
+              <a:spAutoFit/>
+            </a:bodyPr>
+            <a:lstStyle/>
+            <a:p>
+              <a:r>
+                <a:rPr lang="en-US" altLang="zh-CN" dirty="0" smtClean="0"/>
+                <a:t>42</a:t>
+              </a:r>
+              <a:endParaRPr lang="zh-CN" altLang="en-US" dirty="0"/>
+            </a:p>
+          </p:txBody>
+        </p:sp>
+      </p:grpSp>
+      <p:grpSp>
+        <p:nvGrpSpPr>
+          <p:cNvPr id="9" name="组合 8"/>
+          <p:cNvGrpSpPr/>
+          <p:nvPr/>
+        </p:nvGrpSpPr>
+        <p:grpSpPr>
+          <a:xfrm>
+            <a:off x="4858141" y="1589316"/>
+            <a:ext cx="1687285" cy="1687285"/>
+            <a:chOff x="4858141" y="1589316"/>
+            <a:chExt cx="1687285" cy="1687285"/>
+          </a:xfrm>
+        </p:grpSpPr>
+        <p:sp>
+          <p:nvSpPr>
+            <p:cNvPr id="6" name="矩形 5"/>
+            <p:cNvSpPr/>
+            <p:nvPr/>
+          </p:nvSpPr>
+          <p:spPr>
+            <a:xfrm>
+              <a:off x="4858141" y="1589316"/>
+              <a:ext cx="1687285" cy="1687285"/>
+            </a:xfrm>
+            <a:prstGeom prst="rect">
+              <a:avLst/>
+            </a:prstGeom>
+          </p:spPr>
+          <p:style>
+            <a:lnRef idx="2">
+              <a:schemeClr val="accent1">
+                <a:shade val="50000"/>
+              </a:schemeClr>
+            </a:lnRef>
+            <a:fillRef idx="1">
+              <a:schemeClr val="accent1"/>
+            </a:fillRef>
+            <a:effectRef idx="0">
+              <a:schemeClr val="accent1"/>
+            </a:effectRef>
+            <a:fontRef idx="minor">
+              <a:schemeClr val="lt1"/>
+            </a:fontRef>
+          </p:style>
+          <p:txBody>
+            <a:bodyPr rtlCol="0" anchor="ctr"/>
+            <a:lstStyle/>
+            <a:p>
+              <a:pPr algn="ctr"/>
+              <a:endParaRPr lang="zh-CN" altLang="en-US"/>
+            </a:p>
+          </p:txBody>
+        </p:sp>
+        <p:sp>
+          <p:nvSpPr>
+            <p:cNvPr id="7" name="文本框 6"/>
+            <p:cNvSpPr txBox="1"/>
+            <p:nvPr/>
+          </p:nvSpPr>
+          <p:spPr>
+            <a:xfrm>
+              <a:off x="5412922" y="2775465"/>
+              <a:ext cx="887186" cy="369332"/>
+            </a:xfrm>
+            <a:prstGeom prst="rect">
+              <a:avLst/>
+            </a:prstGeom>
+            <a:noFill/>
+          </p:spPr>
+          <p:txBody>
+            <a:bodyPr wrap="square" rtlCol="0">
+              <a:spAutoFit/>
+            </a:bodyPr>
+            <a:lstStyle/>
+            <a:p>
+              <a:r>
+                <a:rPr lang="en-US" altLang="zh-CN" dirty="0" smtClean="0"/>
+                <a:t>40</a:t>
+              </a:r>
+              <a:endParaRPr lang="zh-CN" altLang="en-US" dirty="0"/>
+            </a:p>
+          </p:txBody>
+        </p:sp>
+        <p:sp>
+          <p:nvSpPr>
+            <p:cNvPr id="8" name="文本框 7"/>
+            <p:cNvSpPr txBox="1"/>
+            <p:nvPr/>
+          </p:nvSpPr>
+          <p:spPr>
+            <a:xfrm rot="16200000">
+              <a:off x="4601553" y="2046122"/>
+              <a:ext cx="887186" cy="369332"/>
+            </a:xfrm>
+            <a:prstGeom prst="rect">
+              <a:avLst/>
+            </a:prstGeom>
+            <a:noFill/>
+          </p:spPr>
+          <p:txBody>
+            <a:bodyPr wrap="square" rtlCol="0">
+              <a:spAutoFit/>
+            </a:bodyPr>
+            <a:lstStyle/>
+            <a:p>
+              <a:r>
+                <a:rPr lang="en-US" altLang="zh-CN" dirty="0" smtClean="0"/>
+                <a:t>40</a:t>
+              </a:r>
+              <a:endParaRPr lang="zh-CN" altLang="en-US" dirty="0"/>
+            </a:p>
+          </p:txBody>
+        </p:sp>
+      </p:grpSp>
+      <p:sp>
+        <p:nvSpPr>
+          <p:cNvPr id="16" name="矩形 15"/>
+          <p:cNvSpPr/>
+          <p:nvPr/>
+        </p:nvSpPr>
+        <p:spPr>
+          <a:xfrm rot="16200000">
+            <a:off x="1183192" y="1951812"/>
+            <a:ext cx="2508883" cy="325203"/>
+          </a:xfrm>
+          <a:prstGeom prst="rect">
+            <a:avLst/>
+          </a:prstGeom>
+        </p:spPr>
+        <p:style>
+          <a:lnRef idx="2">
+            <a:schemeClr val="dk1"/>
+          </a:lnRef>
+          <a:fillRef idx="1">
+            <a:schemeClr val="lt1"/>
+          </a:fillRef>
+          <a:effectRef idx="0">
+            <a:schemeClr val="dk1"/>
+          </a:effectRef>
+          <a:fontRef idx="minor">
+            <a:schemeClr val="dk1"/>
+          </a:fontRef>
+        </p:style>
+        <p:txBody>
+          <a:bodyPr rtlCol="0" anchor="ctr"/>
+          <a:lstStyle/>
+          <a:p>
+            <a:pPr algn="ctr"/>
+            <a:r>
+              <a:rPr lang="en-US" altLang="zh-CN" dirty="0" smtClean="0"/>
+              <a:t>Led 1 2 3 | reset | SIM</a:t>
+            </a:r>
+            <a:endParaRPr lang="zh-CN" altLang="en-US" dirty="0"/>
+          </a:p>
+        </p:txBody>
+      </p:sp>
+      <p:sp>
+        <p:nvSpPr>
+          <p:cNvPr id="17" name="矩形 16"/>
+          <p:cNvSpPr/>
+          <p:nvPr/>
+        </p:nvSpPr>
+        <p:spPr>
+          <a:xfrm rot="16200000">
+            <a:off x="6630592" y="2077740"/>
+            <a:ext cx="1850729" cy="325203"/>
+          </a:xfrm>
+          <a:prstGeom prst="rect">
+            <a:avLst/>
+          </a:prstGeom>
+        </p:spPr>
+        <p:style>
+          <a:lnRef idx="2">
+            <a:schemeClr val="dk1"/>
+          </a:lnRef>
+          <a:fillRef idx="1">
+            <a:schemeClr val="lt1"/>
+          </a:fillRef>
+          <a:effectRef idx="0">
+            <a:schemeClr val="dk1"/>
+          </a:effectRef>
+          <a:fontRef idx="minor">
+            <a:schemeClr val="dk1"/>
+          </a:fontRef>
+        </p:style>
+        <p:txBody>
+          <a:bodyPr rtlCol="0" anchor="ctr"/>
+          <a:lstStyle/>
+          <a:p>
+            <a:pPr algn="ctr"/>
+            <a:r>
+              <a:rPr lang="en-US" altLang="zh-CN" dirty="0" smtClean="0"/>
+              <a:t>USB | LED | SW</a:t>
+            </a:r>
+            <a:endParaRPr lang="zh-CN" altLang="en-US" dirty="0"/>
+          </a:p>
+        </p:txBody>
+      </p:sp>
+      <p:sp>
+        <p:nvSpPr>
+          <p:cNvPr id="18" name="矩形 17"/>
+          <p:cNvSpPr/>
+          <p:nvPr/>
+        </p:nvSpPr>
+        <p:spPr>
+          <a:xfrm>
+            <a:off x="5856515" y="445354"/>
+            <a:ext cx="1033928" cy="325203"/>
+          </a:xfrm>
+          <a:prstGeom prst="rect">
+            <a:avLst/>
+          </a:prstGeom>
+        </p:spPr>
+        <p:style>
+          <a:lnRef idx="2">
+            <a:schemeClr val="dk1"/>
+          </a:lnRef>
+          <a:fillRef idx="1">
+            <a:schemeClr val="lt1"/>
+          </a:fillRef>
+          <a:effectRef idx="0">
+            <a:schemeClr val="dk1"/>
+          </a:effectRef>
+          <a:fontRef idx="minor">
+            <a:schemeClr val="dk1"/>
+          </a:fontRef>
+        </p:style>
+        <p:txBody>
+          <a:bodyPr rtlCol="0" anchor="ctr"/>
+          <a:lstStyle/>
+          <a:p>
+            <a:pPr algn="ctr"/>
+            <a:r>
+              <a:rPr lang="en-US" altLang="zh-CN" dirty="0" smtClean="0"/>
+              <a:t>Ethernet</a:t>
+            </a:r>
+          </a:p>
+        </p:txBody>
+      </p:sp>
+      <p:sp>
+        <p:nvSpPr>
+          <p:cNvPr id="19" name="矩形 18"/>
+          <p:cNvSpPr/>
+          <p:nvPr/>
+        </p:nvSpPr>
+        <p:spPr>
+          <a:xfrm>
+            <a:off x="2928258" y="3858202"/>
+            <a:ext cx="4299856" cy="2506044"/>
           </a:xfrm>
           <a:prstGeom prst="rect">
             <a:avLst/>
@@ -9189,19 +9967,122 @@
           <a:lstStyle/>
           <a:p>
             <a:pPr algn="ctr"/>
-            <a:r>
-              <a:rPr lang="en-US" altLang="zh-CN" dirty="0"/>
-              <a:t>1.6mm</a:t>
-            </a:r>
-          </a:p>
-        </p:txBody>
-      </p:sp>
-      <p:sp>
-        <p:nvSpPr>
-          <p:cNvPr id="4" name="矩形 3">
+            <a:endParaRPr lang="zh-CN" altLang="en-US"/>
+          </a:p>
+        </p:txBody>
+      </p:sp>
+      <p:sp>
+        <p:nvSpPr>
+          <p:cNvPr id="21" name="矩形 20"/>
+          <p:cNvSpPr/>
+          <p:nvPr/>
+        </p:nvSpPr>
+        <p:spPr>
+          <a:xfrm>
+            <a:off x="3129643" y="4044815"/>
+            <a:ext cx="1393371" cy="2147598"/>
+          </a:xfrm>
+          <a:prstGeom prst="rect">
+            <a:avLst/>
+          </a:prstGeom>
+        </p:spPr>
+        <p:style>
+          <a:lnRef idx="2">
+            <a:schemeClr val="dk1"/>
+          </a:lnRef>
+          <a:fillRef idx="1">
+            <a:schemeClr val="lt1"/>
+          </a:fillRef>
+          <a:effectRef idx="0">
+            <a:schemeClr val="dk1"/>
+          </a:effectRef>
+          <a:fontRef idx="minor">
+            <a:schemeClr val="dk1"/>
+          </a:fontRef>
+        </p:style>
+        <p:txBody>
+          <a:bodyPr rtlCol="0" anchor="ctr"/>
+          <a:lstStyle/>
+          <a:p>
+            <a:pPr algn="ctr"/>
+            <a:endParaRPr lang="zh-CN" altLang="en-US"/>
+          </a:p>
+        </p:txBody>
+      </p:sp>
+      <p:sp>
+        <p:nvSpPr>
+          <p:cNvPr id="24" name="矩形 23"/>
+          <p:cNvSpPr/>
+          <p:nvPr/>
+        </p:nvSpPr>
+        <p:spPr>
+          <a:xfrm>
+            <a:off x="4906737" y="4891571"/>
+            <a:ext cx="1393371" cy="1300842"/>
+          </a:xfrm>
+          <a:prstGeom prst="rect">
+            <a:avLst/>
+          </a:prstGeom>
+        </p:spPr>
+        <p:style>
+          <a:lnRef idx="2">
+            <a:schemeClr val="dk1"/>
+          </a:lnRef>
+          <a:fillRef idx="1">
+            <a:schemeClr val="lt1"/>
+          </a:fillRef>
+          <a:effectRef idx="0">
+            <a:schemeClr val="dk1"/>
+          </a:effectRef>
+          <a:fontRef idx="minor">
+            <a:schemeClr val="dk1"/>
+          </a:fontRef>
+        </p:style>
+        <p:txBody>
+          <a:bodyPr rtlCol="0" anchor="ctr"/>
+          <a:lstStyle/>
+          <a:p>
+            <a:pPr algn="ctr"/>
+            <a:endParaRPr lang="zh-CN" altLang="en-US"/>
+          </a:p>
+        </p:txBody>
+      </p:sp>
+    </p:spTree>
+    <p:extLst>
+      <p:ext uri="{BB962C8B-B14F-4D97-AF65-F5344CB8AC3E}">
+        <p14:creationId xmlns:p14="http://schemas.microsoft.com/office/powerpoint/2010/main" val="4161444387"/>
+      </p:ext>
+    </p:extLst>
+  </p:cSld>
+  <p:clrMapOvr>
+    <a:masterClrMapping/>
+  </p:clrMapOvr>
+</p:sld>
+</file>
+
+<file path=ppt/slides/slide6.xml><?xml version="1.0" encoding="utf-8"?>
+<p:sld xmlns:a="http://schemas.openxmlformats.org/drawingml/2006/main" xmlns:r="http://schemas.openxmlformats.org/officeDocument/2006/relationships" xmlns:p="http://schemas.openxmlformats.org/presentationml/2006/main">
+  <p:cSld>
+    <p:spTree>
+      <p:nvGrpSpPr>
+        <p:cNvPr id="1" name=""/>
+        <p:cNvGrpSpPr/>
+        <p:nvPr/>
+      </p:nvGrpSpPr>
+      <p:grpSpPr>
+        <a:xfrm>
+          <a:off x="0" y="0"/>
+          <a:ext cx="0" cy="0"/>
+          <a:chOff x="0" y="0"/>
+          <a:chExt cx="0" cy="0"/>
+        </a:xfrm>
+      </p:grpSpPr>
+      <p:sp>
+        <p:nvSpPr>
+          <p:cNvPr id="2" name="矩形 1">
             <a:extLst>
               <a:ext uri="{FF2B5EF4-FFF2-40B4-BE49-F238E27FC236}">
-                <a16:creationId xmlns:a16="http://schemas.microsoft.com/office/drawing/2014/main" id="{4326502D-B9DC-4521-B99A-B7267B06EADE}"/>
+                <a16:creationId xmlns="" xmlns:a16="http://schemas.microsoft.com/office/drawing/2014/main" id="{5AA56607-0C89-4FF1-8AB4-472D95F1B685}"/>
               </a:ext>
             </a:extLst>
           </p:cNvPr>
@@ -9210,12 +10091,18 @@
         </p:nvSpPr>
         <p:spPr>
           <a:xfrm>
-            <a:off x="2216727" y="2133599"/>
-            <a:ext cx="3144982" cy="415636"/>
+            <a:off x="3670963" y="1304307"/>
+            <a:ext cx="809501" cy="415636"/>
           </a:xfrm>
           <a:prstGeom prst="rect">
             <a:avLst/>
           </a:prstGeom>
+          <a:solidFill>
+            <a:schemeClr val="tx1">
+              <a:lumMod val="50000"/>
+              <a:lumOff val="50000"/>
+            </a:schemeClr>
+          </a:solidFill>
         </p:spPr>
         <p:style>
           <a:lnRef idx="2">
@@ -9240,17 +10127,17 @@
             <a:pPr algn="ctr"/>
             <a:r>
               <a:rPr lang="en-US" altLang="zh-CN" dirty="0"/>
-              <a:t>7.4mm</a:t>
-            </a:r>
-          </a:p>
-        </p:txBody>
-      </p:sp>
-      <p:sp>
-        <p:nvSpPr>
-          <p:cNvPr id="5" name="矩形 4">
+              <a:t>4mm</a:t>
+            </a:r>
+          </a:p>
+        </p:txBody>
+      </p:sp>
+      <p:sp>
+        <p:nvSpPr>
+          <p:cNvPr id="3" name="矩形 2">
             <a:extLst>
               <a:ext uri="{FF2B5EF4-FFF2-40B4-BE49-F238E27FC236}">
-                <a16:creationId xmlns:a16="http://schemas.microsoft.com/office/drawing/2014/main" id="{C9A5A6DE-45E3-4897-8D25-37BE4F889C5B}"/>
+                <a16:creationId xmlns="" xmlns:a16="http://schemas.microsoft.com/office/drawing/2014/main" id="{93FA19D6-7D78-400C-AFE8-B4CB85F1F3F9}"/>
               </a:ext>
             </a:extLst>
           </p:cNvPr>
@@ -9259,12 +10146,23 @@
         </p:nvSpPr>
         <p:spPr>
           <a:xfrm>
-            <a:off x="2216727" y="3643745"/>
-            <a:ext cx="3144982" cy="415636"/>
+            <a:off x="1748645" y="1719943"/>
+            <a:ext cx="3144982" cy="160316"/>
           </a:xfrm>
           <a:prstGeom prst="rect">
             <a:avLst/>
           </a:prstGeom>
+          <a:solidFill>
+            <a:schemeClr val="tx1">
+              <a:lumMod val="50000"/>
+              <a:lumOff val="50000"/>
+            </a:schemeClr>
+          </a:solidFill>
+          <a:ln>
+            <a:solidFill>
+              <a:schemeClr val="bg1"/>
+            </a:solidFill>
+          </a:ln>
         </p:spPr>
         <p:style>
           <a:lnRef idx="2">
@@ -9289,17 +10187,17 @@
             <a:pPr algn="ctr"/>
             <a:r>
               <a:rPr lang="en-US" altLang="zh-CN" dirty="0"/>
-              <a:t>7mm</a:t>
-            </a:r>
-          </a:p>
-        </p:txBody>
-      </p:sp>
-      <p:sp>
-        <p:nvSpPr>
-          <p:cNvPr id="6" name="矩形 5">
+              <a:t>1.6mm</a:t>
+            </a:r>
+          </a:p>
+        </p:txBody>
+      </p:sp>
+      <p:sp>
+        <p:nvSpPr>
+          <p:cNvPr id="4" name="矩形 3">
             <a:extLst>
               <a:ext uri="{FF2B5EF4-FFF2-40B4-BE49-F238E27FC236}">
-                <a16:creationId xmlns:a16="http://schemas.microsoft.com/office/drawing/2014/main" id="{BB0C55E0-545C-4D77-B964-911EF85975A8}"/>
+                <a16:creationId xmlns="" xmlns:a16="http://schemas.microsoft.com/office/drawing/2014/main" id="{4326502D-B9DC-4521-B99A-B7267B06EADE}"/>
               </a:ext>
             </a:extLst>
           </p:cNvPr>
@@ -9308,12 +10206,23 @@
         </p:nvSpPr>
         <p:spPr>
           <a:xfrm>
-            <a:off x="2216727" y="4059381"/>
-            <a:ext cx="3144982" cy="415636"/>
+            <a:off x="2030932" y="1880259"/>
+            <a:ext cx="2523258" cy="631372"/>
           </a:xfrm>
           <a:prstGeom prst="rect">
             <a:avLst/>
           </a:prstGeom>
+          <a:solidFill>
+            <a:schemeClr val="tx1">
+              <a:lumMod val="50000"/>
+              <a:lumOff val="50000"/>
+            </a:schemeClr>
+          </a:solidFill>
+          <a:ln>
+            <a:solidFill>
+              <a:schemeClr val="bg1"/>
+            </a:solidFill>
+          </a:ln>
         </p:spPr>
         <p:style>
           <a:lnRef idx="2">
@@ -9338,17 +10247,17 @@
             <a:pPr algn="ctr"/>
             <a:r>
               <a:rPr lang="en-US" altLang="zh-CN" dirty="0"/>
-              <a:t>1mm</a:t>
-            </a:r>
-          </a:p>
-        </p:txBody>
-      </p:sp>
-      <p:sp>
-        <p:nvSpPr>
-          <p:cNvPr id="7" name="矩形: 圆角 6">
+              <a:t>7.4mm</a:t>
+            </a:r>
+          </a:p>
+        </p:txBody>
+      </p:sp>
+      <p:sp>
+        <p:nvSpPr>
+          <p:cNvPr id="5" name="矩形 4">
             <a:extLst>
               <a:ext uri="{FF2B5EF4-FFF2-40B4-BE49-F238E27FC236}">
-                <a16:creationId xmlns:a16="http://schemas.microsoft.com/office/drawing/2014/main" id="{942A04B4-2387-4E00-940C-771209097755}"/>
+                <a16:creationId xmlns="" xmlns:a16="http://schemas.microsoft.com/office/drawing/2014/main" id="{C9A5A6DE-45E3-4897-8D25-37BE4F889C5B}"/>
               </a:ext>
             </a:extLst>
           </p:cNvPr>
@@ -9357,12 +10266,20 @@
         </p:nvSpPr>
         <p:spPr>
           <a:xfrm>
-            <a:off x="5112327" y="4475017"/>
-            <a:ext cx="1094509" cy="263239"/>
-          </a:xfrm>
-          <a:prstGeom prst="roundRect">
-            <a:avLst/>
-          </a:prstGeom>
+            <a:off x="5384474" y="1473121"/>
+            <a:ext cx="3144982" cy="554182"/>
+          </a:xfrm>
+          <a:prstGeom prst="rect">
+            <a:avLst/>
+          </a:prstGeom>
+          <a:solidFill>
+            <a:srgbClr val="00B0F0"/>
+          </a:solidFill>
+          <a:ln>
+            <a:solidFill>
+              <a:schemeClr val="bg1"/>
+            </a:solidFill>
+          </a:ln>
         </p:spPr>
         <p:style>
           <a:lnRef idx="2">
@@ -9385,16 +10302,19 @@
           <a:lstStyle/>
           <a:p>
             <a:pPr algn="ctr"/>
-            <a:endParaRPr lang="zh-CN" altLang="en-US"/>
-          </a:p>
-        </p:txBody>
-      </p:sp>
-      <p:sp>
-        <p:nvSpPr>
-          <p:cNvPr id="8" name="矩形: 圆角 7">
+            <a:r>
+              <a:rPr lang="en-US" altLang="zh-CN" dirty="0"/>
+              <a:t>7mm</a:t>
+            </a:r>
+          </a:p>
+        </p:txBody>
+      </p:sp>
+      <p:sp>
+        <p:nvSpPr>
+          <p:cNvPr id="15" name="矩形 14">
             <a:extLst>
               <a:ext uri="{FF2B5EF4-FFF2-40B4-BE49-F238E27FC236}">
-                <a16:creationId xmlns:a16="http://schemas.microsoft.com/office/drawing/2014/main" id="{41051D39-FE7E-43E3-993F-0DE4F28366BC}"/>
+                <a16:creationId xmlns="" xmlns:a16="http://schemas.microsoft.com/office/drawing/2014/main" id="{C9A5A6DE-45E3-4897-8D25-37BE4F889C5B}"/>
               </a:ext>
             </a:extLst>
           </p:cNvPr>
@@ -9403,12 +10323,20 @@
         </p:nvSpPr>
         <p:spPr>
           <a:xfrm>
-            <a:off x="1357746" y="4509653"/>
-            <a:ext cx="1094509" cy="263239"/>
-          </a:xfrm>
-          <a:prstGeom prst="roundRect">
-            <a:avLst/>
-          </a:prstGeom>
+            <a:off x="4893627" y="1011033"/>
+            <a:ext cx="4119748" cy="457880"/>
+          </a:xfrm>
+          <a:prstGeom prst="rect">
+            <a:avLst/>
+          </a:prstGeom>
+          <a:solidFill>
+            <a:schemeClr val="accent2"/>
+          </a:solidFill>
+          <a:ln>
+            <a:solidFill>
+              <a:schemeClr val="bg1"/>
+            </a:solidFill>
+          </a:ln>
         </p:spPr>
         <p:style>
           <a:lnRef idx="2">
@@ -9431,16 +10359,20 @@
           <a:lstStyle/>
           <a:p>
             <a:pPr algn="ctr"/>
-            <a:endParaRPr lang="zh-CN" altLang="en-US"/>
-          </a:p>
-        </p:txBody>
-      </p:sp>
-      <p:sp>
-        <p:nvSpPr>
-          <p:cNvPr id="9" name="矩形: 圆角 8">
+            <a:r>
+              <a:rPr lang="en-US" altLang="zh-CN" dirty="0" smtClean="0"/>
+              <a:t>6mm  battery</a:t>
+            </a:r>
+            <a:endParaRPr lang="en-US" altLang="zh-CN" dirty="0"/>
+          </a:p>
+        </p:txBody>
+      </p:sp>
+      <p:sp>
+        <p:nvSpPr>
+          <p:cNvPr id="18" name="矩形: 圆角 6">
             <a:extLst>
               <a:ext uri="{FF2B5EF4-FFF2-40B4-BE49-F238E27FC236}">
-                <a16:creationId xmlns:a16="http://schemas.microsoft.com/office/drawing/2014/main" id="{234BF1C4-9D01-4F80-AD1B-965E86CC3D02}"/>
+                <a16:creationId xmlns="" xmlns:a16="http://schemas.microsoft.com/office/drawing/2014/main" id="{942A04B4-2387-4E00-940C-771209097755}"/>
               </a:ext>
             </a:extLst>
           </p:cNvPr>
@@ -9449,12 +10381,20 @@
         </p:nvSpPr>
         <p:spPr>
           <a:xfrm>
-            <a:off x="2951018" y="4475017"/>
-            <a:ext cx="415637" cy="415636"/>
+            <a:off x="4554190" y="2175747"/>
+            <a:ext cx="5338948" cy="111581"/>
           </a:xfrm>
           <a:prstGeom prst="roundRect">
             <a:avLst/>
           </a:prstGeom>
+          <a:solidFill>
+            <a:schemeClr val="tx1"/>
+          </a:solidFill>
+          <a:ln>
+            <a:solidFill>
+              <a:schemeClr val="bg1"/>
+            </a:solidFill>
+          </a:ln>
         </p:spPr>
         <p:style>
           <a:lnRef idx="2">
@@ -9477,16 +10417,20 @@
           <a:lstStyle/>
           <a:p>
             <a:pPr algn="ctr"/>
-            <a:endParaRPr lang="zh-CN" altLang="en-US"/>
-          </a:p>
-        </p:txBody>
-      </p:sp>
-      <p:sp>
-        <p:nvSpPr>
-          <p:cNvPr id="10" name="矩形: 圆角 9">
+            <a:r>
+              <a:rPr lang="en-US" altLang="zh-CN" dirty="0" smtClean="0"/>
+              <a:t>1.6mm</a:t>
+            </a:r>
+            <a:endParaRPr lang="zh-CN" altLang="en-US" dirty="0"/>
+          </a:p>
+        </p:txBody>
+      </p:sp>
+      <p:sp>
+        <p:nvSpPr>
+          <p:cNvPr id="19" name="矩形 18">
             <a:extLst>
               <a:ext uri="{FF2B5EF4-FFF2-40B4-BE49-F238E27FC236}">
-                <a16:creationId xmlns:a16="http://schemas.microsoft.com/office/drawing/2014/main" id="{D20E1A12-45AD-4ABA-8D3B-C9884FE1337B}"/>
+                <a16:creationId xmlns="" xmlns:a16="http://schemas.microsoft.com/office/drawing/2014/main" id="{93FA19D6-7D78-400C-AFE8-B4CB85F1F3F9}"/>
               </a:ext>
             </a:extLst>
           </p:cNvPr>
@@ -9495,12 +10439,23 @@
         </p:nvSpPr>
         <p:spPr>
           <a:xfrm>
-            <a:off x="3782290" y="4475017"/>
-            <a:ext cx="415637" cy="415636"/>
-          </a:xfrm>
-          <a:prstGeom prst="roundRect">
-            <a:avLst/>
-          </a:prstGeom>
+            <a:off x="2170466" y="1638393"/>
+            <a:ext cx="1040576" cy="72428"/>
+          </a:xfrm>
+          <a:prstGeom prst="rect">
+            <a:avLst/>
+          </a:prstGeom>
+          <a:solidFill>
+            <a:schemeClr val="tx1">
+              <a:lumMod val="50000"/>
+              <a:lumOff val="50000"/>
+            </a:schemeClr>
+          </a:solidFill>
+          <a:ln>
+            <a:solidFill>
+              <a:schemeClr val="bg1"/>
+            </a:solidFill>
+          </a:ln>
         </p:spPr>
         <p:style>
           <a:lnRef idx="2">
@@ -9523,7 +10478,1997 @@
           <a:lstStyle/>
           <a:p>
             <a:pPr algn="ctr"/>
+            <a:endParaRPr lang="en-US" altLang="zh-CN" dirty="0"/>
+          </a:p>
+        </p:txBody>
+      </p:sp>
+      <p:sp>
+        <p:nvSpPr>
+          <p:cNvPr id="21" name="矩形: 圆角 6">
+            <a:extLst>
+              <a:ext uri="{FF2B5EF4-FFF2-40B4-BE49-F238E27FC236}">
+                <a16:creationId xmlns="" xmlns:a16="http://schemas.microsoft.com/office/drawing/2014/main" id="{942A04B4-2387-4E00-940C-771209097755}"/>
+              </a:ext>
+            </a:extLst>
+          </p:cNvPr>
+          <p:cNvSpPr/>
+          <p:nvPr/>
+        </p:nvSpPr>
+        <p:spPr>
+          <a:xfrm>
+            <a:off x="4650182" y="2290112"/>
+            <a:ext cx="186296" cy="221519"/>
+          </a:xfrm>
+          <a:prstGeom prst="roundRect">
+            <a:avLst/>
+          </a:prstGeom>
+          <a:solidFill>
+            <a:schemeClr val="accent3">
+              <a:lumMod val="40000"/>
+              <a:lumOff val="60000"/>
+            </a:schemeClr>
+          </a:solidFill>
+          <a:ln>
+            <a:solidFill>
+              <a:schemeClr val="bg1"/>
+            </a:solidFill>
+          </a:ln>
+        </p:spPr>
+        <p:style>
+          <a:lnRef idx="2">
+            <a:schemeClr val="accent1">
+              <a:shade val="50000"/>
+            </a:schemeClr>
+          </a:lnRef>
+          <a:fillRef idx="1">
+            <a:schemeClr val="accent1"/>
+          </a:fillRef>
+          <a:effectRef idx="0">
+            <a:schemeClr val="accent1"/>
+          </a:effectRef>
+          <a:fontRef idx="minor">
+            <a:schemeClr val="lt1"/>
+          </a:fontRef>
+        </p:style>
+        <p:txBody>
+          <a:bodyPr rtlCol="0" anchor="ctr"/>
+          <a:lstStyle/>
+          <a:p>
+            <a:pPr algn="ctr"/>
+            <a:endParaRPr lang="zh-CN" altLang="en-US" dirty="0"/>
+          </a:p>
+        </p:txBody>
+      </p:sp>
+      <p:sp>
+        <p:nvSpPr>
+          <p:cNvPr id="23" name="矩形: 圆角 6">
+            <a:extLst>
+              <a:ext uri="{FF2B5EF4-FFF2-40B4-BE49-F238E27FC236}">
+                <a16:creationId xmlns="" xmlns:a16="http://schemas.microsoft.com/office/drawing/2014/main" id="{942A04B4-2387-4E00-940C-771209097755}"/>
+              </a:ext>
+            </a:extLst>
+          </p:cNvPr>
+          <p:cNvSpPr/>
+          <p:nvPr/>
+        </p:nvSpPr>
+        <p:spPr>
+          <a:xfrm>
+            <a:off x="9157150" y="2283136"/>
+            <a:ext cx="513858" cy="224303"/>
+          </a:xfrm>
+          <a:prstGeom prst="roundRect">
+            <a:avLst/>
+          </a:prstGeom>
+          <a:solidFill>
+            <a:schemeClr val="accent3">
+              <a:lumMod val="40000"/>
+              <a:lumOff val="60000"/>
+            </a:schemeClr>
+          </a:solidFill>
+          <a:ln>
+            <a:solidFill>
+              <a:schemeClr val="bg1"/>
+            </a:solidFill>
+          </a:ln>
+        </p:spPr>
+        <p:style>
+          <a:lnRef idx="2">
+            <a:schemeClr val="accent1">
+              <a:shade val="50000"/>
+            </a:schemeClr>
+          </a:lnRef>
+          <a:fillRef idx="1">
+            <a:schemeClr val="accent1"/>
+          </a:fillRef>
+          <a:effectRef idx="0">
+            <a:schemeClr val="accent1"/>
+          </a:effectRef>
+          <a:fontRef idx="minor">
+            <a:schemeClr val="lt1"/>
+          </a:fontRef>
+        </p:style>
+        <p:txBody>
+          <a:bodyPr rtlCol="0" anchor="ctr"/>
+          <a:lstStyle/>
+          <a:p>
+            <a:pPr algn="ctr"/>
+            <a:r>
+              <a:rPr lang="en-US" altLang="zh-CN" dirty="0" smtClean="0"/>
+              <a:t>2</a:t>
+            </a:r>
+            <a:endParaRPr lang="zh-CN" altLang="en-US" dirty="0"/>
+          </a:p>
+        </p:txBody>
+      </p:sp>
+      <p:sp>
+        <p:nvSpPr>
+          <p:cNvPr id="24" name="矩形: 圆角 6">
+            <a:extLst>
+              <a:ext uri="{FF2B5EF4-FFF2-40B4-BE49-F238E27FC236}">
+                <a16:creationId xmlns="" xmlns:a16="http://schemas.microsoft.com/office/drawing/2014/main" id="{942A04B4-2387-4E00-940C-771209097755}"/>
+              </a:ext>
+            </a:extLst>
+          </p:cNvPr>
+          <p:cNvSpPr/>
+          <p:nvPr/>
+        </p:nvSpPr>
+        <p:spPr>
+          <a:xfrm>
+            <a:off x="5888299" y="2287326"/>
+            <a:ext cx="2058276" cy="179701"/>
+          </a:xfrm>
+          <a:prstGeom prst="roundRect">
+            <a:avLst/>
+          </a:prstGeom>
+          <a:solidFill>
+            <a:schemeClr val="accent3">
+              <a:lumMod val="40000"/>
+              <a:lumOff val="60000"/>
+            </a:schemeClr>
+          </a:solidFill>
+          <a:ln>
+            <a:solidFill>
+              <a:schemeClr val="bg1"/>
+            </a:solidFill>
+          </a:ln>
+        </p:spPr>
+        <p:style>
+          <a:lnRef idx="2">
+            <a:schemeClr val="accent1">
+              <a:shade val="50000"/>
+            </a:schemeClr>
+          </a:lnRef>
+          <a:fillRef idx="1">
+            <a:schemeClr val="accent1"/>
+          </a:fillRef>
+          <a:effectRef idx="0">
+            <a:schemeClr val="accent1"/>
+          </a:effectRef>
+          <a:fontRef idx="minor">
+            <a:schemeClr val="lt1"/>
+          </a:fontRef>
+        </p:style>
+        <p:txBody>
+          <a:bodyPr rtlCol="0" anchor="ctr"/>
+          <a:lstStyle/>
+          <a:p>
+            <a:pPr algn="ctr"/>
+            <a:endParaRPr lang="zh-CN" altLang="en-US" dirty="0"/>
+          </a:p>
+        </p:txBody>
+      </p:sp>
+      <p:sp>
+        <p:nvSpPr>
+          <p:cNvPr id="25" name="矩形 24">
+            <a:extLst>
+              <a:ext uri="{FF2B5EF4-FFF2-40B4-BE49-F238E27FC236}">
+                <a16:creationId xmlns="" xmlns:a16="http://schemas.microsoft.com/office/drawing/2014/main" id="{BB0C55E0-545C-4D77-B964-911EF85975A8}"/>
+              </a:ext>
+            </a:extLst>
+          </p:cNvPr>
+          <p:cNvSpPr/>
+          <p:nvPr/>
+        </p:nvSpPr>
+        <p:spPr>
+          <a:xfrm>
+            <a:off x="5384474" y="2031511"/>
+            <a:ext cx="3144982" cy="140028"/>
+          </a:xfrm>
+          <a:prstGeom prst="rect">
+            <a:avLst/>
+          </a:prstGeom>
+          <a:solidFill>
+            <a:srgbClr val="00B0F0"/>
+          </a:solidFill>
+          <a:ln>
+            <a:solidFill>
+              <a:schemeClr val="bg1"/>
+            </a:solidFill>
+          </a:ln>
+        </p:spPr>
+        <p:style>
+          <a:lnRef idx="2">
+            <a:schemeClr val="accent1">
+              <a:shade val="50000"/>
+            </a:schemeClr>
+          </a:lnRef>
+          <a:fillRef idx="1">
+            <a:schemeClr val="accent1"/>
+          </a:fillRef>
+          <a:effectRef idx="0">
+            <a:schemeClr val="accent1"/>
+          </a:effectRef>
+          <a:fontRef idx="minor">
+            <a:schemeClr val="lt1"/>
+          </a:fontRef>
+        </p:style>
+        <p:txBody>
+          <a:bodyPr rtlCol="0" anchor="ctr"/>
+          <a:lstStyle/>
+          <a:p>
+            <a:pPr algn="ctr"/>
+            <a:r>
+              <a:rPr lang="en-US" altLang="zh-CN" dirty="0"/>
+              <a:t>1mm</a:t>
+            </a:r>
+          </a:p>
+        </p:txBody>
+      </p:sp>
+      <p:sp>
+        <p:nvSpPr>
+          <p:cNvPr id="13" name="矩形: 圆角 6">
+            <a:extLst>
+              <a:ext uri="{FF2B5EF4-FFF2-40B4-BE49-F238E27FC236}">
+                <a16:creationId xmlns="" xmlns:a16="http://schemas.microsoft.com/office/drawing/2014/main" id="{942A04B4-2387-4E00-940C-771209097755}"/>
+              </a:ext>
+            </a:extLst>
+          </p:cNvPr>
+          <p:cNvSpPr/>
+          <p:nvPr/>
+        </p:nvSpPr>
+        <p:spPr>
+          <a:xfrm>
+            <a:off x="4650182" y="1877036"/>
+            <a:ext cx="186295" cy="294503"/>
+          </a:xfrm>
+          <a:prstGeom prst="roundRect">
+            <a:avLst/>
+          </a:prstGeom>
+          <a:solidFill>
+            <a:schemeClr val="accent3">
+              <a:lumMod val="40000"/>
+              <a:lumOff val="60000"/>
+            </a:schemeClr>
+          </a:solidFill>
+          <a:ln>
+            <a:solidFill>
+              <a:schemeClr val="bg1"/>
+            </a:solidFill>
+          </a:ln>
+        </p:spPr>
+        <p:style>
+          <a:lnRef idx="2">
+            <a:schemeClr val="accent1">
+              <a:shade val="50000"/>
+            </a:schemeClr>
+          </a:lnRef>
+          <a:fillRef idx="1">
+            <a:schemeClr val="accent1"/>
+          </a:fillRef>
+          <a:effectRef idx="0">
+            <a:schemeClr val="accent1"/>
+          </a:effectRef>
+          <a:fontRef idx="minor">
+            <a:schemeClr val="lt1"/>
+          </a:fontRef>
+        </p:style>
+        <p:txBody>
+          <a:bodyPr rtlCol="0" anchor="ctr"/>
+          <a:lstStyle/>
+          <a:p>
+            <a:pPr algn="ctr"/>
+            <a:endParaRPr lang="zh-CN" altLang="en-US" dirty="0"/>
+          </a:p>
+        </p:txBody>
+      </p:sp>
+      <p:sp>
+        <p:nvSpPr>
+          <p:cNvPr id="14" name="矩形: 圆角 6">
+            <a:extLst>
+              <a:ext uri="{FF2B5EF4-FFF2-40B4-BE49-F238E27FC236}">
+                <a16:creationId xmlns="" xmlns:a16="http://schemas.microsoft.com/office/drawing/2014/main" id="{942A04B4-2387-4E00-940C-771209097755}"/>
+              </a:ext>
+            </a:extLst>
+          </p:cNvPr>
+          <p:cNvSpPr/>
+          <p:nvPr/>
+        </p:nvSpPr>
+        <p:spPr>
+          <a:xfrm>
+            <a:off x="4650182" y="1540244"/>
+            <a:ext cx="186295" cy="175138"/>
+          </a:xfrm>
+          <a:prstGeom prst="roundRect">
+            <a:avLst/>
+          </a:prstGeom>
+          <a:solidFill>
+            <a:schemeClr val="accent3">
+              <a:lumMod val="40000"/>
+              <a:lumOff val="60000"/>
+            </a:schemeClr>
+          </a:solidFill>
+          <a:ln>
+            <a:solidFill>
+              <a:schemeClr val="bg1"/>
+            </a:solidFill>
+          </a:ln>
+        </p:spPr>
+        <p:style>
+          <a:lnRef idx="2">
+            <a:schemeClr val="accent1">
+              <a:shade val="50000"/>
+            </a:schemeClr>
+          </a:lnRef>
+          <a:fillRef idx="1">
+            <a:schemeClr val="accent1"/>
+          </a:fillRef>
+          <a:effectRef idx="0">
+            <a:schemeClr val="accent1"/>
+          </a:effectRef>
+          <a:fontRef idx="minor">
+            <a:schemeClr val="lt1"/>
+          </a:fontRef>
+        </p:style>
+        <p:txBody>
+          <a:bodyPr rtlCol="0" anchor="ctr"/>
+          <a:lstStyle/>
+          <a:p>
+            <a:pPr algn="ctr"/>
+            <a:endParaRPr lang="zh-CN" altLang="en-US" dirty="0"/>
+          </a:p>
+        </p:txBody>
+      </p:sp>
+      <p:cxnSp>
+        <p:nvCxnSpPr>
+          <p:cNvPr id="16" name="直接连接符 15">
+            <a:extLst>
+              <a:ext uri="{FF2B5EF4-FFF2-40B4-BE49-F238E27FC236}">
+                <a16:creationId xmlns="" xmlns:a16="http://schemas.microsoft.com/office/drawing/2014/main" id="{C94951D2-8DD4-42C0-A481-97E6C25A33B7}"/>
+              </a:ext>
+            </a:extLst>
+          </p:cNvPr>
+          <p:cNvCxnSpPr>
+            <a:cxnSpLocks/>
+          </p:cNvCxnSpPr>
+          <p:nvPr/>
+        </p:nvCxnSpPr>
+        <p:spPr>
+          <a:xfrm>
+            <a:off x="4893627" y="288809"/>
+            <a:ext cx="6928" cy="3485404"/>
+          </a:xfrm>
+          <a:prstGeom prst="line">
+            <a:avLst/>
+          </a:prstGeom>
+          <a:ln>
+            <a:solidFill>
+              <a:schemeClr val="tx1"/>
+            </a:solidFill>
+            <a:prstDash val="lgDashDotDot"/>
+          </a:ln>
+        </p:spPr>
+        <p:style>
+          <a:lnRef idx="1">
+            <a:schemeClr val="accent1"/>
+          </a:lnRef>
+          <a:fillRef idx="0">
+            <a:schemeClr val="accent1"/>
+          </a:fillRef>
+          <a:effectRef idx="0">
+            <a:schemeClr val="accent1"/>
+          </a:effectRef>
+          <a:fontRef idx="minor">
+            <a:schemeClr val="tx1"/>
+          </a:fontRef>
+        </p:style>
+      </p:cxnSp>
+      <p:cxnSp>
+        <p:nvCxnSpPr>
+          <p:cNvPr id="17" name="直接连接符 16">
+            <a:extLst>
+              <a:ext uri="{FF2B5EF4-FFF2-40B4-BE49-F238E27FC236}">
+                <a16:creationId xmlns="" xmlns:a16="http://schemas.microsoft.com/office/drawing/2014/main" id="{C94951D2-8DD4-42C0-A481-97E6C25A33B7}"/>
+              </a:ext>
+            </a:extLst>
+          </p:cNvPr>
+          <p:cNvCxnSpPr>
+            <a:cxnSpLocks/>
+          </p:cNvCxnSpPr>
+          <p:nvPr/>
+        </p:nvCxnSpPr>
+        <p:spPr>
+          <a:xfrm>
+            <a:off x="8989004" y="288809"/>
+            <a:ext cx="6928" cy="3485404"/>
+          </a:xfrm>
+          <a:prstGeom prst="line">
+            <a:avLst/>
+          </a:prstGeom>
+          <a:ln>
+            <a:solidFill>
+              <a:schemeClr val="tx1"/>
+            </a:solidFill>
+            <a:prstDash val="lgDashDotDot"/>
+          </a:ln>
+        </p:spPr>
+        <p:style>
+          <a:lnRef idx="1">
+            <a:schemeClr val="accent1"/>
+          </a:lnRef>
+          <a:fillRef idx="0">
+            <a:schemeClr val="accent1"/>
+          </a:fillRef>
+          <a:effectRef idx="0">
+            <a:schemeClr val="accent1"/>
+          </a:effectRef>
+          <a:fontRef idx="minor">
+            <a:schemeClr val="tx1"/>
+          </a:fontRef>
+        </p:style>
+      </p:cxnSp>
+      <p:cxnSp>
+        <p:nvCxnSpPr>
+          <p:cNvPr id="8" name="直接箭头连接符 7"/>
+          <p:cNvCxnSpPr/>
+          <p:nvPr/>
+        </p:nvCxnSpPr>
+        <p:spPr>
+          <a:xfrm>
+            <a:off x="5458751" y="3624943"/>
+            <a:ext cx="2917372" cy="10886"/>
+          </a:xfrm>
+          <a:prstGeom prst="straightConnector1">
+            <a:avLst/>
+          </a:prstGeom>
+          <a:ln>
+            <a:solidFill>
+              <a:schemeClr val="tx1"/>
+            </a:solidFill>
+            <a:headEnd type="triangle"/>
+            <a:tailEnd type="triangle"/>
+          </a:ln>
+        </p:spPr>
+        <p:style>
+          <a:lnRef idx="1">
+            <a:schemeClr val="accent1"/>
+          </a:lnRef>
+          <a:fillRef idx="0">
+            <a:schemeClr val="accent1"/>
+          </a:fillRef>
+          <a:effectRef idx="0">
+            <a:schemeClr val="accent1"/>
+          </a:effectRef>
+          <a:fontRef idx="minor">
+            <a:schemeClr val="tx1"/>
+          </a:fontRef>
+        </p:style>
+      </p:cxnSp>
+      <p:sp>
+        <p:nvSpPr>
+          <p:cNvPr id="20" name="矩形 19">
+            <a:extLst>
+              <a:ext uri="{FF2B5EF4-FFF2-40B4-BE49-F238E27FC236}">
+                <a16:creationId xmlns="" xmlns:a16="http://schemas.microsoft.com/office/drawing/2014/main" id="{F29A3D16-7342-466D-969F-F25F200F859D}"/>
+              </a:ext>
+            </a:extLst>
+          </p:cNvPr>
+          <p:cNvSpPr/>
+          <p:nvPr/>
+        </p:nvSpPr>
+        <p:spPr>
+          <a:xfrm>
+            <a:off x="6804960" y="3687127"/>
+            <a:ext cx="418704" cy="369332"/>
+          </a:xfrm>
+          <a:prstGeom prst="rect">
+            <a:avLst/>
+          </a:prstGeom>
+        </p:spPr>
+        <p:txBody>
+          <a:bodyPr wrap="none">
+            <a:spAutoFit/>
+          </a:bodyPr>
+          <a:lstStyle/>
+          <a:p>
+            <a:r>
+              <a:rPr lang="en-US" altLang="zh-CN" dirty="0" smtClean="0"/>
+              <a:t>50</a:t>
+            </a:r>
+            <a:endParaRPr lang="zh-CN" altLang="en-US" dirty="0"/>
+          </a:p>
+        </p:txBody>
+      </p:sp>
+      <p:cxnSp>
+        <p:nvCxnSpPr>
+          <p:cNvPr id="22" name="直接连接符 21">
+            <a:extLst>
+              <a:ext uri="{FF2B5EF4-FFF2-40B4-BE49-F238E27FC236}">
+                <a16:creationId xmlns="" xmlns:a16="http://schemas.microsoft.com/office/drawing/2014/main" id="{C94951D2-8DD4-42C0-A481-97E6C25A33B7}"/>
+              </a:ext>
+            </a:extLst>
+          </p:cNvPr>
+          <p:cNvCxnSpPr>
+            <a:cxnSpLocks/>
+          </p:cNvCxnSpPr>
+          <p:nvPr/>
+        </p:nvCxnSpPr>
+        <p:spPr>
+          <a:xfrm>
+            <a:off x="9879404" y="288809"/>
+            <a:ext cx="6928" cy="3485404"/>
+          </a:xfrm>
+          <a:prstGeom prst="line">
+            <a:avLst/>
+          </a:prstGeom>
+          <a:ln>
+            <a:solidFill>
+              <a:schemeClr val="tx1"/>
+            </a:solidFill>
+            <a:prstDash val="lgDashDotDot"/>
+          </a:ln>
+        </p:spPr>
+        <p:style>
+          <a:lnRef idx="1">
+            <a:schemeClr val="accent1"/>
+          </a:lnRef>
+          <a:fillRef idx="0">
+            <a:schemeClr val="accent1"/>
+          </a:fillRef>
+          <a:effectRef idx="0">
+            <a:schemeClr val="accent1"/>
+          </a:effectRef>
+          <a:fontRef idx="minor">
+            <a:schemeClr val="tx1"/>
+          </a:fontRef>
+        </p:style>
+      </p:cxnSp>
+      <p:cxnSp>
+        <p:nvCxnSpPr>
+          <p:cNvPr id="26" name="直接箭头连接符 25"/>
+          <p:cNvCxnSpPr/>
+          <p:nvPr/>
+        </p:nvCxnSpPr>
+        <p:spPr>
+          <a:xfrm flipV="1">
+            <a:off x="9183209" y="3621813"/>
+            <a:ext cx="506624" cy="3130"/>
+          </a:xfrm>
+          <a:prstGeom prst="straightConnector1">
+            <a:avLst/>
+          </a:prstGeom>
+          <a:ln>
+            <a:solidFill>
+              <a:schemeClr val="tx1"/>
+            </a:solidFill>
+            <a:headEnd type="triangle"/>
+            <a:tailEnd type="triangle"/>
+          </a:ln>
+        </p:spPr>
+        <p:style>
+          <a:lnRef idx="1">
+            <a:schemeClr val="accent1"/>
+          </a:lnRef>
+          <a:fillRef idx="0">
+            <a:schemeClr val="accent1"/>
+          </a:fillRef>
+          <a:effectRef idx="0">
+            <a:schemeClr val="accent1"/>
+          </a:effectRef>
+          <a:fontRef idx="minor">
+            <a:schemeClr val="tx1"/>
+          </a:fontRef>
+        </p:style>
+      </p:cxnSp>
+      <p:sp>
+        <p:nvSpPr>
+          <p:cNvPr id="27" name="矩形 26">
+            <a:extLst>
+              <a:ext uri="{FF2B5EF4-FFF2-40B4-BE49-F238E27FC236}">
+                <a16:creationId xmlns="" xmlns:a16="http://schemas.microsoft.com/office/drawing/2014/main" id="{F29A3D16-7342-466D-969F-F25F200F859D}"/>
+              </a:ext>
+            </a:extLst>
+          </p:cNvPr>
+          <p:cNvSpPr/>
+          <p:nvPr/>
+        </p:nvSpPr>
+        <p:spPr>
+          <a:xfrm>
+            <a:off x="10822184" y="1565546"/>
+            <a:ext cx="593432" cy="369332"/>
+          </a:xfrm>
+          <a:prstGeom prst="rect">
+            <a:avLst/>
+          </a:prstGeom>
+        </p:spPr>
+        <p:txBody>
+          <a:bodyPr wrap="none">
+            <a:spAutoFit/>
+          </a:bodyPr>
+          <a:lstStyle/>
+          <a:p>
+            <a:r>
+              <a:rPr lang="en-US" altLang="zh-CN" dirty="0" smtClean="0"/>
+              <a:t>17.6</a:t>
+            </a:r>
+            <a:endParaRPr lang="zh-CN" altLang="en-US" dirty="0"/>
+          </a:p>
+        </p:txBody>
+      </p:sp>
+      <p:cxnSp>
+        <p:nvCxnSpPr>
+          <p:cNvPr id="28" name="直接连接符 27">
+            <a:extLst>
+              <a:ext uri="{FF2B5EF4-FFF2-40B4-BE49-F238E27FC236}">
+                <a16:creationId xmlns="" xmlns:a16="http://schemas.microsoft.com/office/drawing/2014/main" id="{C94951D2-8DD4-42C0-A481-97E6C25A33B7}"/>
+              </a:ext>
+            </a:extLst>
+          </p:cNvPr>
+          <p:cNvCxnSpPr>
+            <a:cxnSpLocks/>
+          </p:cNvCxnSpPr>
+          <p:nvPr/>
+        </p:nvCxnSpPr>
+        <p:spPr>
+          <a:xfrm>
+            <a:off x="4554059" y="768928"/>
+            <a:ext cx="8833" cy="2638300"/>
+          </a:xfrm>
+          <a:prstGeom prst="line">
+            <a:avLst/>
+          </a:prstGeom>
+          <a:ln>
+            <a:solidFill>
+              <a:schemeClr val="tx1"/>
+            </a:solidFill>
+            <a:prstDash val="lgDashDotDot"/>
+          </a:ln>
+        </p:spPr>
+        <p:style>
+          <a:lnRef idx="1">
+            <a:schemeClr val="accent1"/>
+          </a:lnRef>
+          <a:fillRef idx="0">
+            <a:schemeClr val="accent1"/>
+          </a:fillRef>
+          <a:effectRef idx="0">
+            <a:schemeClr val="accent1"/>
+          </a:effectRef>
+          <a:fontRef idx="minor">
+            <a:schemeClr val="tx1"/>
+          </a:fontRef>
+        </p:style>
+      </p:cxnSp>
+      <p:sp>
+        <p:nvSpPr>
+          <p:cNvPr id="29" name="右大括号 28">
+            <a:extLst>
+              <a:ext uri="{FF2B5EF4-FFF2-40B4-BE49-F238E27FC236}">
+                <a16:creationId xmlns="" xmlns:a16="http://schemas.microsoft.com/office/drawing/2014/main" id="{65D7FD4A-9DB7-4403-B6AC-B18D53706051}"/>
+              </a:ext>
+            </a:extLst>
+          </p:cNvPr>
+          <p:cNvSpPr/>
+          <p:nvPr/>
+        </p:nvSpPr>
+        <p:spPr>
+          <a:xfrm>
+            <a:off x="10437403" y="1000147"/>
+            <a:ext cx="314958" cy="1500597"/>
+          </a:xfrm>
+          <a:prstGeom prst="rightBrace">
+            <a:avLst>
+              <a:gd name="adj1" fmla="val 44623"/>
+              <a:gd name="adj2" fmla="val 49871"/>
+            </a:avLst>
+          </a:prstGeom>
+          <a:ln>
+            <a:solidFill>
+              <a:schemeClr val="tx1"/>
+            </a:solidFill>
+          </a:ln>
+        </p:spPr>
+        <p:style>
+          <a:lnRef idx="1">
+            <a:schemeClr val="accent1"/>
+          </a:lnRef>
+          <a:fillRef idx="0">
+            <a:schemeClr val="accent1"/>
+          </a:fillRef>
+          <a:effectRef idx="0">
+            <a:schemeClr val="accent1"/>
+          </a:effectRef>
+          <a:fontRef idx="minor">
+            <a:schemeClr val="tx1"/>
+          </a:fontRef>
+        </p:style>
+        <p:txBody>
+          <a:bodyPr rtlCol="0" anchor="ctr"/>
+          <a:lstStyle/>
+          <a:p>
+            <a:pPr algn="ctr"/>
             <a:endParaRPr lang="zh-CN" altLang="en-US"/>
+          </a:p>
+        </p:txBody>
+      </p:sp>
+      <p:sp>
+        <p:nvSpPr>
+          <p:cNvPr id="30" name="矩形 29">
+            <a:extLst>
+              <a:ext uri="{FF2B5EF4-FFF2-40B4-BE49-F238E27FC236}">
+                <a16:creationId xmlns="" xmlns:a16="http://schemas.microsoft.com/office/drawing/2014/main" id="{F29A3D16-7342-466D-969F-F25F200F859D}"/>
+              </a:ext>
+            </a:extLst>
+          </p:cNvPr>
+          <p:cNvSpPr/>
+          <p:nvPr/>
+        </p:nvSpPr>
+        <p:spPr>
+          <a:xfrm>
+            <a:off x="9271129" y="3687127"/>
+            <a:ext cx="418704" cy="369332"/>
+          </a:xfrm>
+          <a:prstGeom prst="rect">
+            <a:avLst/>
+          </a:prstGeom>
+        </p:spPr>
+        <p:txBody>
+          <a:bodyPr wrap="none">
+            <a:spAutoFit/>
+          </a:bodyPr>
+          <a:lstStyle/>
+          <a:p>
+            <a:r>
+              <a:rPr lang="en-US" altLang="zh-CN" dirty="0" smtClean="0"/>
+              <a:t>1</a:t>
+            </a:r>
+            <a:r>
+              <a:rPr lang="en-US" altLang="zh-CN" dirty="0"/>
+              <a:t>7</a:t>
+            </a:r>
+            <a:endParaRPr lang="zh-CN" altLang="en-US" dirty="0"/>
+          </a:p>
+        </p:txBody>
+      </p:sp>
+      <p:cxnSp>
+        <p:nvCxnSpPr>
+          <p:cNvPr id="31" name="直接连接符 30">
+            <a:extLst>
+              <a:ext uri="{FF2B5EF4-FFF2-40B4-BE49-F238E27FC236}">
+                <a16:creationId xmlns="" xmlns:a16="http://schemas.microsoft.com/office/drawing/2014/main" id="{C94951D2-8DD4-42C0-A481-97E6C25A33B7}"/>
+              </a:ext>
+            </a:extLst>
+          </p:cNvPr>
+          <p:cNvCxnSpPr>
+            <a:cxnSpLocks/>
+          </p:cNvCxnSpPr>
+          <p:nvPr/>
+        </p:nvCxnSpPr>
+        <p:spPr>
+          <a:xfrm flipV="1">
+            <a:off x="5555165" y="1006825"/>
+            <a:ext cx="4793375" cy="4207"/>
+          </a:xfrm>
+          <a:prstGeom prst="line">
+            <a:avLst/>
+          </a:prstGeom>
+          <a:ln>
+            <a:solidFill>
+              <a:schemeClr val="tx1"/>
+            </a:solidFill>
+            <a:prstDash val="lgDashDotDot"/>
+          </a:ln>
+        </p:spPr>
+        <p:style>
+          <a:lnRef idx="1">
+            <a:schemeClr val="accent1"/>
+          </a:lnRef>
+          <a:fillRef idx="0">
+            <a:schemeClr val="accent1"/>
+          </a:fillRef>
+          <a:effectRef idx="0">
+            <a:schemeClr val="accent1"/>
+          </a:effectRef>
+          <a:fontRef idx="minor">
+            <a:schemeClr val="tx1"/>
+          </a:fontRef>
+        </p:style>
+      </p:cxnSp>
+      <p:cxnSp>
+        <p:nvCxnSpPr>
+          <p:cNvPr id="33" name="直接连接符 32">
+            <a:extLst>
+              <a:ext uri="{FF2B5EF4-FFF2-40B4-BE49-F238E27FC236}">
+                <a16:creationId xmlns="" xmlns:a16="http://schemas.microsoft.com/office/drawing/2014/main" id="{C94951D2-8DD4-42C0-A481-97E6C25A33B7}"/>
+              </a:ext>
+            </a:extLst>
+          </p:cNvPr>
+          <p:cNvCxnSpPr>
+            <a:cxnSpLocks/>
+          </p:cNvCxnSpPr>
+          <p:nvPr/>
+        </p:nvCxnSpPr>
+        <p:spPr>
+          <a:xfrm flipV="1">
+            <a:off x="5549887" y="2518325"/>
+            <a:ext cx="4793375" cy="4207"/>
+          </a:xfrm>
+          <a:prstGeom prst="line">
+            <a:avLst/>
+          </a:prstGeom>
+          <a:ln>
+            <a:solidFill>
+              <a:schemeClr val="tx1"/>
+            </a:solidFill>
+            <a:prstDash val="lgDashDotDot"/>
+          </a:ln>
+        </p:spPr>
+        <p:style>
+          <a:lnRef idx="1">
+            <a:schemeClr val="accent1"/>
+          </a:lnRef>
+          <a:fillRef idx="0">
+            <a:schemeClr val="accent1"/>
+          </a:fillRef>
+          <a:effectRef idx="0">
+            <a:schemeClr val="accent1"/>
+          </a:effectRef>
+          <a:fontRef idx="minor">
+            <a:schemeClr val="tx1"/>
+          </a:fontRef>
+        </p:style>
+      </p:cxnSp>
+      <p:cxnSp>
+        <p:nvCxnSpPr>
+          <p:cNvPr id="34" name="直接连接符 33">
+            <a:extLst>
+              <a:ext uri="{FF2B5EF4-FFF2-40B4-BE49-F238E27FC236}">
+                <a16:creationId xmlns="" xmlns:a16="http://schemas.microsoft.com/office/drawing/2014/main" id="{C94951D2-8DD4-42C0-A481-97E6C25A33B7}"/>
+              </a:ext>
+            </a:extLst>
+          </p:cNvPr>
+          <p:cNvCxnSpPr>
+            <a:cxnSpLocks/>
+          </p:cNvCxnSpPr>
+          <p:nvPr/>
+        </p:nvCxnSpPr>
+        <p:spPr>
+          <a:xfrm>
+            <a:off x="1492648" y="2518325"/>
+            <a:ext cx="2599203" cy="5236"/>
+          </a:xfrm>
+          <a:prstGeom prst="line">
+            <a:avLst/>
+          </a:prstGeom>
+          <a:ln>
+            <a:solidFill>
+              <a:schemeClr val="tx1"/>
+            </a:solidFill>
+            <a:prstDash val="lgDashDotDot"/>
+          </a:ln>
+        </p:spPr>
+        <p:style>
+          <a:lnRef idx="1">
+            <a:schemeClr val="accent1"/>
+          </a:lnRef>
+          <a:fillRef idx="0">
+            <a:schemeClr val="accent1"/>
+          </a:fillRef>
+          <a:effectRef idx="0">
+            <a:schemeClr val="accent1"/>
+          </a:effectRef>
+          <a:fontRef idx="minor">
+            <a:schemeClr val="tx1"/>
+          </a:fontRef>
+        </p:style>
+      </p:cxnSp>
+      <p:cxnSp>
+        <p:nvCxnSpPr>
+          <p:cNvPr id="36" name="直接连接符 35">
+            <a:extLst>
+              <a:ext uri="{FF2B5EF4-FFF2-40B4-BE49-F238E27FC236}">
+                <a16:creationId xmlns="" xmlns:a16="http://schemas.microsoft.com/office/drawing/2014/main" id="{C94951D2-8DD4-42C0-A481-97E6C25A33B7}"/>
+              </a:ext>
+            </a:extLst>
+          </p:cNvPr>
+          <p:cNvCxnSpPr>
+            <a:cxnSpLocks/>
+          </p:cNvCxnSpPr>
+          <p:nvPr/>
+        </p:nvCxnSpPr>
+        <p:spPr>
+          <a:xfrm flipV="1">
+            <a:off x="1492647" y="1290498"/>
+            <a:ext cx="2599203" cy="13423"/>
+          </a:xfrm>
+          <a:prstGeom prst="line">
+            <a:avLst/>
+          </a:prstGeom>
+          <a:ln>
+            <a:solidFill>
+              <a:schemeClr val="tx1"/>
+            </a:solidFill>
+            <a:prstDash val="lgDashDotDot"/>
+          </a:ln>
+        </p:spPr>
+        <p:style>
+          <a:lnRef idx="1">
+            <a:schemeClr val="accent1"/>
+          </a:lnRef>
+          <a:fillRef idx="0">
+            <a:schemeClr val="accent1"/>
+          </a:fillRef>
+          <a:effectRef idx="0">
+            <a:schemeClr val="accent1"/>
+          </a:effectRef>
+          <a:fontRef idx="minor">
+            <a:schemeClr val="tx1"/>
+          </a:fontRef>
+        </p:style>
+      </p:cxnSp>
+      <p:sp>
+        <p:nvSpPr>
+          <p:cNvPr id="38" name="右大括号 37">
+            <a:extLst>
+              <a:ext uri="{FF2B5EF4-FFF2-40B4-BE49-F238E27FC236}">
+                <a16:creationId xmlns="" xmlns:a16="http://schemas.microsoft.com/office/drawing/2014/main" id="{65D7FD4A-9DB7-4403-B6AC-B18D53706051}"/>
+              </a:ext>
+            </a:extLst>
+          </p:cNvPr>
+          <p:cNvSpPr/>
+          <p:nvPr/>
+        </p:nvSpPr>
+        <p:spPr>
+          <a:xfrm flipH="1">
+            <a:off x="1088424" y="1290498"/>
+            <a:ext cx="294587" cy="1210246"/>
+          </a:xfrm>
+          <a:prstGeom prst="rightBrace">
+            <a:avLst>
+              <a:gd name="adj1" fmla="val 44623"/>
+              <a:gd name="adj2" fmla="val 49871"/>
+            </a:avLst>
+          </a:prstGeom>
+          <a:ln>
+            <a:solidFill>
+              <a:schemeClr val="tx1"/>
+            </a:solidFill>
+          </a:ln>
+        </p:spPr>
+        <p:style>
+          <a:lnRef idx="1">
+            <a:schemeClr val="accent1"/>
+          </a:lnRef>
+          <a:fillRef idx="0">
+            <a:schemeClr val="accent1"/>
+          </a:fillRef>
+          <a:effectRef idx="0">
+            <a:schemeClr val="accent1"/>
+          </a:effectRef>
+          <a:fontRef idx="minor">
+            <a:schemeClr val="tx1"/>
+          </a:fontRef>
+        </p:style>
+        <p:txBody>
+          <a:bodyPr rtlCol="0" anchor="ctr"/>
+          <a:lstStyle/>
+          <a:p>
+            <a:pPr algn="ctr"/>
+            <a:endParaRPr lang="zh-CN" altLang="en-US"/>
+          </a:p>
+        </p:txBody>
+      </p:sp>
+      <p:sp>
+        <p:nvSpPr>
+          <p:cNvPr id="39" name="矩形 38">
+            <a:extLst>
+              <a:ext uri="{FF2B5EF4-FFF2-40B4-BE49-F238E27FC236}">
+                <a16:creationId xmlns="" xmlns:a16="http://schemas.microsoft.com/office/drawing/2014/main" id="{F29A3D16-7342-466D-969F-F25F200F859D}"/>
+              </a:ext>
+            </a:extLst>
+          </p:cNvPr>
+          <p:cNvSpPr/>
+          <p:nvPr/>
+        </p:nvSpPr>
+        <p:spPr>
+          <a:xfrm>
+            <a:off x="662604" y="1710955"/>
+            <a:ext cx="418704" cy="369332"/>
+          </a:xfrm>
+          <a:prstGeom prst="rect">
+            <a:avLst/>
+          </a:prstGeom>
+        </p:spPr>
+        <p:txBody>
+          <a:bodyPr wrap="none">
+            <a:spAutoFit/>
+          </a:bodyPr>
+          <a:lstStyle/>
+          <a:p>
+            <a:r>
+              <a:rPr lang="en-US" altLang="zh-CN" dirty="0" smtClean="0"/>
+              <a:t>13</a:t>
+            </a:r>
+            <a:endParaRPr lang="zh-CN" altLang="en-US" dirty="0"/>
+          </a:p>
+        </p:txBody>
+      </p:sp>
+      <p:sp>
+        <p:nvSpPr>
+          <p:cNvPr id="40" name="圆角矩形 39"/>
+          <p:cNvSpPr/>
+          <p:nvPr/>
+        </p:nvSpPr>
+        <p:spPr>
+          <a:xfrm>
+            <a:off x="1709869" y="4800452"/>
+            <a:ext cx="3183758" cy="762001"/>
+          </a:xfrm>
+          <a:prstGeom prst="roundRect">
+            <a:avLst/>
+          </a:prstGeom>
+          <a:solidFill>
+            <a:schemeClr val="accent3"/>
+          </a:solidFill>
+          <a:ln>
+            <a:solidFill>
+              <a:schemeClr val="bg1"/>
+            </a:solidFill>
+          </a:ln>
+        </p:spPr>
+        <p:style>
+          <a:lnRef idx="2">
+            <a:schemeClr val="accent1">
+              <a:shade val="50000"/>
+            </a:schemeClr>
+          </a:lnRef>
+          <a:fillRef idx="1">
+            <a:schemeClr val="accent1"/>
+          </a:fillRef>
+          <a:effectRef idx="0">
+            <a:schemeClr val="accent1"/>
+          </a:effectRef>
+          <a:fontRef idx="minor">
+            <a:schemeClr val="lt1"/>
+          </a:fontRef>
+        </p:style>
+        <p:txBody>
+          <a:bodyPr rtlCol="0" anchor="ctr"/>
+          <a:lstStyle/>
+          <a:p>
+            <a:pPr algn="ctr"/>
+            <a:endParaRPr lang="zh-CN" altLang="en-US"/>
+          </a:p>
+        </p:txBody>
+      </p:sp>
+      <p:sp>
+        <p:nvSpPr>
+          <p:cNvPr id="41" name="圆角矩形 40"/>
+          <p:cNvSpPr/>
+          <p:nvPr/>
+        </p:nvSpPr>
+        <p:spPr>
+          <a:xfrm>
+            <a:off x="3011385" y="5190205"/>
+            <a:ext cx="597790" cy="45719"/>
+          </a:xfrm>
+          <a:prstGeom prst="roundRect">
+            <a:avLst/>
+          </a:prstGeom>
+          <a:solidFill>
+            <a:schemeClr val="bg1">
+              <a:lumMod val="85000"/>
+            </a:schemeClr>
+          </a:solidFill>
+          <a:ln>
+            <a:noFill/>
+          </a:ln>
+        </p:spPr>
+        <p:style>
+          <a:lnRef idx="2">
+            <a:schemeClr val="accent1">
+              <a:shade val="50000"/>
+            </a:schemeClr>
+          </a:lnRef>
+          <a:fillRef idx="1">
+            <a:schemeClr val="accent1"/>
+          </a:fillRef>
+          <a:effectRef idx="0">
+            <a:schemeClr val="accent1"/>
+          </a:effectRef>
+          <a:fontRef idx="minor">
+            <a:schemeClr val="lt1"/>
+          </a:fontRef>
+        </p:style>
+        <p:txBody>
+          <a:bodyPr rtlCol="0" anchor="ctr"/>
+          <a:lstStyle/>
+          <a:p>
+            <a:pPr algn="ctr"/>
+            <a:endParaRPr lang="zh-CN" altLang="en-US"/>
+          </a:p>
+        </p:txBody>
+      </p:sp>
+      <p:sp>
+        <p:nvSpPr>
+          <p:cNvPr id="42" name="圆角矩形 41"/>
+          <p:cNvSpPr/>
+          <p:nvPr/>
+        </p:nvSpPr>
+        <p:spPr>
+          <a:xfrm>
+            <a:off x="3011385" y="5094367"/>
+            <a:ext cx="146710" cy="78377"/>
+          </a:xfrm>
+          <a:prstGeom prst="roundRect">
+            <a:avLst/>
+          </a:prstGeom>
+          <a:solidFill>
+            <a:srgbClr val="00B0F0"/>
+          </a:solidFill>
+          <a:ln>
+            <a:noFill/>
+          </a:ln>
+        </p:spPr>
+        <p:style>
+          <a:lnRef idx="2">
+            <a:schemeClr val="accent1">
+              <a:shade val="50000"/>
+            </a:schemeClr>
+          </a:lnRef>
+          <a:fillRef idx="1">
+            <a:schemeClr val="accent1"/>
+          </a:fillRef>
+          <a:effectRef idx="0">
+            <a:schemeClr val="accent1"/>
+          </a:effectRef>
+          <a:fontRef idx="minor">
+            <a:schemeClr val="lt1"/>
+          </a:fontRef>
+        </p:style>
+        <p:txBody>
+          <a:bodyPr rtlCol="0" anchor="ctr"/>
+          <a:lstStyle/>
+          <a:p>
+            <a:pPr algn="ctr"/>
+            <a:endParaRPr lang="zh-CN" altLang="en-US"/>
+          </a:p>
+        </p:txBody>
+      </p:sp>
+      <p:sp>
+        <p:nvSpPr>
+          <p:cNvPr id="43" name="圆角矩形 42"/>
+          <p:cNvSpPr/>
+          <p:nvPr/>
+        </p:nvSpPr>
+        <p:spPr>
+          <a:xfrm>
+            <a:off x="3235160" y="5094367"/>
+            <a:ext cx="146710" cy="78377"/>
+          </a:xfrm>
+          <a:prstGeom prst="roundRect">
+            <a:avLst/>
+          </a:prstGeom>
+          <a:solidFill>
+            <a:srgbClr val="00B0F0"/>
+          </a:solidFill>
+          <a:ln>
+            <a:noFill/>
+          </a:ln>
+        </p:spPr>
+        <p:style>
+          <a:lnRef idx="2">
+            <a:schemeClr val="accent1">
+              <a:shade val="50000"/>
+            </a:schemeClr>
+          </a:lnRef>
+          <a:fillRef idx="1">
+            <a:schemeClr val="accent1"/>
+          </a:fillRef>
+          <a:effectRef idx="0">
+            <a:schemeClr val="accent1"/>
+          </a:effectRef>
+          <a:fontRef idx="minor">
+            <a:schemeClr val="lt1"/>
+          </a:fontRef>
+        </p:style>
+        <p:txBody>
+          <a:bodyPr rtlCol="0" anchor="ctr"/>
+          <a:lstStyle/>
+          <a:p>
+            <a:pPr algn="ctr"/>
+            <a:endParaRPr lang="zh-CN" altLang="en-US"/>
+          </a:p>
+        </p:txBody>
+      </p:sp>
+      <p:sp>
+        <p:nvSpPr>
+          <p:cNvPr id="44" name="圆角矩形 43"/>
+          <p:cNvSpPr/>
+          <p:nvPr/>
+        </p:nvSpPr>
+        <p:spPr>
+          <a:xfrm>
+            <a:off x="3462465" y="5090012"/>
+            <a:ext cx="146710" cy="78377"/>
+          </a:xfrm>
+          <a:prstGeom prst="roundRect">
+            <a:avLst/>
+          </a:prstGeom>
+          <a:solidFill>
+            <a:srgbClr val="00B0F0"/>
+          </a:solidFill>
+          <a:ln>
+            <a:noFill/>
+          </a:ln>
+        </p:spPr>
+        <p:style>
+          <a:lnRef idx="2">
+            <a:schemeClr val="accent1">
+              <a:shade val="50000"/>
+            </a:schemeClr>
+          </a:lnRef>
+          <a:fillRef idx="1">
+            <a:schemeClr val="accent1"/>
+          </a:fillRef>
+          <a:effectRef idx="0">
+            <a:schemeClr val="accent1"/>
+          </a:effectRef>
+          <a:fontRef idx="minor">
+            <a:schemeClr val="lt1"/>
+          </a:fontRef>
+        </p:style>
+        <p:txBody>
+          <a:bodyPr rtlCol="0" anchor="ctr"/>
+          <a:lstStyle/>
+          <a:p>
+            <a:pPr algn="ctr"/>
+            <a:endParaRPr lang="zh-CN" altLang="en-US"/>
+          </a:p>
+        </p:txBody>
+      </p:sp>
+      <p:cxnSp>
+        <p:nvCxnSpPr>
+          <p:cNvPr id="45" name="直接连接符 44">
+            <a:extLst>
+              <a:ext uri="{FF2B5EF4-FFF2-40B4-BE49-F238E27FC236}">
+                <a16:creationId xmlns="" xmlns:a16="http://schemas.microsoft.com/office/drawing/2014/main" id="{C94951D2-8DD4-42C0-A481-97E6C25A33B7}"/>
+              </a:ext>
+            </a:extLst>
+          </p:cNvPr>
+          <p:cNvCxnSpPr>
+            <a:cxnSpLocks/>
+          </p:cNvCxnSpPr>
+          <p:nvPr/>
+        </p:nvCxnSpPr>
+        <p:spPr>
+          <a:xfrm>
+            <a:off x="1727060" y="358823"/>
+            <a:ext cx="6928" cy="3485404"/>
+          </a:xfrm>
+          <a:prstGeom prst="line">
+            <a:avLst/>
+          </a:prstGeom>
+          <a:ln>
+            <a:solidFill>
+              <a:schemeClr val="tx1"/>
+            </a:solidFill>
+            <a:prstDash val="lgDashDotDot"/>
+          </a:ln>
+        </p:spPr>
+        <p:style>
+          <a:lnRef idx="1">
+            <a:schemeClr val="accent1"/>
+          </a:lnRef>
+          <a:fillRef idx="0">
+            <a:schemeClr val="accent1"/>
+          </a:fillRef>
+          <a:effectRef idx="0">
+            <a:schemeClr val="accent1"/>
+          </a:effectRef>
+          <a:fontRef idx="minor">
+            <a:schemeClr val="tx1"/>
+          </a:fontRef>
+        </p:style>
+      </p:cxnSp>
+      <p:cxnSp>
+        <p:nvCxnSpPr>
+          <p:cNvPr id="47" name="直接箭头连接符 46"/>
+          <p:cNvCxnSpPr/>
+          <p:nvPr/>
+        </p:nvCxnSpPr>
+        <p:spPr>
+          <a:xfrm>
+            <a:off x="1881470" y="3624943"/>
+            <a:ext cx="2917372" cy="10886"/>
+          </a:xfrm>
+          <a:prstGeom prst="straightConnector1">
+            <a:avLst/>
+          </a:prstGeom>
+          <a:ln>
+            <a:solidFill>
+              <a:schemeClr val="tx1"/>
+            </a:solidFill>
+            <a:headEnd type="triangle"/>
+            <a:tailEnd type="triangle"/>
+          </a:ln>
+        </p:spPr>
+        <p:style>
+          <a:lnRef idx="1">
+            <a:schemeClr val="accent1"/>
+          </a:lnRef>
+          <a:fillRef idx="0">
+            <a:schemeClr val="accent1"/>
+          </a:fillRef>
+          <a:effectRef idx="0">
+            <a:schemeClr val="accent1"/>
+          </a:effectRef>
+          <a:fontRef idx="minor">
+            <a:schemeClr val="tx1"/>
+          </a:fontRef>
+        </p:style>
+      </p:cxnSp>
+      <p:sp>
+        <p:nvSpPr>
+          <p:cNvPr id="48" name="矩形 47">
+            <a:extLst>
+              <a:ext uri="{FF2B5EF4-FFF2-40B4-BE49-F238E27FC236}">
+                <a16:creationId xmlns="" xmlns:a16="http://schemas.microsoft.com/office/drawing/2014/main" id="{F29A3D16-7342-466D-969F-F25F200F859D}"/>
+              </a:ext>
+            </a:extLst>
+          </p:cNvPr>
+          <p:cNvSpPr/>
+          <p:nvPr/>
+        </p:nvSpPr>
+        <p:spPr>
+          <a:xfrm>
+            <a:off x="2934671" y="3687127"/>
+            <a:ext cx="418704" cy="369332"/>
+          </a:xfrm>
+          <a:prstGeom prst="rect">
+            <a:avLst/>
+          </a:prstGeom>
+        </p:spPr>
+        <p:txBody>
+          <a:bodyPr wrap="none">
+            <a:spAutoFit/>
+          </a:bodyPr>
+          <a:lstStyle/>
+          <a:p>
+            <a:r>
+              <a:rPr lang="en-US" altLang="zh-CN" dirty="0" smtClean="0"/>
+              <a:t>42</a:t>
+            </a:r>
+            <a:endParaRPr lang="zh-CN" altLang="en-US" dirty="0"/>
+          </a:p>
+        </p:txBody>
+      </p:sp>
+      <p:sp>
+        <p:nvSpPr>
+          <p:cNvPr id="49" name="圆角矩形 48"/>
+          <p:cNvSpPr/>
+          <p:nvPr/>
+        </p:nvSpPr>
+        <p:spPr>
+          <a:xfrm>
+            <a:off x="6965807" y="4748199"/>
+            <a:ext cx="3183758" cy="762001"/>
+          </a:xfrm>
+          <a:prstGeom prst="roundRect">
+            <a:avLst/>
+          </a:prstGeom>
+          <a:solidFill>
+            <a:schemeClr val="accent3"/>
+          </a:solidFill>
+          <a:ln>
+            <a:solidFill>
+              <a:schemeClr val="bg1"/>
+            </a:solidFill>
+          </a:ln>
+        </p:spPr>
+        <p:style>
+          <a:lnRef idx="2">
+            <a:schemeClr val="accent1">
+              <a:shade val="50000"/>
+            </a:schemeClr>
+          </a:lnRef>
+          <a:fillRef idx="1">
+            <a:schemeClr val="accent1"/>
+          </a:fillRef>
+          <a:effectRef idx="0">
+            <a:schemeClr val="accent1"/>
+          </a:effectRef>
+          <a:fontRef idx="minor">
+            <a:schemeClr val="lt1"/>
+          </a:fontRef>
+        </p:style>
+        <p:txBody>
+          <a:bodyPr rtlCol="0" anchor="ctr"/>
+          <a:lstStyle/>
+          <a:p>
+            <a:pPr algn="ctr"/>
+            <a:endParaRPr lang="zh-CN" altLang="en-US"/>
+          </a:p>
+        </p:txBody>
+      </p:sp>
+      <p:sp>
+        <p:nvSpPr>
+          <p:cNvPr id="50" name="圆角矩形 49"/>
+          <p:cNvSpPr/>
+          <p:nvPr/>
+        </p:nvSpPr>
+        <p:spPr>
+          <a:xfrm>
+            <a:off x="9357695" y="4897469"/>
+            <a:ext cx="597790" cy="526278"/>
+          </a:xfrm>
+          <a:prstGeom prst="roundRect">
+            <a:avLst/>
+          </a:prstGeom>
+          <a:solidFill>
+            <a:schemeClr val="bg1">
+              <a:lumMod val="85000"/>
+            </a:schemeClr>
+          </a:solidFill>
+          <a:ln>
+            <a:noFill/>
+          </a:ln>
+        </p:spPr>
+        <p:style>
+          <a:lnRef idx="2">
+            <a:schemeClr val="accent1">
+              <a:shade val="50000"/>
+            </a:schemeClr>
+          </a:lnRef>
+          <a:fillRef idx="1">
+            <a:schemeClr val="accent1"/>
+          </a:fillRef>
+          <a:effectRef idx="0">
+            <a:schemeClr val="accent1"/>
+          </a:effectRef>
+          <a:fontRef idx="minor">
+            <a:schemeClr val="lt1"/>
+          </a:fontRef>
+        </p:style>
+        <p:txBody>
+          <a:bodyPr rtlCol="0" anchor="ctr"/>
+          <a:lstStyle/>
+          <a:p>
+            <a:pPr algn="ctr"/>
+            <a:endParaRPr lang="zh-CN" altLang="en-US"/>
+          </a:p>
+        </p:txBody>
+      </p:sp>
+      <p:sp>
+        <p:nvSpPr>
+          <p:cNvPr id="51" name="圆角矩形 50"/>
+          <p:cNvSpPr/>
+          <p:nvPr/>
+        </p:nvSpPr>
+        <p:spPr>
+          <a:xfrm>
+            <a:off x="8377055" y="5322967"/>
+            <a:ext cx="414211" cy="100780"/>
+          </a:xfrm>
+          <a:prstGeom prst="roundRect">
+            <a:avLst/>
+          </a:prstGeom>
+          <a:solidFill>
+            <a:schemeClr val="bg1">
+              <a:lumMod val="85000"/>
+            </a:schemeClr>
+          </a:solidFill>
+          <a:ln>
+            <a:noFill/>
+          </a:ln>
+        </p:spPr>
+        <p:style>
+          <a:lnRef idx="2">
+            <a:schemeClr val="accent1">
+              <a:shade val="50000"/>
+            </a:schemeClr>
+          </a:lnRef>
+          <a:fillRef idx="1">
+            <a:schemeClr val="accent1"/>
+          </a:fillRef>
+          <a:effectRef idx="0">
+            <a:schemeClr val="accent1"/>
+          </a:effectRef>
+          <a:fontRef idx="minor">
+            <a:schemeClr val="lt1"/>
+          </a:fontRef>
+        </p:style>
+        <p:txBody>
+          <a:bodyPr rtlCol="0" anchor="ctr"/>
+          <a:lstStyle/>
+          <a:p>
+            <a:pPr algn="ctr"/>
+            <a:endParaRPr lang="zh-CN" altLang="en-US"/>
+          </a:p>
+        </p:txBody>
+      </p:sp>
+      <p:sp>
+        <p:nvSpPr>
+          <p:cNvPr id="52" name="圆角矩形 51"/>
+          <p:cNvSpPr/>
+          <p:nvPr/>
+        </p:nvSpPr>
+        <p:spPr>
+          <a:xfrm>
+            <a:off x="7213341" y="5087879"/>
+            <a:ext cx="738843" cy="330750"/>
+          </a:xfrm>
+          <a:prstGeom prst="roundRect">
+            <a:avLst/>
+          </a:prstGeom>
+          <a:solidFill>
+            <a:schemeClr val="bg1">
+              <a:lumMod val="85000"/>
+            </a:schemeClr>
+          </a:solidFill>
+          <a:ln>
+            <a:noFill/>
+          </a:ln>
+        </p:spPr>
+        <p:style>
+          <a:lnRef idx="2">
+            <a:schemeClr val="accent1">
+              <a:shade val="50000"/>
+            </a:schemeClr>
+          </a:lnRef>
+          <a:fillRef idx="1">
+            <a:schemeClr val="accent1"/>
+          </a:fillRef>
+          <a:effectRef idx="0">
+            <a:schemeClr val="accent1"/>
+          </a:effectRef>
+          <a:fontRef idx="minor">
+            <a:schemeClr val="lt1"/>
+          </a:fontRef>
+        </p:style>
+        <p:txBody>
+          <a:bodyPr rtlCol="0" anchor="ctr"/>
+          <a:lstStyle/>
+          <a:p>
+            <a:pPr algn="ctr"/>
+            <a:endParaRPr lang="zh-CN" altLang="en-US"/>
+          </a:p>
+        </p:txBody>
+      </p:sp>
+      <p:sp>
+        <p:nvSpPr>
+          <p:cNvPr id="53" name="圆角矩形 52"/>
+          <p:cNvSpPr/>
+          <p:nvPr/>
+        </p:nvSpPr>
+        <p:spPr>
+          <a:xfrm>
+            <a:off x="7300790" y="5135731"/>
+            <a:ext cx="281972" cy="232910"/>
+          </a:xfrm>
+          <a:prstGeom prst="roundRect">
+            <a:avLst/>
+          </a:prstGeom>
+          <a:solidFill>
+            <a:schemeClr val="tx1">
+              <a:lumMod val="75000"/>
+              <a:lumOff val="25000"/>
+            </a:schemeClr>
+          </a:solidFill>
+          <a:ln>
+            <a:noFill/>
+          </a:ln>
+        </p:spPr>
+        <p:style>
+          <a:lnRef idx="2">
+            <a:schemeClr val="accent1">
+              <a:shade val="50000"/>
+            </a:schemeClr>
+          </a:lnRef>
+          <a:fillRef idx="1">
+            <a:schemeClr val="accent1"/>
+          </a:fillRef>
+          <a:effectRef idx="0">
+            <a:schemeClr val="accent1"/>
+          </a:effectRef>
+          <a:fontRef idx="minor">
+            <a:schemeClr val="lt1"/>
+          </a:fontRef>
+        </p:style>
+        <p:txBody>
+          <a:bodyPr rtlCol="0" anchor="ctr"/>
+          <a:lstStyle/>
+          <a:p>
+            <a:pPr algn="ctr"/>
+            <a:endParaRPr lang="zh-CN" altLang="en-US"/>
+          </a:p>
+        </p:txBody>
+      </p:sp>
+      <p:sp>
+        <p:nvSpPr>
+          <p:cNvPr id="54" name="圆角矩形 53"/>
+          <p:cNvSpPr/>
+          <p:nvPr/>
+        </p:nvSpPr>
+        <p:spPr>
+          <a:xfrm>
+            <a:off x="9016905" y="5330517"/>
+            <a:ext cx="146710" cy="78377"/>
+          </a:xfrm>
+          <a:prstGeom prst="roundRect">
+            <a:avLst/>
+          </a:prstGeom>
+          <a:solidFill>
+            <a:srgbClr val="FF0000"/>
+          </a:solidFill>
+          <a:ln>
+            <a:noFill/>
+          </a:ln>
+        </p:spPr>
+        <p:style>
+          <a:lnRef idx="2">
+            <a:schemeClr val="accent1">
+              <a:shade val="50000"/>
+            </a:schemeClr>
+          </a:lnRef>
+          <a:fillRef idx="1">
+            <a:schemeClr val="accent1"/>
+          </a:fillRef>
+          <a:effectRef idx="0">
+            <a:schemeClr val="accent1"/>
+          </a:effectRef>
+          <a:fontRef idx="minor">
+            <a:schemeClr val="lt1"/>
+          </a:fontRef>
+        </p:style>
+        <p:txBody>
+          <a:bodyPr rtlCol="0" anchor="ctr"/>
+          <a:lstStyle/>
+          <a:p>
+            <a:pPr algn="ctr"/>
+            <a:endParaRPr lang="zh-CN" altLang="en-US"/>
+          </a:p>
+        </p:txBody>
+      </p:sp>
+      <p:sp>
+        <p:nvSpPr>
+          <p:cNvPr id="55" name="右大括号 54">
+            <a:extLst>
+              <a:ext uri="{FF2B5EF4-FFF2-40B4-BE49-F238E27FC236}">
+                <a16:creationId xmlns="" xmlns:a16="http://schemas.microsoft.com/office/drawing/2014/main" id="{65D7FD4A-9DB7-4403-B6AC-B18D53706051}"/>
+              </a:ext>
+            </a:extLst>
+          </p:cNvPr>
+          <p:cNvSpPr/>
+          <p:nvPr/>
+        </p:nvSpPr>
+        <p:spPr>
+          <a:xfrm rot="5400000">
+            <a:off x="8388083" y="4512763"/>
+            <a:ext cx="314958" cy="3159512"/>
+          </a:xfrm>
+          <a:prstGeom prst="rightBrace">
+            <a:avLst>
+              <a:gd name="adj1" fmla="val 44623"/>
+              <a:gd name="adj2" fmla="val 49871"/>
+            </a:avLst>
+          </a:prstGeom>
+          <a:ln>
+            <a:solidFill>
+              <a:schemeClr val="tx1"/>
+            </a:solidFill>
+          </a:ln>
+        </p:spPr>
+        <p:style>
+          <a:lnRef idx="1">
+            <a:schemeClr val="accent1"/>
+          </a:lnRef>
+          <a:fillRef idx="0">
+            <a:schemeClr val="accent1"/>
+          </a:fillRef>
+          <a:effectRef idx="0">
+            <a:schemeClr val="accent1"/>
+          </a:effectRef>
+          <a:fontRef idx="minor">
+            <a:schemeClr val="tx1"/>
+          </a:fontRef>
+        </p:style>
+        <p:txBody>
+          <a:bodyPr rtlCol="0" anchor="ctr"/>
+          <a:lstStyle/>
+          <a:p>
+            <a:pPr algn="ctr"/>
+            <a:endParaRPr lang="zh-CN" altLang="en-US"/>
+          </a:p>
+        </p:txBody>
+      </p:sp>
+      <p:sp>
+        <p:nvSpPr>
+          <p:cNvPr id="56" name="矩形 55">
+            <a:extLst>
+              <a:ext uri="{FF2B5EF4-FFF2-40B4-BE49-F238E27FC236}">
+                <a16:creationId xmlns="" xmlns:a16="http://schemas.microsoft.com/office/drawing/2014/main" id="{F29A3D16-7342-466D-969F-F25F200F859D}"/>
+              </a:ext>
+            </a:extLst>
+          </p:cNvPr>
+          <p:cNvSpPr/>
+          <p:nvPr/>
+        </p:nvSpPr>
+        <p:spPr>
+          <a:xfrm>
+            <a:off x="7306736" y="6253185"/>
+            <a:ext cx="593432" cy="369332"/>
+          </a:xfrm>
+          <a:prstGeom prst="rect">
+            <a:avLst/>
+          </a:prstGeom>
+        </p:spPr>
+        <p:txBody>
+          <a:bodyPr wrap="none">
+            <a:spAutoFit/>
+          </a:bodyPr>
+          <a:lstStyle/>
+          <a:p>
+            <a:r>
+              <a:rPr lang="en-US" altLang="zh-CN" dirty="0" smtClean="0"/>
+              <a:t>60.5</a:t>
+            </a:r>
+            <a:endParaRPr lang="zh-CN" altLang="en-US" dirty="0"/>
+          </a:p>
+        </p:txBody>
+      </p:sp>
+      <p:cxnSp>
+        <p:nvCxnSpPr>
+          <p:cNvPr id="58" name="直接箭头连接符 57"/>
+          <p:cNvCxnSpPr/>
+          <p:nvPr/>
+        </p:nvCxnSpPr>
+        <p:spPr>
+          <a:xfrm>
+            <a:off x="3876781" y="5135731"/>
+            <a:ext cx="1343417" cy="0"/>
+          </a:xfrm>
+          <a:prstGeom prst="straightConnector1">
+            <a:avLst/>
+          </a:prstGeom>
+          <a:ln>
+            <a:solidFill>
+              <a:srgbClr val="00B0F0"/>
+            </a:solidFill>
+            <a:tailEnd type="triangle"/>
+          </a:ln>
+        </p:spPr>
+        <p:style>
+          <a:lnRef idx="1">
+            <a:schemeClr val="accent1"/>
+          </a:lnRef>
+          <a:fillRef idx="0">
+            <a:schemeClr val="accent1"/>
+          </a:fillRef>
+          <a:effectRef idx="0">
+            <a:schemeClr val="accent1"/>
+          </a:effectRef>
+          <a:fontRef idx="minor">
+            <a:schemeClr val="tx1"/>
+          </a:fontRef>
+        </p:style>
+      </p:cxnSp>
+      <p:sp>
+        <p:nvSpPr>
+          <p:cNvPr id="59" name="矩形 58">
+            <a:extLst>
+              <a:ext uri="{FF2B5EF4-FFF2-40B4-BE49-F238E27FC236}">
+                <a16:creationId xmlns="" xmlns:a16="http://schemas.microsoft.com/office/drawing/2014/main" id="{F29A3D16-7342-466D-969F-F25F200F859D}"/>
+              </a:ext>
+            </a:extLst>
+          </p:cNvPr>
+          <p:cNvSpPr/>
+          <p:nvPr/>
+        </p:nvSpPr>
+        <p:spPr>
+          <a:xfrm>
+            <a:off x="5249233" y="4944533"/>
+            <a:ext cx="963725" cy="369332"/>
+          </a:xfrm>
+          <a:prstGeom prst="rect">
+            <a:avLst/>
+          </a:prstGeom>
+        </p:spPr>
+        <p:txBody>
+          <a:bodyPr wrap="none">
+            <a:spAutoFit/>
+          </a:bodyPr>
+          <a:lstStyle/>
+          <a:p>
+            <a:r>
+              <a:rPr lang="en-US" altLang="zh-CN" dirty="0" smtClean="0"/>
+              <a:t>NET LED</a:t>
+            </a:r>
+            <a:endParaRPr lang="zh-CN" altLang="en-US" dirty="0"/>
+          </a:p>
+        </p:txBody>
+      </p:sp>
+      <p:sp>
+        <p:nvSpPr>
+          <p:cNvPr id="60" name="矩形 59">
+            <a:extLst>
+              <a:ext uri="{FF2B5EF4-FFF2-40B4-BE49-F238E27FC236}">
+                <a16:creationId xmlns="" xmlns:a16="http://schemas.microsoft.com/office/drawing/2014/main" id="{F29A3D16-7342-466D-969F-F25F200F859D}"/>
+              </a:ext>
+            </a:extLst>
+          </p:cNvPr>
+          <p:cNvSpPr/>
+          <p:nvPr/>
+        </p:nvSpPr>
+        <p:spPr>
+          <a:xfrm>
+            <a:off x="8633243" y="4333068"/>
+            <a:ext cx="914033" cy="369332"/>
+          </a:xfrm>
+          <a:prstGeom prst="rect">
+            <a:avLst/>
+          </a:prstGeom>
+        </p:spPr>
+        <p:txBody>
+          <a:bodyPr wrap="none">
+            <a:spAutoFit/>
+          </a:bodyPr>
+          <a:lstStyle/>
+          <a:p>
+            <a:r>
+              <a:rPr lang="en-US" altLang="zh-CN" dirty="0" smtClean="0"/>
+              <a:t>PW LED</a:t>
+            </a:r>
+            <a:endParaRPr lang="zh-CN" altLang="en-US" dirty="0"/>
+          </a:p>
+        </p:txBody>
+      </p:sp>
+      <p:sp>
+        <p:nvSpPr>
+          <p:cNvPr id="61" name="矩形 60">
+            <a:extLst>
+              <a:ext uri="{FF2B5EF4-FFF2-40B4-BE49-F238E27FC236}">
+                <a16:creationId xmlns="" xmlns:a16="http://schemas.microsoft.com/office/drawing/2014/main" id="{F29A3D16-7342-466D-969F-F25F200F859D}"/>
+              </a:ext>
+            </a:extLst>
+          </p:cNvPr>
+          <p:cNvSpPr/>
+          <p:nvPr/>
+        </p:nvSpPr>
+        <p:spPr>
+          <a:xfrm>
+            <a:off x="9384685" y="5519909"/>
+            <a:ext cx="553357" cy="369332"/>
+          </a:xfrm>
+          <a:prstGeom prst="rect">
+            <a:avLst/>
+          </a:prstGeom>
+        </p:spPr>
+        <p:txBody>
+          <a:bodyPr wrap="none">
+            <a:spAutoFit/>
+          </a:bodyPr>
+          <a:lstStyle/>
+          <a:p>
+            <a:r>
+              <a:rPr lang="en-US" altLang="zh-CN" dirty="0" smtClean="0"/>
+              <a:t>ETH</a:t>
+            </a:r>
+            <a:endParaRPr lang="zh-CN" altLang="en-US" dirty="0"/>
+          </a:p>
+        </p:txBody>
+      </p:sp>
+      <p:sp>
+        <p:nvSpPr>
+          <p:cNvPr id="62" name="矩形 61">
+            <a:extLst>
+              <a:ext uri="{FF2B5EF4-FFF2-40B4-BE49-F238E27FC236}">
+                <a16:creationId xmlns="" xmlns:a16="http://schemas.microsoft.com/office/drawing/2014/main" id="{F29A3D16-7342-466D-969F-F25F200F859D}"/>
+              </a:ext>
+            </a:extLst>
+          </p:cNvPr>
+          <p:cNvSpPr/>
+          <p:nvPr/>
+        </p:nvSpPr>
+        <p:spPr>
+          <a:xfrm>
+            <a:off x="8043837" y="5519909"/>
+            <a:ext cx="1161985" cy="369332"/>
+          </a:xfrm>
+          <a:prstGeom prst="rect">
+            <a:avLst/>
+          </a:prstGeom>
+        </p:spPr>
+        <p:txBody>
+          <a:bodyPr wrap="none">
+            <a:spAutoFit/>
+          </a:bodyPr>
+          <a:lstStyle/>
+          <a:p>
+            <a:r>
+              <a:rPr lang="en-US" altLang="zh-CN" dirty="0" smtClean="0"/>
+              <a:t>Micro USB</a:t>
+            </a:r>
+            <a:endParaRPr lang="zh-CN" altLang="en-US" dirty="0"/>
+          </a:p>
+        </p:txBody>
+      </p:sp>
+      <p:sp>
+        <p:nvSpPr>
+          <p:cNvPr id="63" name="矩形 62">
+            <a:extLst>
+              <a:ext uri="{FF2B5EF4-FFF2-40B4-BE49-F238E27FC236}">
+                <a16:creationId xmlns="" xmlns:a16="http://schemas.microsoft.com/office/drawing/2014/main" id="{F29A3D16-7342-466D-969F-F25F200F859D}"/>
+              </a:ext>
+            </a:extLst>
+          </p:cNvPr>
+          <p:cNvSpPr/>
+          <p:nvPr/>
+        </p:nvSpPr>
+        <p:spPr>
+          <a:xfrm>
+            <a:off x="7203310" y="4375680"/>
+            <a:ext cx="800284" cy="369332"/>
+          </a:xfrm>
+          <a:prstGeom prst="rect">
+            <a:avLst/>
+          </a:prstGeom>
+        </p:spPr>
+        <p:txBody>
+          <a:bodyPr wrap="none">
+            <a:spAutoFit/>
+          </a:bodyPr>
+          <a:lstStyle/>
+          <a:p>
+            <a:r>
+              <a:rPr lang="en-US" altLang="zh-CN" dirty="0" smtClean="0"/>
+              <a:t>Switch</a:t>
+            </a:r>
+            <a:endParaRPr lang="zh-CN" altLang="en-US" dirty="0"/>
+          </a:p>
+        </p:txBody>
+      </p:sp>
+      <p:sp>
+        <p:nvSpPr>
+          <p:cNvPr id="64" name="矩形 63">
+            <a:extLst>
+              <a:ext uri="{FF2B5EF4-FFF2-40B4-BE49-F238E27FC236}">
+                <a16:creationId xmlns="" xmlns:a16="http://schemas.microsoft.com/office/drawing/2014/main" id="{F29A3D16-7342-466D-969F-F25F200F859D}"/>
+              </a:ext>
+            </a:extLst>
+          </p:cNvPr>
+          <p:cNvSpPr/>
+          <p:nvPr/>
+        </p:nvSpPr>
+        <p:spPr>
+          <a:xfrm>
+            <a:off x="2723474" y="5582874"/>
+            <a:ext cx="1144352" cy="369332"/>
+          </a:xfrm>
+          <a:prstGeom prst="rect">
+            <a:avLst/>
+          </a:prstGeom>
+        </p:spPr>
+        <p:txBody>
+          <a:bodyPr wrap="none">
+            <a:spAutoFit/>
+          </a:bodyPr>
+          <a:lstStyle/>
+          <a:p>
+            <a:r>
+              <a:rPr lang="en-US" altLang="zh-CN" dirty="0" smtClean="0"/>
+              <a:t>Micro SIM</a:t>
+            </a:r>
+            <a:endParaRPr lang="zh-CN" altLang="en-US" dirty="0"/>
           </a:p>
         </p:txBody>
       </p:sp>
@@ -9799,4 +12744,265 @@
     </a:ext>
   </a:extLst>
 </a:theme>
+</file>
+
+<file path=ppt/theme/theme2.xml><?xml version="1.0" encoding="utf-8"?>
+<a:theme xmlns:a="http://schemas.openxmlformats.org/drawingml/2006/main" name="Office 主题">
+  <a:themeElements>
+    <a:clrScheme name="Office">
+      <a:dk1>
+        <a:sysClr val="windowText" lastClr="000000"/>
+      </a:dk1>
+      <a:lt1>
+        <a:sysClr val="window" lastClr="FFFFFF"/>
+      </a:lt1>
+      <a:dk2>
+        <a:srgbClr val="44546A"/>
+      </a:dk2>
+      <a:lt2>
+        <a:srgbClr val="E7E6E6"/>
+      </a:lt2>
+      <a:accent1>
+        <a:srgbClr val="5B9BD5"/>
+      </a:accent1>
+      <a:accent2>
+        <a:srgbClr val="ED7D31"/>
+      </a:accent2>
+      <a:accent3>
+        <a:srgbClr val="A5A5A5"/>
+      </a:accent3>
+      <a:accent4>
+        <a:srgbClr val="FFC000"/>
+      </a:accent4>
+      <a:accent5>
+        <a:srgbClr val="4472C4"/>
+      </a:accent5>
+      <a:accent6>
+        <a:srgbClr val="70AD47"/>
+      </a:accent6>
+      <a:hlink>
+        <a:srgbClr val="0563C1"/>
+      </a:hlink>
+      <a:folHlink>
+        <a:srgbClr val="954F72"/>
+      </a:folHlink>
+    </a:clrScheme>
+    <a:fontScheme name="Office">
+      <a:majorFont>
+        <a:latin typeface="Calibri Light" panose="020F0302020204030204"/>
+        <a:ea typeface=""/>
+        <a:cs typeface=""/>
+        <a:font script="Jpan" typeface="ＭＳ Ｐゴシック"/>
+        <a:font script="Hang" typeface="맑은 고딕"/>
+        <a:font script="Hans" typeface="宋体"/>
+        <a:font script="Hant" typeface="新細明體"/>
+        <a:font script="Arab" typeface="Times New Roman"/>
+        <a:font script="Hebr" typeface="Times New Roman"/>
+        <a:font script="Thai" typeface="Angsana New"/>
+        <a:font script="Ethi" typeface="Nyala"/>
+        <a:font script="Beng" typeface="Vrinda"/>
+        <a:font script="Gujr" typeface="Shruti"/>
+        <a:font script="Khmr" typeface="MoolBoran"/>
+        <a:font script="Knda" typeface="Tunga"/>
+        <a:font script="Guru" typeface="Raavi"/>
+        <a:font script="Cans" typeface="Euphemia"/>
+        <a:font script="Cher" typeface="Plantagenet Cherokee"/>
+        <a:font script="Yiii" typeface="Microsoft Yi Baiti"/>
+        <a:font script="Tibt" typeface="Microsoft Himalaya"/>
+        <a:font script="Thaa" typeface="MV Boli"/>
+        <a:font script="Deva" typeface="Mangal"/>
+        <a:font script="Telu" typeface="Gautami"/>
+        <a:font script="Taml" typeface="Latha"/>
+        <a:font script="Syrc" typeface="Estrangelo Edessa"/>
+        <a:font script="Orya" typeface="Kalinga"/>
+        <a:font script="Mlym" typeface="Kartika"/>
+        <a:font script="Laoo" typeface="DokChampa"/>
+        <a:font script="Sinh" typeface="Iskoola Pota"/>
+        <a:font script="Mong" typeface="Mongolian Baiti"/>
+        <a:font script="Viet" typeface="Times New Roman"/>
+        <a:font script="Uigh" typeface="Microsoft Uighur"/>
+        <a:font script="Geor" typeface="Sylfaen"/>
+      </a:majorFont>
+      <a:minorFont>
+        <a:latin typeface="Calibri" panose="020F0502020204030204"/>
+        <a:ea typeface=""/>
+        <a:cs typeface=""/>
+        <a:font script="Jpan" typeface="ＭＳ Ｐゴシック"/>
+        <a:font script="Hang" typeface="맑은 고딕"/>
+        <a:font script="Hans" typeface="宋体"/>
+        <a:font script="Hant" typeface="新細明體"/>
+        <a:font script="Arab" typeface="Arial"/>
+        <a:font script="Hebr" typeface="Arial"/>
+        <a:font script="Thai" typeface="Cordia New"/>
+        <a:font script="Ethi" typeface="Nyala"/>
+        <a:font script="Beng" typeface="Vrinda"/>
+        <a:font script="Gujr" typeface="Shruti"/>
+        <a:font script="Khmr" typeface="DaunPenh"/>
+        <a:font script="Knda" typeface="Tunga"/>
+        <a:font script="Guru" typeface="Raavi"/>
+        <a:font script="Cans" typeface="Euphemia"/>
+        <a:font script="Cher" typeface="Plantagenet Cherokee"/>
+        <a:font script="Yiii" typeface="Microsoft Yi Baiti"/>
+        <a:font script="Tibt" typeface="Microsoft Himalaya"/>
+        <a:font script="Thaa" typeface="MV Boli"/>
+        <a:font script="Deva" typeface="Mangal"/>
+        <a:font script="Telu" typeface="Gautami"/>
+        <a:font script="Taml" typeface="Latha"/>
+        <a:font script="Syrc" typeface="Estrangelo Edessa"/>
+        <a:font script="Orya" typeface="Kalinga"/>
+        <a:font script="Mlym" typeface="Kartika"/>
+        <a:font script="Laoo" typeface="DokChampa"/>
+        <a:font script="Sinh" typeface="Iskoola Pota"/>
+        <a:font script="Mong" typeface="Mongolian Baiti"/>
+        <a:font script="Viet" typeface="Arial"/>
+        <a:font script="Uigh" typeface="Microsoft Uighur"/>
+        <a:font script="Geor" typeface="Sylfaen"/>
+      </a:minorFont>
+    </a:fontScheme>
+    <a:fmtScheme name="Office">
+      <a:fillStyleLst>
+        <a:solidFill>
+          <a:schemeClr val="phClr"/>
+        </a:solidFill>
+        <a:gradFill rotWithShape="1">
+          <a:gsLst>
+            <a:gs pos="0">
+              <a:schemeClr val="phClr">
+                <a:lumMod val="110000"/>
+                <a:satMod val="105000"/>
+                <a:tint val="67000"/>
+              </a:schemeClr>
+            </a:gs>
+            <a:gs pos="50000">
+              <a:schemeClr val="phClr">
+                <a:lumMod val="105000"/>
+                <a:satMod val="103000"/>
+                <a:tint val="73000"/>
+              </a:schemeClr>
+            </a:gs>
+            <a:gs pos="100000">
+              <a:schemeClr val="phClr">
+                <a:lumMod val="105000"/>
+                <a:satMod val="109000"/>
+                <a:tint val="81000"/>
+              </a:schemeClr>
+            </a:gs>
+          </a:gsLst>
+          <a:lin ang="5400000" scaled="0"/>
+        </a:gradFill>
+        <a:gradFill rotWithShape="1">
+          <a:gsLst>
+            <a:gs pos="0">
+              <a:schemeClr val="phClr">
+                <a:satMod val="103000"/>
+                <a:lumMod val="102000"/>
+                <a:tint val="94000"/>
+              </a:schemeClr>
+            </a:gs>
+            <a:gs pos="50000">
+              <a:schemeClr val="phClr">
+                <a:satMod val="110000"/>
+                <a:lumMod val="100000"/>
+                <a:shade val="100000"/>
+              </a:schemeClr>
+            </a:gs>
+            <a:gs pos="100000">
+              <a:schemeClr val="phClr">
+                <a:lumMod val="99000"/>
+                <a:satMod val="120000"/>
+                <a:shade val="78000"/>
+              </a:schemeClr>
+            </a:gs>
+          </a:gsLst>
+          <a:lin ang="5400000" scaled="0"/>
+        </a:gradFill>
+      </a:fillStyleLst>
+      <a:lnStyleLst>
+        <a:ln w="6350" cap="flat" cmpd="sng" algn="ctr">
+          <a:solidFill>
+            <a:schemeClr val="phClr"/>
+          </a:solidFill>
+          <a:prstDash val="solid"/>
+          <a:miter lim="800000"/>
+        </a:ln>
+        <a:ln w="12700" cap="flat" cmpd="sng" algn="ctr">
+          <a:solidFill>
+            <a:schemeClr val="phClr"/>
+          </a:solidFill>
+          <a:prstDash val="solid"/>
+          <a:miter lim="800000"/>
+        </a:ln>
+        <a:ln w="19050" cap="flat" cmpd="sng" algn="ctr">
+          <a:solidFill>
+            <a:schemeClr val="phClr"/>
+          </a:solidFill>
+          <a:prstDash val="solid"/>
+          <a:miter lim="800000"/>
+        </a:ln>
+      </a:lnStyleLst>
+      <a:effectStyleLst>
+        <a:effectStyle>
+          <a:effectLst/>
+        </a:effectStyle>
+        <a:effectStyle>
+          <a:effectLst/>
+        </a:effectStyle>
+        <a:effectStyle>
+          <a:effectLst>
+            <a:outerShdw blurRad="57150" dist="19050" dir="5400000" algn="ctr" rotWithShape="0">
+              <a:srgbClr val="000000">
+                <a:alpha val="63000"/>
+              </a:srgbClr>
+            </a:outerShdw>
+          </a:effectLst>
+        </a:effectStyle>
+      </a:effectStyleLst>
+      <a:bgFillStyleLst>
+        <a:solidFill>
+          <a:schemeClr val="phClr"/>
+        </a:solidFill>
+        <a:solidFill>
+          <a:schemeClr val="phClr">
+            <a:tint val="95000"/>
+            <a:satMod val="170000"/>
+          </a:schemeClr>
+        </a:solidFill>
+        <a:gradFill rotWithShape="1">
+          <a:gsLst>
+            <a:gs pos="0">
+              <a:schemeClr val="phClr">
+                <a:tint val="93000"/>
+                <a:satMod val="150000"/>
+                <a:shade val="98000"/>
+                <a:lumMod val="102000"/>
+              </a:schemeClr>
+            </a:gs>
+            <a:gs pos="50000">
+              <a:schemeClr val="phClr">
+                <a:tint val="98000"/>
+                <a:satMod val="130000"/>
+                <a:shade val="90000"/>
+                <a:lumMod val="103000"/>
+              </a:schemeClr>
+            </a:gs>
+            <a:gs pos="100000">
+              <a:schemeClr val="phClr">
+                <a:shade val="63000"/>
+                <a:satMod val="120000"/>
+              </a:schemeClr>
+            </a:gs>
+          </a:gsLst>
+          <a:lin ang="5400000" scaled="0"/>
+        </a:gradFill>
+      </a:bgFillStyleLst>
+    </a:fmtScheme>
+  </a:themeElements>
+  <a:objectDefaults/>
+  <a:extraClrSchemeLst/>
+  <a:extLst>
+    <a:ext uri="{05A4C25C-085E-4340-85A3-A5531E510DB2}">
+      <thm15:themeFamily xmlns:thm15="http://schemas.microsoft.com/office/thememl/2012/main" name="Office Theme" id="{62F939B6-93AF-4DB8-9C6B-D6C7DFDC589F}" vid="{4A3C46E8-61CC-4603-A589-7422A47A8E4A}"/>
+    </a:ext>
+  </a:extLst>
+</a:theme>
 </file>
--- a/graphic.pptx
+++ b/graphic.pptx
@@ -5,7 +5,7 @@
     <p:sldMasterId id="2147483648" r:id="rId1"/>
   </p:sldMasterIdLst>
   <p:notesMasterIdLst>
-    <p:notesMasterId r:id="rId8"/>
+    <p:notesMasterId r:id="rId12"/>
   </p:notesMasterIdLst>
   <p:sldIdLst>
     <p:sldId id="256" r:id="rId2"/>
@@ -14,6 +14,10 @@
     <p:sldId id="258" r:id="rId5"/>
     <p:sldId id="261" r:id="rId6"/>
     <p:sldId id="260" r:id="rId7"/>
+    <p:sldId id="262" r:id="rId8"/>
+    <p:sldId id="264" r:id="rId9"/>
+    <p:sldId id="265" r:id="rId10"/>
+    <p:sldId id="263" r:id="rId11"/>
   </p:sldIdLst>
   <p:sldSz cx="12192000" cy="6858000"/>
   <p:notesSz cx="6858000" cy="9144000"/>
@@ -202,7 +206,7 @@
           <a:p>
             <a:fld id="{DDED566E-5D7F-4531-8C4F-B890F2DF42DB}" type="datetimeFigureOut">
               <a:rPr lang="zh-CN" altLang="en-US" smtClean="0"/>
-              <a:t>2018/7/21</a:t>
+              <a:t>2018/7/29</a:t>
             </a:fld>
             <a:endParaRPr lang="zh-CN" altLang="en-US"/>
           </a:p>
@@ -266,38 +270,37 @@
           <a:p>
             <a:pPr lvl="0"/>
             <a:r>
-              <a:rPr lang="zh-CN" altLang="en-US" smtClean="0"/>
+              <a:rPr lang="zh-CN" altLang="en-US"/>
               <a:t>单击此处编辑母版文本样式</a:t>
             </a:r>
           </a:p>
           <a:p>
             <a:pPr lvl="1"/>
             <a:r>
-              <a:rPr lang="zh-CN" altLang="en-US" smtClean="0"/>
+              <a:rPr lang="zh-CN" altLang="en-US"/>
               <a:t>第二级</a:t>
             </a:r>
           </a:p>
           <a:p>
             <a:pPr lvl="2"/>
             <a:r>
-              <a:rPr lang="zh-CN" altLang="en-US" smtClean="0"/>
+              <a:rPr lang="zh-CN" altLang="en-US"/>
               <a:t>第三级</a:t>
             </a:r>
           </a:p>
           <a:p>
             <a:pPr lvl="3"/>
             <a:r>
-              <a:rPr lang="zh-CN" altLang="en-US" smtClean="0"/>
+              <a:rPr lang="zh-CN" altLang="en-US"/>
               <a:t>第四级</a:t>
             </a:r>
           </a:p>
           <a:p>
             <a:pPr lvl="4"/>
             <a:r>
-              <a:rPr lang="zh-CN" altLang="en-US" smtClean="0"/>
+              <a:rPr lang="zh-CN" altLang="en-US"/>
               <a:t>第五级</a:t>
             </a:r>
-            <a:endParaRPr lang="zh-CN" altLang="en-US"/>
           </a:p>
         </p:txBody>
       </p:sp>
@@ -683,7 +686,7 @@
           <a:p>
             <a:fld id="{7A08BB2A-4DEF-488C-8A91-ACD052FEC8C5}" type="datetimeFigureOut">
               <a:rPr lang="zh-CN" altLang="en-US" smtClean="0"/>
-              <a:t>2018/7/21</a:t>
+              <a:t>2018/7/29</a:t>
             </a:fld>
             <a:endParaRPr lang="zh-CN" altLang="en-US"/>
           </a:p>
@@ -851,7 +854,7 @@
           <a:p>
             <a:fld id="{7A08BB2A-4DEF-488C-8A91-ACD052FEC8C5}" type="datetimeFigureOut">
               <a:rPr lang="zh-CN" altLang="en-US" smtClean="0"/>
-              <a:t>2018/7/21</a:t>
+              <a:t>2018/7/29</a:t>
             </a:fld>
             <a:endParaRPr lang="zh-CN" altLang="en-US"/>
           </a:p>
@@ -1029,7 +1032,7 @@
           <a:p>
             <a:fld id="{7A08BB2A-4DEF-488C-8A91-ACD052FEC8C5}" type="datetimeFigureOut">
               <a:rPr lang="zh-CN" altLang="en-US" smtClean="0"/>
-              <a:t>2018/7/21</a:t>
+              <a:t>2018/7/29</a:t>
             </a:fld>
             <a:endParaRPr lang="zh-CN" altLang="en-US"/>
           </a:p>
@@ -1197,7 +1200,7 @@
           <a:p>
             <a:fld id="{7A08BB2A-4DEF-488C-8A91-ACD052FEC8C5}" type="datetimeFigureOut">
               <a:rPr lang="zh-CN" altLang="en-US" smtClean="0"/>
-              <a:t>2018/7/21</a:t>
+              <a:t>2018/7/29</a:t>
             </a:fld>
             <a:endParaRPr lang="zh-CN" altLang="en-US"/>
           </a:p>
@@ -1442,7 +1445,7 @@
           <a:p>
             <a:fld id="{7A08BB2A-4DEF-488C-8A91-ACD052FEC8C5}" type="datetimeFigureOut">
               <a:rPr lang="zh-CN" altLang="en-US" smtClean="0"/>
-              <a:t>2018/7/21</a:t>
+              <a:t>2018/7/29</a:t>
             </a:fld>
             <a:endParaRPr lang="zh-CN" altLang="en-US"/>
           </a:p>
@@ -1671,7 +1674,7 @@
           <a:p>
             <a:fld id="{7A08BB2A-4DEF-488C-8A91-ACD052FEC8C5}" type="datetimeFigureOut">
               <a:rPr lang="zh-CN" altLang="en-US" smtClean="0"/>
-              <a:t>2018/7/21</a:t>
+              <a:t>2018/7/29</a:t>
             </a:fld>
             <a:endParaRPr lang="zh-CN" altLang="en-US"/>
           </a:p>
@@ -2035,7 +2038,7 @@
           <a:p>
             <a:fld id="{7A08BB2A-4DEF-488C-8A91-ACD052FEC8C5}" type="datetimeFigureOut">
               <a:rPr lang="zh-CN" altLang="en-US" smtClean="0"/>
-              <a:t>2018/7/21</a:t>
+              <a:t>2018/7/29</a:t>
             </a:fld>
             <a:endParaRPr lang="zh-CN" altLang="en-US"/>
           </a:p>
@@ -2152,7 +2155,7 @@
           <a:p>
             <a:fld id="{7A08BB2A-4DEF-488C-8A91-ACD052FEC8C5}" type="datetimeFigureOut">
               <a:rPr lang="zh-CN" altLang="en-US" smtClean="0"/>
-              <a:t>2018/7/21</a:t>
+              <a:t>2018/7/29</a:t>
             </a:fld>
             <a:endParaRPr lang="zh-CN" altLang="en-US"/>
           </a:p>
@@ -2247,7 +2250,7 @@
           <a:p>
             <a:fld id="{7A08BB2A-4DEF-488C-8A91-ACD052FEC8C5}" type="datetimeFigureOut">
               <a:rPr lang="zh-CN" altLang="en-US" smtClean="0"/>
-              <a:t>2018/7/21</a:t>
+              <a:t>2018/7/29</a:t>
             </a:fld>
             <a:endParaRPr lang="zh-CN" altLang="en-US"/>
           </a:p>
@@ -2522,7 +2525,7 @@
           <a:p>
             <a:fld id="{7A08BB2A-4DEF-488C-8A91-ACD052FEC8C5}" type="datetimeFigureOut">
               <a:rPr lang="zh-CN" altLang="en-US" smtClean="0"/>
-              <a:t>2018/7/21</a:t>
+              <a:t>2018/7/29</a:t>
             </a:fld>
             <a:endParaRPr lang="zh-CN" altLang="en-US"/>
           </a:p>
@@ -2774,7 +2777,7 @@
           <a:p>
             <a:fld id="{7A08BB2A-4DEF-488C-8A91-ACD052FEC8C5}" type="datetimeFigureOut">
               <a:rPr lang="zh-CN" altLang="en-US" smtClean="0"/>
-              <a:t>2018/7/21</a:t>
+              <a:t>2018/7/29</a:t>
             </a:fld>
             <a:endParaRPr lang="zh-CN" altLang="en-US"/>
           </a:p>
@@ -2985,7 +2988,7 @@
           <a:p>
             <a:fld id="{7A08BB2A-4DEF-488C-8A91-ACD052FEC8C5}" type="datetimeFigureOut">
               <a:rPr lang="zh-CN" altLang="en-US" smtClean="0"/>
-              <a:t>2018/7/21</a:t>
+              <a:t>2018/7/29</a:t>
             </a:fld>
             <a:endParaRPr lang="zh-CN" altLang="en-US"/>
           </a:p>
@@ -5246,6 +5249,72 @@
 </p:sld>
 </file>
 
+<file path=ppt/slides/slide10.xml><?xml version="1.0" encoding="utf-8"?>
+<p:sld xmlns:a="http://schemas.openxmlformats.org/drawingml/2006/main" xmlns:r="http://schemas.openxmlformats.org/officeDocument/2006/relationships" xmlns:p="http://schemas.openxmlformats.org/presentationml/2006/main">
+  <p:cSld>
+    <p:spTree>
+      <p:nvGrpSpPr>
+        <p:cNvPr id="1" name=""/>
+        <p:cNvGrpSpPr/>
+        <p:nvPr/>
+      </p:nvGrpSpPr>
+      <p:grpSpPr>
+        <a:xfrm>
+          <a:off x="0" y="0"/>
+          <a:ext cx="0" cy="0"/>
+          <a:chOff x="0" y="0"/>
+          <a:chExt cx="0" cy="0"/>
+        </a:xfrm>
+      </p:grpSpPr>
+      <p:pic>
+        <p:nvPicPr>
+          <p:cNvPr id="3" name="图片 2">
+            <a:extLst>
+              <a:ext uri="{FF2B5EF4-FFF2-40B4-BE49-F238E27FC236}">
+                <a16:creationId xmlns:a16="http://schemas.microsoft.com/office/drawing/2014/main" id="{98758726-BE56-48DD-9184-9BB7EA8B90E9}"/>
+              </a:ext>
+            </a:extLst>
+          </p:cNvPr>
+          <p:cNvPicPr>
+            <a:picLocks noChangeAspect="1"/>
+          </p:cNvPicPr>
+          <p:nvPr/>
+        </p:nvPicPr>
+        <p:blipFill>
+          <a:blip r:embed="rId2" cstate="print">
+            <a:extLst>
+              <a:ext uri="{28A0092B-C50C-407E-A947-70E740481C1C}">
+                <a14:useLocalDpi xmlns:a14="http://schemas.microsoft.com/office/drawing/2010/main" val="0"/>
+              </a:ext>
+            </a:extLst>
+          </a:blip>
+          <a:stretch>
+            <a:fillRect/>
+          </a:stretch>
+        </p:blipFill>
+        <p:spPr>
+          <a:xfrm rot="16200000">
+            <a:off x="3798344" y="-637619"/>
+            <a:ext cx="4595311" cy="7436594"/>
+          </a:xfrm>
+          <a:prstGeom prst="rect">
+            <a:avLst/>
+          </a:prstGeom>
+        </p:spPr>
+      </p:pic>
+    </p:spTree>
+    <p:extLst>
+      <p:ext uri="{BB962C8B-B14F-4D97-AF65-F5344CB8AC3E}">
+        <p14:creationId xmlns:p14="http://schemas.microsoft.com/office/powerpoint/2010/main" val="2137070410"/>
+      </p:ext>
+    </p:extLst>
+  </p:cSld>
+  <p:clrMapOvr>
+    <a:masterClrMapping/>
+  </p:clrMapOvr>
+</p:sld>
+</file>
+
 <file path=ppt/slides/slide2.xml><?xml version="1.0" encoding="utf-8"?>
 <p:sld xmlns:a="http://schemas.openxmlformats.org/drawingml/2006/main" xmlns:r="http://schemas.openxmlformats.org/officeDocument/2006/relationships" xmlns:p="http://schemas.openxmlformats.org/presentationml/2006/main">
   <p:cSld>
@@ -7067,7 +7136,7 @@
           <p:cNvPr id="59" name="直接连接符 58">
             <a:extLst>
               <a:ext uri="{FF2B5EF4-FFF2-40B4-BE49-F238E27FC236}">
-                <a16:creationId xmlns="" xmlns:a16="http://schemas.microsoft.com/office/drawing/2014/main" id="{B0612C4A-FDB4-49C6-99DC-8A1177131D50}"/>
+                <a16:creationId xmlns:a16="http://schemas.microsoft.com/office/drawing/2014/main" id="{B0612C4A-FDB4-49C6-99DC-8A1177131D50}"/>
               </a:ext>
             </a:extLst>
           </p:cNvPr>
@@ -7111,7 +7180,7 @@
           <p:cNvPr id="57" name="直接连接符 56">
             <a:extLst>
               <a:ext uri="{FF2B5EF4-FFF2-40B4-BE49-F238E27FC236}">
-                <a16:creationId xmlns="" xmlns:a16="http://schemas.microsoft.com/office/drawing/2014/main" id="{61BAD73C-9ED2-49A6-B4F0-1BBDFDB501D8}"/>
+                <a16:creationId xmlns:a16="http://schemas.microsoft.com/office/drawing/2014/main" id="{61BAD73C-9ED2-49A6-B4F0-1BBDFDB501D8}"/>
               </a:ext>
             </a:extLst>
           </p:cNvPr>
@@ -7155,7 +7224,7 @@
           <p:cNvPr id="53" name="直接连接符 52">
             <a:extLst>
               <a:ext uri="{FF2B5EF4-FFF2-40B4-BE49-F238E27FC236}">
-                <a16:creationId xmlns="" xmlns:a16="http://schemas.microsoft.com/office/drawing/2014/main" id="{94FDCC07-00C9-45D0-B707-87B0D913F652}"/>
+                <a16:creationId xmlns:a16="http://schemas.microsoft.com/office/drawing/2014/main" id="{94FDCC07-00C9-45D0-B707-87B0D913F652}"/>
               </a:ext>
             </a:extLst>
           </p:cNvPr>
@@ -7199,7 +7268,7 @@
           <p:cNvPr id="49" name="直接连接符 48">
             <a:extLst>
               <a:ext uri="{FF2B5EF4-FFF2-40B4-BE49-F238E27FC236}">
-                <a16:creationId xmlns="" xmlns:a16="http://schemas.microsoft.com/office/drawing/2014/main" id="{CC165633-05D9-45F4-AF2C-E15F5D957D38}"/>
+                <a16:creationId xmlns:a16="http://schemas.microsoft.com/office/drawing/2014/main" id="{CC165633-05D9-45F4-AF2C-E15F5D957D38}"/>
               </a:ext>
             </a:extLst>
           </p:cNvPr>
@@ -7243,7 +7312,7 @@
           <p:cNvPr id="48" name="直接连接符 47">
             <a:extLst>
               <a:ext uri="{FF2B5EF4-FFF2-40B4-BE49-F238E27FC236}">
-                <a16:creationId xmlns="" xmlns:a16="http://schemas.microsoft.com/office/drawing/2014/main" id="{D6383094-CE0A-4492-A713-BC5D512860D4}"/>
+                <a16:creationId xmlns:a16="http://schemas.microsoft.com/office/drawing/2014/main" id="{D6383094-CE0A-4492-A713-BC5D512860D4}"/>
               </a:ext>
             </a:extLst>
           </p:cNvPr>
@@ -7287,7 +7356,7 @@
           <p:cNvPr id="47" name="直接连接符 46">
             <a:extLst>
               <a:ext uri="{FF2B5EF4-FFF2-40B4-BE49-F238E27FC236}">
-                <a16:creationId xmlns="" xmlns:a16="http://schemas.microsoft.com/office/drawing/2014/main" id="{C94951D2-8DD4-42C0-A481-97E6C25A33B7}"/>
+                <a16:creationId xmlns:a16="http://schemas.microsoft.com/office/drawing/2014/main" id="{C94951D2-8DD4-42C0-A481-97E6C25A33B7}"/>
               </a:ext>
             </a:extLst>
           </p:cNvPr>
@@ -7331,7 +7400,7 @@
           <p:cNvPr id="24" name="直接连接符 23">
             <a:extLst>
               <a:ext uri="{FF2B5EF4-FFF2-40B4-BE49-F238E27FC236}">
-                <a16:creationId xmlns="" xmlns:a16="http://schemas.microsoft.com/office/drawing/2014/main" id="{473A74A2-3CE8-4446-B677-255A62247C1D}"/>
+                <a16:creationId xmlns:a16="http://schemas.microsoft.com/office/drawing/2014/main" id="{473A74A2-3CE8-4446-B677-255A62247C1D}"/>
               </a:ext>
             </a:extLst>
           </p:cNvPr>
@@ -7375,7 +7444,7 @@
           <p:cNvPr id="46" name="直接连接符 45">
             <a:extLst>
               <a:ext uri="{FF2B5EF4-FFF2-40B4-BE49-F238E27FC236}">
-                <a16:creationId xmlns="" xmlns:a16="http://schemas.microsoft.com/office/drawing/2014/main" id="{93CCEF41-3D1A-48AB-BE82-AC1423FC84D5}"/>
+                <a16:creationId xmlns:a16="http://schemas.microsoft.com/office/drawing/2014/main" id="{93CCEF41-3D1A-48AB-BE82-AC1423FC84D5}"/>
               </a:ext>
             </a:extLst>
           </p:cNvPr>
@@ -7419,7 +7488,7 @@
           <p:cNvPr id="40" name="圆柱形 39">
             <a:extLst>
               <a:ext uri="{FF2B5EF4-FFF2-40B4-BE49-F238E27FC236}">
-                <a16:creationId xmlns="" xmlns:a16="http://schemas.microsoft.com/office/drawing/2014/main" id="{FE2E533D-5D96-43CB-A77B-D3799107B0F5}"/>
+                <a16:creationId xmlns:a16="http://schemas.microsoft.com/office/drawing/2014/main" id="{FE2E533D-5D96-43CB-A77B-D3799107B0F5}"/>
               </a:ext>
             </a:extLst>
           </p:cNvPr>
@@ -7473,7 +7542,7 @@
           <p:cNvPr id="43" name="圆柱形 42">
             <a:extLst>
               <a:ext uri="{FF2B5EF4-FFF2-40B4-BE49-F238E27FC236}">
-                <a16:creationId xmlns="" xmlns:a16="http://schemas.microsoft.com/office/drawing/2014/main" id="{CDABACE9-93B0-45D3-8908-7EE179237CF0}"/>
+                <a16:creationId xmlns:a16="http://schemas.microsoft.com/office/drawing/2014/main" id="{CDABACE9-93B0-45D3-8908-7EE179237CF0}"/>
               </a:ext>
             </a:extLst>
           </p:cNvPr>
@@ -7527,7 +7596,7 @@
           <p:cNvPr id="42" name="圆柱形 41">
             <a:extLst>
               <a:ext uri="{FF2B5EF4-FFF2-40B4-BE49-F238E27FC236}">
-                <a16:creationId xmlns="" xmlns:a16="http://schemas.microsoft.com/office/drawing/2014/main" id="{CB57CAD4-FFFE-4646-A55B-FDA28AF9B101}"/>
+                <a16:creationId xmlns:a16="http://schemas.microsoft.com/office/drawing/2014/main" id="{CB57CAD4-FFFE-4646-A55B-FDA28AF9B101}"/>
               </a:ext>
             </a:extLst>
           </p:cNvPr>
@@ -8701,7 +8770,7 @@
           <p:cNvPr id="2" name="矩形 1">
             <a:extLst>
               <a:ext uri="{FF2B5EF4-FFF2-40B4-BE49-F238E27FC236}">
-                <a16:creationId xmlns="" xmlns:a16="http://schemas.microsoft.com/office/drawing/2014/main" id="{6195E1B2-D03E-450A-9908-5A4B12A88C79}"/>
+                <a16:creationId xmlns:a16="http://schemas.microsoft.com/office/drawing/2014/main" id="{6195E1B2-D03E-450A-9908-5A4B12A88C79}"/>
               </a:ext>
             </a:extLst>
           </p:cNvPr>
@@ -8751,7 +8820,7 @@
           <p:cNvPr id="30" name="矩形 29">
             <a:extLst>
               <a:ext uri="{FF2B5EF4-FFF2-40B4-BE49-F238E27FC236}">
-                <a16:creationId xmlns="" xmlns:a16="http://schemas.microsoft.com/office/drawing/2014/main" id="{1E4FF06F-9F23-44B4-93ED-32A23B3A89F4}"/>
+                <a16:creationId xmlns:a16="http://schemas.microsoft.com/office/drawing/2014/main" id="{1E4FF06F-9F23-44B4-93ED-32A23B3A89F4}"/>
               </a:ext>
             </a:extLst>
           </p:cNvPr>
@@ -8806,7 +8875,7 @@
           <p:cNvPr id="31" name="矩形 30">
             <a:extLst>
               <a:ext uri="{FF2B5EF4-FFF2-40B4-BE49-F238E27FC236}">
-                <a16:creationId xmlns="" xmlns:a16="http://schemas.microsoft.com/office/drawing/2014/main" id="{CF9834D3-CBCB-45DB-A2E8-87BF80266815}"/>
+                <a16:creationId xmlns:a16="http://schemas.microsoft.com/office/drawing/2014/main" id="{CF9834D3-CBCB-45DB-A2E8-87BF80266815}"/>
               </a:ext>
             </a:extLst>
           </p:cNvPr>
@@ -8862,7 +8931,7 @@
           <p:cNvPr id="37" name="矩形 36">
             <a:extLst>
               <a:ext uri="{FF2B5EF4-FFF2-40B4-BE49-F238E27FC236}">
-                <a16:creationId xmlns="" xmlns:a16="http://schemas.microsoft.com/office/drawing/2014/main" id="{C4E8A817-9A94-42F8-974D-3F1C511DFBE1}"/>
+                <a16:creationId xmlns:a16="http://schemas.microsoft.com/office/drawing/2014/main" id="{C4E8A817-9A94-42F8-974D-3F1C511DFBE1}"/>
               </a:ext>
             </a:extLst>
           </p:cNvPr>
@@ -8922,7 +8991,7 @@
           <p:cNvPr id="8" name="右大括号 7">
             <a:extLst>
               <a:ext uri="{FF2B5EF4-FFF2-40B4-BE49-F238E27FC236}">
-                <a16:creationId xmlns="" xmlns:a16="http://schemas.microsoft.com/office/drawing/2014/main" id="{65D7FD4A-9DB7-4403-B6AC-B18D53706051}"/>
+                <a16:creationId xmlns:a16="http://schemas.microsoft.com/office/drawing/2014/main" id="{65D7FD4A-9DB7-4403-B6AC-B18D53706051}"/>
               </a:ext>
             </a:extLst>
           </p:cNvPr>
@@ -8969,7 +9038,7 @@
           <p:cNvPr id="14" name="矩形 13">
             <a:extLst>
               <a:ext uri="{FF2B5EF4-FFF2-40B4-BE49-F238E27FC236}">
-                <a16:creationId xmlns="" xmlns:a16="http://schemas.microsoft.com/office/drawing/2014/main" id="{F29A3D16-7342-466D-969F-F25F200F859D}"/>
+                <a16:creationId xmlns:a16="http://schemas.microsoft.com/office/drawing/2014/main" id="{F29A3D16-7342-466D-969F-F25F200F859D}"/>
               </a:ext>
             </a:extLst>
           </p:cNvPr>
@@ -9004,7 +9073,7 @@
           <p:cNvPr id="38" name="圆柱形 37">
             <a:extLst>
               <a:ext uri="{FF2B5EF4-FFF2-40B4-BE49-F238E27FC236}">
-                <a16:creationId xmlns="" xmlns:a16="http://schemas.microsoft.com/office/drawing/2014/main" id="{6B35CB05-826A-4F21-84B4-EC4FF1A7D374}"/>
+                <a16:creationId xmlns:a16="http://schemas.microsoft.com/office/drawing/2014/main" id="{6B35CB05-826A-4F21-84B4-EC4FF1A7D374}"/>
               </a:ext>
             </a:extLst>
           </p:cNvPr>
@@ -9058,7 +9127,7 @@
           <p:cNvPr id="39" name="圆柱形 38">
             <a:extLst>
               <a:ext uri="{FF2B5EF4-FFF2-40B4-BE49-F238E27FC236}">
-                <a16:creationId xmlns="" xmlns:a16="http://schemas.microsoft.com/office/drawing/2014/main" id="{04344B83-66BB-42C8-BD71-01DCB27D7900}"/>
+                <a16:creationId xmlns:a16="http://schemas.microsoft.com/office/drawing/2014/main" id="{04344B83-66BB-42C8-BD71-01DCB27D7900}"/>
               </a:ext>
             </a:extLst>
           </p:cNvPr>
@@ -9112,7 +9181,7 @@
           <p:cNvPr id="18" name="立方体 17">
             <a:extLst>
               <a:ext uri="{FF2B5EF4-FFF2-40B4-BE49-F238E27FC236}">
-                <a16:creationId xmlns="" xmlns:a16="http://schemas.microsoft.com/office/drawing/2014/main" id="{D166C661-D91B-4D1C-A06F-0A0B3ADF2EBC}"/>
+                <a16:creationId xmlns:a16="http://schemas.microsoft.com/office/drawing/2014/main" id="{D166C661-D91B-4D1C-A06F-0A0B3ADF2EBC}"/>
               </a:ext>
             </a:extLst>
           </p:cNvPr>
@@ -9164,7 +9233,7 @@
           <p:cNvPr id="41" name="圆柱形 40">
             <a:extLst>
               <a:ext uri="{FF2B5EF4-FFF2-40B4-BE49-F238E27FC236}">
-                <a16:creationId xmlns="" xmlns:a16="http://schemas.microsoft.com/office/drawing/2014/main" id="{B2CAAB81-D9B0-4614-A32F-D30ED0182F38}"/>
+                <a16:creationId xmlns:a16="http://schemas.microsoft.com/office/drawing/2014/main" id="{B2CAAB81-D9B0-4614-A32F-D30ED0182F38}"/>
               </a:ext>
             </a:extLst>
           </p:cNvPr>
@@ -9218,7 +9287,7 @@
           <p:cNvPr id="44" name="圆柱形 43">
             <a:extLst>
               <a:ext uri="{FF2B5EF4-FFF2-40B4-BE49-F238E27FC236}">
-                <a16:creationId xmlns="" xmlns:a16="http://schemas.microsoft.com/office/drawing/2014/main" id="{28509D93-430C-41BC-9836-AB44C089F33F}"/>
+                <a16:creationId xmlns:a16="http://schemas.microsoft.com/office/drawing/2014/main" id="{28509D93-430C-41BC-9836-AB44C089F33F}"/>
               </a:ext>
             </a:extLst>
           </p:cNvPr>
@@ -9481,7 +9550,7 @@
           <p:cNvPr id="2" name="图片 1">
             <a:extLst>
               <a:ext uri="{FF2B5EF4-FFF2-40B4-BE49-F238E27FC236}">
-                <a16:creationId xmlns="" xmlns:a16="http://schemas.microsoft.com/office/drawing/2014/main" id="{29492C5B-6DC3-4923-B4D8-7044D359FC75}"/>
+                <a16:creationId xmlns:a16="http://schemas.microsoft.com/office/drawing/2014/main" id="{29492C5B-6DC3-4923-B4D8-7044D359FC75}"/>
               </a:ext>
             </a:extLst>
           </p:cNvPr>
@@ -9653,7 +9722,7 @@
             <a:lstStyle/>
             <a:p>
               <a:r>
-                <a:rPr lang="en-US" altLang="zh-CN" dirty="0" smtClean="0"/>
+                <a:rPr lang="en-US" altLang="zh-CN" dirty="0"/>
                 <a:t>58.1</a:t>
               </a:r>
               <a:endParaRPr lang="zh-CN" altLang="en-US" dirty="0"/>
@@ -9683,7 +9752,7 @@
             <a:lstStyle/>
             <a:p>
               <a:r>
-                <a:rPr lang="en-US" altLang="zh-CN" dirty="0" smtClean="0"/>
+                <a:rPr lang="en-US" altLang="zh-CN" dirty="0"/>
                 <a:t>42</a:t>
               </a:r>
               <a:endParaRPr lang="zh-CN" altLang="en-US" dirty="0"/>
@@ -9768,7 +9837,7 @@
             <a:lstStyle/>
             <a:p>
               <a:r>
-                <a:rPr lang="en-US" altLang="zh-CN" dirty="0" smtClean="0"/>
+                <a:rPr lang="en-US" altLang="zh-CN" dirty="0"/>
                 <a:t>40</a:t>
               </a:r>
               <a:endParaRPr lang="zh-CN" altLang="en-US" dirty="0"/>
@@ -9798,7 +9867,7 @@
             <a:lstStyle/>
             <a:p>
               <a:r>
-                <a:rPr lang="en-US" altLang="zh-CN" dirty="0" smtClean="0"/>
+                <a:rPr lang="en-US" altLang="zh-CN" dirty="0"/>
                 <a:t>40</a:t>
               </a:r>
               <a:endParaRPr lang="zh-CN" altLang="en-US" dirty="0"/>
@@ -9841,7 +9910,7 @@
           <a:p>
             <a:pPr algn="ctr"/>
             <a:r>
-              <a:rPr lang="en-US" altLang="zh-CN" dirty="0" smtClean="0"/>
+              <a:rPr lang="en-US" altLang="zh-CN" dirty="0"/>
               <a:t>Led 1 2 3 | reset | SIM</a:t>
             </a:r>
             <a:endParaRPr lang="zh-CN" altLang="en-US" dirty="0"/>
@@ -9883,7 +9952,7 @@
           <a:p>
             <a:pPr algn="ctr"/>
             <a:r>
-              <a:rPr lang="en-US" altLang="zh-CN" dirty="0" smtClean="0"/>
+              <a:rPr lang="en-US" altLang="zh-CN" dirty="0"/>
               <a:t>USB | LED | SW</a:t>
             </a:r>
             <a:endParaRPr lang="zh-CN" altLang="en-US" dirty="0"/>
@@ -9925,7 +9994,7 @@
           <a:p>
             <a:pPr algn="ctr"/>
             <a:r>
-              <a:rPr lang="en-US" altLang="zh-CN" dirty="0" smtClean="0"/>
+              <a:rPr lang="en-US" altLang="zh-CN" dirty="0"/>
               <a:t>Ethernet</a:t>
             </a:r>
           </a:p>
@@ -10082,7 +10151,7 @@
           <p:cNvPr id="2" name="矩形 1">
             <a:extLst>
               <a:ext uri="{FF2B5EF4-FFF2-40B4-BE49-F238E27FC236}">
-                <a16:creationId xmlns="" xmlns:a16="http://schemas.microsoft.com/office/drawing/2014/main" id="{5AA56607-0C89-4FF1-8AB4-472D95F1B685}"/>
+                <a16:creationId xmlns:a16="http://schemas.microsoft.com/office/drawing/2014/main" id="{5AA56607-0C89-4FF1-8AB4-472D95F1B685}"/>
               </a:ext>
             </a:extLst>
           </p:cNvPr>
@@ -10137,7 +10206,7 @@
           <p:cNvPr id="3" name="矩形 2">
             <a:extLst>
               <a:ext uri="{FF2B5EF4-FFF2-40B4-BE49-F238E27FC236}">
-                <a16:creationId xmlns="" xmlns:a16="http://schemas.microsoft.com/office/drawing/2014/main" id="{93FA19D6-7D78-400C-AFE8-B4CB85F1F3F9}"/>
+                <a16:creationId xmlns:a16="http://schemas.microsoft.com/office/drawing/2014/main" id="{93FA19D6-7D78-400C-AFE8-B4CB85F1F3F9}"/>
               </a:ext>
             </a:extLst>
           </p:cNvPr>
@@ -10197,7 +10266,7 @@
           <p:cNvPr id="4" name="矩形 3">
             <a:extLst>
               <a:ext uri="{FF2B5EF4-FFF2-40B4-BE49-F238E27FC236}">
-                <a16:creationId xmlns="" xmlns:a16="http://schemas.microsoft.com/office/drawing/2014/main" id="{4326502D-B9DC-4521-B99A-B7267B06EADE}"/>
+                <a16:creationId xmlns:a16="http://schemas.microsoft.com/office/drawing/2014/main" id="{4326502D-B9DC-4521-B99A-B7267B06EADE}"/>
               </a:ext>
             </a:extLst>
           </p:cNvPr>
@@ -10257,7 +10326,7 @@
           <p:cNvPr id="5" name="矩形 4">
             <a:extLst>
               <a:ext uri="{FF2B5EF4-FFF2-40B4-BE49-F238E27FC236}">
-                <a16:creationId xmlns="" xmlns:a16="http://schemas.microsoft.com/office/drawing/2014/main" id="{C9A5A6DE-45E3-4897-8D25-37BE4F889C5B}"/>
+                <a16:creationId xmlns:a16="http://schemas.microsoft.com/office/drawing/2014/main" id="{C9A5A6DE-45E3-4897-8D25-37BE4F889C5B}"/>
               </a:ext>
             </a:extLst>
           </p:cNvPr>
@@ -10314,7 +10383,7 @@
           <p:cNvPr id="15" name="矩形 14">
             <a:extLst>
               <a:ext uri="{FF2B5EF4-FFF2-40B4-BE49-F238E27FC236}">
-                <a16:creationId xmlns="" xmlns:a16="http://schemas.microsoft.com/office/drawing/2014/main" id="{C9A5A6DE-45E3-4897-8D25-37BE4F889C5B}"/>
+                <a16:creationId xmlns:a16="http://schemas.microsoft.com/office/drawing/2014/main" id="{C9A5A6DE-45E3-4897-8D25-37BE4F889C5B}"/>
               </a:ext>
             </a:extLst>
           </p:cNvPr>
@@ -10360,10 +10429,9 @@
           <a:p>
             <a:pPr algn="ctr"/>
             <a:r>
-              <a:rPr lang="en-US" altLang="zh-CN" dirty="0" smtClean="0"/>
+              <a:rPr lang="en-US" altLang="zh-CN" dirty="0"/>
               <a:t>6mm  battery</a:t>
             </a:r>
-            <a:endParaRPr lang="en-US" altLang="zh-CN" dirty="0"/>
           </a:p>
         </p:txBody>
       </p:sp>
@@ -10372,7 +10440,7 @@
           <p:cNvPr id="18" name="矩形: 圆角 6">
             <a:extLst>
               <a:ext uri="{FF2B5EF4-FFF2-40B4-BE49-F238E27FC236}">
-                <a16:creationId xmlns="" xmlns:a16="http://schemas.microsoft.com/office/drawing/2014/main" id="{942A04B4-2387-4E00-940C-771209097755}"/>
+                <a16:creationId xmlns:a16="http://schemas.microsoft.com/office/drawing/2014/main" id="{942A04B4-2387-4E00-940C-771209097755}"/>
               </a:ext>
             </a:extLst>
           </p:cNvPr>
@@ -10418,7 +10486,7 @@
           <a:p>
             <a:pPr algn="ctr"/>
             <a:r>
-              <a:rPr lang="en-US" altLang="zh-CN" dirty="0" smtClean="0"/>
+              <a:rPr lang="en-US" altLang="zh-CN" dirty="0"/>
               <a:t>1.6mm</a:t>
             </a:r>
             <a:endParaRPr lang="zh-CN" altLang="en-US" dirty="0"/>
@@ -10430,7 +10498,7 @@
           <p:cNvPr id="19" name="矩形 18">
             <a:extLst>
               <a:ext uri="{FF2B5EF4-FFF2-40B4-BE49-F238E27FC236}">
-                <a16:creationId xmlns="" xmlns:a16="http://schemas.microsoft.com/office/drawing/2014/main" id="{93FA19D6-7D78-400C-AFE8-B4CB85F1F3F9}"/>
+                <a16:creationId xmlns:a16="http://schemas.microsoft.com/office/drawing/2014/main" id="{93FA19D6-7D78-400C-AFE8-B4CB85F1F3F9}"/>
               </a:ext>
             </a:extLst>
           </p:cNvPr>
@@ -10487,7 +10555,7 @@
           <p:cNvPr id="21" name="矩形: 圆角 6">
             <a:extLst>
               <a:ext uri="{FF2B5EF4-FFF2-40B4-BE49-F238E27FC236}">
-                <a16:creationId xmlns="" xmlns:a16="http://schemas.microsoft.com/office/drawing/2014/main" id="{942A04B4-2387-4E00-940C-771209097755}"/>
+                <a16:creationId xmlns:a16="http://schemas.microsoft.com/office/drawing/2014/main" id="{942A04B4-2387-4E00-940C-771209097755}"/>
               </a:ext>
             </a:extLst>
           </p:cNvPr>
@@ -10544,7 +10612,7 @@
           <p:cNvPr id="23" name="矩形: 圆角 6">
             <a:extLst>
               <a:ext uri="{FF2B5EF4-FFF2-40B4-BE49-F238E27FC236}">
-                <a16:creationId xmlns="" xmlns:a16="http://schemas.microsoft.com/office/drawing/2014/main" id="{942A04B4-2387-4E00-940C-771209097755}"/>
+                <a16:creationId xmlns:a16="http://schemas.microsoft.com/office/drawing/2014/main" id="{942A04B4-2387-4E00-940C-771209097755}"/>
               </a:ext>
             </a:extLst>
           </p:cNvPr>
@@ -10593,7 +10661,7 @@
           <a:p>
             <a:pPr algn="ctr"/>
             <a:r>
-              <a:rPr lang="en-US" altLang="zh-CN" dirty="0" smtClean="0"/>
+              <a:rPr lang="en-US" altLang="zh-CN" dirty="0"/>
               <a:t>2</a:t>
             </a:r>
             <a:endParaRPr lang="zh-CN" altLang="en-US" dirty="0"/>
@@ -10605,7 +10673,7 @@
           <p:cNvPr id="24" name="矩形: 圆角 6">
             <a:extLst>
               <a:ext uri="{FF2B5EF4-FFF2-40B4-BE49-F238E27FC236}">
-                <a16:creationId xmlns="" xmlns:a16="http://schemas.microsoft.com/office/drawing/2014/main" id="{942A04B4-2387-4E00-940C-771209097755}"/>
+                <a16:creationId xmlns:a16="http://schemas.microsoft.com/office/drawing/2014/main" id="{942A04B4-2387-4E00-940C-771209097755}"/>
               </a:ext>
             </a:extLst>
           </p:cNvPr>
@@ -10662,7 +10730,7 @@
           <p:cNvPr id="25" name="矩形 24">
             <a:extLst>
               <a:ext uri="{FF2B5EF4-FFF2-40B4-BE49-F238E27FC236}">
-                <a16:creationId xmlns="" xmlns:a16="http://schemas.microsoft.com/office/drawing/2014/main" id="{BB0C55E0-545C-4D77-B964-911EF85975A8}"/>
+                <a16:creationId xmlns:a16="http://schemas.microsoft.com/office/drawing/2014/main" id="{BB0C55E0-545C-4D77-B964-911EF85975A8}"/>
               </a:ext>
             </a:extLst>
           </p:cNvPr>
@@ -10719,7 +10787,7 @@
           <p:cNvPr id="13" name="矩形: 圆角 6">
             <a:extLst>
               <a:ext uri="{FF2B5EF4-FFF2-40B4-BE49-F238E27FC236}">
-                <a16:creationId xmlns="" xmlns:a16="http://schemas.microsoft.com/office/drawing/2014/main" id="{942A04B4-2387-4E00-940C-771209097755}"/>
+                <a16:creationId xmlns:a16="http://schemas.microsoft.com/office/drawing/2014/main" id="{942A04B4-2387-4E00-940C-771209097755}"/>
               </a:ext>
             </a:extLst>
           </p:cNvPr>
@@ -10776,7 +10844,7 @@
           <p:cNvPr id="14" name="矩形: 圆角 6">
             <a:extLst>
               <a:ext uri="{FF2B5EF4-FFF2-40B4-BE49-F238E27FC236}">
-                <a16:creationId xmlns="" xmlns:a16="http://schemas.microsoft.com/office/drawing/2014/main" id="{942A04B4-2387-4E00-940C-771209097755}"/>
+                <a16:creationId xmlns:a16="http://schemas.microsoft.com/office/drawing/2014/main" id="{942A04B4-2387-4E00-940C-771209097755}"/>
               </a:ext>
             </a:extLst>
           </p:cNvPr>
@@ -10833,7 +10901,7 @@
           <p:cNvPr id="16" name="直接连接符 15">
             <a:extLst>
               <a:ext uri="{FF2B5EF4-FFF2-40B4-BE49-F238E27FC236}">
-                <a16:creationId xmlns="" xmlns:a16="http://schemas.microsoft.com/office/drawing/2014/main" id="{C94951D2-8DD4-42C0-A481-97E6C25A33B7}"/>
+                <a16:creationId xmlns:a16="http://schemas.microsoft.com/office/drawing/2014/main" id="{C94951D2-8DD4-42C0-A481-97E6C25A33B7}"/>
               </a:ext>
             </a:extLst>
           </p:cNvPr>
@@ -10877,7 +10945,7 @@
           <p:cNvPr id="17" name="直接连接符 16">
             <a:extLst>
               <a:ext uri="{FF2B5EF4-FFF2-40B4-BE49-F238E27FC236}">
-                <a16:creationId xmlns="" xmlns:a16="http://schemas.microsoft.com/office/drawing/2014/main" id="{C94951D2-8DD4-42C0-A481-97E6C25A33B7}"/>
+                <a16:creationId xmlns:a16="http://schemas.microsoft.com/office/drawing/2014/main" id="{C94951D2-8DD4-42C0-A481-97E6C25A33B7}"/>
               </a:ext>
             </a:extLst>
           </p:cNvPr>
@@ -10958,7 +11026,7 @@
           <p:cNvPr id="20" name="矩形 19">
             <a:extLst>
               <a:ext uri="{FF2B5EF4-FFF2-40B4-BE49-F238E27FC236}">
-                <a16:creationId xmlns="" xmlns:a16="http://schemas.microsoft.com/office/drawing/2014/main" id="{F29A3D16-7342-466D-969F-F25F200F859D}"/>
+                <a16:creationId xmlns:a16="http://schemas.microsoft.com/office/drawing/2014/main" id="{F29A3D16-7342-466D-969F-F25F200F859D}"/>
               </a:ext>
             </a:extLst>
           </p:cNvPr>
@@ -10981,7 +11049,7 @@
           <a:lstStyle/>
           <a:p>
             <a:r>
-              <a:rPr lang="en-US" altLang="zh-CN" dirty="0" smtClean="0"/>
+              <a:rPr lang="en-US" altLang="zh-CN" dirty="0"/>
               <a:t>50</a:t>
             </a:r>
             <a:endParaRPr lang="zh-CN" altLang="en-US" dirty="0"/>
@@ -10993,7 +11061,7 @@
           <p:cNvPr id="22" name="直接连接符 21">
             <a:extLst>
               <a:ext uri="{FF2B5EF4-FFF2-40B4-BE49-F238E27FC236}">
-                <a16:creationId xmlns="" xmlns:a16="http://schemas.microsoft.com/office/drawing/2014/main" id="{C94951D2-8DD4-42C0-A481-97E6C25A33B7}"/>
+                <a16:creationId xmlns:a16="http://schemas.microsoft.com/office/drawing/2014/main" id="{C94951D2-8DD4-42C0-A481-97E6C25A33B7}"/>
               </a:ext>
             </a:extLst>
           </p:cNvPr>
@@ -11074,7 +11142,7 @@
           <p:cNvPr id="27" name="矩形 26">
             <a:extLst>
               <a:ext uri="{FF2B5EF4-FFF2-40B4-BE49-F238E27FC236}">
-                <a16:creationId xmlns="" xmlns:a16="http://schemas.microsoft.com/office/drawing/2014/main" id="{F29A3D16-7342-466D-969F-F25F200F859D}"/>
+                <a16:creationId xmlns:a16="http://schemas.microsoft.com/office/drawing/2014/main" id="{F29A3D16-7342-466D-969F-F25F200F859D}"/>
               </a:ext>
             </a:extLst>
           </p:cNvPr>
@@ -11097,7 +11165,7 @@
           <a:lstStyle/>
           <a:p>
             <a:r>
-              <a:rPr lang="en-US" altLang="zh-CN" dirty="0" smtClean="0"/>
+              <a:rPr lang="en-US" altLang="zh-CN" dirty="0"/>
               <a:t>17.6</a:t>
             </a:r>
             <a:endParaRPr lang="zh-CN" altLang="en-US" dirty="0"/>
@@ -11109,7 +11177,7 @@
           <p:cNvPr id="28" name="直接连接符 27">
             <a:extLst>
               <a:ext uri="{FF2B5EF4-FFF2-40B4-BE49-F238E27FC236}">
-                <a16:creationId xmlns="" xmlns:a16="http://schemas.microsoft.com/office/drawing/2014/main" id="{C94951D2-8DD4-42C0-A481-97E6C25A33B7}"/>
+                <a16:creationId xmlns:a16="http://schemas.microsoft.com/office/drawing/2014/main" id="{C94951D2-8DD4-42C0-A481-97E6C25A33B7}"/>
               </a:ext>
             </a:extLst>
           </p:cNvPr>
@@ -11153,7 +11221,7 @@
           <p:cNvPr id="29" name="右大括号 28">
             <a:extLst>
               <a:ext uri="{FF2B5EF4-FFF2-40B4-BE49-F238E27FC236}">
-                <a16:creationId xmlns="" xmlns:a16="http://schemas.microsoft.com/office/drawing/2014/main" id="{65D7FD4A-9DB7-4403-B6AC-B18D53706051}"/>
+                <a16:creationId xmlns:a16="http://schemas.microsoft.com/office/drawing/2014/main" id="{65D7FD4A-9DB7-4403-B6AC-B18D53706051}"/>
               </a:ext>
             </a:extLst>
           </p:cNvPr>
@@ -11205,7 +11273,7 @@
           <p:cNvPr id="30" name="矩形 29">
             <a:extLst>
               <a:ext uri="{FF2B5EF4-FFF2-40B4-BE49-F238E27FC236}">
-                <a16:creationId xmlns="" xmlns:a16="http://schemas.microsoft.com/office/drawing/2014/main" id="{F29A3D16-7342-466D-969F-F25F200F859D}"/>
+                <a16:creationId xmlns:a16="http://schemas.microsoft.com/office/drawing/2014/main" id="{F29A3D16-7342-466D-969F-F25F200F859D}"/>
               </a:ext>
             </a:extLst>
           </p:cNvPr>
@@ -11228,12 +11296,8 @@
           <a:lstStyle/>
           <a:p>
             <a:r>
-              <a:rPr lang="en-US" altLang="zh-CN" dirty="0" smtClean="0"/>
-              <a:t>1</a:t>
-            </a:r>
-            <a:r>
               <a:rPr lang="en-US" altLang="zh-CN" dirty="0"/>
-              <a:t>7</a:t>
+              <a:t>17</a:t>
             </a:r>
             <a:endParaRPr lang="zh-CN" altLang="en-US" dirty="0"/>
           </a:p>
@@ -11244,7 +11308,7 @@
           <p:cNvPr id="31" name="直接连接符 30">
             <a:extLst>
               <a:ext uri="{FF2B5EF4-FFF2-40B4-BE49-F238E27FC236}">
-                <a16:creationId xmlns="" xmlns:a16="http://schemas.microsoft.com/office/drawing/2014/main" id="{C94951D2-8DD4-42C0-A481-97E6C25A33B7}"/>
+                <a16:creationId xmlns:a16="http://schemas.microsoft.com/office/drawing/2014/main" id="{C94951D2-8DD4-42C0-A481-97E6C25A33B7}"/>
               </a:ext>
             </a:extLst>
           </p:cNvPr>
@@ -11288,7 +11352,7 @@
           <p:cNvPr id="33" name="直接连接符 32">
             <a:extLst>
               <a:ext uri="{FF2B5EF4-FFF2-40B4-BE49-F238E27FC236}">
-                <a16:creationId xmlns="" xmlns:a16="http://schemas.microsoft.com/office/drawing/2014/main" id="{C94951D2-8DD4-42C0-A481-97E6C25A33B7}"/>
+                <a16:creationId xmlns:a16="http://schemas.microsoft.com/office/drawing/2014/main" id="{C94951D2-8DD4-42C0-A481-97E6C25A33B7}"/>
               </a:ext>
             </a:extLst>
           </p:cNvPr>
@@ -11332,7 +11396,7 @@
           <p:cNvPr id="34" name="直接连接符 33">
             <a:extLst>
               <a:ext uri="{FF2B5EF4-FFF2-40B4-BE49-F238E27FC236}">
-                <a16:creationId xmlns="" xmlns:a16="http://schemas.microsoft.com/office/drawing/2014/main" id="{C94951D2-8DD4-42C0-A481-97E6C25A33B7}"/>
+                <a16:creationId xmlns:a16="http://schemas.microsoft.com/office/drawing/2014/main" id="{C94951D2-8DD4-42C0-A481-97E6C25A33B7}"/>
               </a:ext>
             </a:extLst>
           </p:cNvPr>
@@ -11376,7 +11440,7 @@
           <p:cNvPr id="36" name="直接连接符 35">
             <a:extLst>
               <a:ext uri="{FF2B5EF4-FFF2-40B4-BE49-F238E27FC236}">
-                <a16:creationId xmlns="" xmlns:a16="http://schemas.microsoft.com/office/drawing/2014/main" id="{C94951D2-8DD4-42C0-A481-97E6C25A33B7}"/>
+                <a16:creationId xmlns:a16="http://schemas.microsoft.com/office/drawing/2014/main" id="{C94951D2-8DD4-42C0-A481-97E6C25A33B7}"/>
               </a:ext>
             </a:extLst>
           </p:cNvPr>
@@ -11420,7 +11484,7 @@
           <p:cNvPr id="38" name="右大括号 37">
             <a:extLst>
               <a:ext uri="{FF2B5EF4-FFF2-40B4-BE49-F238E27FC236}">
-                <a16:creationId xmlns="" xmlns:a16="http://schemas.microsoft.com/office/drawing/2014/main" id="{65D7FD4A-9DB7-4403-B6AC-B18D53706051}"/>
+                <a16:creationId xmlns:a16="http://schemas.microsoft.com/office/drawing/2014/main" id="{65D7FD4A-9DB7-4403-B6AC-B18D53706051}"/>
               </a:ext>
             </a:extLst>
           </p:cNvPr>
@@ -11472,7 +11536,7 @@
           <p:cNvPr id="39" name="矩形 38">
             <a:extLst>
               <a:ext uri="{FF2B5EF4-FFF2-40B4-BE49-F238E27FC236}">
-                <a16:creationId xmlns="" xmlns:a16="http://schemas.microsoft.com/office/drawing/2014/main" id="{F29A3D16-7342-466D-969F-F25F200F859D}"/>
+                <a16:creationId xmlns:a16="http://schemas.microsoft.com/office/drawing/2014/main" id="{F29A3D16-7342-466D-969F-F25F200F859D}"/>
               </a:ext>
             </a:extLst>
           </p:cNvPr>
@@ -11495,7 +11559,7 @@
           <a:lstStyle/>
           <a:p>
             <a:r>
-              <a:rPr lang="en-US" altLang="zh-CN" dirty="0" smtClean="0"/>
+              <a:rPr lang="en-US" altLang="zh-CN" dirty="0"/>
               <a:t>13</a:t>
             </a:r>
             <a:endParaRPr lang="zh-CN" altLang="en-US" dirty="0"/>
@@ -11558,7 +11622,7 @@
         </p:nvSpPr>
         <p:spPr>
           <a:xfrm>
-            <a:off x="3011385" y="5190205"/>
+            <a:off x="3237447" y="5190884"/>
             <a:ext cx="597790" cy="45719"/>
           </a:xfrm>
           <a:prstGeom prst="roundRect">
@@ -11741,7 +11805,7 @@
           <p:cNvPr id="45" name="直接连接符 44">
             <a:extLst>
               <a:ext uri="{FF2B5EF4-FFF2-40B4-BE49-F238E27FC236}">
-                <a16:creationId xmlns="" xmlns:a16="http://schemas.microsoft.com/office/drawing/2014/main" id="{C94951D2-8DD4-42C0-A481-97E6C25A33B7}"/>
+                <a16:creationId xmlns:a16="http://schemas.microsoft.com/office/drawing/2014/main" id="{C94951D2-8DD4-42C0-A481-97E6C25A33B7}"/>
               </a:ext>
             </a:extLst>
           </p:cNvPr>
@@ -11822,7 +11886,7 @@
           <p:cNvPr id="48" name="矩形 47">
             <a:extLst>
               <a:ext uri="{FF2B5EF4-FFF2-40B4-BE49-F238E27FC236}">
-                <a16:creationId xmlns="" xmlns:a16="http://schemas.microsoft.com/office/drawing/2014/main" id="{F29A3D16-7342-466D-969F-F25F200F859D}"/>
+                <a16:creationId xmlns:a16="http://schemas.microsoft.com/office/drawing/2014/main" id="{F29A3D16-7342-466D-969F-F25F200F859D}"/>
               </a:ext>
             </a:extLst>
           </p:cNvPr>
@@ -11845,7 +11909,7 @@
           <a:lstStyle/>
           <a:p>
             <a:r>
-              <a:rPr lang="en-US" altLang="zh-CN" dirty="0" smtClean="0"/>
+              <a:rPr lang="en-US" altLang="zh-CN" dirty="0"/>
               <a:t>42</a:t>
             </a:r>
             <a:endParaRPr lang="zh-CN" altLang="en-US" dirty="0"/>
@@ -11860,7 +11924,7 @@
         </p:nvSpPr>
         <p:spPr>
           <a:xfrm>
-            <a:off x="6965807" y="4748199"/>
+            <a:off x="5409512" y="4796148"/>
             <a:ext cx="3183758" cy="762001"/>
           </a:xfrm>
           <a:prstGeom prst="roundRect">
@@ -11908,7 +11972,7 @@
         </p:nvSpPr>
         <p:spPr>
           <a:xfrm>
-            <a:off x="9357695" y="4897469"/>
+            <a:off x="7801400" y="4945418"/>
             <a:ext cx="597790" cy="526278"/>
           </a:xfrm>
           <a:prstGeom prst="roundRect">
@@ -11956,7 +12020,7 @@
         </p:nvSpPr>
         <p:spPr>
           <a:xfrm>
-            <a:off x="8377055" y="5322967"/>
+            <a:off x="6973161" y="5373044"/>
             <a:ext cx="414211" cy="100780"/>
           </a:xfrm>
           <a:prstGeom prst="roundRect">
@@ -12004,7 +12068,7 @@
         </p:nvSpPr>
         <p:spPr>
           <a:xfrm>
-            <a:off x="7213341" y="5087879"/>
+            <a:off x="5657046" y="5135828"/>
             <a:ext cx="738843" cy="330750"/>
           </a:xfrm>
           <a:prstGeom prst="roundRect">
@@ -12052,7 +12116,7 @@
         </p:nvSpPr>
         <p:spPr>
           <a:xfrm>
-            <a:off x="7300790" y="5135731"/>
+            <a:off x="5744495" y="5183680"/>
             <a:ext cx="281972" cy="232910"/>
           </a:xfrm>
           <a:prstGeom prst="roundRect">
@@ -12101,7 +12165,7 @@
         </p:nvSpPr>
         <p:spPr>
           <a:xfrm>
-            <a:off x="9016905" y="5330517"/>
+            <a:off x="6603739" y="5388201"/>
             <a:ext cx="146710" cy="78377"/>
           </a:xfrm>
           <a:prstGeom prst="roundRect">
@@ -12144,7 +12208,7 @@
           <p:cNvPr id="55" name="右大括号 54">
             <a:extLst>
               <a:ext uri="{FF2B5EF4-FFF2-40B4-BE49-F238E27FC236}">
-                <a16:creationId xmlns="" xmlns:a16="http://schemas.microsoft.com/office/drawing/2014/main" id="{65D7FD4A-9DB7-4403-B6AC-B18D53706051}"/>
+                <a16:creationId xmlns:a16="http://schemas.microsoft.com/office/drawing/2014/main" id="{65D7FD4A-9DB7-4403-B6AC-B18D53706051}"/>
               </a:ext>
             </a:extLst>
           </p:cNvPr>
@@ -12153,7 +12217,7 @@
         </p:nvSpPr>
         <p:spPr>
           <a:xfrm rot="5400000">
-            <a:off x="8388083" y="4512763"/>
+            <a:off x="8375778" y="4831956"/>
             <a:ext cx="314958" cy="3159512"/>
           </a:xfrm>
           <a:prstGeom prst="rightBrace">
@@ -12196,7 +12260,7 @@
           <p:cNvPr id="56" name="矩形 55">
             <a:extLst>
               <a:ext uri="{FF2B5EF4-FFF2-40B4-BE49-F238E27FC236}">
-                <a16:creationId xmlns="" xmlns:a16="http://schemas.microsoft.com/office/drawing/2014/main" id="{F29A3D16-7342-466D-969F-F25F200F859D}"/>
+                <a16:creationId xmlns:a16="http://schemas.microsoft.com/office/drawing/2014/main" id="{F29A3D16-7342-466D-969F-F25F200F859D}"/>
               </a:ext>
             </a:extLst>
           </p:cNvPr>
@@ -12205,7 +12269,7 @@
         </p:nvSpPr>
         <p:spPr>
           <a:xfrm>
-            <a:off x="7306736" y="6253185"/>
+            <a:off x="7223664" y="6490345"/>
             <a:ext cx="593432" cy="369332"/>
           </a:xfrm>
           <a:prstGeom prst="rect">
@@ -12219,55 +12283,19 @@
           <a:lstStyle/>
           <a:p>
             <a:r>
-              <a:rPr lang="en-US" altLang="zh-CN" dirty="0" smtClean="0"/>
+              <a:rPr lang="en-US" altLang="zh-CN" dirty="0"/>
               <a:t>60.5</a:t>
             </a:r>
             <a:endParaRPr lang="zh-CN" altLang="en-US" dirty="0"/>
           </a:p>
         </p:txBody>
       </p:sp>
-      <p:cxnSp>
-        <p:nvCxnSpPr>
-          <p:cNvPr id="58" name="直接箭头连接符 57"/>
-          <p:cNvCxnSpPr/>
-          <p:nvPr/>
-        </p:nvCxnSpPr>
-        <p:spPr>
-          <a:xfrm>
-            <a:off x="3876781" y="5135731"/>
-            <a:ext cx="1343417" cy="0"/>
-          </a:xfrm>
-          <a:prstGeom prst="straightConnector1">
-            <a:avLst/>
-          </a:prstGeom>
-          <a:ln>
-            <a:solidFill>
-              <a:srgbClr val="00B0F0"/>
-            </a:solidFill>
-            <a:tailEnd type="triangle"/>
-          </a:ln>
-        </p:spPr>
-        <p:style>
-          <a:lnRef idx="1">
-            <a:schemeClr val="accent1"/>
-          </a:lnRef>
-          <a:fillRef idx="0">
-            <a:schemeClr val="accent1"/>
-          </a:fillRef>
-          <a:effectRef idx="0">
-            <a:schemeClr val="accent1"/>
-          </a:effectRef>
-          <a:fontRef idx="minor">
-            <a:schemeClr val="tx1"/>
-          </a:fontRef>
-        </p:style>
-      </p:cxnSp>
       <p:sp>
         <p:nvSpPr>
           <p:cNvPr id="59" name="矩形 58">
             <a:extLst>
               <a:ext uri="{FF2B5EF4-FFF2-40B4-BE49-F238E27FC236}">
-                <a16:creationId xmlns="" xmlns:a16="http://schemas.microsoft.com/office/drawing/2014/main" id="{F29A3D16-7342-466D-969F-F25F200F859D}"/>
+                <a16:creationId xmlns:a16="http://schemas.microsoft.com/office/drawing/2014/main" id="{F29A3D16-7342-466D-969F-F25F200F859D}"/>
               </a:ext>
             </a:extLst>
           </p:cNvPr>
@@ -12276,7 +12304,7 @@
         </p:nvSpPr>
         <p:spPr>
           <a:xfrm>
-            <a:off x="5249233" y="4944533"/>
+            <a:off x="2871512" y="4507675"/>
             <a:ext cx="963725" cy="369332"/>
           </a:xfrm>
           <a:prstGeom prst="rect">
@@ -12290,7 +12318,7 @@
           <a:lstStyle/>
           <a:p>
             <a:r>
-              <a:rPr lang="en-US" altLang="zh-CN" dirty="0" smtClean="0"/>
+              <a:rPr lang="en-US" altLang="zh-CN" dirty="0"/>
               <a:t>NET LED</a:t>
             </a:r>
             <a:endParaRPr lang="zh-CN" altLang="en-US" dirty="0"/>
@@ -12302,7 +12330,7 @@
           <p:cNvPr id="60" name="矩形 59">
             <a:extLst>
               <a:ext uri="{FF2B5EF4-FFF2-40B4-BE49-F238E27FC236}">
-                <a16:creationId xmlns="" xmlns:a16="http://schemas.microsoft.com/office/drawing/2014/main" id="{F29A3D16-7342-466D-969F-F25F200F859D}"/>
+                <a16:creationId xmlns:a16="http://schemas.microsoft.com/office/drawing/2014/main" id="{F29A3D16-7342-466D-969F-F25F200F859D}"/>
               </a:ext>
             </a:extLst>
           </p:cNvPr>
@@ -12311,8 +12339,8 @@
         </p:nvSpPr>
         <p:spPr>
           <a:xfrm>
-            <a:off x="8633243" y="4333068"/>
-            <a:ext cx="914033" cy="369332"/>
+            <a:off x="6408430" y="5591109"/>
+            <a:ext cx="537327" cy="369332"/>
           </a:xfrm>
           <a:prstGeom prst="rect">
             <a:avLst/>
@@ -12325,8 +12353,8 @@
           <a:lstStyle/>
           <a:p>
             <a:r>
-              <a:rPr lang="en-US" altLang="zh-CN" dirty="0" smtClean="0"/>
-              <a:t>PW LED</a:t>
+              <a:rPr lang="en-US" altLang="zh-CN" dirty="0"/>
+              <a:t>LED</a:t>
             </a:r>
             <a:endParaRPr lang="zh-CN" altLang="en-US" dirty="0"/>
           </a:p>
@@ -12337,7 +12365,7 @@
           <p:cNvPr id="61" name="矩形 60">
             <a:extLst>
               <a:ext uri="{FF2B5EF4-FFF2-40B4-BE49-F238E27FC236}">
-                <a16:creationId xmlns="" xmlns:a16="http://schemas.microsoft.com/office/drawing/2014/main" id="{F29A3D16-7342-466D-969F-F25F200F859D}"/>
+                <a16:creationId xmlns:a16="http://schemas.microsoft.com/office/drawing/2014/main" id="{F29A3D16-7342-466D-969F-F25F200F859D}"/>
               </a:ext>
             </a:extLst>
           </p:cNvPr>
@@ -12346,7 +12374,7 @@
         </p:nvSpPr>
         <p:spPr>
           <a:xfrm>
-            <a:off x="9384685" y="5519909"/>
+            <a:off x="7828390" y="5567858"/>
             <a:ext cx="553357" cy="369332"/>
           </a:xfrm>
           <a:prstGeom prst="rect">
@@ -12360,7 +12388,7 @@
           <a:lstStyle/>
           <a:p>
             <a:r>
-              <a:rPr lang="en-US" altLang="zh-CN" dirty="0" smtClean="0"/>
+              <a:rPr lang="en-US" altLang="zh-CN" dirty="0"/>
               <a:t>ETH</a:t>
             </a:r>
             <a:endParaRPr lang="zh-CN" altLang="en-US" dirty="0"/>
@@ -12372,7 +12400,7 @@
           <p:cNvPr id="62" name="矩形 61">
             <a:extLst>
               <a:ext uri="{FF2B5EF4-FFF2-40B4-BE49-F238E27FC236}">
-                <a16:creationId xmlns="" xmlns:a16="http://schemas.microsoft.com/office/drawing/2014/main" id="{F29A3D16-7342-466D-969F-F25F200F859D}"/>
+                <a16:creationId xmlns:a16="http://schemas.microsoft.com/office/drawing/2014/main" id="{F29A3D16-7342-466D-969F-F25F200F859D}"/>
               </a:ext>
             </a:extLst>
           </p:cNvPr>
@@ -12381,8 +12409,8 @@
         </p:nvSpPr>
         <p:spPr>
           <a:xfrm>
-            <a:off x="8043837" y="5519909"/>
-            <a:ext cx="1161985" cy="369332"/>
+            <a:off x="6899564" y="5579471"/>
+            <a:ext cx="562975" cy="369332"/>
           </a:xfrm>
           <a:prstGeom prst="rect">
             <a:avLst/>
@@ -12395,8 +12423,8 @@
           <a:lstStyle/>
           <a:p>
             <a:r>
-              <a:rPr lang="en-US" altLang="zh-CN" dirty="0" smtClean="0"/>
-              <a:t>Micro USB</a:t>
+              <a:rPr lang="en-US" altLang="zh-CN" dirty="0"/>
+              <a:t>USB</a:t>
             </a:r>
             <a:endParaRPr lang="zh-CN" altLang="en-US" dirty="0"/>
           </a:p>
@@ -12407,7 +12435,7 @@
           <p:cNvPr id="63" name="矩形 62">
             <a:extLst>
               <a:ext uri="{FF2B5EF4-FFF2-40B4-BE49-F238E27FC236}">
-                <a16:creationId xmlns="" xmlns:a16="http://schemas.microsoft.com/office/drawing/2014/main" id="{F29A3D16-7342-466D-969F-F25F200F859D}"/>
+                <a16:creationId xmlns:a16="http://schemas.microsoft.com/office/drawing/2014/main" id="{F29A3D16-7342-466D-969F-F25F200F859D}"/>
               </a:ext>
             </a:extLst>
           </p:cNvPr>
@@ -12416,7 +12444,7 @@
         </p:nvSpPr>
         <p:spPr>
           <a:xfrm>
-            <a:off x="7203310" y="4375680"/>
+            <a:off x="5589995" y="5574721"/>
             <a:ext cx="800284" cy="369332"/>
           </a:xfrm>
           <a:prstGeom prst="rect">
@@ -12430,7 +12458,7 @@
           <a:lstStyle/>
           <a:p>
             <a:r>
-              <a:rPr lang="en-US" altLang="zh-CN" dirty="0" smtClean="0"/>
+              <a:rPr lang="en-US" altLang="zh-CN" dirty="0"/>
               <a:t>Switch</a:t>
             </a:r>
             <a:endParaRPr lang="zh-CN" altLang="en-US" dirty="0"/>
@@ -12442,7 +12470,7 @@
           <p:cNvPr id="64" name="矩形 63">
             <a:extLst>
               <a:ext uri="{FF2B5EF4-FFF2-40B4-BE49-F238E27FC236}">
-                <a16:creationId xmlns="" xmlns:a16="http://schemas.microsoft.com/office/drawing/2014/main" id="{F29A3D16-7342-466D-969F-F25F200F859D}"/>
+                <a16:creationId xmlns:a16="http://schemas.microsoft.com/office/drawing/2014/main" id="{F29A3D16-7342-466D-969F-F25F200F859D}"/>
               </a:ext>
             </a:extLst>
           </p:cNvPr>
@@ -12451,7 +12479,7 @@
         </p:nvSpPr>
         <p:spPr>
           <a:xfrm>
-            <a:off x="2723474" y="5582874"/>
+            <a:off x="2963644" y="5555318"/>
             <a:ext cx="1144352" cy="369332"/>
           </a:xfrm>
           <a:prstGeom prst="rect">
@@ -12465,7 +12493,7 @@
           <a:lstStyle/>
           <a:p>
             <a:r>
-              <a:rPr lang="en-US" altLang="zh-CN" dirty="0" smtClean="0"/>
+              <a:rPr lang="en-US" altLang="zh-CN" dirty="0"/>
               <a:t>Micro SIM</a:t>
             </a:r>
             <a:endParaRPr lang="zh-CN" altLang="en-US" dirty="0"/>
@@ -12476,6 +12504,3834 @@
     <p:extLst>
       <p:ext uri="{BB962C8B-B14F-4D97-AF65-F5344CB8AC3E}">
         <p14:creationId xmlns:p14="http://schemas.microsoft.com/office/powerpoint/2010/main" val="1521536350"/>
+      </p:ext>
+    </p:extLst>
+  </p:cSld>
+  <p:clrMapOvr>
+    <a:masterClrMapping/>
+  </p:clrMapOvr>
+</p:sld>
+</file>
+
+<file path=ppt/slides/slide7.xml><?xml version="1.0" encoding="utf-8"?>
+<p:sld xmlns:a="http://schemas.openxmlformats.org/drawingml/2006/main" xmlns:r="http://schemas.openxmlformats.org/officeDocument/2006/relationships" xmlns:p="http://schemas.openxmlformats.org/presentationml/2006/main">
+  <p:cSld>
+    <p:spTree>
+      <p:nvGrpSpPr>
+        <p:cNvPr id="1" name=""/>
+        <p:cNvGrpSpPr/>
+        <p:nvPr/>
+      </p:nvGrpSpPr>
+      <p:grpSpPr>
+        <a:xfrm>
+          <a:off x="0" y="0"/>
+          <a:ext cx="0" cy="0"/>
+          <a:chOff x="0" y="0"/>
+          <a:chExt cx="0" cy="0"/>
+        </a:xfrm>
+      </p:grpSpPr>
+      <p:sp>
+        <p:nvSpPr>
+          <p:cNvPr id="2" name="矩形 1">
+            <a:extLst>
+              <a:ext uri="{FF2B5EF4-FFF2-40B4-BE49-F238E27FC236}">
+                <a16:creationId xmlns:a16="http://schemas.microsoft.com/office/drawing/2014/main" id="{C8A7849E-911B-40F9-B477-855AD6CBB0E9}"/>
+              </a:ext>
+            </a:extLst>
+          </p:cNvPr>
+          <p:cNvSpPr/>
+          <p:nvPr/>
+        </p:nvSpPr>
+        <p:spPr>
+          <a:xfrm>
+            <a:off x="3220213" y="1995053"/>
+            <a:ext cx="6123709" cy="2867891"/>
+          </a:xfrm>
+          <a:prstGeom prst="rect">
+            <a:avLst/>
+          </a:prstGeom>
+        </p:spPr>
+        <p:style>
+          <a:lnRef idx="2">
+            <a:schemeClr val="dk1"/>
+          </a:lnRef>
+          <a:fillRef idx="1">
+            <a:schemeClr val="lt1"/>
+          </a:fillRef>
+          <a:effectRef idx="0">
+            <a:schemeClr val="dk1"/>
+          </a:effectRef>
+          <a:fontRef idx="minor">
+            <a:schemeClr val="dk1"/>
+          </a:fontRef>
+        </p:style>
+        <p:txBody>
+          <a:bodyPr rtlCol="0" anchor="ctr"/>
+          <a:lstStyle/>
+          <a:p>
+            <a:pPr algn="ctr"/>
+            <a:endParaRPr lang="zh-CN" altLang="en-US"/>
+          </a:p>
+        </p:txBody>
+      </p:sp>
+      <p:sp>
+        <p:nvSpPr>
+          <p:cNvPr id="3" name="矩形 2">
+            <a:extLst>
+              <a:ext uri="{FF2B5EF4-FFF2-40B4-BE49-F238E27FC236}">
+                <a16:creationId xmlns:a16="http://schemas.microsoft.com/office/drawing/2014/main" id="{E9F94B9D-BB0B-459C-8DBD-791D64A21734}"/>
+              </a:ext>
+            </a:extLst>
+          </p:cNvPr>
+          <p:cNvSpPr/>
+          <p:nvPr/>
+        </p:nvSpPr>
+        <p:spPr>
+          <a:xfrm>
+            <a:off x="8492836" y="2133600"/>
+            <a:ext cx="969819" cy="748145"/>
+          </a:xfrm>
+          <a:prstGeom prst="rect">
+            <a:avLst/>
+          </a:prstGeom>
+        </p:spPr>
+        <p:style>
+          <a:lnRef idx="2">
+            <a:schemeClr val="dk1"/>
+          </a:lnRef>
+          <a:fillRef idx="1">
+            <a:schemeClr val="lt1"/>
+          </a:fillRef>
+          <a:effectRef idx="0">
+            <a:schemeClr val="dk1"/>
+          </a:effectRef>
+          <a:fontRef idx="minor">
+            <a:schemeClr val="dk1"/>
+          </a:fontRef>
+        </p:style>
+        <p:txBody>
+          <a:bodyPr rtlCol="0" anchor="ctr"/>
+          <a:lstStyle/>
+          <a:p>
+            <a:pPr algn="ctr"/>
+            <a:r>
+              <a:rPr lang="en-US" altLang="zh-CN" dirty="0"/>
+              <a:t>RJ 45</a:t>
+            </a:r>
+            <a:endParaRPr lang="zh-CN" altLang="en-US" dirty="0"/>
+          </a:p>
+        </p:txBody>
+      </p:sp>
+      <p:sp>
+        <p:nvSpPr>
+          <p:cNvPr id="4" name="矩形 3">
+            <a:extLst>
+              <a:ext uri="{FF2B5EF4-FFF2-40B4-BE49-F238E27FC236}">
+                <a16:creationId xmlns:a16="http://schemas.microsoft.com/office/drawing/2014/main" id="{50EE0DB5-02E1-4FEA-A897-2CA60F7ADC82}"/>
+              </a:ext>
+            </a:extLst>
+          </p:cNvPr>
+          <p:cNvSpPr/>
+          <p:nvPr/>
+        </p:nvSpPr>
+        <p:spPr>
+          <a:xfrm>
+            <a:off x="9030278" y="3210790"/>
+            <a:ext cx="311727" cy="436418"/>
+          </a:xfrm>
+          <a:prstGeom prst="rect">
+            <a:avLst/>
+          </a:prstGeom>
+        </p:spPr>
+        <p:style>
+          <a:lnRef idx="2">
+            <a:schemeClr val="dk1"/>
+          </a:lnRef>
+          <a:fillRef idx="1">
+            <a:schemeClr val="lt1"/>
+          </a:fillRef>
+          <a:effectRef idx="0">
+            <a:schemeClr val="dk1"/>
+          </a:effectRef>
+          <a:fontRef idx="minor">
+            <a:schemeClr val="dk1"/>
+          </a:fontRef>
+        </p:style>
+        <p:txBody>
+          <a:bodyPr rtlCol="0" anchor="ctr"/>
+          <a:lstStyle/>
+          <a:p>
+            <a:pPr algn="ctr"/>
+            <a:endParaRPr lang="zh-CN" altLang="en-US" dirty="0"/>
+          </a:p>
+        </p:txBody>
+      </p:sp>
+      <p:sp>
+        <p:nvSpPr>
+          <p:cNvPr id="5" name="矩形 4">
+            <a:extLst>
+              <a:ext uri="{FF2B5EF4-FFF2-40B4-BE49-F238E27FC236}">
+                <a16:creationId xmlns:a16="http://schemas.microsoft.com/office/drawing/2014/main" id="{549F3974-0797-4C3A-A982-29204D3A521D}"/>
+              </a:ext>
+            </a:extLst>
+          </p:cNvPr>
+          <p:cNvSpPr/>
+          <p:nvPr/>
+        </p:nvSpPr>
+        <p:spPr>
+          <a:xfrm>
+            <a:off x="8492837" y="4043795"/>
+            <a:ext cx="727364" cy="748145"/>
+          </a:xfrm>
+          <a:prstGeom prst="rect">
+            <a:avLst/>
+          </a:prstGeom>
+        </p:spPr>
+        <p:style>
+          <a:lnRef idx="2">
+            <a:schemeClr val="dk1"/>
+          </a:lnRef>
+          <a:fillRef idx="1">
+            <a:schemeClr val="lt1"/>
+          </a:fillRef>
+          <a:effectRef idx="0">
+            <a:schemeClr val="dk1"/>
+          </a:effectRef>
+          <a:fontRef idx="minor">
+            <a:schemeClr val="dk1"/>
+          </a:fontRef>
+        </p:style>
+        <p:txBody>
+          <a:bodyPr rtlCol="0" anchor="ctr"/>
+          <a:lstStyle/>
+          <a:p>
+            <a:pPr algn="ctr"/>
+            <a:r>
+              <a:rPr lang="en-US" altLang="zh-CN" sz="1600" dirty="0"/>
+              <a:t>Switch</a:t>
+            </a:r>
+            <a:endParaRPr lang="zh-CN" altLang="en-US" sz="1600" dirty="0"/>
+          </a:p>
+        </p:txBody>
+      </p:sp>
+      <p:sp>
+        <p:nvSpPr>
+          <p:cNvPr id="6" name="矩形 5">
+            <a:extLst>
+              <a:ext uri="{FF2B5EF4-FFF2-40B4-BE49-F238E27FC236}">
+                <a16:creationId xmlns:a16="http://schemas.microsoft.com/office/drawing/2014/main" id="{A57BCBF1-AEE7-4F2A-A92F-903B9E59F31D}"/>
+              </a:ext>
+            </a:extLst>
+          </p:cNvPr>
+          <p:cNvSpPr/>
+          <p:nvPr/>
+        </p:nvSpPr>
+        <p:spPr>
+          <a:xfrm>
+            <a:off x="9220201" y="4157606"/>
+            <a:ext cx="311727" cy="241589"/>
+          </a:xfrm>
+          <a:prstGeom prst="rect">
+            <a:avLst/>
+          </a:prstGeom>
+        </p:spPr>
+        <p:style>
+          <a:lnRef idx="2">
+            <a:schemeClr val="dk1"/>
+          </a:lnRef>
+          <a:fillRef idx="1">
+            <a:schemeClr val="lt1"/>
+          </a:fillRef>
+          <a:effectRef idx="0">
+            <a:schemeClr val="dk1"/>
+          </a:effectRef>
+          <a:fontRef idx="minor">
+            <a:schemeClr val="dk1"/>
+          </a:fontRef>
+        </p:style>
+        <p:txBody>
+          <a:bodyPr rtlCol="0" anchor="ctr"/>
+          <a:lstStyle/>
+          <a:p>
+            <a:pPr algn="ctr"/>
+            <a:endParaRPr lang="zh-CN" altLang="en-US"/>
+          </a:p>
+        </p:txBody>
+      </p:sp>
+      <p:sp>
+        <p:nvSpPr>
+          <p:cNvPr id="7" name="矩形 6">
+            <a:extLst>
+              <a:ext uri="{FF2B5EF4-FFF2-40B4-BE49-F238E27FC236}">
+                <a16:creationId xmlns:a16="http://schemas.microsoft.com/office/drawing/2014/main" id="{8F89BA29-172E-4CE6-833C-6AA55D79292A}"/>
+              </a:ext>
+            </a:extLst>
+          </p:cNvPr>
+          <p:cNvSpPr/>
+          <p:nvPr/>
+        </p:nvSpPr>
+        <p:spPr>
+          <a:xfrm>
+            <a:off x="9267826" y="3843877"/>
+            <a:ext cx="45719" cy="91571"/>
+          </a:xfrm>
+          <a:prstGeom prst="rect">
+            <a:avLst/>
+          </a:prstGeom>
+        </p:spPr>
+        <p:style>
+          <a:lnRef idx="2">
+            <a:schemeClr val="dk1"/>
+          </a:lnRef>
+          <a:fillRef idx="1">
+            <a:schemeClr val="lt1"/>
+          </a:fillRef>
+          <a:effectRef idx="0">
+            <a:schemeClr val="dk1"/>
+          </a:effectRef>
+          <a:fontRef idx="minor">
+            <a:schemeClr val="dk1"/>
+          </a:fontRef>
+        </p:style>
+        <p:txBody>
+          <a:bodyPr rtlCol="0" anchor="ctr"/>
+          <a:lstStyle/>
+          <a:p>
+            <a:pPr algn="ctr"/>
+            <a:endParaRPr lang="zh-CN" altLang="en-US"/>
+          </a:p>
+        </p:txBody>
+      </p:sp>
+      <p:sp>
+        <p:nvSpPr>
+          <p:cNvPr id="8" name="矩形 7">
+            <a:extLst>
+              <a:ext uri="{FF2B5EF4-FFF2-40B4-BE49-F238E27FC236}">
+                <a16:creationId xmlns:a16="http://schemas.microsoft.com/office/drawing/2014/main" id="{0AD12FC3-820C-4FC2-BBC1-9FDD8E9176B3}"/>
+              </a:ext>
+            </a:extLst>
+          </p:cNvPr>
+          <p:cNvSpPr/>
+          <p:nvPr/>
+        </p:nvSpPr>
+        <p:spPr>
+          <a:xfrm>
+            <a:off x="3252293" y="2982440"/>
+            <a:ext cx="45719" cy="91571"/>
+          </a:xfrm>
+          <a:prstGeom prst="rect">
+            <a:avLst/>
+          </a:prstGeom>
+        </p:spPr>
+        <p:style>
+          <a:lnRef idx="2">
+            <a:schemeClr val="dk1"/>
+          </a:lnRef>
+          <a:fillRef idx="1">
+            <a:schemeClr val="lt1"/>
+          </a:fillRef>
+          <a:effectRef idx="0">
+            <a:schemeClr val="dk1"/>
+          </a:effectRef>
+          <a:fontRef idx="minor">
+            <a:schemeClr val="dk1"/>
+          </a:fontRef>
+        </p:style>
+        <p:txBody>
+          <a:bodyPr rtlCol="0" anchor="ctr"/>
+          <a:lstStyle/>
+          <a:p>
+            <a:pPr algn="ctr"/>
+            <a:endParaRPr lang="zh-CN" altLang="en-US"/>
+          </a:p>
+        </p:txBody>
+      </p:sp>
+      <p:sp>
+        <p:nvSpPr>
+          <p:cNvPr id="9" name="矩形 8">
+            <a:extLst>
+              <a:ext uri="{FF2B5EF4-FFF2-40B4-BE49-F238E27FC236}">
+                <a16:creationId xmlns:a16="http://schemas.microsoft.com/office/drawing/2014/main" id="{B111B6EA-9B21-424D-9CB1-1E62EBE0FEEF}"/>
+              </a:ext>
+            </a:extLst>
+          </p:cNvPr>
+          <p:cNvSpPr/>
+          <p:nvPr/>
+        </p:nvSpPr>
+        <p:spPr>
+          <a:xfrm>
+            <a:off x="3252294" y="3246759"/>
+            <a:ext cx="45719" cy="91571"/>
+          </a:xfrm>
+          <a:prstGeom prst="rect">
+            <a:avLst/>
+          </a:prstGeom>
+        </p:spPr>
+        <p:style>
+          <a:lnRef idx="2">
+            <a:schemeClr val="dk1"/>
+          </a:lnRef>
+          <a:fillRef idx="1">
+            <a:schemeClr val="lt1"/>
+          </a:fillRef>
+          <a:effectRef idx="0">
+            <a:schemeClr val="dk1"/>
+          </a:effectRef>
+          <a:fontRef idx="minor">
+            <a:schemeClr val="dk1"/>
+          </a:fontRef>
+        </p:style>
+        <p:txBody>
+          <a:bodyPr rtlCol="0" anchor="ctr"/>
+          <a:lstStyle/>
+          <a:p>
+            <a:pPr algn="ctr"/>
+            <a:endParaRPr lang="zh-CN" altLang="en-US"/>
+          </a:p>
+        </p:txBody>
+      </p:sp>
+      <p:sp>
+        <p:nvSpPr>
+          <p:cNvPr id="10" name="矩形 9">
+            <a:extLst>
+              <a:ext uri="{FF2B5EF4-FFF2-40B4-BE49-F238E27FC236}">
+                <a16:creationId xmlns:a16="http://schemas.microsoft.com/office/drawing/2014/main" id="{47A28AEB-AA40-45D4-9A9B-9B033777DF62}"/>
+              </a:ext>
+            </a:extLst>
+          </p:cNvPr>
+          <p:cNvSpPr/>
+          <p:nvPr/>
+        </p:nvSpPr>
+        <p:spPr>
+          <a:xfrm>
+            <a:off x="3245943" y="3514184"/>
+            <a:ext cx="45719" cy="91571"/>
+          </a:xfrm>
+          <a:prstGeom prst="rect">
+            <a:avLst/>
+          </a:prstGeom>
+        </p:spPr>
+        <p:style>
+          <a:lnRef idx="2">
+            <a:schemeClr val="dk1"/>
+          </a:lnRef>
+          <a:fillRef idx="1">
+            <a:schemeClr val="lt1"/>
+          </a:fillRef>
+          <a:effectRef idx="0">
+            <a:schemeClr val="dk1"/>
+          </a:effectRef>
+          <a:fontRef idx="minor">
+            <a:schemeClr val="dk1"/>
+          </a:fontRef>
+        </p:style>
+        <p:txBody>
+          <a:bodyPr rtlCol="0" anchor="ctr"/>
+          <a:lstStyle/>
+          <a:p>
+            <a:pPr algn="ctr"/>
+            <a:endParaRPr lang="zh-CN" altLang="en-US"/>
+          </a:p>
+        </p:txBody>
+      </p:sp>
+      <p:sp>
+        <p:nvSpPr>
+          <p:cNvPr id="12" name="椭圆 11">
+            <a:extLst>
+              <a:ext uri="{FF2B5EF4-FFF2-40B4-BE49-F238E27FC236}">
+                <a16:creationId xmlns:a16="http://schemas.microsoft.com/office/drawing/2014/main" id="{88B95B7A-8B6D-45F8-A8BA-14670F0D57EF}"/>
+              </a:ext>
+            </a:extLst>
+          </p:cNvPr>
+          <p:cNvSpPr/>
+          <p:nvPr/>
+        </p:nvSpPr>
+        <p:spPr>
+          <a:xfrm rot="3996607">
+            <a:off x="3585208" y="4079512"/>
+            <a:ext cx="182871" cy="259947"/>
+          </a:xfrm>
+          <a:prstGeom prst="ellipse">
+            <a:avLst/>
+          </a:prstGeom>
+          <a:ln/>
+        </p:spPr>
+        <p:style>
+          <a:lnRef idx="2">
+            <a:schemeClr val="dk1"/>
+          </a:lnRef>
+          <a:fillRef idx="1">
+            <a:schemeClr val="lt1"/>
+          </a:fillRef>
+          <a:effectRef idx="0">
+            <a:schemeClr val="dk1"/>
+          </a:effectRef>
+          <a:fontRef idx="minor">
+            <a:schemeClr val="dk1"/>
+          </a:fontRef>
+        </p:style>
+        <p:txBody>
+          <a:bodyPr rtlCol="0" anchor="ctr"/>
+          <a:lstStyle/>
+          <a:p>
+            <a:pPr algn="ctr"/>
+            <a:endParaRPr lang="zh-CN" altLang="en-US"/>
+          </a:p>
+        </p:txBody>
+      </p:sp>
+      <p:sp>
+        <p:nvSpPr>
+          <p:cNvPr id="13" name="椭圆 12">
+            <a:extLst>
+              <a:ext uri="{FF2B5EF4-FFF2-40B4-BE49-F238E27FC236}">
+                <a16:creationId xmlns:a16="http://schemas.microsoft.com/office/drawing/2014/main" id="{FF716F28-C68B-4D0D-84F6-D3621853F5C3}"/>
+              </a:ext>
+            </a:extLst>
+          </p:cNvPr>
+          <p:cNvSpPr/>
+          <p:nvPr/>
+        </p:nvSpPr>
+        <p:spPr>
+          <a:xfrm>
+            <a:off x="7739275" y="2509628"/>
+            <a:ext cx="238555" cy="238555"/>
+          </a:xfrm>
+          <a:prstGeom prst="ellipse">
+            <a:avLst/>
+          </a:prstGeom>
+        </p:spPr>
+        <p:style>
+          <a:lnRef idx="2">
+            <a:schemeClr val="dk1"/>
+          </a:lnRef>
+          <a:fillRef idx="1">
+            <a:schemeClr val="lt1"/>
+          </a:fillRef>
+          <a:effectRef idx="0">
+            <a:schemeClr val="dk1"/>
+          </a:effectRef>
+          <a:fontRef idx="minor">
+            <a:schemeClr val="dk1"/>
+          </a:fontRef>
+        </p:style>
+        <p:txBody>
+          <a:bodyPr rtlCol="0" anchor="ctr"/>
+          <a:lstStyle/>
+          <a:p>
+            <a:pPr algn="ctr"/>
+            <a:endParaRPr lang="zh-CN" altLang="en-US"/>
+          </a:p>
+        </p:txBody>
+      </p:sp>
+      <p:sp>
+        <p:nvSpPr>
+          <p:cNvPr id="14" name="椭圆 13">
+            <a:extLst>
+              <a:ext uri="{FF2B5EF4-FFF2-40B4-BE49-F238E27FC236}">
+                <a16:creationId xmlns:a16="http://schemas.microsoft.com/office/drawing/2014/main" id="{63B834B8-F3CA-4FDA-81FC-4491AB8A543A}"/>
+              </a:ext>
+            </a:extLst>
+          </p:cNvPr>
+          <p:cNvSpPr/>
+          <p:nvPr/>
+        </p:nvSpPr>
+        <p:spPr>
+          <a:xfrm>
+            <a:off x="7739275" y="4073967"/>
+            <a:ext cx="238555" cy="238555"/>
+          </a:xfrm>
+          <a:prstGeom prst="ellipse">
+            <a:avLst/>
+          </a:prstGeom>
+        </p:spPr>
+        <p:style>
+          <a:lnRef idx="2">
+            <a:schemeClr val="dk1"/>
+          </a:lnRef>
+          <a:fillRef idx="1">
+            <a:schemeClr val="lt1"/>
+          </a:fillRef>
+          <a:effectRef idx="0">
+            <a:schemeClr val="dk1"/>
+          </a:effectRef>
+          <a:fontRef idx="minor">
+            <a:schemeClr val="dk1"/>
+          </a:fontRef>
+        </p:style>
+        <p:txBody>
+          <a:bodyPr rtlCol="0" anchor="ctr"/>
+          <a:lstStyle/>
+          <a:p>
+            <a:pPr algn="ctr"/>
+            <a:endParaRPr lang="zh-CN" altLang="en-US"/>
+          </a:p>
+        </p:txBody>
+      </p:sp>
+      <p:sp>
+        <p:nvSpPr>
+          <p:cNvPr id="15" name="椭圆 14">
+            <a:extLst>
+              <a:ext uri="{FF2B5EF4-FFF2-40B4-BE49-F238E27FC236}">
+                <a16:creationId xmlns:a16="http://schemas.microsoft.com/office/drawing/2014/main" id="{A19C592B-C565-4693-A332-40BA5C7F1629}"/>
+              </a:ext>
+            </a:extLst>
+          </p:cNvPr>
+          <p:cNvSpPr/>
+          <p:nvPr/>
+        </p:nvSpPr>
+        <p:spPr>
+          <a:xfrm rot="7269487">
+            <a:off x="3619847" y="2557218"/>
+            <a:ext cx="182871" cy="259947"/>
+          </a:xfrm>
+          <a:prstGeom prst="ellipse">
+            <a:avLst/>
+          </a:prstGeom>
+          <a:ln/>
+        </p:spPr>
+        <p:style>
+          <a:lnRef idx="2">
+            <a:schemeClr val="dk1"/>
+          </a:lnRef>
+          <a:fillRef idx="1">
+            <a:schemeClr val="lt1"/>
+          </a:fillRef>
+          <a:effectRef idx="0">
+            <a:schemeClr val="dk1"/>
+          </a:effectRef>
+          <a:fontRef idx="minor">
+            <a:schemeClr val="dk1"/>
+          </a:fontRef>
+        </p:style>
+        <p:txBody>
+          <a:bodyPr rtlCol="0" anchor="ctr"/>
+          <a:lstStyle/>
+          <a:p>
+            <a:pPr algn="ctr"/>
+            <a:endParaRPr lang="zh-CN" altLang="en-US"/>
+          </a:p>
+        </p:txBody>
+      </p:sp>
+      <p:sp>
+        <p:nvSpPr>
+          <p:cNvPr id="16" name="矩形 15">
+            <a:extLst>
+              <a:ext uri="{FF2B5EF4-FFF2-40B4-BE49-F238E27FC236}">
+                <a16:creationId xmlns:a16="http://schemas.microsoft.com/office/drawing/2014/main" id="{C0028BF5-4C0C-4F62-B90E-74F162D5CB65}"/>
+              </a:ext>
+            </a:extLst>
+          </p:cNvPr>
+          <p:cNvSpPr/>
+          <p:nvPr/>
+        </p:nvSpPr>
+        <p:spPr>
+          <a:xfrm>
+            <a:off x="8492836" y="3210789"/>
+            <a:ext cx="355785" cy="471909"/>
+          </a:xfrm>
+          <a:prstGeom prst="rect">
+            <a:avLst/>
+          </a:prstGeom>
+        </p:spPr>
+        <p:style>
+          <a:lnRef idx="2">
+            <a:schemeClr val="dk1"/>
+          </a:lnRef>
+          <a:fillRef idx="1">
+            <a:schemeClr val="lt1"/>
+          </a:fillRef>
+          <a:effectRef idx="0">
+            <a:schemeClr val="dk1"/>
+          </a:effectRef>
+          <a:fontRef idx="minor">
+            <a:schemeClr val="dk1"/>
+          </a:fontRef>
+        </p:style>
+        <p:txBody>
+          <a:bodyPr rtlCol="0" anchor="ctr"/>
+          <a:lstStyle/>
+          <a:p>
+            <a:pPr algn="ctr"/>
+            <a:r>
+              <a:rPr lang="en-US" altLang="zh-CN" dirty="0"/>
+              <a:t>-+</a:t>
+            </a:r>
+            <a:endParaRPr lang="zh-CN" altLang="en-US" dirty="0"/>
+          </a:p>
+        </p:txBody>
+      </p:sp>
+      <p:sp>
+        <p:nvSpPr>
+          <p:cNvPr id="17" name="矩形 16">
+            <a:extLst>
+              <a:ext uri="{FF2B5EF4-FFF2-40B4-BE49-F238E27FC236}">
+                <a16:creationId xmlns:a16="http://schemas.microsoft.com/office/drawing/2014/main" id="{AAB4CE55-6534-4A28-823C-DF125D3B5132}"/>
+              </a:ext>
+            </a:extLst>
+          </p:cNvPr>
+          <p:cNvSpPr/>
+          <p:nvPr/>
+        </p:nvSpPr>
+        <p:spPr>
+          <a:xfrm>
+            <a:off x="5984731" y="2766107"/>
+            <a:ext cx="1306831" cy="1325784"/>
+          </a:xfrm>
+          <a:prstGeom prst="rect">
+            <a:avLst/>
+          </a:prstGeom>
+        </p:spPr>
+        <p:style>
+          <a:lnRef idx="2">
+            <a:schemeClr val="dk1"/>
+          </a:lnRef>
+          <a:fillRef idx="1">
+            <a:schemeClr val="lt1"/>
+          </a:fillRef>
+          <a:effectRef idx="0">
+            <a:schemeClr val="dk1"/>
+          </a:effectRef>
+          <a:fontRef idx="minor">
+            <a:schemeClr val="dk1"/>
+          </a:fontRef>
+        </p:style>
+        <p:txBody>
+          <a:bodyPr rtlCol="0" anchor="ctr"/>
+          <a:lstStyle/>
+          <a:p>
+            <a:pPr algn="ctr"/>
+            <a:r>
+              <a:rPr lang="en-US" altLang="zh-CN" dirty="0"/>
+              <a:t>ARM </a:t>
+            </a:r>
+          </a:p>
+          <a:p>
+            <a:pPr algn="ctr"/>
+            <a:r>
+              <a:rPr lang="en-US" altLang="zh-CN" dirty="0"/>
+              <a:t>Core 4</a:t>
+            </a:r>
+            <a:endParaRPr lang="zh-CN" altLang="en-US" dirty="0"/>
+          </a:p>
+        </p:txBody>
+      </p:sp>
+      <p:sp>
+        <p:nvSpPr>
+          <p:cNvPr id="18" name="矩形 17">
+            <a:extLst>
+              <a:ext uri="{FF2B5EF4-FFF2-40B4-BE49-F238E27FC236}">
+                <a16:creationId xmlns:a16="http://schemas.microsoft.com/office/drawing/2014/main" id="{DDC3A7B4-6494-4704-AEE9-9E1F0A46897B}"/>
+              </a:ext>
+            </a:extLst>
+          </p:cNvPr>
+          <p:cNvSpPr/>
+          <p:nvPr/>
+        </p:nvSpPr>
+        <p:spPr>
+          <a:xfrm>
+            <a:off x="4056092" y="3446743"/>
+            <a:ext cx="726484" cy="691570"/>
+          </a:xfrm>
+          <a:prstGeom prst="rect">
+            <a:avLst/>
+          </a:prstGeom>
+        </p:spPr>
+        <p:style>
+          <a:lnRef idx="2">
+            <a:schemeClr val="dk1"/>
+          </a:lnRef>
+          <a:fillRef idx="1">
+            <a:schemeClr val="lt1"/>
+          </a:fillRef>
+          <a:effectRef idx="0">
+            <a:schemeClr val="dk1"/>
+          </a:effectRef>
+          <a:fontRef idx="minor">
+            <a:schemeClr val="dk1"/>
+          </a:fontRef>
+        </p:style>
+        <p:txBody>
+          <a:bodyPr rtlCol="0" anchor="ctr"/>
+          <a:lstStyle/>
+          <a:p>
+            <a:pPr algn="ctr"/>
+            <a:r>
+              <a:rPr lang="en-US" altLang="zh-CN" dirty="0"/>
+              <a:t>MTK</a:t>
+            </a:r>
+          </a:p>
+          <a:p>
+            <a:pPr algn="ctr"/>
+            <a:r>
+              <a:rPr lang="en-US" altLang="zh-CN" dirty="0"/>
+              <a:t>WIFI</a:t>
+            </a:r>
+            <a:endParaRPr lang="zh-CN" altLang="en-US" dirty="0"/>
+          </a:p>
+        </p:txBody>
+      </p:sp>
+      <p:sp>
+        <p:nvSpPr>
+          <p:cNvPr id="19" name="矩形 18">
+            <a:extLst>
+              <a:ext uri="{FF2B5EF4-FFF2-40B4-BE49-F238E27FC236}">
+                <a16:creationId xmlns:a16="http://schemas.microsoft.com/office/drawing/2014/main" id="{33718A82-7A61-4BD6-A0AE-69103684CE5F}"/>
+              </a:ext>
+            </a:extLst>
+          </p:cNvPr>
+          <p:cNvSpPr/>
+          <p:nvPr/>
+        </p:nvSpPr>
+        <p:spPr>
+          <a:xfrm>
+            <a:off x="2242628" y="2881745"/>
+            <a:ext cx="933269" cy="261610"/>
+          </a:xfrm>
+          <a:prstGeom prst="rect">
+            <a:avLst/>
+          </a:prstGeom>
+        </p:spPr>
+        <p:txBody>
+          <a:bodyPr wrap="none">
+            <a:spAutoFit/>
+          </a:bodyPr>
+          <a:lstStyle/>
+          <a:p>
+            <a:r>
+              <a:rPr lang="en-US" altLang="zh-CN" sz="1100" dirty="0"/>
+              <a:t>4G </a:t>
+            </a:r>
+            <a:r>
+              <a:rPr lang="zh-CN" altLang="en-US" sz="1100" dirty="0"/>
+              <a:t>信号灯</a:t>
+            </a:r>
+            <a:r>
+              <a:rPr lang="en-US" altLang="zh-CN" sz="1100" dirty="0"/>
+              <a:t>-H</a:t>
+            </a:r>
+            <a:endParaRPr lang="zh-CN" altLang="en-US" sz="1100" dirty="0"/>
+          </a:p>
+        </p:txBody>
+      </p:sp>
+      <p:sp>
+        <p:nvSpPr>
+          <p:cNvPr id="20" name="矩形 19">
+            <a:extLst>
+              <a:ext uri="{FF2B5EF4-FFF2-40B4-BE49-F238E27FC236}">
+                <a16:creationId xmlns:a16="http://schemas.microsoft.com/office/drawing/2014/main" id="{C4011502-A762-4BA2-A75C-112E15BEDD08}"/>
+              </a:ext>
+            </a:extLst>
+          </p:cNvPr>
+          <p:cNvSpPr/>
+          <p:nvPr/>
+        </p:nvSpPr>
+        <p:spPr>
+          <a:xfrm>
+            <a:off x="2242628" y="3185133"/>
+            <a:ext cx="933269" cy="261610"/>
+          </a:xfrm>
+          <a:prstGeom prst="rect">
+            <a:avLst/>
+          </a:prstGeom>
+        </p:spPr>
+        <p:txBody>
+          <a:bodyPr wrap="none">
+            <a:spAutoFit/>
+          </a:bodyPr>
+          <a:lstStyle/>
+          <a:p>
+            <a:r>
+              <a:rPr lang="en-US" altLang="zh-CN" sz="1100" dirty="0"/>
+              <a:t>4G </a:t>
+            </a:r>
+            <a:r>
+              <a:rPr lang="zh-CN" altLang="en-US" sz="1100" dirty="0"/>
+              <a:t>信号灯</a:t>
+            </a:r>
+            <a:r>
+              <a:rPr lang="en-US" altLang="zh-CN" sz="1100" dirty="0"/>
+              <a:t>-L</a:t>
+            </a:r>
+            <a:endParaRPr lang="zh-CN" altLang="en-US" sz="1100" dirty="0"/>
+          </a:p>
+        </p:txBody>
+      </p:sp>
+      <p:sp>
+        <p:nvSpPr>
+          <p:cNvPr id="21" name="矩形 20">
+            <a:extLst>
+              <a:ext uri="{FF2B5EF4-FFF2-40B4-BE49-F238E27FC236}">
+                <a16:creationId xmlns:a16="http://schemas.microsoft.com/office/drawing/2014/main" id="{6797A39C-8E65-4555-B3A4-DBC0352578F3}"/>
+              </a:ext>
+            </a:extLst>
+          </p:cNvPr>
+          <p:cNvSpPr/>
+          <p:nvPr/>
+        </p:nvSpPr>
+        <p:spPr>
+          <a:xfrm>
+            <a:off x="2226481" y="3453036"/>
+            <a:ext cx="914033" cy="261610"/>
+          </a:xfrm>
+          <a:prstGeom prst="rect">
+            <a:avLst/>
+          </a:prstGeom>
+        </p:spPr>
+        <p:txBody>
+          <a:bodyPr wrap="none">
+            <a:spAutoFit/>
+          </a:bodyPr>
+          <a:lstStyle/>
+          <a:p>
+            <a:r>
+              <a:rPr lang="en-US" altLang="zh-CN" sz="1100" dirty="0"/>
+              <a:t>WIFI</a:t>
+            </a:r>
+            <a:r>
+              <a:rPr lang="zh-CN" altLang="en-US" sz="1100" dirty="0"/>
+              <a:t> </a:t>
+            </a:r>
+            <a:r>
+              <a:rPr lang="en-US" altLang="zh-CN" sz="1100" dirty="0"/>
+              <a:t>STATUS</a:t>
+            </a:r>
+          </a:p>
+        </p:txBody>
+      </p:sp>
+      <p:sp>
+        <p:nvSpPr>
+          <p:cNvPr id="22" name="矩形 21">
+            <a:extLst>
+              <a:ext uri="{FF2B5EF4-FFF2-40B4-BE49-F238E27FC236}">
+                <a16:creationId xmlns:a16="http://schemas.microsoft.com/office/drawing/2014/main" id="{6B58B23A-DC64-4148-9226-33683A2C9A99}"/>
+              </a:ext>
+            </a:extLst>
+          </p:cNvPr>
+          <p:cNvSpPr/>
+          <p:nvPr/>
+        </p:nvSpPr>
+        <p:spPr>
+          <a:xfrm>
+            <a:off x="9345619" y="3741531"/>
+            <a:ext cx="886781" cy="261610"/>
+          </a:xfrm>
+          <a:prstGeom prst="rect">
+            <a:avLst/>
+          </a:prstGeom>
+        </p:spPr>
+        <p:txBody>
+          <a:bodyPr wrap="none">
+            <a:spAutoFit/>
+          </a:bodyPr>
+          <a:lstStyle/>
+          <a:p>
+            <a:r>
+              <a:rPr lang="en-US" altLang="zh-CN" sz="1100" dirty="0"/>
+              <a:t>SYSTEM LED</a:t>
+            </a:r>
+          </a:p>
+        </p:txBody>
+      </p:sp>
+      <p:sp>
+        <p:nvSpPr>
+          <p:cNvPr id="23" name="矩形 22">
+            <a:extLst>
+              <a:ext uri="{FF2B5EF4-FFF2-40B4-BE49-F238E27FC236}">
+                <a16:creationId xmlns:a16="http://schemas.microsoft.com/office/drawing/2014/main" id="{35130935-65E2-4F1C-8631-7E4BD4B4DCC4}"/>
+              </a:ext>
+            </a:extLst>
+          </p:cNvPr>
+          <p:cNvSpPr/>
+          <p:nvPr/>
+        </p:nvSpPr>
+        <p:spPr>
+          <a:xfrm>
+            <a:off x="9388238" y="3303168"/>
+            <a:ext cx="782587" cy="261610"/>
+          </a:xfrm>
+          <a:prstGeom prst="rect">
+            <a:avLst/>
+          </a:prstGeom>
+        </p:spPr>
+        <p:txBody>
+          <a:bodyPr wrap="none">
+            <a:spAutoFit/>
+          </a:bodyPr>
+          <a:lstStyle/>
+          <a:p>
+            <a:r>
+              <a:rPr lang="en-US" altLang="zh-CN" sz="1100" dirty="0"/>
+              <a:t>Micro USB</a:t>
+            </a:r>
+          </a:p>
+        </p:txBody>
+      </p:sp>
+      <p:sp>
+        <p:nvSpPr>
+          <p:cNvPr id="24" name="矩形 23">
+            <a:extLst>
+              <a:ext uri="{FF2B5EF4-FFF2-40B4-BE49-F238E27FC236}">
+                <a16:creationId xmlns:a16="http://schemas.microsoft.com/office/drawing/2014/main" id="{F3E02D4F-B76D-4D6E-AB4C-61E863679F41}"/>
+              </a:ext>
+            </a:extLst>
+          </p:cNvPr>
+          <p:cNvSpPr/>
+          <p:nvPr/>
+        </p:nvSpPr>
+        <p:spPr>
+          <a:xfrm>
+            <a:off x="4110656" y="2722112"/>
+            <a:ext cx="400727" cy="512410"/>
+          </a:xfrm>
+          <a:prstGeom prst="rect">
+            <a:avLst/>
+          </a:prstGeom>
+        </p:spPr>
+        <p:style>
+          <a:lnRef idx="2">
+            <a:schemeClr val="dk1"/>
+          </a:lnRef>
+          <a:fillRef idx="1">
+            <a:schemeClr val="lt1"/>
+          </a:fillRef>
+          <a:effectRef idx="0">
+            <a:schemeClr val="dk1"/>
+          </a:effectRef>
+          <a:fontRef idx="minor">
+            <a:schemeClr val="dk1"/>
+          </a:fontRef>
+        </p:style>
+        <p:txBody>
+          <a:bodyPr rtlCol="0" anchor="ctr"/>
+          <a:lstStyle/>
+          <a:p>
+            <a:pPr algn="ctr"/>
+            <a:r>
+              <a:rPr lang="en-US" altLang="zh-CN" sz="700" dirty="0"/>
+              <a:t>MEM</a:t>
+            </a:r>
+            <a:endParaRPr lang="zh-CN" altLang="en-US" sz="700" dirty="0"/>
+          </a:p>
+        </p:txBody>
+      </p:sp>
+      <p:grpSp>
+        <p:nvGrpSpPr>
+          <p:cNvPr id="29" name="组合 28">
+            <a:extLst>
+              <a:ext uri="{FF2B5EF4-FFF2-40B4-BE49-F238E27FC236}">
+                <a16:creationId xmlns:a16="http://schemas.microsoft.com/office/drawing/2014/main" id="{AA571BCF-14D5-4AF9-8FC8-B2B81CEF3D3C}"/>
+              </a:ext>
+            </a:extLst>
+          </p:cNvPr>
+          <p:cNvGrpSpPr/>
+          <p:nvPr/>
+        </p:nvGrpSpPr>
+        <p:grpSpPr>
+          <a:xfrm>
+            <a:off x="4511383" y="4599621"/>
+            <a:ext cx="173182" cy="173182"/>
+            <a:chOff x="4495800" y="4827443"/>
+            <a:chExt cx="173182" cy="173182"/>
+          </a:xfrm>
+        </p:grpSpPr>
+        <p:sp>
+          <p:nvSpPr>
+            <p:cNvPr id="28" name="椭圆 27">
+              <a:extLst>
+                <a:ext uri="{FF2B5EF4-FFF2-40B4-BE49-F238E27FC236}">
+                  <a16:creationId xmlns:a16="http://schemas.microsoft.com/office/drawing/2014/main" id="{F5EE1765-1FDB-49D4-8ACC-987822B56A21}"/>
+                </a:ext>
+              </a:extLst>
+            </p:cNvPr>
+            <p:cNvSpPr/>
+            <p:nvPr/>
+          </p:nvSpPr>
+          <p:spPr>
+            <a:xfrm>
+              <a:off x="4495800" y="4827443"/>
+              <a:ext cx="173182" cy="173182"/>
+            </a:xfrm>
+            <a:prstGeom prst="ellipse">
+              <a:avLst/>
+            </a:prstGeom>
+          </p:spPr>
+          <p:style>
+            <a:lnRef idx="2">
+              <a:schemeClr val="dk1"/>
+            </a:lnRef>
+            <a:fillRef idx="1">
+              <a:schemeClr val="lt1"/>
+            </a:fillRef>
+            <a:effectRef idx="0">
+              <a:schemeClr val="dk1"/>
+            </a:effectRef>
+            <a:fontRef idx="minor">
+              <a:schemeClr val="dk1"/>
+            </a:fontRef>
+          </p:style>
+          <p:txBody>
+            <a:bodyPr rtlCol="0" anchor="ctr"/>
+            <a:lstStyle/>
+            <a:p>
+              <a:pPr algn="ctr"/>
+              <a:endParaRPr lang="zh-CN" altLang="en-US"/>
+            </a:p>
+          </p:txBody>
+        </p:sp>
+        <p:sp>
+          <p:nvSpPr>
+            <p:cNvPr id="27" name="椭圆 26">
+              <a:extLst>
+                <a:ext uri="{FF2B5EF4-FFF2-40B4-BE49-F238E27FC236}">
+                  <a16:creationId xmlns:a16="http://schemas.microsoft.com/office/drawing/2014/main" id="{6C3EF5C3-B3B1-4786-A54B-487DF5D5C2AC}"/>
+                </a:ext>
+              </a:extLst>
+            </p:cNvPr>
+            <p:cNvSpPr/>
+            <p:nvPr/>
+          </p:nvSpPr>
+          <p:spPr>
+            <a:xfrm>
+              <a:off x="4523942" y="4860636"/>
+              <a:ext cx="116897" cy="116897"/>
+            </a:xfrm>
+            <a:prstGeom prst="ellipse">
+              <a:avLst/>
+            </a:prstGeom>
+            <a:solidFill>
+              <a:schemeClr val="tx1"/>
+            </a:solidFill>
+            <a:ln>
+              <a:noFill/>
+            </a:ln>
+          </p:spPr>
+          <p:style>
+            <a:lnRef idx="2">
+              <a:schemeClr val="accent1">
+                <a:shade val="50000"/>
+              </a:schemeClr>
+            </a:lnRef>
+            <a:fillRef idx="1">
+              <a:schemeClr val="accent1"/>
+            </a:fillRef>
+            <a:effectRef idx="0">
+              <a:schemeClr val="accent1"/>
+            </a:effectRef>
+            <a:fontRef idx="minor">
+              <a:schemeClr val="lt1"/>
+            </a:fontRef>
+          </p:style>
+          <p:txBody>
+            <a:bodyPr rtlCol="0" anchor="ctr"/>
+            <a:lstStyle/>
+            <a:p>
+              <a:pPr algn="ctr"/>
+              <a:endParaRPr lang="zh-CN" altLang="en-US"/>
+            </a:p>
+          </p:txBody>
+        </p:sp>
+      </p:grpSp>
+      <p:grpSp>
+        <p:nvGrpSpPr>
+          <p:cNvPr id="30" name="组合 29">
+            <a:extLst>
+              <a:ext uri="{FF2B5EF4-FFF2-40B4-BE49-F238E27FC236}">
+                <a16:creationId xmlns:a16="http://schemas.microsoft.com/office/drawing/2014/main" id="{A0A3D282-3E58-4A52-8053-1CCD660823F8}"/>
+              </a:ext>
+            </a:extLst>
+          </p:cNvPr>
+          <p:cNvGrpSpPr/>
+          <p:nvPr/>
+        </p:nvGrpSpPr>
+        <p:grpSpPr>
+          <a:xfrm>
+            <a:off x="3379567" y="4484585"/>
+            <a:ext cx="173182" cy="173182"/>
+            <a:chOff x="4495800" y="4827443"/>
+            <a:chExt cx="173182" cy="173182"/>
+          </a:xfrm>
+        </p:grpSpPr>
+        <p:sp>
+          <p:nvSpPr>
+            <p:cNvPr id="31" name="椭圆 30">
+              <a:extLst>
+                <a:ext uri="{FF2B5EF4-FFF2-40B4-BE49-F238E27FC236}">
+                  <a16:creationId xmlns:a16="http://schemas.microsoft.com/office/drawing/2014/main" id="{EEF5BB86-FCF2-48B7-91D5-3416A7522090}"/>
+                </a:ext>
+              </a:extLst>
+            </p:cNvPr>
+            <p:cNvSpPr/>
+            <p:nvPr/>
+          </p:nvSpPr>
+          <p:spPr>
+            <a:xfrm>
+              <a:off x="4495800" y="4827443"/>
+              <a:ext cx="173182" cy="173182"/>
+            </a:xfrm>
+            <a:prstGeom prst="ellipse">
+              <a:avLst/>
+            </a:prstGeom>
+          </p:spPr>
+          <p:style>
+            <a:lnRef idx="2">
+              <a:schemeClr val="dk1"/>
+            </a:lnRef>
+            <a:fillRef idx="1">
+              <a:schemeClr val="lt1"/>
+            </a:fillRef>
+            <a:effectRef idx="0">
+              <a:schemeClr val="dk1"/>
+            </a:effectRef>
+            <a:fontRef idx="minor">
+              <a:schemeClr val="dk1"/>
+            </a:fontRef>
+          </p:style>
+          <p:txBody>
+            <a:bodyPr rtlCol="0" anchor="ctr"/>
+            <a:lstStyle/>
+            <a:p>
+              <a:pPr algn="ctr"/>
+              <a:endParaRPr lang="zh-CN" altLang="en-US"/>
+            </a:p>
+          </p:txBody>
+        </p:sp>
+        <p:sp>
+          <p:nvSpPr>
+            <p:cNvPr id="32" name="椭圆 31">
+              <a:extLst>
+                <a:ext uri="{FF2B5EF4-FFF2-40B4-BE49-F238E27FC236}">
+                  <a16:creationId xmlns:a16="http://schemas.microsoft.com/office/drawing/2014/main" id="{02980C2D-B798-4A8F-A958-14F44A4A8C06}"/>
+                </a:ext>
+              </a:extLst>
+            </p:cNvPr>
+            <p:cNvSpPr/>
+            <p:nvPr/>
+          </p:nvSpPr>
+          <p:spPr>
+            <a:xfrm>
+              <a:off x="4523942" y="4860636"/>
+              <a:ext cx="116897" cy="116897"/>
+            </a:xfrm>
+            <a:prstGeom prst="ellipse">
+              <a:avLst/>
+            </a:prstGeom>
+            <a:solidFill>
+              <a:schemeClr val="tx1"/>
+            </a:solidFill>
+            <a:ln>
+              <a:noFill/>
+            </a:ln>
+          </p:spPr>
+          <p:style>
+            <a:lnRef idx="2">
+              <a:schemeClr val="accent1">
+                <a:shade val="50000"/>
+              </a:schemeClr>
+            </a:lnRef>
+            <a:fillRef idx="1">
+              <a:schemeClr val="accent1"/>
+            </a:fillRef>
+            <a:effectRef idx="0">
+              <a:schemeClr val="accent1"/>
+            </a:effectRef>
+            <a:fontRef idx="minor">
+              <a:schemeClr val="lt1"/>
+            </a:fontRef>
+          </p:style>
+          <p:txBody>
+            <a:bodyPr rtlCol="0" anchor="ctr"/>
+            <a:lstStyle/>
+            <a:p>
+              <a:pPr algn="ctr"/>
+              <a:endParaRPr lang="zh-CN" altLang="en-US"/>
+            </a:p>
+          </p:txBody>
+        </p:sp>
+      </p:grpSp>
+      <p:sp>
+        <p:nvSpPr>
+          <p:cNvPr id="33" name="矩形 32">
+            <a:extLst>
+              <a:ext uri="{FF2B5EF4-FFF2-40B4-BE49-F238E27FC236}">
+                <a16:creationId xmlns:a16="http://schemas.microsoft.com/office/drawing/2014/main" id="{DA601A91-BCC0-4E25-81D5-2DD56F74F23D}"/>
+              </a:ext>
+            </a:extLst>
+          </p:cNvPr>
+          <p:cNvSpPr/>
+          <p:nvPr/>
+        </p:nvSpPr>
+        <p:spPr>
+          <a:xfrm>
+            <a:off x="4725881" y="4551561"/>
+            <a:ext cx="830677" cy="261610"/>
+          </a:xfrm>
+          <a:prstGeom prst="rect">
+            <a:avLst/>
+          </a:prstGeom>
+        </p:spPr>
+        <p:txBody>
+          <a:bodyPr wrap="none">
+            <a:spAutoFit/>
+          </a:bodyPr>
+          <a:lstStyle/>
+          <a:p>
+            <a:r>
+              <a:rPr lang="en-US" altLang="zh-CN" sz="1100" dirty="0"/>
+              <a:t>WIFI </a:t>
+            </a:r>
+            <a:r>
+              <a:rPr lang="zh-CN" altLang="en-US" sz="1100" dirty="0"/>
+              <a:t>天线</a:t>
+            </a:r>
+            <a:r>
+              <a:rPr lang="en-US" altLang="zh-CN" sz="1100" dirty="0"/>
+              <a:t>1</a:t>
+            </a:r>
+          </a:p>
+        </p:txBody>
+      </p:sp>
+      <p:sp>
+        <p:nvSpPr>
+          <p:cNvPr id="34" name="矩形 33">
+            <a:extLst>
+              <a:ext uri="{FF2B5EF4-FFF2-40B4-BE49-F238E27FC236}">
+                <a16:creationId xmlns:a16="http://schemas.microsoft.com/office/drawing/2014/main" id="{BC59CD5E-09B6-426A-BE30-3EEA89E1DF79}"/>
+              </a:ext>
+            </a:extLst>
+          </p:cNvPr>
+          <p:cNvSpPr/>
+          <p:nvPr/>
+        </p:nvSpPr>
+        <p:spPr>
+          <a:xfrm>
+            <a:off x="3554442" y="4440371"/>
+            <a:ext cx="830677" cy="261610"/>
+          </a:xfrm>
+          <a:prstGeom prst="rect">
+            <a:avLst/>
+          </a:prstGeom>
+        </p:spPr>
+        <p:txBody>
+          <a:bodyPr wrap="none">
+            <a:spAutoFit/>
+          </a:bodyPr>
+          <a:lstStyle/>
+          <a:p>
+            <a:r>
+              <a:rPr lang="en-US" altLang="zh-CN" sz="1100" dirty="0"/>
+              <a:t>WIFI </a:t>
+            </a:r>
+            <a:r>
+              <a:rPr lang="zh-CN" altLang="en-US" sz="1100" dirty="0"/>
+              <a:t>天线</a:t>
+            </a:r>
+            <a:r>
+              <a:rPr lang="en-US" altLang="zh-CN" sz="1100" dirty="0"/>
+              <a:t>2</a:t>
+            </a:r>
+          </a:p>
+        </p:txBody>
+      </p:sp>
+    </p:spTree>
+    <p:extLst>
+      <p:ext uri="{BB962C8B-B14F-4D97-AF65-F5344CB8AC3E}">
+        <p14:creationId xmlns:p14="http://schemas.microsoft.com/office/powerpoint/2010/main" val="3794391047"/>
+      </p:ext>
+    </p:extLst>
+  </p:cSld>
+  <p:clrMapOvr>
+    <a:masterClrMapping/>
+  </p:clrMapOvr>
+</p:sld>
+</file>
+
+<file path=ppt/slides/slide8.xml><?xml version="1.0" encoding="utf-8"?>
+<p:sld xmlns:a="http://schemas.openxmlformats.org/drawingml/2006/main" xmlns:r="http://schemas.openxmlformats.org/officeDocument/2006/relationships" xmlns:p="http://schemas.openxmlformats.org/presentationml/2006/main">
+  <p:cSld>
+    <p:spTree>
+      <p:nvGrpSpPr>
+        <p:cNvPr id="1" name=""/>
+        <p:cNvGrpSpPr/>
+        <p:nvPr/>
+      </p:nvGrpSpPr>
+      <p:grpSpPr>
+        <a:xfrm>
+          <a:off x="0" y="0"/>
+          <a:ext cx="0" cy="0"/>
+          <a:chOff x="0" y="0"/>
+          <a:chExt cx="0" cy="0"/>
+        </a:xfrm>
+      </p:grpSpPr>
+      <p:sp>
+        <p:nvSpPr>
+          <p:cNvPr id="31" name="矩形 30">
+            <a:extLst>
+              <a:ext uri="{FF2B5EF4-FFF2-40B4-BE49-F238E27FC236}">
+                <a16:creationId xmlns:a16="http://schemas.microsoft.com/office/drawing/2014/main" id="{3932F80A-3232-416F-B8E0-C900C0BCF520}"/>
+              </a:ext>
+            </a:extLst>
+          </p:cNvPr>
+          <p:cNvSpPr/>
+          <p:nvPr/>
+        </p:nvSpPr>
+        <p:spPr>
+          <a:xfrm>
+            <a:off x="9220201" y="4157606"/>
+            <a:ext cx="311727" cy="241589"/>
+          </a:xfrm>
+          <a:prstGeom prst="rect">
+            <a:avLst/>
+          </a:prstGeom>
+        </p:spPr>
+        <p:style>
+          <a:lnRef idx="2">
+            <a:schemeClr val="dk1"/>
+          </a:lnRef>
+          <a:fillRef idx="1">
+            <a:schemeClr val="lt1"/>
+          </a:fillRef>
+          <a:effectRef idx="0">
+            <a:schemeClr val="dk1"/>
+          </a:effectRef>
+          <a:fontRef idx="minor">
+            <a:schemeClr val="dk1"/>
+          </a:fontRef>
+        </p:style>
+        <p:txBody>
+          <a:bodyPr rtlCol="0" anchor="ctr"/>
+          <a:lstStyle/>
+          <a:p>
+            <a:pPr algn="ctr"/>
+            <a:endParaRPr lang="zh-CN" altLang="en-US"/>
+          </a:p>
+        </p:txBody>
+      </p:sp>
+      <p:sp>
+        <p:nvSpPr>
+          <p:cNvPr id="28" name="矩形 27">
+            <a:extLst>
+              <a:ext uri="{FF2B5EF4-FFF2-40B4-BE49-F238E27FC236}">
+                <a16:creationId xmlns:a16="http://schemas.microsoft.com/office/drawing/2014/main" id="{D9F354FE-06F4-4C94-AD42-BE9865DA3D2E}"/>
+              </a:ext>
+            </a:extLst>
+          </p:cNvPr>
+          <p:cNvSpPr/>
+          <p:nvPr/>
+        </p:nvSpPr>
+        <p:spPr>
+          <a:xfrm>
+            <a:off x="8492836" y="2133600"/>
+            <a:ext cx="969819" cy="748145"/>
+          </a:xfrm>
+          <a:prstGeom prst="rect">
+            <a:avLst/>
+          </a:prstGeom>
+        </p:spPr>
+        <p:style>
+          <a:lnRef idx="2">
+            <a:schemeClr val="dk1"/>
+          </a:lnRef>
+          <a:fillRef idx="1">
+            <a:schemeClr val="lt1"/>
+          </a:fillRef>
+          <a:effectRef idx="0">
+            <a:schemeClr val="dk1"/>
+          </a:effectRef>
+          <a:fontRef idx="minor">
+            <a:schemeClr val="dk1"/>
+          </a:fontRef>
+        </p:style>
+        <p:txBody>
+          <a:bodyPr rtlCol="0" anchor="ctr"/>
+          <a:lstStyle/>
+          <a:p>
+            <a:pPr algn="ctr"/>
+            <a:r>
+              <a:rPr lang="en-US" altLang="zh-CN" dirty="0"/>
+              <a:t>RJ 45</a:t>
+            </a:r>
+            <a:endParaRPr lang="zh-CN" altLang="en-US" dirty="0"/>
+          </a:p>
+        </p:txBody>
+      </p:sp>
+      <p:sp>
+        <p:nvSpPr>
+          <p:cNvPr id="27" name="矩形 26">
+            <a:extLst>
+              <a:ext uri="{FF2B5EF4-FFF2-40B4-BE49-F238E27FC236}">
+                <a16:creationId xmlns:a16="http://schemas.microsoft.com/office/drawing/2014/main" id="{BF630FE5-02D9-4892-8428-BBB8C453520A}"/>
+              </a:ext>
+            </a:extLst>
+          </p:cNvPr>
+          <p:cNvSpPr/>
+          <p:nvPr/>
+        </p:nvSpPr>
+        <p:spPr>
+          <a:xfrm>
+            <a:off x="3220213" y="1995053"/>
+            <a:ext cx="6123709" cy="2867891"/>
+          </a:xfrm>
+          <a:prstGeom prst="rect">
+            <a:avLst/>
+          </a:prstGeom>
+        </p:spPr>
+        <p:style>
+          <a:lnRef idx="2">
+            <a:schemeClr val="dk1"/>
+          </a:lnRef>
+          <a:fillRef idx="1">
+            <a:schemeClr val="lt1"/>
+          </a:fillRef>
+          <a:effectRef idx="0">
+            <a:schemeClr val="dk1"/>
+          </a:effectRef>
+          <a:fontRef idx="minor">
+            <a:schemeClr val="dk1"/>
+          </a:fontRef>
+        </p:style>
+        <p:txBody>
+          <a:bodyPr rtlCol="0" anchor="ctr"/>
+          <a:lstStyle/>
+          <a:p>
+            <a:pPr algn="ctr"/>
+            <a:endParaRPr lang="zh-CN" altLang="en-US"/>
+          </a:p>
+        </p:txBody>
+      </p:sp>
+      <p:sp>
+        <p:nvSpPr>
+          <p:cNvPr id="36" name="椭圆 35">
+            <a:extLst>
+              <a:ext uri="{FF2B5EF4-FFF2-40B4-BE49-F238E27FC236}">
+                <a16:creationId xmlns:a16="http://schemas.microsoft.com/office/drawing/2014/main" id="{F75CF5A2-03F3-479D-AC27-63E52F7CB9D3}"/>
+              </a:ext>
+            </a:extLst>
+          </p:cNvPr>
+          <p:cNvSpPr/>
+          <p:nvPr/>
+        </p:nvSpPr>
+        <p:spPr>
+          <a:xfrm rot="3996607">
+            <a:off x="3585208" y="4079512"/>
+            <a:ext cx="182871" cy="259947"/>
+          </a:xfrm>
+          <a:prstGeom prst="ellipse">
+            <a:avLst/>
+          </a:prstGeom>
+          <a:ln/>
+        </p:spPr>
+        <p:style>
+          <a:lnRef idx="2">
+            <a:schemeClr val="dk1"/>
+          </a:lnRef>
+          <a:fillRef idx="1">
+            <a:schemeClr val="lt1"/>
+          </a:fillRef>
+          <a:effectRef idx="0">
+            <a:schemeClr val="dk1"/>
+          </a:effectRef>
+          <a:fontRef idx="minor">
+            <a:schemeClr val="dk1"/>
+          </a:fontRef>
+        </p:style>
+        <p:txBody>
+          <a:bodyPr rtlCol="0" anchor="ctr"/>
+          <a:lstStyle/>
+          <a:p>
+            <a:pPr algn="ctr"/>
+            <a:endParaRPr lang="zh-CN" altLang="en-US"/>
+          </a:p>
+        </p:txBody>
+      </p:sp>
+      <p:sp>
+        <p:nvSpPr>
+          <p:cNvPr id="37" name="椭圆 36">
+            <a:extLst>
+              <a:ext uri="{FF2B5EF4-FFF2-40B4-BE49-F238E27FC236}">
+                <a16:creationId xmlns:a16="http://schemas.microsoft.com/office/drawing/2014/main" id="{26645976-6F84-48AD-B509-46EC386E29D5}"/>
+              </a:ext>
+            </a:extLst>
+          </p:cNvPr>
+          <p:cNvSpPr/>
+          <p:nvPr/>
+        </p:nvSpPr>
+        <p:spPr>
+          <a:xfrm>
+            <a:off x="7739275" y="2509628"/>
+            <a:ext cx="238555" cy="238555"/>
+          </a:xfrm>
+          <a:prstGeom prst="ellipse">
+            <a:avLst/>
+          </a:prstGeom>
+        </p:spPr>
+        <p:style>
+          <a:lnRef idx="2">
+            <a:schemeClr val="dk1"/>
+          </a:lnRef>
+          <a:fillRef idx="1">
+            <a:schemeClr val="lt1"/>
+          </a:fillRef>
+          <a:effectRef idx="0">
+            <a:schemeClr val="dk1"/>
+          </a:effectRef>
+          <a:fontRef idx="minor">
+            <a:schemeClr val="dk1"/>
+          </a:fontRef>
+        </p:style>
+        <p:txBody>
+          <a:bodyPr rtlCol="0" anchor="ctr"/>
+          <a:lstStyle/>
+          <a:p>
+            <a:pPr algn="ctr"/>
+            <a:endParaRPr lang="zh-CN" altLang="en-US"/>
+          </a:p>
+        </p:txBody>
+      </p:sp>
+      <p:sp>
+        <p:nvSpPr>
+          <p:cNvPr id="38" name="椭圆 37">
+            <a:extLst>
+              <a:ext uri="{FF2B5EF4-FFF2-40B4-BE49-F238E27FC236}">
+                <a16:creationId xmlns:a16="http://schemas.microsoft.com/office/drawing/2014/main" id="{DE957281-87B8-4187-A00B-0A76E4C36EBE}"/>
+              </a:ext>
+            </a:extLst>
+          </p:cNvPr>
+          <p:cNvSpPr/>
+          <p:nvPr/>
+        </p:nvSpPr>
+        <p:spPr>
+          <a:xfrm>
+            <a:off x="7739275" y="4073967"/>
+            <a:ext cx="238555" cy="238555"/>
+          </a:xfrm>
+          <a:prstGeom prst="ellipse">
+            <a:avLst/>
+          </a:prstGeom>
+        </p:spPr>
+        <p:style>
+          <a:lnRef idx="2">
+            <a:schemeClr val="dk1"/>
+          </a:lnRef>
+          <a:fillRef idx="1">
+            <a:schemeClr val="lt1"/>
+          </a:fillRef>
+          <a:effectRef idx="0">
+            <a:schemeClr val="dk1"/>
+          </a:effectRef>
+          <a:fontRef idx="minor">
+            <a:schemeClr val="dk1"/>
+          </a:fontRef>
+        </p:style>
+        <p:txBody>
+          <a:bodyPr rtlCol="0" anchor="ctr"/>
+          <a:lstStyle/>
+          <a:p>
+            <a:pPr algn="ctr"/>
+            <a:endParaRPr lang="zh-CN" altLang="en-US"/>
+          </a:p>
+        </p:txBody>
+      </p:sp>
+      <p:sp>
+        <p:nvSpPr>
+          <p:cNvPr id="39" name="椭圆 38">
+            <a:extLst>
+              <a:ext uri="{FF2B5EF4-FFF2-40B4-BE49-F238E27FC236}">
+                <a16:creationId xmlns:a16="http://schemas.microsoft.com/office/drawing/2014/main" id="{334BE293-2050-43EF-830C-510C86B3979D}"/>
+              </a:ext>
+            </a:extLst>
+          </p:cNvPr>
+          <p:cNvSpPr/>
+          <p:nvPr/>
+        </p:nvSpPr>
+        <p:spPr>
+          <a:xfrm rot="7269487">
+            <a:off x="3619847" y="2557218"/>
+            <a:ext cx="182871" cy="259947"/>
+          </a:xfrm>
+          <a:prstGeom prst="ellipse">
+            <a:avLst/>
+          </a:prstGeom>
+          <a:ln/>
+        </p:spPr>
+        <p:style>
+          <a:lnRef idx="2">
+            <a:schemeClr val="dk1"/>
+          </a:lnRef>
+          <a:fillRef idx="1">
+            <a:schemeClr val="lt1"/>
+          </a:fillRef>
+          <a:effectRef idx="0">
+            <a:schemeClr val="dk1"/>
+          </a:effectRef>
+          <a:fontRef idx="minor">
+            <a:schemeClr val="dk1"/>
+          </a:fontRef>
+        </p:style>
+        <p:txBody>
+          <a:bodyPr rtlCol="0" anchor="ctr"/>
+          <a:lstStyle/>
+          <a:p>
+            <a:pPr algn="ctr"/>
+            <a:endParaRPr lang="zh-CN" altLang="en-US"/>
+          </a:p>
+        </p:txBody>
+      </p:sp>
+      <p:grpSp>
+        <p:nvGrpSpPr>
+          <p:cNvPr id="44" name="组合 43">
+            <a:extLst>
+              <a:ext uri="{FF2B5EF4-FFF2-40B4-BE49-F238E27FC236}">
+                <a16:creationId xmlns:a16="http://schemas.microsoft.com/office/drawing/2014/main" id="{B99AEDF5-FAD3-4F45-9AC6-4FBE56A9D887}"/>
+              </a:ext>
+            </a:extLst>
+          </p:cNvPr>
+          <p:cNvGrpSpPr/>
+          <p:nvPr/>
+        </p:nvGrpSpPr>
+        <p:grpSpPr>
+          <a:xfrm>
+            <a:off x="3869816" y="4599621"/>
+            <a:ext cx="173182" cy="173182"/>
+            <a:chOff x="4495800" y="4827443"/>
+            <a:chExt cx="173182" cy="173182"/>
+          </a:xfrm>
+        </p:grpSpPr>
+        <p:sp>
+          <p:nvSpPr>
+            <p:cNvPr id="45" name="椭圆 44">
+              <a:extLst>
+                <a:ext uri="{FF2B5EF4-FFF2-40B4-BE49-F238E27FC236}">
+                  <a16:creationId xmlns:a16="http://schemas.microsoft.com/office/drawing/2014/main" id="{E91FE637-3E62-4F20-BD33-CA412B82BE93}"/>
+                </a:ext>
+              </a:extLst>
+            </p:cNvPr>
+            <p:cNvSpPr/>
+            <p:nvPr/>
+          </p:nvSpPr>
+          <p:spPr>
+            <a:xfrm>
+              <a:off x="4495800" y="4827443"/>
+              <a:ext cx="173182" cy="173182"/>
+            </a:xfrm>
+            <a:prstGeom prst="ellipse">
+              <a:avLst/>
+            </a:prstGeom>
+          </p:spPr>
+          <p:style>
+            <a:lnRef idx="2">
+              <a:schemeClr val="dk1"/>
+            </a:lnRef>
+            <a:fillRef idx="1">
+              <a:schemeClr val="lt1"/>
+            </a:fillRef>
+            <a:effectRef idx="0">
+              <a:schemeClr val="dk1"/>
+            </a:effectRef>
+            <a:fontRef idx="minor">
+              <a:schemeClr val="dk1"/>
+            </a:fontRef>
+          </p:style>
+          <p:txBody>
+            <a:bodyPr rtlCol="0" anchor="ctr"/>
+            <a:lstStyle/>
+            <a:p>
+              <a:pPr algn="ctr"/>
+              <a:endParaRPr lang="zh-CN" altLang="en-US"/>
+            </a:p>
+          </p:txBody>
+        </p:sp>
+        <p:sp>
+          <p:nvSpPr>
+            <p:cNvPr id="46" name="椭圆 45">
+              <a:extLst>
+                <a:ext uri="{FF2B5EF4-FFF2-40B4-BE49-F238E27FC236}">
+                  <a16:creationId xmlns:a16="http://schemas.microsoft.com/office/drawing/2014/main" id="{2D16A979-E0B1-424E-8730-731AACFB80BE}"/>
+                </a:ext>
+              </a:extLst>
+            </p:cNvPr>
+            <p:cNvSpPr/>
+            <p:nvPr/>
+          </p:nvSpPr>
+          <p:spPr>
+            <a:xfrm>
+              <a:off x="4523942" y="4860636"/>
+              <a:ext cx="116897" cy="116897"/>
+            </a:xfrm>
+            <a:prstGeom prst="ellipse">
+              <a:avLst/>
+            </a:prstGeom>
+            <a:solidFill>
+              <a:schemeClr val="tx1"/>
+            </a:solidFill>
+            <a:ln>
+              <a:noFill/>
+            </a:ln>
+          </p:spPr>
+          <p:style>
+            <a:lnRef idx="2">
+              <a:schemeClr val="accent1">
+                <a:shade val="50000"/>
+              </a:schemeClr>
+            </a:lnRef>
+            <a:fillRef idx="1">
+              <a:schemeClr val="accent1"/>
+            </a:fillRef>
+            <a:effectRef idx="0">
+              <a:schemeClr val="accent1"/>
+            </a:effectRef>
+            <a:fontRef idx="minor">
+              <a:schemeClr val="lt1"/>
+            </a:fontRef>
+          </p:style>
+          <p:txBody>
+            <a:bodyPr rtlCol="0" anchor="ctr"/>
+            <a:lstStyle/>
+            <a:p>
+              <a:pPr algn="ctr"/>
+              <a:endParaRPr lang="zh-CN" altLang="en-US"/>
+            </a:p>
+          </p:txBody>
+        </p:sp>
+      </p:grpSp>
+      <p:grpSp>
+        <p:nvGrpSpPr>
+          <p:cNvPr id="52" name="组合 51">
+            <a:extLst>
+              <a:ext uri="{FF2B5EF4-FFF2-40B4-BE49-F238E27FC236}">
+                <a16:creationId xmlns:a16="http://schemas.microsoft.com/office/drawing/2014/main" id="{10EB72AF-4AEE-462D-93AD-5703E3D5967B}"/>
+              </a:ext>
+            </a:extLst>
+          </p:cNvPr>
+          <p:cNvGrpSpPr/>
+          <p:nvPr/>
+        </p:nvGrpSpPr>
+        <p:grpSpPr>
+          <a:xfrm>
+            <a:off x="4519419" y="4601395"/>
+            <a:ext cx="173182" cy="173182"/>
+            <a:chOff x="4495800" y="4827443"/>
+            <a:chExt cx="173182" cy="173182"/>
+          </a:xfrm>
+        </p:grpSpPr>
+        <p:sp>
+          <p:nvSpPr>
+            <p:cNvPr id="53" name="椭圆 52">
+              <a:extLst>
+                <a:ext uri="{FF2B5EF4-FFF2-40B4-BE49-F238E27FC236}">
+                  <a16:creationId xmlns:a16="http://schemas.microsoft.com/office/drawing/2014/main" id="{DB19FA0A-4009-4980-912E-F1953F900453}"/>
+                </a:ext>
+              </a:extLst>
+            </p:cNvPr>
+            <p:cNvSpPr/>
+            <p:nvPr/>
+          </p:nvSpPr>
+          <p:spPr>
+            <a:xfrm>
+              <a:off x="4495800" y="4827443"/>
+              <a:ext cx="173182" cy="173182"/>
+            </a:xfrm>
+            <a:prstGeom prst="ellipse">
+              <a:avLst/>
+            </a:prstGeom>
+          </p:spPr>
+          <p:style>
+            <a:lnRef idx="2">
+              <a:schemeClr val="dk1"/>
+            </a:lnRef>
+            <a:fillRef idx="1">
+              <a:schemeClr val="lt1"/>
+            </a:fillRef>
+            <a:effectRef idx="0">
+              <a:schemeClr val="dk1"/>
+            </a:effectRef>
+            <a:fontRef idx="minor">
+              <a:schemeClr val="dk1"/>
+            </a:fontRef>
+          </p:style>
+          <p:txBody>
+            <a:bodyPr rtlCol="0" anchor="ctr"/>
+            <a:lstStyle/>
+            <a:p>
+              <a:pPr algn="ctr"/>
+              <a:endParaRPr lang="zh-CN" altLang="en-US"/>
+            </a:p>
+          </p:txBody>
+        </p:sp>
+        <p:sp>
+          <p:nvSpPr>
+            <p:cNvPr id="54" name="椭圆 53">
+              <a:extLst>
+                <a:ext uri="{FF2B5EF4-FFF2-40B4-BE49-F238E27FC236}">
+                  <a16:creationId xmlns:a16="http://schemas.microsoft.com/office/drawing/2014/main" id="{2A888D66-8D73-4E06-BC34-DBAF95E83AB3}"/>
+                </a:ext>
+              </a:extLst>
+            </p:cNvPr>
+            <p:cNvSpPr/>
+            <p:nvPr/>
+          </p:nvSpPr>
+          <p:spPr>
+            <a:xfrm>
+              <a:off x="4523942" y="4860636"/>
+              <a:ext cx="116897" cy="116897"/>
+            </a:xfrm>
+            <a:prstGeom prst="ellipse">
+              <a:avLst/>
+            </a:prstGeom>
+            <a:solidFill>
+              <a:schemeClr val="tx1"/>
+            </a:solidFill>
+            <a:ln>
+              <a:noFill/>
+            </a:ln>
+          </p:spPr>
+          <p:style>
+            <a:lnRef idx="2">
+              <a:schemeClr val="accent1">
+                <a:shade val="50000"/>
+              </a:schemeClr>
+            </a:lnRef>
+            <a:fillRef idx="1">
+              <a:schemeClr val="accent1"/>
+            </a:fillRef>
+            <a:effectRef idx="0">
+              <a:schemeClr val="accent1"/>
+            </a:effectRef>
+            <a:fontRef idx="minor">
+              <a:schemeClr val="lt1"/>
+            </a:fontRef>
+          </p:style>
+          <p:txBody>
+            <a:bodyPr rtlCol="0" anchor="ctr"/>
+            <a:lstStyle/>
+            <a:p>
+              <a:pPr algn="ctr"/>
+              <a:endParaRPr lang="zh-CN" altLang="en-US"/>
+            </a:p>
+          </p:txBody>
+        </p:sp>
+      </p:grpSp>
+      <p:sp>
+        <p:nvSpPr>
+          <p:cNvPr id="55" name="矩形 54">
+            <a:extLst>
+              <a:ext uri="{FF2B5EF4-FFF2-40B4-BE49-F238E27FC236}">
+                <a16:creationId xmlns:a16="http://schemas.microsoft.com/office/drawing/2014/main" id="{5B79D0BC-75B1-4F46-B377-A3B61EF83949}"/>
+              </a:ext>
+            </a:extLst>
+          </p:cNvPr>
+          <p:cNvSpPr/>
+          <p:nvPr/>
+        </p:nvSpPr>
+        <p:spPr>
+          <a:xfrm>
+            <a:off x="3612418" y="4354608"/>
+            <a:ext cx="724878" cy="261610"/>
+          </a:xfrm>
+          <a:prstGeom prst="rect">
+            <a:avLst/>
+          </a:prstGeom>
+        </p:spPr>
+        <p:txBody>
+          <a:bodyPr wrap="none">
+            <a:spAutoFit/>
+          </a:bodyPr>
+          <a:lstStyle/>
+          <a:p>
+            <a:r>
+              <a:rPr lang="en-US" altLang="zh-CN" sz="1100" dirty="0"/>
+              <a:t>4G ANT 1</a:t>
+            </a:r>
+          </a:p>
+        </p:txBody>
+      </p:sp>
+      <p:sp>
+        <p:nvSpPr>
+          <p:cNvPr id="56" name="矩形 55">
+            <a:extLst>
+              <a:ext uri="{FF2B5EF4-FFF2-40B4-BE49-F238E27FC236}">
+                <a16:creationId xmlns:a16="http://schemas.microsoft.com/office/drawing/2014/main" id="{1AA65494-53EA-4D9F-AF2D-4370E574B618}"/>
+              </a:ext>
+            </a:extLst>
+          </p:cNvPr>
+          <p:cNvSpPr/>
+          <p:nvPr/>
+        </p:nvSpPr>
+        <p:spPr>
+          <a:xfrm>
+            <a:off x="4310128" y="4345005"/>
+            <a:ext cx="724878" cy="261610"/>
+          </a:xfrm>
+          <a:prstGeom prst="rect">
+            <a:avLst/>
+          </a:prstGeom>
+        </p:spPr>
+        <p:txBody>
+          <a:bodyPr wrap="none">
+            <a:spAutoFit/>
+          </a:bodyPr>
+          <a:lstStyle/>
+          <a:p>
+            <a:r>
+              <a:rPr lang="en-US" altLang="zh-CN" sz="1100" dirty="0"/>
+              <a:t>4G ANT 2</a:t>
+            </a:r>
+          </a:p>
+        </p:txBody>
+      </p:sp>
+      <p:sp>
+        <p:nvSpPr>
+          <p:cNvPr id="57" name="矩形 56">
+            <a:extLst>
+              <a:ext uri="{FF2B5EF4-FFF2-40B4-BE49-F238E27FC236}">
+                <a16:creationId xmlns:a16="http://schemas.microsoft.com/office/drawing/2014/main" id="{AE380427-15FF-40E3-B09B-2E9A2C0EF872}"/>
+              </a:ext>
+            </a:extLst>
+          </p:cNvPr>
+          <p:cNvSpPr/>
+          <p:nvPr/>
+        </p:nvSpPr>
+        <p:spPr>
+          <a:xfrm>
+            <a:off x="3220213" y="3429000"/>
+            <a:ext cx="523112" cy="488381"/>
+          </a:xfrm>
+          <a:prstGeom prst="rect">
+            <a:avLst/>
+          </a:prstGeom>
+        </p:spPr>
+        <p:style>
+          <a:lnRef idx="2">
+            <a:schemeClr val="dk1"/>
+          </a:lnRef>
+          <a:fillRef idx="1">
+            <a:schemeClr val="lt1"/>
+          </a:fillRef>
+          <a:effectRef idx="0">
+            <a:schemeClr val="dk1"/>
+          </a:effectRef>
+          <a:fontRef idx="minor">
+            <a:schemeClr val="dk1"/>
+          </a:fontRef>
+        </p:style>
+        <p:txBody>
+          <a:bodyPr rtlCol="0" anchor="ctr"/>
+          <a:lstStyle/>
+          <a:p>
+            <a:pPr algn="ctr"/>
+            <a:endParaRPr lang="zh-CN" altLang="en-US"/>
+          </a:p>
+        </p:txBody>
+      </p:sp>
+      <p:sp>
+        <p:nvSpPr>
+          <p:cNvPr id="58" name="弧形 57">
+            <a:extLst>
+              <a:ext uri="{FF2B5EF4-FFF2-40B4-BE49-F238E27FC236}">
+                <a16:creationId xmlns:a16="http://schemas.microsoft.com/office/drawing/2014/main" id="{7DB8BB38-27A8-433C-82B2-B13ECEF82709}"/>
+              </a:ext>
+            </a:extLst>
+          </p:cNvPr>
+          <p:cNvSpPr/>
+          <p:nvPr/>
+        </p:nvSpPr>
+        <p:spPr>
+          <a:xfrm>
+            <a:off x="3167701" y="3500438"/>
+            <a:ext cx="143123" cy="345504"/>
+          </a:xfrm>
+          <a:prstGeom prst="arc">
+            <a:avLst>
+              <a:gd name="adj1" fmla="val 15972390"/>
+              <a:gd name="adj2" fmla="val 5628588"/>
+            </a:avLst>
+          </a:prstGeom>
+          <a:noFill/>
+          <a:ln>
+            <a:solidFill>
+              <a:schemeClr val="tx1"/>
+            </a:solidFill>
+          </a:ln>
+        </p:spPr>
+        <p:style>
+          <a:lnRef idx="1">
+            <a:schemeClr val="accent1"/>
+          </a:lnRef>
+          <a:fillRef idx="0">
+            <a:schemeClr val="accent1"/>
+          </a:fillRef>
+          <a:effectRef idx="0">
+            <a:schemeClr val="accent1"/>
+          </a:effectRef>
+          <a:fontRef idx="minor">
+            <a:schemeClr val="tx1"/>
+          </a:fontRef>
+        </p:style>
+        <p:txBody>
+          <a:bodyPr rtlCol="0" anchor="ctr"/>
+          <a:lstStyle/>
+          <a:p>
+            <a:pPr algn="ctr"/>
+            <a:endParaRPr lang="zh-CN" altLang="en-US"/>
+          </a:p>
+        </p:txBody>
+      </p:sp>
+      <p:sp>
+        <p:nvSpPr>
+          <p:cNvPr id="60" name="椭圆 59">
+            <a:extLst>
+              <a:ext uri="{FF2B5EF4-FFF2-40B4-BE49-F238E27FC236}">
+                <a16:creationId xmlns:a16="http://schemas.microsoft.com/office/drawing/2014/main" id="{A4D3C9D7-F7E5-4E16-9074-24F0CF1558A2}"/>
+              </a:ext>
+            </a:extLst>
+          </p:cNvPr>
+          <p:cNvSpPr/>
+          <p:nvPr/>
+        </p:nvSpPr>
+        <p:spPr>
+          <a:xfrm>
+            <a:off x="3369469" y="3500438"/>
+            <a:ext cx="69056" cy="69056"/>
+          </a:xfrm>
+          <a:prstGeom prst="ellipse">
+            <a:avLst/>
+          </a:prstGeom>
+          <a:noFill/>
+          <a:ln>
+            <a:solidFill>
+              <a:schemeClr val="tx1"/>
+            </a:solidFill>
+          </a:ln>
+        </p:spPr>
+        <p:style>
+          <a:lnRef idx="2">
+            <a:schemeClr val="accent1">
+              <a:shade val="50000"/>
+            </a:schemeClr>
+          </a:lnRef>
+          <a:fillRef idx="1">
+            <a:schemeClr val="accent1"/>
+          </a:fillRef>
+          <a:effectRef idx="0">
+            <a:schemeClr val="accent1"/>
+          </a:effectRef>
+          <a:fontRef idx="minor">
+            <a:schemeClr val="lt1"/>
+          </a:fontRef>
+        </p:style>
+        <p:txBody>
+          <a:bodyPr rtlCol="0" anchor="ctr"/>
+          <a:lstStyle/>
+          <a:p>
+            <a:pPr algn="ctr"/>
+            <a:endParaRPr lang="zh-CN" altLang="en-US"/>
+          </a:p>
+        </p:txBody>
+      </p:sp>
+      <p:sp>
+        <p:nvSpPr>
+          <p:cNvPr id="61" name="椭圆 60">
+            <a:extLst>
+              <a:ext uri="{FF2B5EF4-FFF2-40B4-BE49-F238E27FC236}">
+                <a16:creationId xmlns:a16="http://schemas.microsoft.com/office/drawing/2014/main" id="{36638C21-6CCF-49A6-AB4D-E4FD2D496E3C}"/>
+              </a:ext>
+            </a:extLst>
+          </p:cNvPr>
+          <p:cNvSpPr/>
+          <p:nvPr/>
+        </p:nvSpPr>
+        <p:spPr>
+          <a:xfrm>
+            <a:off x="3369469" y="3637472"/>
+            <a:ext cx="69056" cy="69056"/>
+          </a:xfrm>
+          <a:prstGeom prst="ellipse">
+            <a:avLst/>
+          </a:prstGeom>
+          <a:noFill/>
+          <a:ln>
+            <a:solidFill>
+              <a:schemeClr val="tx1"/>
+            </a:solidFill>
+          </a:ln>
+        </p:spPr>
+        <p:style>
+          <a:lnRef idx="2">
+            <a:schemeClr val="accent1">
+              <a:shade val="50000"/>
+            </a:schemeClr>
+          </a:lnRef>
+          <a:fillRef idx="1">
+            <a:schemeClr val="accent1"/>
+          </a:fillRef>
+          <a:effectRef idx="0">
+            <a:schemeClr val="accent1"/>
+          </a:effectRef>
+          <a:fontRef idx="minor">
+            <a:schemeClr val="lt1"/>
+          </a:fontRef>
+        </p:style>
+        <p:txBody>
+          <a:bodyPr rtlCol="0" anchor="ctr"/>
+          <a:lstStyle/>
+          <a:p>
+            <a:pPr algn="ctr"/>
+            <a:endParaRPr lang="zh-CN" altLang="en-US"/>
+          </a:p>
+        </p:txBody>
+      </p:sp>
+      <p:sp>
+        <p:nvSpPr>
+          <p:cNvPr id="62" name="椭圆 61">
+            <a:extLst>
+              <a:ext uri="{FF2B5EF4-FFF2-40B4-BE49-F238E27FC236}">
+                <a16:creationId xmlns:a16="http://schemas.microsoft.com/office/drawing/2014/main" id="{553F1AEA-ACE6-43D1-ABF8-DD2E3A3CC5CA}"/>
+              </a:ext>
+            </a:extLst>
+          </p:cNvPr>
+          <p:cNvSpPr/>
+          <p:nvPr/>
+        </p:nvSpPr>
+        <p:spPr>
+          <a:xfrm>
+            <a:off x="3369469" y="3776886"/>
+            <a:ext cx="69056" cy="69056"/>
+          </a:xfrm>
+          <a:prstGeom prst="ellipse">
+            <a:avLst/>
+          </a:prstGeom>
+          <a:noFill/>
+          <a:ln>
+            <a:solidFill>
+              <a:schemeClr val="tx1"/>
+            </a:solidFill>
+          </a:ln>
+        </p:spPr>
+        <p:style>
+          <a:lnRef idx="2">
+            <a:schemeClr val="accent1">
+              <a:shade val="50000"/>
+            </a:schemeClr>
+          </a:lnRef>
+          <a:fillRef idx="1">
+            <a:schemeClr val="accent1"/>
+          </a:fillRef>
+          <a:effectRef idx="0">
+            <a:schemeClr val="accent1"/>
+          </a:effectRef>
+          <a:fontRef idx="minor">
+            <a:schemeClr val="lt1"/>
+          </a:fontRef>
+        </p:style>
+        <p:txBody>
+          <a:bodyPr rtlCol="0" anchor="ctr"/>
+          <a:lstStyle/>
+          <a:p>
+            <a:pPr algn="ctr"/>
+            <a:endParaRPr lang="zh-CN" altLang="en-US"/>
+          </a:p>
+        </p:txBody>
+      </p:sp>
+      <p:sp>
+        <p:nvSpPr>
+          <p:cNvPr id="63" name="矩形 62">
+            <a:extLst>
+              <a:ext uri="{FF2B5EF4-FFF2-40B4-BE49-F238E27FC236}">
+                <a16:creationId xmlns:a16="http://schemas.microsoft.com/office/drawing/2014/main" id="{F7EEE9A2-0A5B-4BFF-B4C8-3C981E32B8AA}"/>
+              </a:ext>
+            </a:extLst>
+          </p:cNvPr>
+          <p:cNvSpPr/>
+          <p:nvPr/>
+        </p:nvSpPr>
+        <p:spPr>
+          <a:xfrm>
+            <a:off x="3220213" y="2748183"/>
+            <a:ext cx="99695" cy="169898"/>
+          </a:xfrm>
+          <a:prstGeom prst="rect">
+            <a:avLst/>
+          </a:prstGeom>
+        </p:spPr>
+        <p:style>
+          <a:lnRef idx="2">
+            <a:schemeClr val="dk1"/>
+          </a:lnRef>
+          <a:fillRef idx="1">
+            <a:schemeClr val="lt1"/>
+          </a:fillRef>
+          <a:effectRef idx="0">
+            <a:schemeClr val="dk1"/>
+          </a:effectRef>
+          <a:fontRef idx="minor">
+            <a:schemeClr val="dk1"/>
+          </a:fontRef>
+        </p:style>
+        <p:txBody>
+          <a:bodyPr rtlCol="0" anchor="ctr"/>
+          <a:lstStyle/>
+          <a:p>
+            <a:pPr algn="ctr"/>
+            <a:endParaRPr lang="zh-CN" altLang="en-US"/>
+          </a:p>
+        </p:txBody>
+      </p:sp>
+      <p:sp>
+        <p:nvSpPr>
+          <p:cNvPr id="64" name="矩形 63">
+            <a:extLst>
+              <a:ext uri="{FF2B5EF4-FFF2-40B4-BE49-F238E27FC236}">
+                <a16:creationId xmlns:a16="http://schemas.microsoft.com/office/drawing/2014/main" id="{375834CA-C596-4948-A3DA-B9CFD8C512EA}"/>
+              </a:ext>
+            </a:extLst>
+          </p:cNvPr>
+          <p:cNvSpPr/>
+          <p:nvPr/>
+        </p:nvSpPr>
+        <p:spPr>
+          <a:xfrm>
+            <a:off x="3171300" y="2814081"/>
+            <a:ext cx="45719" cy="45719"/>
+          </a:xfrm>
+          <a:prstGeom prst="rect">
+            <a:avLst/>
+          </a:prstGeom>
+        </p:spPr>
+        <p:style>
+          <a:lnRef idx="2">
+            <a:schemeClr val="dk1"/>
+          </a:lnRef>
+          <a:fillRef idx="1">
+            <a:schemeClr val="lt1"/>
+          </a:fillRef>
+          <a:effectRef idx="0">
+            <a:schemeClr val="dk1"/>
+          </a:effectRef>
+          <a:fontRef idx="minor">
+            <a:schemeClr val="dk1"/>
+          </a:fontRef>
+        </p:style>
+        <p:txBody>
+          <a:bodyPr rtlCol="0" anchor="ctr"/>
+          <a:lstStyle/>
+          <a:p>
+            <a:pPr algn="ctr"/>
+            <a:endParaRPr lang="zh-CN" altLang="en-US"/>
+          </a:p>
+        </p:txBody>
+      </p:sp>
+      <p:sp>
+        <p:nvSpPr>
+          <p:cNvPr id="65" name="矩形 64">
+            <a:extLst>
+              <a:ext uri="{FF2B5EF4-FFF2-40B4-BE49-F238E27FC236}">
+                <a16:creationId xmlns:a16="http://schemas.microsoft.com/office/drawing/2014/main" id="{5BAF36C3-4072-4DB2-BDCA-543F9FDEB7BF}"/>
+              </a:ext>
+            </a:extLst>
+          </p:cNvPr>
+          <p:cNvSpPr/>
+          <p:nvPr/>
+        </p:nvSpPr>
+        <p:spPr>
+          <a:xfrm>
+            <a:off x="2420166" y="2701881"/>
+            <a:ext cx="747320" cy="261610"/>
+          </a:xfrm>
+          <a:prstGeom prst="rect">
+            <a:avLst/>
+          </a:prstGeom>
+        </p:spPr>
+        <p:txBody>
+          <a:bodyPr wrap="none">
+            <a:spAutoFit/>
+          </a:bodyPr>
+          <a:lstStyle/>
+          <a:p>
+            <a:r>
+              <a:rPr lang="en-US" altLang="zh-CN" sz="1100" dirty="0"/>
+              <a:t>Reset KEY</a:t>
+            </a:r>
+          </a:p>
+        </p:txBody>
+      </p:sp>
+      <p:sp>
+        <p:nvSpPr>
+          <p:cNvPr id="66" name="矩形 65">
+            <a:extLst>
+              <a:ext uri="{FF2B5EF4-FFF2-40B4-BE49-F238E27FC236}">
+                <a16:creationId xmlns:a16="http://schemas.microsoft.com/office/drawing/2014/main" id="{A6DE9C7D-EC7F-4F04-9EA8-61E11757885D}"/>
+              </a:ext>
+            </a:extLst>
+          </p:cNvPr>
+          <p:cNvSpPr/>
+          <p:nvPr/>
+        </p:nvSpPr>
+        <p:spPr>
+          <a:xfrm>
+            <a:off x="2422794" y="3537514"/>
+            <a:ext cx="771365" cy="261610"/>
+          </a:xfrm>
+          <a:prstGeom prst="rect">
+            <a:avLst/>
+          </a:prstGeom>
+        </p:spPr>
+        <p:txBody>
+          <a:bodyPr wrap="none">
+            <a:spAutoFit/>
+          </a:bodyPr>
+          <a:lstStyle/>
+          <a:p>
+            <a:r>
+              <a:rPr lang="en-US" altLang="zh-CN" sz="1100" dirty="0"/>
+              <a:t>Micro SIM</a:t>
+            </a:r>
+          </a:p>
+        </p:txBody>
+      </p:sp>
+    </p:spTree>
+    <p:extLst>
+      <p:ext uri="{BB962C8B-B14F-4D97-AF65-F5344CB8AC3E}">
+        <p14:creationId xmlns:p14="http://schemas.microsoft.com/office/powerpoint/2010/main" val="1711135527"/>
+      </p:ext>
+    </p:extLst>
+  </p:cSld>
+  <p:clrMapOvr>
+    <a:masterClrMapping/>
+  </p:clrMapOvr>
+</p:sld>
+</file>
+
+<file path=ppt/slides/slide9.xml><?xml version="1.0" encoding="utf-8"?>
+<p:sld xmlns:a="http://schemas.openxmlformats.org/drawingml/2006/main" xmlns:r="http://schemas.openxmlformats.org/officeDocument/2006/relationships" xmlns:p="http://schemas.openxmlformats.org/presentationml/2006/main">
+  <p:cSld>
+    <p:spTree>
+      <p:nvGrpSpPr>
+        <p:cNvPr id="1" name=""/>
+        <p:cNvGrpSpPr/>
+        <p:nvPr/>
+      </p:nvGrpSpPr>
+      <p:grpSpPr>
+        <a:xfrm>
+          <a:off x="0" y="0"/>
+          <a:ext cx="0" cy="0"/>
+          <a:chOff x="0" y="0"/>
+          <a:chExt cx="0" cy="0"/>
+        </a:xfrm>
+      </p:grpSpPr>
+      <p:sp>
+        <p:nvSpPr>
+          <p:cNvPr id="2" name="矩形 1">
+            <a:extLst>
+              <a:ext uri="{FF2B5EF4-FFF2-40B4-BE49-F238E27FC236}">
+                <a16:creationId xmlns:a16="http://schemas.microsoft.com/office/drawing/2014/main" id="{39AD512D-B38E-42DB-97F2-1E453FDCBEA8}"/>
+              </a:ext>
+            </a:extLst>
+          </p:cNvPr>
+          <p:cNvSpPr/>
+          <p:nvPr/>
+        </p:nvSpPr>
+        <p:spPr>
+          <a:xfrm>
+            <a:off x="9220201" y="4157606"/>
+            <a:ext cx="311727" cy="241589"/>
+          </a:xfrm>
+          <a:prstGeom prst="rect">
+            <a:avLst/>
+          </a:prstGeom>
+        </p:spPr>
+        <p:style>
+          <a:lnRef idx="2">
+            <a:schemeClr val="dk1"/>
+          </a:lnRef>
+          <a:fillRef idx="1">
+            <a:schemeClr val="lt1"/>
+          </a:fillRef>
+          <a:effectRef idx="0">
+            <a:schemeClr val="dk1"/>
+          </a:effectRef>
+          <a:fontRef idx="minor">
+            <a:schemeClr val="dk1"/>
+          </a:fontRef>
+        </p:style>
+        <p:txBody>
+          <a:bodyPr rtlCol="0" anchor="ctr"/>
+          <a:lstStyle/>
+          <a:p>
+            <a:pPr algn="ctr"/>
+            <a:endParaRPr lang="zh-CN" altLang="en-US"/>
+          </a:p>
+        </p:txBody>
+      </p:sp>
+      <p:sp>
+        <p:nvSpPr>
+          <p:cNvPr id="4" name="矩形 3">
+            <a:extLst>
+              <a:ext uri="{FF2B5EF4-FFF2-40B4-BE49-F238E27FC236}">
+                <a16:creationId xmlns:a16="http://schemas.microsoft.com/office/drawing/2014/main" id="{30BD5A06-57CC-4C50-B4DB-B5F51B674F5B}"/>
+              </a:ext>
+            </a:extLst>
+          </p:cNvPr>
+          <p:cNvSpPr/>
+          <p:nvPr/>
+        </p:nvSpPr>
+        <p:spPr>
+          <a:xfrm>
+            <a:off x="3220213" y="1995053"/>
+            <a:ext cx="6123709" cy="2867891"/>
+          </a:xfrm>
+          <a:prstGeom prst="rect">
+            <a:avLst/>
+          </a:prstGeom>
+        </p:spPr>
+        <p:style>
+          <a:lnRef idx="2">
+            <a:schemeClr val="dk1"/>
+          </a:lnRef>
+          <a:fillRef idx="1">
+            <a:schemeClr val="lt1"/>
+          </a:fillRef>
+          <a:effectRef idx="0">
+            <a:schemeClr val="dk1"/>
+          </a:effectRef>
+          <a:fontRef idx="minor">
+            <a:schemeClr val="dk1"/>
+          </a:fontRef>
+        </p:style>
+        <p:txBody>
+          <a:bodyPr rtlCol="0" anchor="ctr"/>
+          <a:lstStyle/>
+          <a:p>
+            <a:pPr algn="ctr"/>
+            <a:endParaRPr lang="zh-CN" altLang="en-US"/>
+          </a:p>
+        </p:txBody>
+      </p:sp>
+      <p:sp>
+        <p:nvSpPr>
+          <p:cNvPr id="5" name="椭圆 4">
+            <a:extLst>
+              <a:ext uri="{FF2B5EF4-FFF2-40B4-BE49-F238E27FC236}">
+                <a16:creationId xmlns:a16="http://schemas.microsoft.com/office/drawing/2014/main" id="{1E073CCE-04A5-4AB8-BF19-70442BB14ABB}"/>
+              </a:ext>
+            </a:extLst>
+          </p:cNvPr>
+          <p:cNvSpPr/>
+          <p:nvPr/>
+        </p:nvSpPr>
+        <p:spPr>
+          <a:xfrm rot="3996607">
+            <a:off x="3585208" y="4079512"/>
+            <a:ext cx="182871" cy="259947"/>
+          </a:xfrm>
+          <a:prstGeom prst="ellipse">
+            <a:avLst/>
+          </a:prstGeom>
+          <a:ln/>
+        </p:spPr>
+        <p:style>
+          <a:lnRef idx="2">
+            <a:schemeClr val="dk1"/>
+          </a:lnRef>
+          <a:fillRef idx="1">
+            <a:schemeClr val="lt1"/>
+          </a:fillRef>
+          <a:effectRef idx="0">
+            <a:schemeClr val="dk1"/>
+          </a:effectRef>
+          <a:fontRef idx="minor">
+            <a:schemeClr val="dk1"/>
+          </a:fontRef>
+        </p:style>
+        <p:txBody>
+          <a:bodyPr rtlCol="0" anchor="ctr"/>
+          <a:lstStyle/>
+          <a:p>
+            <a:pPr algn="ctr"/>
+            <a:endParaRPr lang="zh-CN" altLang="en-US"/>
+          </a:p>
+        </p:txBody>
+      </p:sp>
+      <p:sp>
+        <p:nvSpPr>
+          <p:cNvPr id="6" name="椭圆 5">
+            <a:extLst>
+              <a:ext uri="{FF2B5EF4-FFF2-40B4-BE49-F238E27FC236}">
+                <a16:creationId xmlns:a16="http://schemas.microsoft.com/office/drawing/2014/main" id="{43C53126-9AF0-4214-A572-B5C45091A404}"/>
+              </a:ext>
+            </a:extLst>
+          </p:cNvPr>
+          <p:cNvSpPr/>
+          <p:nvPr/>
+        </p:nvSpPr>
+        <p:spPr>
+          <a:xfrm>
+            <a:off x="7739275" y="2509628"/>
+            <a:ext cx="238555" cy="238555"/>
+          </a:xfrm>
+          <a:prstGeom prst="ellipse">
+            <a:avLst/>
+          </a:prstGeom>
+        </p:spPr>
+        <p:style>
+          <a:lnRef idx="2">
+            <a:schemeClr val="dk1"/>
+          </a:lnRef>
+          <a:fillRef idx="1">
+            <a:schemeClr val="lt1"/>
+          </a:fillRef>
+          <a:effectRef idx="0">
+            <a:schemeClr val="dk1"/>
+          </a:effectRef>
+          <a:fontRef idx="minor">
+            <a:schemeClr val="dk1"/>
+          </a:fontRef>
+        </p:style>
+        <p:txBody>
+          <a:bodyPr rtlCol="0" anchor="ctr"/>
+          <a:lstStyle/>
+          <a:p>
+            <a:pPr algn="ctr"/>
+            <a:endParaRPr lang="zh-CN" altLang="en-US"/>
+          </a:p>
+        </p:txBody>
+      </p:sp>
+      <p:sp>
+        <p:nvSpPr>
+          <p:cNvPr id="7" name="椭圆 6">
+            <a:extLst>
+              <a:ext uri="{FF2B5EF4-FFF2-40B4-BE49-F238E27FC236}">
+                <a16:creationId xmlns:a16="http://schemas.microsoft.com/office/drawing/2014/main" id="{B9CDF78F-77B1-47A4-998F-C806731E2831}"/>
+              </a:ext>
+            </a:extLst>
+          </p:cNvPr>
+          <p:cNvSpPr/>
+          <p:nvPr/>
+        </p:nvSpPr>
+        <p:spPr>
+          <a:xfrm>
+            <a:off x="7739275" y="4073967"/>
+            <a:ext cx="238555" cy="238555"/>
+          </a:xfrm>
+          <a:prstGeom prst="ellipse">
+            <a:avLst/>
+          </a:prstGeom>
+        </p:spPr>
+        <p:style>
+          <a:lnRef idx="2">
+            <a:schemeClr val="dk1"/>
+          </a:lnRef>
+          <a:fillRef idx="1">
+            <a:schemeClr val="lt1"/>
+          </a:fillRef>
+          <a:effectRef idx="0">
+            <a:schemeClr val="dk1"/>
+          </a:effectRef>
+          <a:fontRef idx="minor">
+            <a:schemeClr val="dk1"/>
+          </a:fontRef>
+        </p:style>
+        <p:txBody>
+          <a:bodyPr rtlCol="0" anchor="ctr"/>
+          <a:lstStyle/>
+          <a:p>
+            <a:pPr algn="ctr"/>
+            <a:endParaRPr lang="zh-CN" altLang="en-US"/>
+          </a:p>
+        </p:txBody>
+      </p:sp>
+      <p:sp>
+        <p:nvSpPr>
+          <p:cNvPr id="8" name="椭圆 7">
+            <a:extLst>
+              <a:ext uri="{FF2B5EF4-FFF2-40B4-BE49-F238E27FC236}">
+                <a16:creationId xmlns:a16="http://schemas.microsoft.com/office/drawing/2014/main" id="{FBCF4E2E-4563-41AA-A7B3-4A77245ACB1E}"/>
+              </a:ext>
+            </a:extLst>
+          </p:cNvPr>
+          <p:cNvSpPr/>
+          <p:nvPr/>
+        </p:nvSpPr>
+        <p:spPr>
+          <a:xfrm rot="7269487">
+            <a:off x="3619847" y="2557218"/>
+            <a:ext cx="182871" cy="259947"/>
+          </a:xfrm>
+          <a:prstGeom prst="ellipse">
+            <a:avLst/>
+          </a:prstGeom>
+          <a:ln/>
+        </p:spPr>
+        <p:style>
+          <a:lnRef idx="2">
+            <a:schemeClr val="dk1"/>
+          </a:lnRef>
+          <a:fillRef idx="1">
+            <a:schemeClr val="lt1"/>
+          </a:fillRef>
+          <a:effectRef idx="0">
+            <a:schemeClr val="dk1"/>
+          </a:effectRef>
+          <a:fontRef idx="minor">
+            <a:schemeClr val="dk1"/>
+          </a:fontRef>
+        </p:style>
+        <p:txBody>
+          <a:bodyPr rtlCol="0" anchor="ctr"/>
+          <a:lstStyle/>
+          <a:p>
+            <a:pPr algn="ctr"/>
+            <a:endParaRPr lang="zh-CN" altLang="en-US"/>
+          </a:p>
+        </p:txBody>
+      </p:sp>
+      <p:sp>
+        <p:nvSpPr>
+          <p:cNvPr id="17" name="矩形 16">
+            <a:extLst>
+              <a:ext uri="{FF2B5EF4-FFF2-40B4-BE49-F238E27FC236}">
+                <a16:creationId xmlns:a16="http://schemas.microsoft.com/office/drawing/2014/main" id="{9D22A83E-2774-48C0-A7CA-23A51D63DEFD}"/>
+              </a:ext>
+            </a:extLst>
+          </p:cNvPr>
+          <p:cNvSpPr/>
+          <p:nvPr/>
+        </p:nvSpPr>
+        <p:spPr>
+          <a:xfrm>
+            <a:off x="3220213" y="3429000"/>
+            <a:ext cx="523112" cy="488381"/>
+          </a:xfrm>
+          <a:prstGeom prst="rect">
+            <a:avLst/>
+          </a:prstGeom>
+        </p:spPr>
+        <p:style>
+          <a:lnRef idx="2">
+            <a:schemeClr val="dk1"/>
+          </a:lnRef>
+          <a:fillRef idx="1">
+            <a:schemeClr val="lt1"/>
+          </a:fillRef>
+          <a:effectRef idx="0">
+            <a:schemeClr val="dk1"/>
+          </a:effectRef>
+          <a:fontRef idx="minor">
+            <a:schemeClr val="dk1"/>
+          </a:fontRef>
+        </p:style>
+        <p:txBody>
+          <a:bodyPr rtlCol="0" anchor="ctr"/>
+          <a:lstStyle/>
+          <a:p>
+            <a:pPr algn="ctr"/>
+            <a:endParaRPr lang="zh-CN" altLang="en-US"/>
+          </a:p>
+        </p:txBody>
+      </p:sp>
+      <p:sp>
+        <p:nvSpPr>
+          <p:cNvPr id="18" name="弧形 17">
+            <a:extLst>
+              <a:ext uri="{FF2B5EF4-FFF2-40B4-BE49-F238E27FC236}">
+                <a16:creationId xmlns:a16="http://schemas.microsoft.com/office/drawing/2014/main" id="{8FF296A8-6003-4544-A5FB-C43B1248F798}"/>
+              </a:ext>
+            </a:extLst>
+          </p:cNvPr>
+          <p:cNvSpPr/>
+          <p:nvPr/>
+        </p:nvSpPr>
+        <p:spPr>
+          <a:xfrm>
+            <a:off x="3167701" y="3500438"/>
+            <a:ext cx="143123" cy="345504"/>
+          </a:xfrm>
+          <a:prstGeom prst="arc">
+            <a:avLst>
+              <a:gd name="adj1" fmla="val 15972390"/>
+              <a:gd name="adj2" fmla="val 5628588"/>
+            </a:avLst>
+          </a:prstGeom>
+          <a:noFill/>
+          <a:ln>
+            <a:solidFill>
+              <a:schemeClr val="tx1"/>
+            </a:solidFill>
+          </a:ln>
+        </p:spPr>
+        <p:style>
+          <a:lnRef idx="1">
+            <a:schemeClr val="accent1"/>
+          </a:lnRef>
+          <a:fillRef idx="0">
+            <a:schemeClr val="accent1"/>
+          </a:fillRef>
+          <a:effectRef idx="0">
+            <a:schemeClr val="accent1"/>
+          </a:effectRef>
+          <a:fontRef idx="minor">
+            <a:schemeClr val="tx1"/>
+          </a:fontRef>
+        </p:style>
+        <p:txBody>
+          <a:bodyPr rtlCol="0" anchor="ctr"/>
+          <a:lstStyle/>
+          <a:p>
+            <a:pPr algn="ctr"/>
+            <a:endParaRPr lang="zh-CN" altLang="en-US"/>
+          </a:p>
+        </p:txBody>
+      </p:sp>
+      <p:sp>
+        <p:nvSpPr>
+          <p:cNvPr id="19" name="椭圆 18">
+            <a:extLst>
+              <a:ext uri="{FF2B5EF4-FFF2-40B4-BE49-F238E27FC236}">
+                <a16:creationId xmlns:a16="http://schemas.microsoft.com/office/drawing/2014/main" id="{B26BD503-7256-4E8F-9B70-978BF775D0DD}"/>
+              </a:ext>
+            </a:extLst>
+          </p:cNvPr>
+          <p:cNvSpPr/>
+          <p:nvPr/>
+        </p:nvSpPr>
+        <p:spPr>
+          <a:xfrm>
+            <a:off x="3369469" y="3500438"/>
+            <a:ext cx="69056" cy="69056"/>
+          </a:xfrm>
+          <a:prstGeom prst="ellipse">
+            <a:avLst/>
+          </a:prstGeom>
+          <a:noFill/>
+          <a:ln>
+            <a:solidFill>
+              <a:schemeClr val="tx1"/>
+            </a:solidFill>
+          </a:ln>
+        </p:spPr>
+        <p:style>
+          <a:lnRef idx="2">
+            <a:schemeClr val="accent1">
+              <a:shade val="50000"/>
+            </a:schemeClr>
+          </a:lnRef>
+          <a:fillRef idx="1">
+            <a:schemeClr val="accent1"/>
+          </a:fillRef>
+          <a:effectRef idx="0">
+            <a:schemeClr val="accent1"/>
+          </a:effectRef>
+          <a:fontRef idx="minor">
+            <a:schemeClr val="lt1"/>
+          </a:fontRef>
+        </p:style>
+        <p:txBody>
+          <a:bodyPr rtlCol="0" anchor="ctr"/>
+          <a:lstStyle/>
+          <a:p>
+            <a:pPr algn="ctr"/>
+            <a:endParaRPr lang="zh-CN" altLang="en-US"/>
+          </a:p>
+        </p:txBody>
+      </p:sp>
+      <p:sp>
+        <p:nvSpPr>
+          <p:cNvPr id="20" name="椭圆 19">
+            <a:extLst>
+              <a:ext uri="{FF2B5EF4-FFF2-40B4-BE49-F238E27FC236}">
+                <a16:creationId xmlns:a16="http://schemas.microsoft.com/office/drawing/2014/main" id="{0DCD0E03-808F-4A3D-8C16-8F8DF95187F8}"/>
+              </a:ext>
+            </a:extLst>
+          </p:cNvPr>
+          <p:cNvSpPr/>
+          <p:nvPr/>
+        </p:nvSpPr>
+        <p:spPr>
+          <a:xfrm>
+            <a:off x="3369469" y="3637472"/>
+            <a:ext cx="69056" cy="69056"/>
+          </a:xfrm>
+          <a:prstGeom prst="ellipse">
+            <a:avLst/>
+          </a:prstGeom>
+          <a:noFill/>
+          <a:ln>
+            <a:solidFill>
+              <a:schemeClr val="tx1"/>
+            </a:solidFill>
+          </a:ln>
+        </p:spPr>
+        <p:style>
+          <a:lnRef idx="2">
+            <a:schemeClr val="accent1">
+              <a:shade val="50000"/>
+            </a:schemeClr>
+          </a:lnRef>
+          <a:fillRef idx="1">
+            <a:schemeClr val="accent1"/>
+          </a:fillRef>
+          <a:effectRef idx="0">
+            <a:schemeClr val="accent1"/>
+          </a:effectRef>
+          <a:fontRef idx="minor">
+            <a:schemeClr val="lt1"/>
+          </a:fontRef>
+        </p:style>
+        <p:txBody>
+          <a:bodyPr rtlCol="0" anchor="ctr"/>
+          <a:lstStyle/>
+          <a:p>
+            <a:pPr algn="ctr"/>
+            <a:endParaRPr lang="zh-CN" altLang="en-US"/>
+          </a:p>
+        </p:txBody>
+      </p:sp>
+      <p:sp>
+        <p:nvSpPr>
+          <p:cNvPr id="21" name="椭圆 20">
+            <a:extLst>
+              <a:ext uri="{FF2B5EF4-FFF2-40B4-BE49-F238E27FC236}">
+                <a16:creationId xmlns:a16="http://schemas.microsoft.com/office/drawing/2014/main" id="{7FFCEA4B-011A-4AFB-A6DD-D8306729B5DF}"/>
+              </a:ext>
+            </a:extLst>
+          </p:cNvPr>
+          <p:cNvSpPr/>
+          <p:nvPr/>
+        </p:nvSpPr>
+        <p:spPr>
+          <a:xfrm>
+            <a:off x="3369469" y="3776886"/>
+            <a:ext cx="69056" cy="69056"/>
+          </a:xfrm>
+          <a:prstGeom prst="ellipse">
+            <a:avLst/>
+          </a:prstGeom>
+          <a:noFill/>
+          <a:ln>
+            <a:solidFill>
+              <a:schemeClr val="tx1"/>
+            </a:solidFill>
+          </a:ln>
+        </p:spPr>
+        <p:style>
+          <a:lnRef idx="2">
+            <a:schemeClr val="accent1">
+              <a:shade val="50000"/>
+            </a:schemeClr>
+          </a:lnRef>
+          <a:fillRef idx="1">
+            <a:schemeClr val="accent1"/>
+          </a:fillRef>
+          <a:effectRef idx="0">
+            <a:schemeClr val="accent1"/>
+          </a:effectRef>
+          <a:fontRef idx="minor">
+            <a:schemeClr val="lt1"/>
+          </a:fontRef>
+        </p:style>
+        <p:txBody>
+          <a:bodyPr rtlCol="0" anchor="ctr"/>
+          <a:lstStyle/>
+          <a:p>
+            <a:pPr algn="ctr"/>
+            <a:endParaRPr lang="zh-CN" altLang="en-US"/>
+          </a:p>
+        </p:txBody>
+      </p:sp>
+      <p:sp>
+        <p:nvSpPr>
+          <p:cNvPr id="22" name="矩形 21">
+            <a:extLst>
+              <a:ext uri="{FF2B5EF4-FFF2-40B4-BE49-F238E27FC236}">
+                <a16:creationId xmlns:a16="http://schemas.microsoft.com/office/drawing/2014/main" id="{E4F30A2E-C96C-4317-BB9A-A9C71070D3FE}"/>
+              </a:ext>
+            </a:extLst>
+          </p:cNvPr>
+          <p:cNvSpPr/>
+          <p:nvPr/>
+        </p:nvSpPr>
+        <p:spPr>
+          <a:xfrm>
+            <a:off x="3220213" y="2748183"/>
+            <a:ext cx="99695" cy="169898"/>
+          </a:xfrm>
+          <a:prstGeom prst="rect">
+            <a:avLst/>
+          </a:prstGeom>
+        </p:spPr>
+        <p:style>
+          <a:lnRef idx="2">
+            <a:schemeClr val="dk1"/>
+          </a:lnRef>
+          <a:fillRef idx="1">
+            <a:schemeClr val="lt1"/>
+          </a:fillRef>
+          <a:effectRef idx="0">
+            <a:schemeClr val="dk1"/>
+          </a:effectRef>
+          <a:fontRef idx="minor">
+            <a:schemeClr val="dk1"/>
+          </a:fontRef>
+        </p:style>
+        <p:txBody>
+          <a:bodyPr rtlCol="0" anchor="ctr"/>
+          <a:lstStyle/>
+          <a:p>
+            <a:pPr algn="ctr"/>
+            <a:endParaRPr lang="zh-CN" altLang="en-US"/>
+          </a:p>
+        </p:txBody>
+      </p:sp>
+      <p:sp>
+        <p:nvSpPr>
+          <p:cNvPr id="23" name="矩形 22">
+            <a:extLst>
+              <a:ext uri="{FF2B5EF4-FFF2-40B4-BE49-F238E27FC236}">
+                <a16:creationId xmlns:a16="http://schemas.microsoft.com/office/drawing/2014/main" id="{55A7B6F3-30DA-4681-966C-EB95FCD23EF7}"/>
+              </a:ext>
+            </a:extLst>
+          </p:cNvPr>
+          <p:cNvSpPr/>
+          <p:nvPr/>
+        </p:nvSpPr>
+        <p:spPr>
+          <a:xfrm>
+            <a:off x="3171300" y="2814081"/>
+            <a:ext cx="45719" cy="45719"/>
+          </a:xfrm>
+          <a:prstGeom prst="rect">
+            <a:avLst/>
+          </a:prstGeom>
+        </p:spPr>
+        <p:style>
+          <a:lnRef idx="2">
+            <a:schemeClr val="dk1"/>
+          </a:lnRef>
+          <a:fillRef idx="1">
+            <a:schemeClr val="lt1"/>
+          </a:fillRef>
+          <a:effectRef idx="0">
+            <a:schemeClr val="dk1"/>
+          </a:effectRef>
+          <a:fontRef idx="minor">
+            <a:schemeClr val="dk1"/>
+          </a:fontRef>
+        </p:style>
+        <p:txBody>
+          <a:bodyPr rtlCol="0" anchor="ctr"/>
+          <a:lstStyle/>
+          <a:p>
+            <a:pPr algn="ctr"/>
+            <a:endParaRPr lang="zh-CN" altLang="en-US"/>
+          </a:p>
+        </p:txBody>
+      </p:sp>
+      <p:sp>
+        <p:nvSpPr>
+          <p:cNvPr id="24" name="矩形 23">
+            <a:extLst>
+              <a:ext uri="{FF2B5EF4-FFF2-40B4-BE49-F238E27FC236}">
+                <a16:creationId xmlns:a16="http://schemas.microsoft.com/office/drawing/2014/main" id="{50CA8D6E-8992-4CF8-8D71-E568BBAAEE11}"/>
+              </a:ext>
+            </a:extLst>
+          </p:cNvPr>
+          <p:cNvSpPr/>
+          <p:nvPr/>
+        </p:nvSpPr>
+        <p:spPr>
+          <a:xfrm>
+            <a:off x="9030278" y="3210790"/>
+            <a:ext cx="311727" cy="436418"/>
+          </a:xfrm>
+          <a:prstGeom prst="rect">
+            <a:avLst/>
+          </a:prstGeom>
+        </p:spPr>
+        <p:style>
+          <a:lnRef idx="2">
+            <a:schemeClr val="dk1"/>
+          </a:lnRef>
+          <a:fillRef idx="1">
+            <a:schemeClr val="lt1"/>
+          </a:fillRef>
+          <a:effectRef idx="0">
+            <a:schemeClr val="dk1"/>
+          </a:effectRef>
+          <a:fontRef idx="minor">
+            <a:schemeClr val="dk1"/>
+          </a:fontRef>
+        </p:style>
+        <p:txBody>
+          <a:bodyPr rtlCol="0" anchor="ctr"/>
+          <a:lstStyle/>
+          <a:p>
+            <a:pPr algn="ctr"/>
+            <a:endParaRPr lang="zh-CN" altLang="en-US" dirty="0"/>
+          </a:p>
+        </p:txBody>
+      </p:sp>
+      <p:sp>
+        <p:nvSpPr>
+          <p:cNvPr id="25" name="矩形 24">
+            <a:extLst>
+              <a:ext uri="{FF2B5EF4-FFF2-40B4-BE49-F238E27FC236}">
+                <a16:creationId xmlns:a16="http://schemas.microsoft.com/office/drawing/2014/main" id="{EDB4D9F7-EAAD-4327-B3F8-F9B2958C2703}"/>
+              </a:ext>
+            </a:extLst>
+          </p:cNvPr>
+          <p:cNvSpPr/>
+          <p:nvPr/>
+        </p:nvSpPr>
+        <p:spPr>
+          <a:xfrm>
+            <a:off x="9267826" y="3843877"/>
+            <a:ext cx="45719" cy="91571"/>
+          </a:xfrm>
+          <a:prstGeom prst="rect">
+            <a:avLst/>
+          </a:prstGeom>
+        </p:spPr>
+        <p:style>
+          <a:lnRef idx="2">
+            <a:schemeClr val="dk1"/>
+          </a:lnRef>
+          <a:fillRef idx="1">
+            <a:schemeClr val="lt1"/>
+          </a:fillRef>
+          <a:effectRef idx="0">
+            <a:schemeClr val="dk1"/>
+          </a:effectRef>
+          <a:fontRef idx="minor">
+            <a:schemeClr val="dk1"/>
+          </a:fontRef>
+        </p:style>
+        <p:txBody>
+          <a:bodyPr rtlCol="0" anchor="ctr"/>
+          <a:lstStyle/>
+          <a:p>
+            <a:pPr algn="ctr"/>
+            <a:endParaRPr lang="zh-CN" altLang="en-US"/>
+          </a:p>
+        </p:txBody>
+      </p:sp>
+      <p:sp>
+        <p:nvSpPr>
+          <p:cNvPr id="3" name="矩形 2">
+            <a:extLst>
+              <a:ext uri="{FF2B5EF4-FFF2-40B4-BE49-F238E27FC236}">
+                <a16:creationId xmlns:a16="http://schemas.microsoft.com/office/drawing/2014/main" id="{4F03A318-8992-4D4A-85EC-40E07052E614}"/>
+              </a:ext>
+            </a:extLst>
+          </p:cNvPr>
+          <p:cNvSpPr/>
+          <p:nvPr/>
+        </p:nvSpPr>
+        <p:spPr>
+          <a:xfrm>
+            <a:off x="8492836" y="2133600"/>
+            <a:ext cx="969819" cy="748145"/>
+          </a:xfrm>
+          <a:prstGeom prst="rect">
+            <a:avLst/>
+          </a:prstGeom>
+        </p:spPr>
+        <p:style>
+          <a:lnRef idx="2">
+            <a:schemeClr val="dk1"/>
+          </a:lnRef>
+          <a:fillRef idx="1">
+            <a:schemeClr val="lt1"/>
+          </a:fillRef>
+          <a:effectRef idx="0">
+            <a:schemeClr val="dk1"/>
+          </a:effectRef>
+          <a:fontRef idx="minor">
+            <a:schemeClr val="dk1"/>
+          </a:fontRef>
+        </p:style>
+        <p:txBody>
+          <a:bodyPr rtlCol="0" anchor="ctr"/>
+          <a:lstStyle/>
+          <a:p>
+            <a:pPr algn="ctr"/>
+            <a:r>
+              <a:rPr lang="en-US" altLang="zh-CN" dirty="0"/>
+              <a:t>RJ 45</a:t>
+            </a:r>
+            <a:endParaRPr lang="zh-CN" altLang="en-US" dirty="0"/>
+          </a:p>
+        </p:txBody>
+      </p:sp>
+      <p:cxnSp>
+        <p:nvCxnSpPr>
+          <p:cNvPr id="29" name="直接连接符 28">
+            <a:extLst>
+              <a:ext uri="{FF2B5EF4-FFF2-40B4-BE49-F238E27FC236}">
+                <a16:creationId xmlns:a16="http://schemas.microsoft.com/office/drawing/2014/main" id="{C7071CA5-1306-4D0F-871B-1B39BE6D2C6A}"/>
+              </a:ext>
+            </a:extLst>
+          </p:cNvPr>
+          <p:cNvCxnSpPr>
+            <a:cxnSpLocks/>
+          </p:cNvCxnSpPr>
+          <p:nvPr/>
+        </p:nvCxnSpPr>
+        <p:spPr>
+          <a:xfrm flipH="1">
+            <a:off x="2145306" y="2687191"/>
+            <a:ext cx="1565976" cy="0"/>
+          </a:xfrm>
+          <a:prstGeom prst="line">
+            <a:avLst/>
+          </a:prstGeom>
+        </p:spPr>
+        <p:style>
+          <a:lnRef idx="1">
+            <a:schemeClr val="dk1"/>
+          </a:lnRef>
+          <a:fillRef idx="0">
+            <a:schemeClr val="dk1"/>
+          </a:fillRef>
+          <a:effectRef idx="0">
+            <a:schemeClr val="dk1"/>
+          </a:effectRef>
+          <a:fontRef idx="minor">
+            <a:schemeClr val="tx1"/>
+          </a:fontRef>
+        </p:style>
+      </p:cxnSp>
+      <p:cxnSp>
+        <p:nvCxnSpPr>
+          <p:cNvPr id="31" name="直接连接符 30">
+            <a:extLst>
+              <a:ext uri="{FF2B5EF4-FFF2-40B4-BE49-F238E27FC236}">
+                <a16:creationId xmlns:a16="http://schemas.microsoft.com/office/drawing/2014/main" id="{A9A96BCA-A28D-452F-808A-0199960C1EF1}"/>
+              </a:ext>
+            </a:extLst>
+          </p:cNvPr>
+          <p:cNvCxnSpPr>
+            <a:cxnSpLocks/>
+          </p:cNvCxnSpPr>
+          <p:nvPr/>
+        </p:nvCxnSpPr>
+        <p:spPr>
+          <a:xfrm flipH="1">
+            <a:off x="2110667" y="4209485"/>
+            <a:ext cx="1565976" cy="0"/>
+          </a:xfrm>
+          <a:prstGeom prst="line">
+            <a:avLst/>
+          </a:prstGeom>
+        </p:spPr>
+        <p:style>
+          <a:lnRef idx="1">
+            <a:schemeClr val="dk1"/>
+          </a:lnRef>
+          <a:fillRef idx="0">
+            <a:schemeClr val="dk1"/>
+          </a:fillRef>
+          <a:effectRef idx="0">
+            <a:schemeClr val="dk1"/>
+          </a:effectRef>
+          <a:fontRef idx="minor">
+            <a:schemeClr val="tx1"/>
+          </a:fontRef>
+        </p:style>
+      </p:cxnSp>
+      <p:cxnSp>
+        <p:nvCxnSpPr>
+          <p:cNvPr id="33" name="直接箭头连接符 32">
+            <a:extLst>
+              <a:ext uri="{FF2B5EF4-FFF2-40B4-BE49-F238E27FC236}">
+                <a16:creationId xmlns:a16="http://schemas.microsoft.com/office/drawing/2014/main" id="{F5B95145-BFAB-4671-913A-95C7BBBC8EE8}"/>
+              </a:ext>
+            </a:extLst>
+          </p:cNvPr>
+          <p:cNvCxnSpPr/>
+          <p:nvPr/>
+        </p:nvCxnSpPr>
+        <p:spPr>
+          <a:xfrm>
+            <a:off x="2145306" y="2881745"/>
+            <a:ext cx="0" cy="1155885"/>
+          </a:xfrm>
+          <a:prstGeom prst="straightConnector1">
+            <a:avLst/>
+          </a:prstGeom>
+          <a:ln>
+            <a:headEnd type="triangle"/>
+            <a:tailEnd type="triangle"/>
+          </a:ln>
+        </p:spPr>
+        <p:style>
+          <a:lnRef idx="1">
+            <a:schemeClr val="dk1"/>
+          </a:lnRef>
+          <a:fillRef idx="0">
+            <a:schemeClr val="dk1"/>
+          </a:fillRef>
+          <a:effectRef idx="0">
+            <a:schemeClr val="dk1"/>
+          </a:effectRef>
+          <a:fontRef idx="minor">
+            <a:schemeClr val="tx1"/>
+          </a:fontRef>
+        </p:style>
+      </p:cxnSp>
+      <p:sp>
+        <p:nvSpPr>
+          <p:cNvPr id="34" name="矩形 33">
+            <a:extLst>
+              <a:ext uri="{FF2B5EF4-FFF2-40B4-BE49-F238E27FC236}">
+                <a16:creationId xmlns:a16="http://schemas.microsoft.com/office/drawing/2014/main" id="{5BEBBC22-989B-46DA-860A-1F4272DA4F7D}"/>
+              </a:ext>
+            </a:extLst>
+          </p:cNvPr>
+          <p:cNvSpPr/>
+          <p:nvPr/>
+        </p:nvSpPr>
+        <p:spPr>
+          <a:xfrm>
+            <a:off x="2299536" y="3271890"/>
+            <a:ext cx="638316" cy="400110"/>
+          </a:xfrm>
+          <a:prstGeom prst="rect">
+            <a:avLst/>
+          </a:prstGeom>
+        </p:spPr>
+        <p:txBody>
+          <a:bodyPr wrap="none">
+            <a:spAutoFit/>
+          </a:bodyPr>
+          <a:lstStyle/>
+          <a:p>
+            <a:r>
+              <a:rPr lang="en-US" altLang="zh-CN" sz="2000" dirty="0"/>
+              <a:t>32.8</a:t>
+            </a:r>
+          </a:p>
+        </p:txBody>
+      </p:sp>
+      <p:sp>
+        <p:nvSpPr>
+          <p:cNvPr id="35" name="矩形 34">
+            <a:extLst>
+              <a:ext uri="{FF2B5EF4-FFF2-40B4-BE49-F238E27FC236}">
+                <a16:creationId xmlns:a16="http://schemas.microsoft.com/office/drawing/2014/main" id="{198384A6-A6CC-40E3-BFAD-F40E31A95EF4}"/>
+              </a:ext>
+            </a:extLst>
+          </p:cNvPr>
+          <p:cNvSpPr/>
+          <p:nvPr/>
+        </p:nvSpPr>
+        <p:spPr>
+          <a:xfrm>
+            <a:off x="3194159" y="5039564"/>
+            <a:ext cx="6580648" cy="400110"/>
+          </a:xfrm>
+          <a:prstGeom prst="rect">
+            <a:avLst/>
+          </a:prstGeom>
+        </p:spPr>
+        <p:txBody>
+          <a:bodyPr wrap="none">
+            <a:spAutoFit/>
+          </a:bodyPr>
+          <a:lstStyle/>
+          <a:p>
+            <a:r>
+              <a:rPr lang="zh-CN" altLang="en-US" sz="2000" dirty="0"/>
+              <a:t>椭圆孔和圆孔为板子固定孔：均使用直径为</a:t>
+            </a:r>
+            <a:r>
+              <a:rPr lang="en-US" altLang="zh-CN" sz="2000" dirty="0"/>
+              <a:t>2mm</a:t>
+            </a:r>
+            <a:r>
+              <a:rPr lang="zh-CN" altLang="en-US" sz="2000" dirty="0"/>
+              <a:t>的螺丝</a:t>
+            </a:r>
+            <a:endParaRPr lang="en-US" altLang="zh-CN" sz="2000" dirty="0"/>
+          </a:p>
+        </p:txBody>
+      </p:sp>
+      <p:cxnSp>
+        <p:nvCxnSpPr>
+          <p:cNvPr id="36" name="直接连接符 35">
+            <a:extLst>
+              <a:ext uri="{FF2B5EF4-FFF2-40B4-BE49-F238E27FC236}">
+                <a16:creationId xmlns:a16="http://schemas.microsoft.com/office/drawing/2014/main" id="{DA4D5211-958C-4642-9F52-20F7169DBBE2}"/>
+              </a:ext>
+            </a:extLst>
+          </p:cNvPr>
+          <p:cNvCxnSpPr>
+            <a:cxnSpLocks/>
+          </p:cNvCxnSpPr>
+          <p:nvPr/>
+        </p:nvCxnSpPr>
+        <p:spPr>
+          <a:xfrm flipH="1">
+            <a:off x="7858552" y="2628905"/>
+            <a:ext cx="2227557" cy="0"/>
+          </a:xfrm>
+          <a:prstGeom prst="line">
+            <a:avLst/>
+          </a:prstGeom>
+        </p:spPr>
+        <p:style>
+          <a:lnRef idx="1">
+            <a:schemeClr val="dk1"/>
+          </a:lnRef>
+          <a:fillRef idx="0">
+            <a:schemeClr val="dk1"/>
+          </a:fillRef>
+          <a:effectRef idx="0">
+            <a:schemeClr val="dk1"/>
+          </a:effectRef>
+          <a:fontRef idx="minor">
+            <a:schemeClr val="tx1"/>
+          </a:fontRef>
+        </p:style>
+      </p:cxnSp>
+      <p:cxnSp>
+        <p:nvCxnSpPr>
+          <p:cNvPr id="38" name="直接连接符 37">
+            <a:extLst>
+              <a:ext uri="{FF2B5EF4-FFF2-40B4-BE49-F238E27FC236}">
+                <a16:creationId xmlns:a16="http://schemas.microsoft.com/office/drawing/2014/main" id="{E2143363-3068-4396-9446-236B5C1F8270}"/>
+              </a:ext>
+            </a:extLst>
+          </p:cNvPr>
+          <p:cNvCxnSpPr>
+            <a:cxnSpLocks/>
+          </p:cNvCxnSpPr>
+          <p:nvPr/>
+        </p:nvCxnSpPr>
+        <p:spPr>
+          <a:xfrm flipH="1">
+            <a:off x="7858552" y="4209485"/>
+            <a:ext cx="2227557" cy="0"/>
+          </a:xfrm>
+          <a:prstGeom prst="line">
+            <a:avLst/>
+          </a:prstGeom>
+        </p:spPr>
+        <p:style>
+          <a:lnRef idx="1">
+            <a:schemeClr val="dk1"/>
+          </a:lnRef>
+          <a:fillRef idx="0">
+            <a:schemeClr val="dk1"/>
+          </a:fillRef>
+          <a:effectRef idx="0">
+            <a:schemeClr val="dk1"/>
+          </a:effectRef>
+          <a:fontRef idx="minor">
+            <a:schemeClr val="tx1"/>
+          </a:fontRef>
+        </p:style>
+      </p:cxnSp>
+      <p:cxnSp>
+        <p:nvCxnSpPr>
+          <p:cNvPr id="39" name="直接箭头连接符 38">
+            <a:extLst>
+              <a:ext uri="{FF2B5EF4-FFF2-40B4-BE49-F238E27FC236}">
+                <a16:creationId xmlns:a16="http://schemas.microsoft.com/office/drawing/2014/main" id="{87558373-F448-4EC5-8A6D-25BA724301A8}"/>
+              </a:ext>
+            </a:extLst>
+          </p:cNvPr>
+          <p:cNvCxnSpPr/>
+          <p:nvPr/>
+        </p:nvCxnSpPr>
+        <p:spPr>
+          <a:xfrm>
+            <a:off x="9959270" y="2814081"/>
+            <a:ext cx="0" cy="1155885"/>
+          </a:xfrm>
+          <a:prstGeom prst="straightConnector1">
+            <a:avLst/>
+          </a:prstGeom>
+          <a:ln>
+            <a:headEnd type="triangle"/>
+            <a:tailEnd type="triangle"/>
+          </a:ln>
+        </p:spPr>
+        <p:style>
+          <a:lnRef idx="1">
+            <a:schemeClr val="dk1"/>
+          </a:lnRef>
+          <a:fillRef idx="0">
+            <a:schemeClr val="dk1"/>
+          </a:fillRef>
+          <a:effectRef idx="0">
+            <a:schemeClr val="dk1"/>
+          </a:effectRef>
+          <a:fontRef idx="minor">
+            <a:schemeClr val="tx1"/>
+          </a:fontRef>
+        </p:style>
+      </p:cxnSp>
+      <p:sp>
+        <p:nvSpPr>
+          <p:cNvPr id="40" name="矩形 39">
+            <a:extLst>
+              <a:ext uri="{FF2B5EF4-FFF2-40B4-BE49-F238E27FC236}">
+                <a16:creationId xmlns:a16="http://schemas.microsoft.com/office/drawing/2014/main" id="{FC1AFF1A-FF8F-4594-8DCB-52FE6053BC77}"/>
+              </a:ext>
+            </a:extLst>
+          </p:cNvPr>
+          <p:cNvSpPr/>
+          <p:nvPr/>
+        </p:nvSpPr>
+        <p:spPr>
+          <a:xfrm>
+            <a:off x="10088873" y="3237362"/>
+            <a:ext cx="444352" cy="400110"/>
+          </a:xfrm>
+          <a:prstGeom prst="rect">
+            <a:avLst/>
+          </a:prstGeom>
+        </p:spPr>
+        <p:txBody>
+          <a:bodyPr wrap="none">
+            <a:spAutoFit/>
+          </a:bodyPr>
+          <a:lstStyle/>
+          <a:p>
+            <a:r>
+              <a:rPr lang="en-US" altLang="zh-CN" sz="2000" dirty="0"/>
+              <a:t>40</a:t>
+            </a:r>
+          </a:p>
+        </p:txBody>
+      </p:sp>
+      <p:cxnSp>
+        <p:nvCxnSpPr>
+          <p:cNvPr id="42" name="直接连接符 41">
+            <a:extLst>
+              <a:ext uri="{FF2B5EF4-FFF2-40B4-BE49-F238E27FC236}">
+                <a16:creationId xmlns:a16="http://schemas.microsoft.com/office/drawing/2014/main" id="{545B0BCD-47A9-4735-8523-086B32FE8C45}"/>
+              </a:ext>
+            </a:extLst>
+          </p:cNvPr>
+          <p:cNvCxnSpPr>
+            <a:cxnSpLocks/>
+          </p:cNvCxnSpPr>
+          <p:nvPr/>
+        </p:nvCxnSpPr>
+        <p:spPr>
+          <a:xfrm flipH="1">
+            <a:off x="2145306" y="1995053"/>
+            <a:ext cx="1565976" cy="0"/>
+          </a:xfrm>
+          <a:prstGeom prst="line">
+            <a:avLst/>
+          </a:prstGeom>
+        </p:spPr>
+        <p:style>
+          <a:lnRef idx="1">
+            <a:schemeClr val="dk1"/>
+          </a:lnRef>
+          <a:fillRef idx="0">
+            <a:schemeClr val="dk1"/>
+          </a:fillRef>
+          <a:effectRef idx="0">
+            <a:schemeClr val="dk1"/>
+          </a:effectRef>
+          <a:fontRef idx="minor">
+            <a:schemeClr val="tx1"/>
+          </a:fontRef>
+        </p:style>
+      </p:cxnSp>
+      <p:cxnSp>
+        <p:nvCxnSpPr>
+          <p:cNvPr id="43" name="直接箭头连接符 42">
+            <a:extLst>
+              <a:ext uri="{FF2B5EF4-FFF2-40B4-BE49-F238E27FC236}">
+                <a16:creationId xmlns:a16="http://schemas.microsoft.com/office/drawing/2014/main" id="{3761C616-A134-4DCA-AABC-575469DE4668}"/>
+              </a:ext>
+            </a:extLst>
+          </p:cNvPr>
+          <p:cNvCxnSpPr>
+            <a:cxnSpLocks/>
+          </p:cNvCxnSpPr>
+          <p:nvPr/>
+        </p:nvCxnSpPr>
+        <p:spPr>
+          <a:xfrm>
+            <a:off x="2157011" y="2133600"/>
+            <a:ext cx="0" cy="495305"/>
+          </a:xfrm>
+          <a:prstGeom prst="straightConnector1">
+            <a:avLst/>
+          </a:prstGeom>
+          <a:ln>
+            <a:headEnd type="triangle"/>
+            <a:tailEnd type="triangle"/>
+          </a:ln>
+        </p:spPr>
+        <p:style>
+          <a:lnRef idx="1">
+            <a:schemeClr val="dk1"/>
+          </a:lnRef>
+          <a:fillRef idx="0">
+            <a:schemeClr val="dk1"/>
+          </a:fillRef>
+          <a:effectRef idx="0">
+            <a:schemeClr val="dk1"/>
+          </a:effectRef>
+          <a:fontRef idx="minor">
+            <a:schemeClr val="tx1"/>
+          </a:fontRef>
+        </p:style>
+      </p:cxnSp>
+      <p:sp>
+        <p:nvSpPr>
+          <p:cNvPr id="46" name="矩形 45">
+            <a:extLst>
+              <a:ext uri="{FF2B5EF4-FFF2-40B4-BE49-F238E27FC236}">
+                <a16:creationId xmlns:a16="http://schemas.microsoft.com/office/drawing/2014/main" id="{3F8EA31E-2287-4E36-A93F-5620ADC0E665}"/>
+              </a:ext>
+            </a:extLst>
+          </p:cNvPr>
+          <p:cNvSpPr/>
+          <p:nvPr/>
+        </p:nvSpPr>
+        <p:spPr>
+          <a:xfrm>
+            <a:off x="2289978" y="2178485"/>
+            <a:ext cx="638316" cy="400110"/>
+          </a:xfrm>
+          <a:prstGeom prst="rect">
+            <a:avLst/>
+          </a:prstGeom>
+        </p:spPr>
+        <p:txBody>
+          <a:bodyPr wrap="none">
+            <a:spAutoFit/>
+          </a:bodyPr>
+          <a:lstStyle/>
+          <a:p>
+            <a:r>
+              <a:rPr lang="en-US" altLang="zh-CN" sz="2000" dirty="0"/>
+              <a:t>13.6</a:t>
+            </a:r>
+          </a:p>
+        </p:txBody>
+      </p:sp>
+      <p:sp>
+        <p:nvSpPr>
+          <p:cNvPr id="50" name="矩形 49">
+            <a:extLst>
+              <a:ext uri="{FF2B5EF4-FFF2-40B4-BE49-F238E27FC236}">
+                <a16:creationId xmlns:a16="http://schemas.microsoft.com/office/drawing/2014/main" id="{1C92F821-1CA9-4922-A407-226C3318FE4E}"/>
+              </a:ext>
+            </a:extLst>
+          </p:cNvPr>
+          <p:cNvSpPr/>
+          <p:nvPr/>
+        </p:nvSpPr>
+        <p:spPr>
+          <a:xfrm>
+            <a:off x="11044596" y="3273781"/>
+            <a:ext cx="418704" cy="369332"/>
+          </a:xfrm>
+          <a:prstGeom prst="rect">
+            <a:avLst/>
+          </a:prstGeom>
+        </p:spPr>
+        <p:txBody>
+          <a:bodyPr wrap="none">
+            <a:spAutoFit/>
+          </a:bodyPr>
+          <a:lstStyle/>
+          <a:p>
+            <a:r>
+              <a:rPr lang="en-US" altLang="zh-CN" dirty="0"/>
+              <a:t>60</a:t>
+            </a:r>
+            <a:endParaRPr lang="zh-CN" altLang="en-US" dirty="0"/>
+          </a:p>
+        </p:txBody>
+      </p:sp>
+      <p:sp>
+        <p:nvSpPr>
+          <p:cNvPr id="51" name="右大括号 50">
+            <a:extLst>
+              <a:ext uri="{FF2B5EF4-FFF2-40B4-BE49-F238E27FC236}">
+                <a16:creationId xmlns:a16="http://schemas.microsoft.com/office/drawing/2014/main" id="{B30D63C6-A627-49BE-BE67-4B8F821FB348}"/>
+              </a:ext>
+            </a:extLst>
+          </p:cNvPr>
+          <p:cNvSpPr/>
+          <p:nvPr/>
+        </p:nvSpPr>
+        <p:spPr>
+          <a:xfrm>
+            <a:off x="10458014" y="1995053"/>
+            <a:ext cx="426793" cy="2867875"/>
+          </a:xfrm>
+          <a:prstGeom prst="rightBrace">
+            <a:avLst>
+              <a:gd name="adj1" fmla="val 44623"/>
+              <a:gd name="adj2" fmla="val 49871"/>
+            </a:avLst>
+          </a:prstGeom>
+          <a:ln>
+            <a:solidFill>
+              <a:schemeClr val="tx1"/>
+            </a:solidFill>
+          </a:ln>
+        </p:spPr>
+        <p:style>
+          <a:lnRef idx="1">
+            <a:schemeClr val="accent1"/>
+          </a:lnRef>
+          <a:fillRef idx="0">
+            <a:schemeClr val="accent1"/>
+          </a:fillRef>
+          <a:effectRef idx="0">
+            <a:schemeClr val="accent1"/>
+          </a:effectRef>
+          <a:fontRef idx="minor">
+            <a:schemeClr val="tx1"/>
+          </a:fontRef>
+        </p:style>
+        <p:txBody>
+          <a:bodyPr rtlCol="0" anchor="ctr"/>
+          <a:lstStyle/>
+          <a:p>
+            <a:pPr algn="ctr"/>
+            <a:endParaRPr lang="zh-CN" altLang="en-US"/>
+          </a:p>
+        </p:txBody>
+      </p:sp>
+      <p:sp>
+        <p:nvSpPr>
+          <p:cNvPr id="52" name="矩形 51">
+            <a:extLst>
+              <a:ext uri="{FF2B5EF4-FFF2-40B4-BE49-F238E27FC236}">
+                <a16:creationId xmlns:a16="http://schemas.microsoft.com/office/drawing/2014/main" id="{D56C19D5-01A6-4BF0-8CE3-683CE102795B}"/>
+              </a:ext>
+            </a:extLst>
+          </p:cNvPr>
+          <p:cNvSpPr/>
+          <p:nvPr/>
+        </p:nvSpPr>
+        <p:spPr>
+          <a:xfrm>
+            <a:off x="10086109" y="973310"/>
+            <a:ext cx="1364476" cy="400110"/>
+          </a:xfrm>
+          <a:prstGeom prst="rect">
+            <a:avLst/>
+          </a:prstGeom>
+        </p:spPr>
+        <p:txBody>
+          <a:bodyPr wrap="none">
+            <a:spAutoFit/>
+          </a:bodyPr>
+          <a:lstStyle/>
+          <a:p>
+            <a:r>
+              <a:rPr lang="zh-CN" altLang="en-US" sz="2000" dirty="0"/>
+              <a:t>单位：</a:t>
+            </a:r>
+            <a:r>
+              <a:rPr lang="en-US" altLang="zh-CN" sz="2000" dirty="0"/>
+              <a:t>mm</a:t>
+            </a:r>
+          </a:p>
+        </p:txBody>
+      </p:sp>
+      <p:sp>
+        <p:nvSpPr>
+          <p:cNvPr id="53" name="右大括号 52">
+            <a:extLst>
+              <a:ext uri="{FF2B5EF4-FFF2-40B4-BE49-F238E27FC236}">
+                <a16:creationId xmlns:a16="http://schemas.microsoft.com/office/drawing/2014/main" id="{93A20529-5955-4168-AB80-614BC670BDC8}"/>
+              </a:ext>
+            </a:extLst>
+          </p:cNvPr>
+          <p:cNvSpPr/>
+          <p:nvPr/>
+        </p:nvSpPr>
+        <p:spPr>
+          <a:xfrm rot="16200000">
+            <a:off x="6054685" y="-1487106"/>
+            <a:ext cx="426793" cy="6147846"/>
+          </a:xfrm>
+          <a:prstGeom prst="rightBrace">
+            <a:avLst>
+              <a:gd name="adj1" fmla="val 44623"/>
+              <a:gd name="adj2" fmla="val 49871"/>
+            </a:avLst>
+          </a:prstGeom>
+          <a:ln>
+            <a:solidFill>
+              <a:schemeClr val="tx1"/>
+            </a:solidFill>
+          </a:ln>
+        </p:spPr>
+        <p:style>
+          <a:lnRef idx="1">
+            <a:schemeClr val="accent1"/>
+          </a:lnRef>
+          <a:fillRef idx="0">
+            <a:schemeClr val="accent1"/>
+          </a:fillRef>
+          <a:effectRef idx="0">
+            <a:schemeClr val="accent1"/>
+          </a:effectRef>
+          <a:fontRef idx="minor">
+            <a:schemeClr val="tx1"/>
+          </a:fontRef>
+        </p:style>
+        <p:txBody>
+          <a:bodyPr rtlCol="0" anchor="ctr"/>
+          <a:lstStyle/>
+          <a:p>
+            <a:pPr algn="ctr"/>
+            <a:endParaRPr lang="zh-CN" altLang="en-US"/>
+          </a:p>
+        </p:txBody>
+      </p:sp>
+      <p:sp>
+        <p:nvSpPr>
+          <p:cNvPr id="54" name="矩形 53">
+            <a:extLst>
+              <a:ext uri="{FF2B5EF4-FFF2-40B4-BE49-F238E27FC236}">
+                <a16:creationId xmlns:a16="http://schemas.microsoft.com/office/drawing/2014/main" id="{114D9BE6-741A-4F52-82D9-40D89A1648D0}"/>
+              </a:ext>
+            </a:extLst>
+          </p:cNvPr>
+          <p:cNvSpPr/>
+          <p:nvPr/>
+        </p:nvSpPr>
+        <p:spPr>
+          <a:xfrm>
+            <a:off x="5962909" y="885000"/>
+            <a:ext cx="574196" cy="400110"/>
+          </a:xfrm>
+          <a:prstGeom prst="rect">
+            <a:avLst/>
+          </a:prstGeom>
+        </p:spPr>
+        <p:txBody>
+          <a:bodyPr wrap="none">
+            <a:spAutoFit/>
+          </a:bodyPr>
+          <a:lstStyle/>
+          <a:p>
+            <a:r>
+              <a:rPr lang="en-US" altLang="zh-CN" sz="2000" dirty="0"/>
+              <a:t>109</a:t>
+            </a:r>
+          </a:p>
+        </p:txBody>
+      </p:sp>
+    </p:spTree>
+    <p:extLst>
+      <p:ext uri="{BB962C8B-B14F-4D97-AF65-F5344CB8AC3E}">
+        <p14:creationId xmlns:p14="http://schemas.microsoft.com/office/powerpoint/2010/main" val="2514561286"/>
       </p:ext>
     </p:extLst>
   </p:cSld>

--- a/graphic.pptx
+++ b/graphic.pptx
@@ -5,7 +5,7 @@
     <p:sldMasterId id="2147483648" r:id="rId1"/>
   </p:sldMasterIdLst>
   <p:notesMasterIdLst>
-    <p:notesMasterId r:id="rId12"/>
+    <p:notesMasterId r:id="rId14"/>
   </p:notesMasterIdLst>
   <p:sldIdLst>
     <p:sldId id="256" r:id="rId2"/>
@@ -18,6 +18,8 @@
     <p:sldId id="264" r:id="rId9"/>
     <p:sldId id="265" r:id="rId10"/>
     <p:sldId id="263" r:id="rId11"/>
+    <p:sldId id="266" r:id="rId12"/>
+    <p:sldId id="267" r:id="rId13"/>
   </p:sldIdLst>
   <p:sldSz cx="12192000" cy="6858000"/>
   <p:notesSz cx="6858000" cy="9144000"/>
@@ -206,7 +208,7 @@
           <a:p>
             <a:fld id="{DDED566E-5D7F-4531-8C4F-B890F2DF42DB}" type="datetimeFigureOut">
               <a:rPr lang="zh-CN" altLang="en-US" smtClean="0"/>
-              <a:t>2018/7/29</a:t>
+              <a:t>2018/8/8</a:t>
             </a:fld>
             <a:endParaRPr lang="zh-CN" altLang="en-US"/>
           </a:p>
@@ -686,7 +688,7 @@
           <a:p>
             <a:fld id="{7A08BB2A-4DEF-488C-8A91-ACD052FEC8C5}" type="datetimeFigureOut">
               <a:rPr lang="zh-CN" altLang="en-US" smtClean="0"/>
-              <a:t>2018/7/29</a:t>
+              <a:t>2018/8/8</a:t>
             </a:fld>
             <a:endParaRPr lang="zh-CN" altLang="en-US"/>
           </a:p>
@@ -854,7 +856,7 @@
           <a:p>
             <a:fld id="{7A08BB2A-4DEF-488C-8A91-ACD052FEC8C5}" type="datetimeFigureOut">
               <a:rPr lang="zh-CN" altLang="en-US" smtClean="0"/>
-              <a:t>2018/7/29</a:t>
+              <a:t>2018/8/8</a:t>
             </a:fld>
             <a:endParaRPr lang="zh-CN" altLang="en-US"/>
           </a:p>
@@ -1032,7 +1034,7 @@
           <a:p>
             <a:fld id="{7A08BB2A-4DEF-488C-8A91-ACD052FEC8C5}" type="datetimeFigureOut">
               <a:rPr lang="zh-CN" altLang="en-US" smtClean="0"/>
-              <a:t>2018/7/29</a:t>
+              <a:t>2018/8/8</a:t>
             </a:fld>
             <a:endParaRPr lang="zh-CN" altLang="en-US"/>
           </a:p>
@@ -1200,7 +1202,7 @@
           <a:p>
             <a:fld id="{7A08BB2A-4DEF-488C-8A91-ACD052FEC8C5}" type="datetimeFigureOut">
               <a:rPr lang="zh-CN" altLang="en-US" smtClean="0"/>
-              <a:t>2018/7/29</a:t>
+              <a:t>2018/8/8</a:t>
             </a:fld>
             <a:endParaRPr lang="zh-CN" altLang="en-US"/>
           </a:p>
@@ -1445,7 +1447,7 @@
           <a:p>
             <a:fld id="{7A08BB2A-4DEF-488C-8A91-ACD052FEC8C5}" type="datetimeFigureOut">
               <a:rPr lang="zh-CN" altLang="en-US" smtClean="0"/>
-              <a:t>2018/7/29</a:t>
+              <a:t>2018/8/8</a:t>
             </a:fld>
             <a:endParaRPr lang="zh-CN" altLang="en-US"/>
           </a:p>
@@ -1674,7 +1676,7 @@
           <a:p>
             <a:fld id="{7A08BB2A-4DEF-488C-8A91-ACD052FEC8C5}" type="datetimeFigureOut">
               <a:rPr lang="zh-CN" altLang="en-US" smtClean="0"/>
-              <a:t>2018/7/29</a:t>
+              <a:t>2018/8/8</a:t>
             </a:fld>
             <a:endParaRPr lang="zh-CN" altLang="en-US"/>
           </a:p>
@@ -2038,7 +2040,7 @@
           <a:p>
             <a:fld id="{7A08BB2A-4DEF-488C-8A91-ACD052FEC8C5}" type="datetimeFigureOut">
               <a:rPr lang="zh-CN" altLang="en-US" smtClean="0"/>
-              <a:t>2018/7/29</a:t>
+              <a:t>2018/8/8</a:t>
             </a:fld>
             <a:endParaRPr lang="zh-CN" altLang="en-US"/>
           </a:p>
@@ -2155,7 +2157,7 @@
           <a:p>
             <a:fld id="{7A08BB2A-4DEF-488C-8A91-ACD052FEC8C5}" type="datetimeFigureOut">
               <a:rPr lang="zh-CN" altLang="en-US" smtClean="0"/>
-              <a:t>2018/7/29</a:t>
+              <a:t>2018/8/8</a:t>
             </a:fld>
             <a:endParaRPr lang="zh-CN" altLang="en-US"/>
           </a:p>
@@ -2250,7 +2252,7 @@
           <a:p>
             <a:fld id="{7A08BB2A-4DEF-488C-8A91-ACD052FEC8C5}" type="datetimeFigureOut">
               <a:rPr lang="zh-CN" altLang="en-US" smtClean="0"/>
-              <a:t>2018/7/29</a:t>
+              <a:t>2018/8/8</a:t>
             </a:fld>
             <a:endParaRPr lang="zh-CN" altLang="en-US"/>
           </a:p>
@@ -2525,7 +2527,7 @@
           <a:p>
             <a:fld id="{7A08BB2A-4DEF-488C-8A91-ACD052FEC8C5}" type="datetimeFigureOut">
               <a:rPr lang="zh-CN" altLang="en-US" smtClean="0"/>
-              <a:t>2018/7/29</a:t>
+              <a:t>2018/8/8</a:t>
             </a:fld>
             <a:endParaRPr lang="zh-CN" altLang="en-US"/>
           </a:p>
@@ -2777,7 +2779,7 @@
           <a:p>
             <a:fld id="{7A08BB2A-4DEF-488C-8A91-ACD052FEC8C5}" type="datetimeFigureOut">
               <a:rPr lang="zh-CN" altLang="en-US" smtClean="0"/>
-              <a:t>2018/7/29</a:t>
+              <a:t>2018/8/8</a:t>
             </a:fld>
             <a:endParaRPr lang="zh-CN" altLang="en-US"/>
           </a:p>
@@ -2988,7 +2990,7 @@
           <a:p>
             <a:fld id="{7A08BB2A-4DEF-488C-8A91-ACD052FEC8C5}" type="datetimeFigureOut">
               <a:rPr lang="zh-CN" altLang="en-US" smtClean="0"/>
-              <a:t>2018/7/29</a:t>
+              <a:t>2018/8/8</a:t>
             </a:fld>
             <a:endParaRPr lang="zh-CN" altLang="en-US"/>
           </a:p>
@@ -5271,7 +5273,7 @@
           <p:cNvPr id="3" name="图片 2">
             <a:extLst>
               <a:ext uri="{FF2B5EF4-FFF2-40B4-BE49-F238E27FC236}">
-                <a16:creationId xmlns:a16="http://schemas.microsoft.com/office/drawing/2014/main" id="{98758726-BE56-48DD-9184-9BB7EA8B90E9}"/>
+                <a16:creationId xmlns:a16="http://schemas.microsoft.com/office/drawing/2014/main" xmlns="" id="{98758726-BE56-48DD-9184-9BB7EA8B90E9}"/>
               </a:ext>
             </a:extLst>
           </p:cNvPr>
@@ -5306,6 +5308,1902 @@
     <p:extLst>
       <p:ext uri="{BB962C8B-B14F-4D97-AF65-F5344CB8AC3E}">
         <p14:creationId xmlns:p14="http://schemas.microsoft.com/office/powerpoint/2010/main" val="2137070410"/>
+      </p:ext>
+    </p:extLst>
+  </p:cSld>
+  <p:clrMapOvr>
+    <a:masterClrMapping/>
+  </p:clrMapOvr>
+</p:sld>
+</file>
+
+<file path=ppt/slides/slide11.xml><?xml version="1.0" encoding="utf-8"?>
+<p:sld xmlns:a="http://schemas.openxmlformats.org/drawingml/2006/main" xmlns:r="http://schemas.openxmlformats.org/officeDocument/2006/relationships" xmlns:p="http://schemas.openxmlformats.org/presentationml/2006/main">
+  <p:cSld>
+    <p:spTree>
+      <p:nvGrpSpPr>
+        <p:cNvPr id="1" name=""/>
+        <p:cNvGrpSpPr/>
+        <p:nvPr/>
+      </p:nvGrpSpPr>
+      <p:grpSpPr>
+        <a:xfrm>
+          <a:off x="0" y="0"/>
+          <a:ext cx="0" cy="0"/>
+          <a:chOff x="0" y="0"/>
+          <a:chExt cx="0" cy="0"/>
+        </a:xfrm>
+      </p:grpSpPr>
+      <p:sp>
+        <p:nvSpPr>
+          <p:cNvPr id="2" name="矩形 1"/>
+          <p:cNvSpPr/>
+          <p:nvPr/>
+        </p:nvSpPr>
+        <p:spPr>
+          <a:xfrm>
+            <a:off x="3352801" y="1404258"/>
+            <a:ext cx="3222172" cy="3907972"/>
+          </a:xfrm>
+          <a:prstGeom prst="rect">
+            <a:avLst/>
+          </a:prstGeom>
+        </p:spPr>
+        <p:style>
+          <a:lnRef idx="2">
+            <a:schemeClr val="dk1"/>
+          </a:lnRef>
+          <a:fillRef idx="1">
+            <a:schemeClr val="lt1"/>
+          </a:fillRef>
+          <a:effectRef idx="0">
+            <a:schemeClr val="dk1"/>
+          </a:effectRef>
+          <a:fontRef idx="minor">
+            <a:schemeClr val="dk1"/>
+          </a:fontRef>
+        </p:style>
+        <p:txBody>
+          <a:bodyPr rtlCol="0" anchor="ctr"/>
+          <a:lstStyle/>
+          <a:p>
+            <a:pPr algn="ctr"/>
+            <a:endParaRPr lang="zh-CN" altLang="en-US"/>
+          </a:p>
+        </p:txBody>
+      </p:sp>
+      <p:sp>
+        <p:nvSpPr>
+          <p:cNvPr id="3" name="矩形 2"/>
+          <p:cNvSpPr/>
+          <p:nvPr/>
+        </p:nvSpPr>
+        <p:spPr>
+          <a:xfrm>
+            <a:off x="3491499" y="3403248"/>
+            <a:ext cx="2944776" cy="1245345"/>
+          </a:xfrm>
+          <a:prstGeom prst="rect">
+            <a:avLst/>
+          </a:prstGeom>
+        </p:spPr>
+        <p:style>
+          <a:lnRef idx="2">
+            <a:schemeClr val="dk1"/>
+          </a:lnRef>
+          <a:fillRef idx="1">
+            <a:schemeClr val="lt1"/>
+          </a:fillRef>
+          <a:effectRef idx="0">
+            <a:schemeClr val="dk1"/>
+          </a:effectRef>
+          <a:fontRef idx="minor">
+            <a:schemeClr val="dk1"/>
+          </a:fontRef>
+        </p:style>
+        <p:txBody>
+          <a:bodyPr rtlCol="0" anchor="ctr"/>
+          <a:lstStyle/>
+          <a:p>
+            <a:pPr algn="ctr"/>
+            <a:r>
+              <a:rPr lang="en-US" altLang="zh-CN" dirty="0" smtClean="0"/>
+              <a:t>MT7688 Model</a:t>
+            </a:r>
+          </a:p>
+          <a:p>
+            <a:pPr algn="ctr"/>
+            <a:r>
+              <a:rPr lang="zh-CN" altLang="zh-CN" dirty="0"/>
+              <a:t>1Gb/64Mb</a:t>
+            </a:r>
+            <a:endParaRPr lang="zh-CN" altLang="en-US" dirty="0"/>
+          </a:p>
+        </p:txBody>
+      </p:sp>
+      <p:sp>
+        <p:nvSpPr>
+          <p:cNvPr id="5" name="矩形 4"/>
+          <p:cNvSpPr/>
+          <p:nvPr/>
+        </p:nvSpPr>
+        <p:spPr>
+          <a:xfrm>
+            <a:off x="4756684" y="4932301"/>
+            <a:ext cx="620487" cy="364672"/>
+          </a:xfrm>
+          <a:prstGeom prst="rect">
+            <a:avLst/>
+          </a:prstGeom>
+        </p:spPr>
+        <p:style>
+          <a:lnRef idx="2">
+            <a:schemeClr val="dk1"/>
+          </a:lnRef>
+          <a:fillRef idx="1">
+            <a:schemeClr val="lt1"/>
+          </a:fillRef>
+          <a:effectRef idx="0">
+            <a:schemeClr val="dk1"/>
+          </a:effectRef>
+          <a:fontRef idx="minor">
+            <a:schemeClr val="dk1"/>
+          </a:fontRef>
+        </p:style>
+        <p:txBody>
+          <a:bodyPr rtlCol="0" anchor="ctr"/>
+          <a:lstStyle/>
+          <a:p>
+            <a:pPr algn="ctr"/>
+            <a:r>
+              <a:rPr lang="en-US" altLang="zh-CN" dirty="0" smtClean="0"/>
+              <a:t>USB</a:t>
+            </a:r>
+            <a:endParaRPr lang="zh-CN" altLang="en-US" dirty="0"/>
+          </a:p>
+        </p:txBody>
+      </p:sp>
+      <p:sp>
+        <p:nvSpPr>
+          <p:cNvPr id="6" name="矩形 5"/>
+          <p:cNvSpPr/>
+          <p:nvPr/>
+        </p:nvSpPr>
+        <p:spPr>
+          <a:xfrm>
+            <a:off x="3836710" y="5223494"/>
+            <a:ext cx="134750" cy="73479"/>
+          </a:xfrm>
+          <a:prstGeom prst="rect">
+            <a:avLst/>
+          </a:prstGeom>
+        </p:spPr>
+        <p:style>
+          <a:lnRef idx="2">
+            <a:schemeClr val="dk1"/>
+          </a:lnRef>
+          <a:fillRef idx="1">
+            <a:schemeClr val="lt1"/>
+          </a:fillRef>
+          <a:effectRef idx="0">
+            <a:schemeClr val="dk1"/>
+          </a:effectRef>
+          <a:fontRef idx="minor">
+            <a:schemeClr val="dk1"/>
+          </a:fontRef>
+        </p:style>
+        <p:txBody>
+          <a:bodyPr rtlCol="0" anchor="ctr"/>
+          <a:lstStyle/>
+          <a:p>
+            <a:pPr algn="ctr"/>
+            <a:endParaRPr lang="zh-CN" altLang="en-US" dirty="0"/>
+          </a:p>
+        </p:txBody>
+      </p:sp>
+      <p:sp>
+        <p:nvSpPr>
+          <p:cNvPr id="7" name="矩形 6"/>
+          <p:cNvSpPr/>
+          <p:nvPr/>
+        </p:nvSpPr>
+        <p:spPr>
+          <a:xfrm>
+            <a:off x="4285723" y="4886716"/>
+            <a:ext cx="474809" cy="369332"/>
+          </a:xfrm>
+          <a:prstGeom prst="rect">
+            <a:avLst/>
+          </a:prstGeom>
+        </p:spPr>
+        <p:txBody>
+          <a:bodyPr wrap="none">
+            <a:spAutoFit/>
+          </a:bodyPr>
+          <a:lstStyle/>
+          <a:p>
+            <a:pPr algn="ctr"/>
+            <a:r>
+              <a:rPr lang="en-US" altLang="zh-CN" dirty="0"/>
+              <a:t>led</a:t>
+            </a:r>
+            <a:endParaRPr lang="zh-CN" altLang="en-US" dirty="0"/>
+          </a:p>
+        </p:txBody>
+      </p:sp>
+      <p:sp>
+        <p:nvSpPr>
+          <p:cNvPr id="10" name="矩形 9"/>
+          <p:cNvSpPr/>
+          <p:nvPr/>
+        </p:nvSpPr>
+        <p:spPr>
+          <a:xfrm>
+            <a:off x="3795876" y="4734512"/>
+            <a:ext cx="484415" cy="340178"/>
+          </a:xfrm>
+          <a:prstGeom prst="rect">
+            <a:avLst/>
+          </a:prstGeom>
+        </p:spPr>
+        <p:style>
+          <a:lnRef idx="2">
+            <a:schemeClr val="dk1"/>
+          </a:lnRef>
+          <a:fillRef idx="1">
+            <a:schemeClr val="lt1"/>
+          </a:fillRef>
+          <a:effectRef idx="0">
+            <a:schemeClr val="dk1"/>
+          </a:effectRef>
+          <a:fontRef idx="minor">
+            <a:schemeClr val="dk1"/>
+          </a:fontRef>
+        </p:style>
+        <p:txBody>
+          <a:bodyPr rtlCol="0" anchor="ctr"/>
+          <a:lstStyle/>
+          <a:p>
+            <a:pPr algn="ctr"/>
+            <a:r>
+              <a:rPr lang="en-US" altLang="zh-CN" sz="1200" dirty="0" smtClean="0"/>
+              <a:t>key</a:t>
+            </a:r>
+            <a:endParaRPr lang="zh-CN" altLang="en-US" sz="1200" dirty="0"/>
+          </a:p>
+        </p:txBody>
+      </p:sp>
+      <p:sp>
+        <p:nvSpPr>
+          <p:cNvPr id="11" name="矩形 10"/>
+          <p:cNvSpPr/>
+          <p:nvPr/>
+        </p:nvSpPr>
+        <p:spPr>
+          <a:xfrm>
+            <a:off x="4050963" y="5226604"/>
+            <a:ext cx="134750" cy="73479"/>
+          </a:xfrm>
+          <a:prstGeom prst="rect">
+            <a:avLst/>
+          </a:prstGeom>
+        </p:spPr>
+        <p:style>
+          <a:lnRef idx="2">
+            <a:schemeClr val="dk1"/>
+          </a:lnRef>
+          <a:fillRef idx="1">
+            <a:schemeClr val="lt1"/>
+          </a:fillRef>
+          <a:effectRef idx="0">
+            <a:schemeClr val="dk1"/>
+          </a:effectRef>
+          <a:fontRef idx="minor">
+            <a:schemeClr val="dk1"/>
+          </a:fontRef>
+        </p:style>
+        <p:txBody>
+          <a:bodyPr rtlCol="0" anchor="ctr"/>
+          <a:lstStyle/>
+          <a:p>
+            <a:pPr algn="ctr"/>
+            <a:endParaRPr lang="zh-CN" altLang="en-US" dirty="0"/>
+          </a:p>
+        </p:txBody>
+      </p:sp>
+      <p:sp>
+        <p:nvSpPr>
+          <p:cNvPr id="12" name="矩形 11"/>
+          <p:cNvSpPr/>
+          <p:nvPr/>
+        </p:nvSpPr>
+        <p:spPr>
+          <a:xfrm>
+            <a:off x="4274859" y="5230492"/>
+            <a:ext cx="134750" cy="73479"/>
+          </a:xfrm>
+          <a:prstGeom prst="rect">
+            <a:avLst/>
+          </a:prstGeom>
+        </p:spPr>
+        <p:style>
+          <a:lnRef idx="2">
+            <a:schemeClr val="dk1"/>
+          </a:lnRef>
+          <a:fillRef idx="1">
+            <a:schemeClr val="lt1"/>
+          </a:fillRef>
+          <a:effectRef idx="0">
+            <a:schemeClr val="dk1"/>
+          </a:effectRef>
+          <a:fontRef idx="minor">
+            <a:schemeClr val="dk1"/>
+          </a:fontRef>
+        </p:style>
+        <p:txBody>
+          <a:bodyPr rtlCol="0" anchor="ctr"/>
+          <a:lstStyle/>
+          <a:p>
+            <a:pPr algn="ctr"/>
+            <a:endParaRPr lang="zh-CN" altLang="en-US" dirty="0"/>
+          </a:p>
+        </p:txBody>
+      </p:sp>
+      <p:sp>
+        <p:nvSpPr>
+          <p:cNvPr id="13" name="矩形 12"/>
+          <p:cNvSpPr/>
+          <p:nvPr/>
+        </p:nvSpPr>
+        <p:spPr>
+          <a:xfrm>
+            <a:off x="5591523" y="4734512"/>
+            <a:ext cx="620487" cy="682688"/>
+          </a:xfrm>
+          <a:prstGeom prst="rect">
+            <a:avLst/>
+          </a:prstGeom>
+        </p:spPr>
+        <p:style>
+          <a:lnRef idx="2">
+            <a:schemeClr val="dk1"/>
+          </a:lnRef>
+          <a:fillRef idx="1">
+            <a:schemeClr val="lt1"/>
+          </a:fillRef>
+          <a:effectRef idx="0">
+            <a:schemeClr val="dk1"/>
+          </a:effectRef>
+          <a:fontRef idx="minor">
+            <a:schemeClr val="dk1"/>
+          </a:fontRef>
+        </p:style>
+        <p:txBody>
+          <a:bodyPr rtlCol="0" anchor="ctr"/>
+          <a:lstStyle/>
+          <a:p>
+            <a:pPr algn="ctr"/>
+            <a:r>
+              <a:rPr lang="en-US" altLang="zh-CN" dirty="0" smtClean="0"/>
+              <a:t>RJ45</a:t>
+            </a:r>
+            <a:endParaRPr lang="zh-CN" altLang="en-US" dirty="0"/>
+          </a:p>
+        </p:txBody>
+      </p:sp>
+      <p:sp>
+        <p:nvSpPr>
+          <p:cNvPr id="16" name="椭圆 15"/>
+          <p:cNvSpPr/>
+          <p:nvPr/>
+        </p:nvSpPr>
+        <p:spPr>
+          <a:xfrm>
+            <a:off x="6249680" y="1456846"/>
+            <a:ext cx="206828" cy="206828"/>
+          </a:xfrm>
+          <a:prstGeom prst="ellipse">
+            <a:avLst/>
+          </a:prstGeom>
+        </p:spPr>
+        <p:style>
+          <a:lnRef idx="2">
+            <a:schemeClr val="dk1"/>
+          </a:lnRef>
+          <a:fillRef idx="1">
+            <a:schemeClr val="lt1"/>
+          </a:fillRef>
+          <a:effectRef idx="0">
+            <a:schemeClr val="dk1"/>
+          </a:effectRef>
+          <a:fontRef idx="minor">
+            <a:schemeClr val="dk1"/>
+          </a:fontRef>
+        </p:style>
+        <p:txBody>
+          <a:bodyPr rtlCol="0" anchor="ctr"/>
+          <a:lstStyle/>
+          <a:p>
+            <a:pPr algn="ctr"/>
+            <a:endParaRPr lang="zh-CN" altLang="en-US"/>
+          </a:p>
+        </p:txBody>
+      </p:sp>
+      <p:sp>
+        <p:nvSpPr>
+          <p:cNvPr id="17" name="矩形 16"/>
+          <p:cNvSpPr/>
+          <p:nvPr/>
+        </p:nvSpPr>
+        <p:spPr>
+          <a:xfrm>
+            <a:off x="4346741" y="1399982"/>
+            <a:ext cx="700806" cy="653924"/>
+          </a:xfrm>
+          <a:prstGeom prst="rect">
+            <a:avLst/>
+          </a:prstGeom>
+        </p:spPr>
+        <p:style>
+          <a:lnRef idx="2">
+            <a:schemeClr val="dk1"/>
+          </a:lnRef>
+          <a:fillRef idx="1">
+            <a:schemeClr val="lt1"/>
+          </a:fillRef>
+          <a:effectRef idx="0">
+            <a:schemeClr val="dk1"/>
+          </a:effectRef>
+          <a:fontRef idx="minor">
+            <a:schemeClr val="dk1"/>
+          </a:fontRef>
+        </p:style>
+        <p:txBody>
+          <a:bodyPr rtlCol="0" anchor="ctr"/>
+          <a:lstStyle/>
+          <a:p>
+            <a:pPr algn="ctr"/>
+            <a:r>
+              <a:rPr lang="en-US" altLang="zh-CN" dirty="0" smtClean="0"/>
+              <a:t>SIM </a:t>
+            </a:r>
+          </a:p>
+          <a:p>
+            <a:pPr algn="ctr"/>
+            <a:r>
+              <a:rPr lang="en-US" altLang="zh-CN" dirty="0" smtClean="0"/>
+              <a:t>card</a:t>
+            </a:r>
+            <a:endParaRPr lang="zh-CN" altLang="en-US" dirty="0"/>
+          </a:p>
+        </p:txBody>
+      </p:sp>
+      <p:sp>
+        <p:nvSpPr>
+          <p:cNvPr id="18" name="椭圆 17"/>
+          <p:cNvSpPr/>
+          <p:nvPr/>
+        </p:nvSpPr>
+        <p:spPr>
+          <a:xfrm>
+            <a:off x="3501079" y="1474142"/>
+            <a:ext cx="206828" cy="206828"/>
+          </a:xfrm>
+          <a:prstGeom prst="ellipse">
+            <a:avLst/>
+          </a:prstGeom>
+        </p:spPr>
+        <p:style>
+          <a:lnRef idx="2">
+            <a:schemeClr val="dk1"/>
+          </a:lnRef>
+          <a:fillRef idx="1">
+            <a:schemeClr val="lt1"/>
+          </a:fillRef>
+          <a:effectRef idx="0">
+            <a:schemeClr val="dk1"/>
+          </a:effectRef>
+          <a:fontRef idx="minor">
+            <a:schemeClr val="dk1"/>
+          </a:fontRef>
+        </p:style>
+        <p:txBody>
+          <a:bodyPr rtlCol="0" anchor="ctr"/>
+          <a:lstStyle/>
+          <a:p>
+            <a:pPr algn="ctr"/>
+            <a:endParaRPr lang="zh-CN" altLang="en-US"/>
+          </a:p>
+        </p:txBody>
+      </p:sp>
+      <p:sp>
+        <p:nvSpPr>
+          <p:cNvPr id="19" name="椭圆 18"/>
+          <p:cNvSpPr/>
+          <p:nvPr/>
+        </p:nvSpPr>
+        <p:spPr>
+          <a:xfrm>
+            <a:off x="3421576" y="5053888"/>
+            <a:ext cx="206828" cy="206828"/>
+          </a:xfrm>
+          <a:prstGeom prst="ellipse">
+            <a:avLst/>
+          </a:prstGeom>
+        </p:spPr>
+        <p:style>
+          <a:lnRef idx="2">
+            <a:schemeClr val="dk1"/>
+          </a:lnRef>
+          <a:fillRef idx="1">
+            <a:schemeClr val="lt1"/>
+          </a:fillRef>
+          <a:effectRef idx="0">
+            <a:schemeClr val="dk1"/>
+          </a:effectRef>
+          <a:fontRef idx="minor">
+            <a:schemeClr val="dk1"/>
+          </a:fontRef>
+        </p:style>
+        <p:txBody>
+          <a:bodyPr rtlCol="0" anchor="ctr"/>
+          <a:lstStyle/>
+          <a:p>
+            <a:pPr algn="ctr"/>
+            <a:endParaRPr lang="zh-CN" altLang="en-US"/>
+          </a:p>
+        </p:txBody>
+      </p:sp>
+      <p:sp>
+        <p:nvSpPr>
+          <p:cNvPr id="20" name="椭圆 19"/>
+          <p:cNvSpPr/>
+          <p:nvPr/>
+        </p:nvSpPr>
+        <p:spPr>
+          <a:xfrm>
+            <a:off x="6272854" y="5035230"/>
+            <a:ext cx="206828" cy="206828"/>
+          </a:xfrm>
+          <a:prstGeom prst="ellipse">
+            <a:avLst/>
+          </a:prstGeom>
+        </p:spPr>
+        <p:style>
+          <a:lnRef idx="2">
+            <a:schemeClr val="dk1"/>
+          </a:lnRef>
+          <a:fillRef idx="1">
+            <a:schemeClr val="lt1"/>
+          </a:fillRef>
+          <a:effectRef idx="0">
+            <a:schemeClr val="dk1"/>
+          </a:effectRef>
+          <a:fontRef idx="minor">
+            <a:schemeClr val="dk1"/>
+          </a:fontRef>
+        </p:style>
+        <p:txBody>
+          <a:bodyPr rtlCol="0" anchor="ctr"/>
+          <a:lstStyle/>
+          <a:p>
+            <a:pPr algn="ctr"/>
+            <a:endParaRPr lang="zh-CN" altLang="en-US"/>
+          </a:p>
+        </p:txBody>
+      </p:sp>
+      <p:sp>
+        <p:nvSpPr>
+          <p:cNvPr id="21" name="矩形 20"/>
+          <p:cNvSpPr/>
+          <p:nvPr/>
+        </p:nvSpPr>
+        <p:spPr>
+          <a:xfrm>
+            <a:off x="5244296" y="1399982"/>
+            <a:ext cx="657470" cy="334253"/>
+          </a:xfrm>
+          <a:prstGeom prst="rect">
+            <a:avLst/>
+          </a:prstGeom>
+        </p:spPr>
+        <p:style>
+          <a:lnRef idx="2">
+            <a:schemeClr val="dk1"/>
+          </a:lnRef>
+          <a:fillRef idx="1">
+            <a:schemeClr val="lt1"/>
+          </a:fillRef>
+          <a:effectRef idx="0">
+            <a:schemeClr val="dk1"/>
+          </a:effectRef>
+          <a:fontRef idx="minor">
+            <a:schemeClr val="dk1"/>
+          </a:fontRef>
+        </p:style>
+        <p:txBody>
+          <a:bodyPr rtlCol="0" anchor="ctr"/>
+          <a:lstStyle/>
+          <a:p>
+            <a:pPr algn="ctr"/>
+            <a:r>
+              <a:rPr lang="en-US" altLang="zh-CN" dirty="0" smtClean="0"/>
+              <a:t>rest</a:t>
+            </a:r>
+            <a:endParaRPr lang="zh-CN" altLang="en-US" dirty="0"/>
+          </a:p>
+        </p:txBody>
+      </p:sp>
+      <p:sp>
+        <p:nvSpPr>
+          <p:cNvPr id="22" name="矩形 21"/>
+          <p:cNvSpPr/>
+          <p:nvPr/>
+        </p:nvSpPr>
+        <p:spPr>
+          <a:xfrm>
+            <a:off x="7090818" y="1734234"/>
+            <a:ext cx="3012369" cy="2914359"/>
+          </a:xfrm>
+          <a:prstGeom prst="rect">
+            <a:avLst/>
+          </a:prstGeom>
+        </p:spPr>
+        <p:style>
+          <a:lnRef idx="2">
+            <a:schemeClr val="dk1"/>
+          </a:lnRef>
+          <a:fillRef idx="1">
+            <a:schemeClr val="lt1"/>
+          </a:fillRef>
+          <a:effectRef idx="0">
+            <a:schemeClr val="dk1"/>
+          </a:effectRef>
+          <a:fontRef idx="minor">
+            <a:schemeClr val="dk1"/>
+          </a:fontRef>
+        </p:style>
+        <p:txBody>
+          <a:bodyPr rtlCol="0" anchor="ctr"/>
+          <a:lstStyle/>
+          <a:p>
+            <a:pPr algn="ctr"/>
+            <a:r>
+              <a:rPr lang="en-US" altLang="zh-CN" dirty="0" smtClean="0"/>
+              <a:t>Battery</a:t>
+            </a:r>
+            <a:endParaRPr lang="zh-CN" altLang="en-US" dirty="0"/>
+          </a:p>
+        </p:txBody>
+      </p:sp>
+      <p:sp>
+        <p:nvSpPr>
+          <p:cNvPr id="4" name="矩形 3"/>
+          <p:cNvSpPr/>
+          <p:nvPr/>
+        </p:nvSpPr>
+        <p:spPr>
+          <a:xfrm>
+            <a:off x="3491499" y="1820154"/>
+            <a:ext cx="2960485" cy="1494160"/>
+          </a:xfrm>
+          <a:prstGeom prst="rect">
+            <a:avLst/>
+          </a:prstGeom>
+        </p:spPr>
+        <p:style>
+          <a:lnRef idx="2">
+            <a:schemeClr val="dk1"/>
+          </a:lnRef>
+          <a:fillRef idx="1">
+            <a:schemeClr val="lt1"/>
+          </a:fillRef>
+          <a:effectRef idx="0">
+            <a:schemeClr val="dk1"/>
+          </a:effectRef>
+          <a:fontRef idx="minor">
+            <a:schemeClr val="dk1"/>
+          </a:fontRef>
+        </p:style>
+        <p:txBody>
+          <a:bodyPr rtlCol="0" anchor="ctr"/>
+          <a:lstStyle/>
+          <a:p>
+            <a:pPr algn="ctr"/>
+            <a:r>
+              <a:rPr lang="en-US" altLang="zh-CN" dirty="0" smtClean="0"/>
+              <a:t>4G Model</a:t>
+            </a:r>
+            <a:endParaRPr lang="zh-CN" altLang="en-US" dirty="0"/>
+          </a:p>
+        </p:txBody>
+      </p:sp>
+      <p:sp>
+        <p:nvSpPr>
+          <p:cNvPr id="34" name="矩形 33"/>
+          <p:cNvSpPr/>
+          <p:nvPr/>
+        </p:nvSpPr>
+        <p:spPr>
+          <a:xfrm>
+            <a:off x="762000" y="402771"/>
+            <a:ext cx="1959429" cy="522515"/>
+          </a:xfrm>
+          <a:prstGeom prst="rect">
+            <a:avLst/>
+          </a:prstGeom>
+        </p:spPr>
+        <p:style>
+          <a:lnRef idx="2">
+            <a:schemeClr val="dk1"/>
+          </a:lnRef>
+          <a:fillRef idx="1">
+            <a:schemeClr val="lt1"/>
+          </a:fillRef>
+          <a:effectRef idx="0">
+            <a:schemeClr val="dk1"/>
+          </a:effectRef>
+          <a:fontRef idx="minor">
+            <a:schemeClr val="dk1"/>
+          </a:fontRef>
+        </p:style>
+        <p:txBody>
+          <a:bodyPr rtlCol="0" anchor="ctr"/>
+          <a:lstStyle/>
+          <a:p>
+            <a:pPr algn="ctr"/>
+            <a:r>
+              <a:rPr lang="en-US" altLang="zh-CN" dirty="0" smtClean="0"/>
+              <a:t>Version 4 – S1</a:t>
+            </a:r>
+            <a:endParaRPr lang="zh-CN" altLang="en-US" dirty="0"/>
+          </a:p>
+        </p:txBody>
+      </p:sp>
+    </p:spTree>
+    <p:extLst>
+      <p:ext uri="{BB962C8B-B14F-4D97-AF65-F5344CB8AC3E}">
+        <p14:creationId xmlns:p14="http://schemas.microsoft.com/office/powerpoint/2010/main" val="1552652298"/>
+      </p:ext>
+    </p:extLst>
+  </p:cSld>
+  <p:clrMapOvr>
+    <a:masterClrMapping/>
+  </p:clrMapOvr>
+</p:sld>
+</file>
+
+<file path=ppt/slides/slide12.xml><?xml version="1.0" encoding="utf-8"?>
+<p:sld xmlns:a="http://schemas.openxmlformats.org/drawingml/2006/main" xmlns:r="http://schemas.openxmlformats.org/officeDocument/2006/relationships" xmlns:p="http://schemas.openxmlformats.org/presentationml/2006/main">
+  <p:cSld>
+    <p:spTree>
+      <p:nvGrpSpPr>
+        <p:cNvPr id="1" name=""/>
+        <p:cNvGrpSpPr/>
+        <p:nvPr/>
+      </p:nvGrpSpPr>
+      <p:grpSpPr>
+        <a:xfrm>
+          <a:off x="0" y="0"/>
+          <a:ext cx="0" cy="0"/>
+          <a:chOff x="0" y="0"/>
+          <a:chExt cx="0" cy="0"/>
+        </a:xfrm>
+      </p:grpSpPr>
+      <p:sp>
+        <p:nvSpPr>
+          <p:cNvPr id="53" name="矩形 52"/>
+          <p:cNvSpPr/>
+          <p:nvPr/>
+        </p:nvSpPr>
+        <p:spPr>
+          <a:xfrm>
+            <a:off x="6605329" y="5182337"/>
+            <a:ext cx="377644" cy="258869"/>
+          </a:xfrm>
+          <a:prstGeom prst="rect">
+            <a:avLst/>
+          </a:prstGeom>
+        </p:spPr>
+        <p:style>
+          <a:lnRef idx="2">
+            <a:schemeClr val="dk1"/>
+          </a:lnRef>
+          <a:fillRef idx="1">
+            <a:schemeClr val="lt1"/>
+          </a:fillRef>
+          <a:effectRef idx="0">
+            <a:schemeClr val="dk1"/>
+          </a:effectRef>
+          <a:fontRef idx="minor">
+            <a:schemeClr val="dk1"/>
+          </a:fontRef>
+        </p:style>
+        <p:txBody>
+          <a:bodyPr rtlCol="0" anchor="ctr"/>
+          <a:lstStyle/>
+          <a:p>
+            <a:pPr algn="ctr"/>
+            <a:endParaRPr lang="zh-CN" altLang="en-US" dirty="0"/>
+          </a:p>
+        </p:txBody>
+      </p:sp>
+      <p:sp>
+        <p:nvSpPr>
+          <p:cNvPr id="54" name="矩形 53"/>
+          <p:cNvSpPr/>
+          <p:nvPr/>
+        </p:nvSpPr>
+        <p:spPr>
+          <a:xfrm>
+            <a:off x="5558827" y="5081495"/>
+            <a:ext cx="620487" cy="381970"/>
+          </a:xfrm>
+          <a:prstGeom prst="rect">
+            <a:avLst/>
+          </a:prstGeom>
+        </p:spPr>
+        <p:style>
+          <a:lnRef idx="2">
+            <a:schemeClr val="dk1"/>
+          </a:lnRef>
+          <a:fillRef idx="1">
+            <a:schemeClr val="lt1"/>
+          </a:fillRef>
+          <a:effectRef idx="0">
+            <a:schemeClr val="dk1"/>
+          </a:effectRef>
+          <a:fontRef idx="minor">
+            <a:schemeClr val="dk1"/>
+          </a:fontRef>
+        </p:style>
+        <p:txBody>
+          <a:bodyPr rtlCol="0" anchor="ctr"/>
+          <a:lstStyle/>
+          <a:p>
+            <a:pPr algn="ctr"/>
+            <a:endParaRPr lang="zh-CN" altLang="en-US" dirty="0"/>
+          </a:p>
+        </p:txBody>
+      </p:sp>
+      <p:sp>
+        <p:nvSpPr>
+          <p:cNvPr id="41" name="矩形 40"/>
+          <p:cNvSpPr/>
+          <p:nvPr/>
+        </p:nvSpPr>
+        <p:spPr>
+          <a:xfrm>
+            <a:off x="7426220" y="4756284"/>
+            <a:ext cx="620487" cy="682688"/>
+          </a:xfrm>
+          <a:prstGeom prst="rect">
+            <a:avLst/>
+          </a:prstGeom>
+        </p:spPr>
+        <p:style>
+          <a:lnRef idx="2">
+            <a:schemeClr val="dk1"/>
+          </a:lnRef>
+          <a:fillRef idx="1">
+            <a:schemeClr val="lt1"/>
+          </a:fillRef>
+          <a:effectRef idx="0">
+            <a:schemeClr val="dk1"/>
+          </a:effectRef>
+          <a:fontRef idx="minor">
+            <a:schemeClr val="dk1"/>
+          </a:fontRef>
+        </p:style>
+        <p:txBody>
+          <a:bodyPr rtlCol="0" anchor="ctr"/>
+          <a:lstStyle/>
+          <a:p>
+            <a:pPr algn="ctr"/>
+            <a:r>
+              <a:rPr lang="en-US" altLang="zh-CN" dirty="0" smtClean="0"/>
+              <a:t>RJ45</a:t>
+            </a:r>
+            <a:endParaRPr lang="zh-CN" altLang="en-US" dirty="0"/>
+          </a:p>
+        </p:txBody>
+      </p:sp>
+      <p:sp>
+        <p:nvSpPr>
+          <p:cNvPr id="2" name="矩形 1"/>
+          <p:cNvSpPr/>
+          <p:nvPr/>
+        </p:nvSpPr>
+        <p:spPr>
+          <a:xfrm>
+            <a:off x="1240973" y="2503714"/>
+            <a:ext cx="3222172" cy="2830288"/>
+          </a:xfrm>
+          <a:prstGeom prst="rect">
+            <a:avLst/>
+          </a:prstGeom>
+        </p:spPr>
+        <p:style>
+          <a:lnRef idx="2">
+            <a:schemeClr val="dk1"/>
+          </a:lnRef>
+          <a:fillRef idx="1">
+            <a:schemeClr val="lt1"/>
+          </a:fillRef>
+          <a:effectRef idx="0">
+            <a:schemeClr val="dk1"/>
+          </a:effectRef>
+          <a:fontRef idx="minor">
+            <a:schemeClr val="dk1"/>
+          </a:fontRef>
+        </p:style>
+        <p:txBody>
+          <a:bodyPr rtlCol="0" anchor="ctr"/>
+          <a:lstStyle/>
+          <a:p>
+            <a:pPr algn="ctr"/>
+            <a:endParaRPr lang="zh-CN" altLang="en-US"/>
+          </a:p>
+        </p:txBody>
+      </p:sp>
+      <p:sp>
+        <p:nvSpPr>
+          <p:cNvPr id="4" name="矩形 3"/>
+          <p:cNvSpPr/>
+          <p:nvPr/>
+        </p:nvSpPr>
+        <p:spPr>
+          <a:xfrm>
+            <a:off x="2658804" y="5152029"/>
+            <a:ext cx="377644" cy="258869"/>
+          </a:xfrm>
+          <a:prstGeom prst="rect">
+            <a:avLst/>
+          </a:prstGeom>
+        </p:spPr>
+        <p:style>
+          <a:lnRef idx="2">
+            <a:schemeClr val="dk1"/>
+          </a:lnRef>
+          <a:fillRef idx="1">
+            <a:schemeClr val="lt1"/>
+          </a:fillRef>
+          <a:effectRef idx="0">
+            <a:schemeClr val="dk1"/>
+          </a:effectRef>
+          <a:fontRef idx="minor">
+            <a:schemeClr val="dk1"/>
+          </a:fontRef>
+        </p:style>
+        <p:txBody>
+          <a:bodyPr rtlCol="0" anchor="ctr"/>
+          <a:lstStyle/>
+          <a:p>
+            <a:pPr algn="ctr"/>
+            <a:endParaRPr lang="zh-CN" altLang="en-US" dirty="0"/>
+          </a:p>
+        </p:txBody>
+      </p:sp>
+      <p:sp>
+        <p:nvSpPr>
+          <p:cNvPr id="10" name="矩形 9"/>
+          <p:cNvSpPr/>
+          <p:nvPr/>
+        </p:nvSpPr>
+        <p:spPr>
+          <a:xfrm>
+            <a:off x="3479695" y="4756284"/>
+            <a:ext cx="620487" cy="682688"/>
+          </a:xfrm>
+          <a:prstGeom prst="rect">
+            <a:avLst/>
+          </a:prstGeom>
+        </p:spPr>
+        <p:style>
+          <a:lnRef idx="2">
+            <a:schemeClr val="dk1"/>
+          </a:lnRef>
+          <a:fillRef idx="1">
+            <a:schemeClr val="lt1"/>
+          </a:fillRef>
+          <a:effectRef idx="0">
+            <a:schemeClr val="dk1"/>
+          </a:effectRef>
+          <a:fontRef idx="minor">
+            <a:schemeClr val="dk1"/>
+          </a:fontRef>
+        </p:style>
+        <p:txBody>
+          <a:bodyPr rtlCol="0" anchor="ctr"/>
+          <a:lstStyle/>
+          <a:p>
+            <a:pPr algn="ctr"/>
+            <a:r>
+              <a:rPr lang="en-US" altLang="zh-CN" dirty="0" smtClean="0"/>
+              <a:t>RJ45</a:t>
+            </a:r>
+            <a:endParaRPr lang="zh-CN" altLang="en-US" dirty="0"/>
+          </a:p>
+        </p:txBody>
+      </p:sp>
+      <p:sp>
+        <p:nvSpPr>
+          <p:cNvPr id="11" name="椭圆 10"/>
+          <p:cNvSpPr/>
+          <p:nvPr/>
+        </p:nvSpPr>
+        <p:spPr>
+          <a:xfrm>
+            <a:off x="4161026" y="2601252"/>
+            <a:ext cx="206828" cy="206828"/>
+          </a:xfrm>
+          <a:prstGeom prst="ellipse">
+            <a:avLst/>
+          </a:prstGeom>
+        </p:spPr>
+        <p:style>
+          <a:lnRef idx="2">
+            <a:schemeClr val="dk1"/>
+          </a:lnRef>
+          <a:fillRef idx="1">
+            <a:schemeClr val="lt1"/>
+          </a:fillRef>
+          <a:effectRef idx="0">
+            <a:schemeClr val="dk1"/>
+          </a:effectRef>
+          <a:fontRef idx="minor">
+            <a:schemeClr val="dk1"/>
+          </a:fontRef>
+        </p:style>
+        <p:txBody>
+          <a:bodyPr rtlCol="0" anchor="ctr"/>
+          <a:lstStyle/>
+          <a:p>
+            <a:pPr algn="ctr"/>
+            <a:endParaRPr lang="zh-CN" altLang="en-US"/>
+          </a:p>
+        </p:txBody>
+      </p:sp>
+      <p:sp>
+        <p:nvSpPr>
+          <p:cNvPr id="13" name="椭圆 12"/>
+          <p:cNvSpPr/>
+          <p:nvPr/>
+        </p:nvSpPr>
+        <p:spPr>
+          <a:xfrm>
+            <a:off x="1371816" y="2584050"/>
+            <a:ext cx="206828" cy="206828"/>
+          </a:xfrm>
+          <a:prstGeom prst="ellipse">
+            <a:avLst/>
+          </a:prstGeom>
+        </p:spPr>
+        <p:style>
+          <a:lnRef idx="2">
+            <a:schemeClr val="dk1"/>
+          </a:lnRef>
+          <a:fillRef idx="1">
+            <a:schemeClr val="lt1"/>
+          </a:fillRef>
+          <a:effectRef idx="0">
+            <a:schemeClr val="dk1"/>
+          </a:effectRef>
+          <a:fontRef idx="minor">
+            <a:schemeClr val="dk1"/>
+          </a:fontRef>
+        </p:style>
+        <p:txBody>
+          <a:bodyPr rtlCol="0" anchor="ctr"/>
+          <a:lstStyle/>
+          <a:p>
+            <a:pPr algn="ctr"/>
+            <a:endParaRPr lang="zh-CN" altLang="en-US"/>
+          </a:p>
+        </p:txBody>
+      </p:sp>
+      <p:sp>
+        <p:nvSpPr>
+          <p:cNvPr id="14" name="椭圆 13"/>
+          <p:cNvSpPr/>
+          <p:nvPr/>
+        </p:nvSpPr>
+        <p:spPr>
+          <a:xfrm>
+            <a:off x="1309748" y="5075660"/>
+            <a:ext cx="206828" cy="206828"/>
+          </a:xfrm>
+          <a:prstGeom prst="ellipse">
+            <a:avLst/>
+          </a:prstGeom>
+        </p:spPr>
+        <p:style>
+          <a:lnRef idx="2">
+            <a:schemeClr val="dk1"/>
+          </a:lnRef>
+          <a:fillRef idx="1">
+            <a:schemeClr val="lt1"/>
+          </a:fillRef>
+          <a:effectRef idx="0">
+            <a:schemeClr val="dk1"/>
+          </a:effectRef>
+          <a:fontRef idx="minor">
+            <a:schemeClr val="dk1"/>
+          </a:fontRef>
+        </p:style>
+        <p:txBody>
+          <a:bodyPr rtlCol="0" anchor="ctr"/>
+          <a:lstStyle/>
+          <a:p>
+            <a:pPr algn="ctr"/>
+            <a:endParaRPr lang="zh-CN" altLang="en-US"/>
+          </a:p>
+        </p:txBody>
+      </p:sp>
+      <p:sp>
+        <p:nvSpPr>
+          <p:cNvPr id="15" name="椭圆 14"/>
+          <p:cNvSpPr/>
+          <p:nvPr/>
+        </p:nvSpPr>
+        <p:spPr>
+          <a:xfrm>
+            <a:off x="4161026" y="5057002"/>
+            <a:ext cx="206828" cy="206828"/>
+          </a:xfrm>
+          <a:prstGeom prst="ellipse">
+            <a:avLst/>
+          </a:prstGeom>
+        </p:spPr>
+        <p:style>
+          <a:lnRef idx="2">
+            <a:schemeClr val="dk1"/>
+          </a:lnRef>
+          <a:fillRef idx="1">
+            <a:schemeClr val="lt1"/>
+          </a:fillRef>
+          <a:effectRef idx="0">
+            <a:schemeClr val="dk1"/>
+          </a:effectRef>
+          <a:fontRef idx="minor">
+            <a:schemeClr val="dk1"/>
+          </a:fontRef>
+        </p:style>
+        <p:txBody>
+          <a:bodyPr rtlCol="0" anchor="ctr"/>
+          <a:lstStyle/>
+          <a:p>
+            <a:pPr algn="ctr"/>
+            <a:endParaRPr lang="zh-CN" altLang="en-US"/>
+          </a:p>
+        </p:txBody>
+      </p:sp>
+      <p:sp>
+        <p:nvSpPr>
+          <p:cNvPr id="17" name="矩形 16"/>
+          <p:cNvSpPr/>
+          <p:nvPr/>
+        </p:nvSpPr>
+        <p:spPr>
+          <a:xfrm>
+            <a:off x="1371816" y="2875247"/>
+            <a:ext cx="2960485" cy="1674160"/>
+          </a:xfrm>
+          <a:prstGeom prst="rect">
+            <a:avLst/>
+          </a:prstGeom>
+        </p:spPr>
+        <p:style>
+          <a:lnRef idx="2">
+            <a:schemeClr val="dk1"/>
+          </a:lnRef>
+          <a:fillRef idx="1">
+            <a:schemeClr val="lt1"/>
+          </a:fillRef>
+          <a:effectRef idx="0">
+            <a:schemeClr val="dk1"/>
+          </a:effectRef>
+          <a:fontRef idx="minor">
+            <a:schemeClr val="dk1"/>
+          </a:fontRef>
+        </p:style>
+        <p:txBody>
+          <a:bodyPr rtlCol="0" anchor="ctr"/>
+          <a:lstStyle/>
+          <a:p>
+            <a:pPr algn="ctr"/>
+            <a:r>
+              <a:rPr lang="en-US" altLang="zh-CN" dirty="0" smtClean="0"/>
+              <a:t>4G PCI-E Model</a:t>
+            </a:r>
+            <a:endParaRPr lang="zh-CN" altLang="en-US" dirty="0"/>
+          </a:p>
+        </p:txBody>
+      </p:sp>
+      <p:sp>
+        <p:nvSpPr>
+          <p:cNvPr id="12" name="矩形 11"/>
+          <p:cNvSpPr/>
+          <p:nvPr/>
+        </p:nvSpPr>
+        <p:spPr>
+          <a:xfrm rot="16200000">
+            <a:off x="1223657" y="3548285"/>
+            <a:ext cx="688202" cy="653924"/>
+          </a:xfrm>
+          <a:prstGeom prst="rect">
+            <a:avLst/>
+          </a:prstGeom>
+        </p:spPr>
+        <p:style>
+          <a:lnRef idx="2">
+            <a:schemeClr val="dk1"/>
+          </a:lnRef>
+          <a:fillRef idx="1">
+            <a:schemeClr val="lt1"/>
+          </a:fillRef>
+          <a:effectRef idx="0">
+            <a:schemeClr val="dk1"/>
+          </a:effectRef>
+          <a:fontRef idx="minor">
+            <a:schemeClr val="dk1"/>
+          </a:fontRef>
+        </p:style>
+        <p:txBody>
+          <a:bodyPr rtlCol="0" anchor="ctr"/>
+          <a:lstStyle/>
+          <a:p>
+            <a:pPr algn="ctr"/>
+            <a:r>
+              <a:rPr lang="en-US" altLang="zh-CN" dirty="0" smtClean="0"/>
+              <a:t>SIM Card</a:t>
+            </a:r>
+            <a:endParaRPr lang="zh-CN" altLang="en-US" dirty="0"/>
+          </a:p>
+        </p:txBody>
+      </p:sp>
+      <p:sp>
+        <p:nvSpPr>
+          <p:cNvPr id="16" name="矩形 15"/>
+          <p:cNvSpPr/>
+          <p:nvPr/>
+        </p:nvSpPr>
+        <p:spPr>
+          <a:xfrm rot="16200000">
+            <a:off x="1146682" y="4347608"/>
+            <a:ext cx="450268" cy="260915"/>
+          </a:xfrm>
+          <a:prstGeom prst="rect">
+            <a:avLst/>
+          </a:prstGeom>
+        </p:spPr>
+        <p:style>
+          <a:lnRef idx="2">
+            <a:schemeClr val="dk1"/>
+          </a:lnRef>
+          <a:fillRef idx="1">
+            <a:schemeClr val="lt1"/>
+          </a:fillRef>
+          <a:effectRef idx="0">
+            <a:schemeClr val="dk1"/>
+          </a:effectRef>
+          <a:fontRef idx="minor">
+            <a:schemeClr val="dk1"/>
+          </a:fontRef>
+        </p:style>
+        <p:txBody>
+          <a:bodyPr rtlCol="0" anchor="ctr"/>
+          <a:lstStyle/>
+          <a:p>
+            <a:pPr algn="ctr"/>
+            <a:r>
+              <a:rPr lang="en-US" altLang="zh-CN" sz="1100" dirty="0" smtClean="0"/>
+              <a:t>rest</a:t>
+            </a:r>
+            <a:endParaRPr lang="zh-CN" altLang="en-US" sz="1100" dirty="0"/>
+          </a:p>
+        </p:txBody>
+      </p:sp>
+      <p:sp>
+        <p:nvSpPr>
+          <p:cNvPr id="34" name="矩形 33"/>
+          <p:cNvSpPr/>
+          <p:nvPr/>
+        </p:nvSpPr>
+        <p:spPr>
+          <a:xfrm>
+            <a:off x="5187498" y="2503714"/>
+            <a:ext cx="3222172" cy="2830288"/>
+          </a:xfrm>
+          <a:prstGeom prst="rect">
+            <a:avLst/>
+          </a:prstGeom>
+        </p:spPr>
+        <p:style>
+          <a:lnRef idx="2">
+            <a:schemeClr val="dk1"/>
+          </a:lnRef>
+          <a:fillRef idx="1">
+            <a:schemeClr val="lt1"/>
+          </a:fillRef>
+          <a:effectRef idx="0">
+            <a:schemeClr val="dk1"/>
+          </a:effectRef>
+          <a:fontRef idx="minor">
+            <a:schemeClr val="dk1"/>
+          </a:fontRef>
+        </p:style>
+        <p:txBody>
+          <a:bodyPr rtlCol="0" anchor="ctr"/>
+          <a:lstStyle/>
+          <a:p>
+            <a:pPr algn="ctr"/>
+            <a:endParaRPr lang="zh-CN" altLang="en-US"/>
+          </a:p>
+        </p:txBody>
+      </p:sp>
+      <p:sp>
+        <p:nvSpPr>
+          <p:cNvPr id="36" name="矩形 35"/>
+          <p:cNvSpPr/>
+          <p:nvPr/>
+        </p:nvSpPr>
+        <p:spPr>
+          <a:xfrm>
+            <a:off x="6988912" y="4671207"/>
+            <a:ext cx="134750" cy="73479"/>
+          </a:xfrm>
+          <a:prstGeom prst="rect">
+            <a:avLst/>
+          </a:prstGeom>
+        </p:spPr>
+        <p:style>
+          <a:lnRef idx="2">
+            <a:schemeClr val="dk1"/>
+          </a:lnRef>
+          <a:fillRef idx="1">
+            <a:schemeClr val="lt1"/>
+          </a:fillRef>
+          <a:effectRef idx="0">
+            <a:schemeClr val="dk1"/>
+          </a:effectRef>
+          <a:fontRef idx="minor">
+            <a:schemeClr val="dk1"/>
+          </a:fontRef>
+        </p:style>
+        <p:txBody>
+          <a:bodyPr rtlCol="0" anchor="ctr"/>
+          <a:lstStyle/>
+          <a:p>
+            <a:pPr algn="ctr"/>
+            <a:endParaRPr lang="zh-CN" altLang="en-US" dirty="0"/>
+          </a:p>
+        </p:txBody>
+      </p:sp>
+      <p:sp>
+        <p:nvSpPr>
+          <p:cNvPr id="37" name="矩形 36"/>
+          <p:cNvSpPr/>
+          <p:nvPr/>
+        </p:nvSpPr>
+        <p:spPr>
+          <a:xfrm>
+            <a:off x="6359556" y="4736273"/>
+            <a:ext cx="1926104" cy="369332"/>
+          </a:xfrm>
+          <a:prstGeom prst="rect">
+            <a:avLst/>
+          </a:prstGeom>
+        </p:spPr>
+        <p:txBody>
+          <a:bodyPr wrap="none">
+            <a:spAutoFit/>
+          </a:bodyPr>
+          <a:lstStyle/>
+          <a:p>
+            <a:pPr algn="ctr"/>
+            <a:r>
+              <a:rPr lang="en-US" altLang="zh-CN" dirty="0" smtClean="0"/>
+              <a:t>BAT WiFi Sign NET </a:t>
+            </a:r>
+            <a:endParaRPr lang="zh-CN" altLang="en-US" dirty="0"/>
+          </a:p>
+        </p:txBody>
+      </p:sp>
+      <p:sp>
+        <p:nvSpPr>
+          <p:cNvPr id="38" name="矩形 37"/>
+          <p:cNvSpPr/>
+          <p:nvPr/>
+        </p:nvSpPr>
+        <p:spPr>
+          <a:xfrm>
+            <a:off x="5650367" y="4549407"/>
+            <a:ext cx="604812" cy="340226"/>
+          </a:xfrm>
+          <a:prstGeom prst="rect">
+            <a:avLst/>
+          </a:prstGeom>
+        </p:spPr>
+        <p:style>
+          <a:lnRef idx="2">
+            <a:schemeClr val="dk1"/>
+          </a:lnRef>
+          <a:fillRef idx="1">
+            <a:schemeClr val="lt1"/>
+          </a:fillRef>
+          <a:effectRef idx="0">
+            <a:schemeClr val="dk1"/>
+          </a:effectRef>
+          <a:fontRef idx="minor">
+            <a:schemeClr val="dk1"/>
+          </a:fontRef>
+        </p:style>
+        <p:txBody>
+          <a:bodyPr rtlCol="0" anchor="ctr"/>
+          <a:lstStyle/>
+          <a:p>
+            <a:pPr algn="ctr"/>
+            <a:r>
+              <a:rPr lang="en-US" altLang="zh-CN" sz="1200" dirty="0" smtClean="0"/>
+              <a:t>key</a:t>
+            </a:r>
+            <a:endParaRPr lang="zh-CN" altLang="en-US" sz="1200" dirty="0"/>
+          </a:p>
+        </p:txBody>
+      </p:sp>
+      <p:sp>
+        <p:nvSpPr>
+          <p:cNvPr id="39" name="矩形 38"/>
+          <p:cNvSpPr/>
+          <p:nvPr/>
+        </p:nvSpPr>
+        <p:spPr>
+          <a:xfrm>
+            <a:off x="7410120" y="4670177"/>
+            <a:ext cx="134750" cy="73479"/>
+          </a:xfrm>
+          <a:prstGeom prst="rect">
+            <a:avLst/>
+          </a:prstGeom>
+        </p:spPr>
+        <p:style>
+          <a:lnRef idx="2">
+            <a:schemeClr val="dk1"/>
+          </a:lnRef>
+          <a:fillRef idx="1">
+            <a:schemeClr val="lt1"/>
+          </a:fillRef>
+          <a:effectRef idx="0">
+            <a:schemeClr val="dk1"/>
+          </a:effectRef>
+          <a:fontRef idx="minor">
+            <a:schemeClr val="dk1"/>
+          </a:fontRef>
+        </p:style>
+        <p:txBody>
+          <a:bodyPr rtlCol="0" anchor="ctr"/>
+          <a:lstStyle/>
+          <a:p>
+            <a:pPr algn="ctr"/>
+            <a:endParaRPr lang="zh-CN" altLang="en-US" dirty="0"/>
+          </a:p>
+        </p:txBody>
+      </p:sp>
+      <p:sp>
+        <p:nvSpPr>
+          <p:cNvPr id="40" name="矩形 39"/>
+          <p:cNvSpPr/>
+          <p:nvPr/>
+        </p:nvSpPr>
+        <p:spPr>
+          <a:xfrm>
+            <a:off x="7826083" y="4673287"/>
+            <a:ext cx="134750" cy="73479"/>
+          </a:xfrm>
+          <a:prstGeom prst="rect">
+            <a:avLst/>
+          </a:prstGeom>
+        </p:spPr>
+        <p:style>
+          <a:lnRef idx="2">
+            <a:schemeClr val="dk1"/>
+          </a:lnRef>
+          <a:fillRef idx="1">
+            <a:schemeClr val="lt1"/>
+          </a:fillRef>
+          <a:effectRef idx="0">
+            <a:schemeClr val="dk1"/>
+          </a:effectRef>
+          <a:fontRef idx="minor">
+            <a:schemeClr val="dk1"/>
+          </a:fontRef>
+        </p:style>
+        <p:txBody>
+          <a:bodyPr rtlCol="0" anchor="ctr"/>
+          <a:lstStyle/>
+          <a:p>
+            <a:pPr algn="ctr"/>
+            <a:endParaRPr lang="zh-CN" altLang="en-US" dirty="0"/>
+          </a:p>
+        </p:txBody>
+      </p:sp>
+      <p:sp>
+        <p:nvSpPr>
+          <p:cNvPr id="42" name="椭圆 41"/>
+          <p:cNvSpPr/>
+          <p:nvPr/>
+        </p:nvSpPr>
+        <p:spPr>
+          <a:xfrm>
+            <a:off x="8107551" y="2601252"/>
+            <a:ext cx="206828" cy="206828"/>
+          </a:xfrm>
+          <a:prstGeom prst="ellipse">
+            <a:avLst/>
+          </a:prstGeom>
+        </p:spPr>
+        <p:style>
+          <a:lnRef idx="2">
+            <a:schemeClr val="dk1"/>
+          </a:lnRef>
+          <a:fillRef idx="1">
+            <a:schemeClr val="lt1"/>
+          </a:fillRef>
+          <a:effectRef idx="0">
+            <a:schemeClr val="dk1"/>
+          </a:effectRef>
+          <a:fontRef idx="minor">
+            <a:schemeClr val="dk1"/>
+          </a:fontRef>
+        </p:style>
+        <p:txBody>
+          <a:bodyPr rtlCol="0" anchor="ctr"/>
+          <a:lstStyle/>
+          <a:p>
+            <a:pPr algn="ctr"/>
+            <a:endParaRPr lang="zh-CN" altLang="en-US"/>
+          </a:p>
+        </p:txBody>
+      </p:sp>
+      <p:sp>
+        <p:nvSpPr>
+          <p:cNvPr id="43" name="椭圆 42"/>
+          <p:cNvSpPr/>
+          <p:nvPr/>
+        </p:nvSpPr>
+        <p:spPr>
+          <a:xfrm>
+            <a:off x="5318341" y="2584050"/>
+            <a:ext cx="206828" cy="206828"/>
+          </a:xfrm>
+          <a:prstGeom prst="ellipse">
+            <a:avLst/>
+          </a:prstGeom>
+        </p:spPr>
+        <p:style>
+          <a:lnRef idx="2">
+            <a:schemeClr val="dk1"/>
+          </a:lnRef>
+          <a:fillRef idx="1">
+            <a:schemeClr val="lt1"/>
+          </a:fillRef>
+          <a:effectRef idx="0">
+            <a:schemeClr val="dk1"/>
+          </a:effectRef>
+          <a:fontRef idx="minor">
+            <a:schemeClr val="dk1"/>
+          </a:fontRef>
+        </p:style>
+        <p:txBody>
+          <a:bodyPr rtlCol="0" anchor="ctr"/>
+          <a:lstStyle/>
+          <a:p>
+            <a:pPr algn="ctr"/>
+            <a:endParaRPr lang="zh-CN" altLang="en-US"/>
+          </a:p>
+        </p:txBody>
+      </p:sp>
+      <p:sp>
+        <p:nvSpPr>
+          <p:cNvPr id="44" name="椭圆 43"/>
+          <p:cNvSpPr/>
+          <p:nvPr/>
+        </p:nvSpPr>
+        <p:spPr>
+          <a:xfrm>
+            <a:off x="5256273" y="5075660"/>
+            <a:ext cx="206828" cy="206828"/>
+          </a:xfrm>
+          <a:prstGeom prst="ellipse">
+            <a:avLst/>
+          </a:prstGeom>
+        </p:spPr>
+        <p:style>
+          <a:lnRef idx="2">
+            <a:schemeClr val="dk1"/>
+          </a:lnRef>
+          <a:fillRef idx="1">
+            <a:schemeClr val="lt1"/>
+          </a:fillRef>
+          <a:effectRef idx="0">
+            <a:schemeClr val="dk1"/>
+          </a:effectRef>
+          <a:fontRef idx="minor">
+            <a:schemeClr val="dk1"/>
+          </a:fontRef>
+        </p:style>
+        <p:txBody>
+          <a:bodyPr rtlCol="0" anchor="ctr"/>
+          <a:lstStyle/>
+          <a:p>
+            <a:pPr algn="ctr"/>
+            <a:endParaRPr lang="zh-CN" altLang="en-US"/>
+          </a:p>
+        </p:txBody>
+      </p:sp>
+      <p:sp>
+        <p:nvSpPr>
+          <p:cNvPr id="45" name="椭圆 44"/>
+          <p:cNvSpPr/>
+          <p:nvPr/>
+        </p:nvSpPr>
+        <p:spPr>
+          <a:xfrm>
+            <a:off x="8107551" y="5057002"/>
+            <a:ext cx="206828" cy="206828"/>
+          </a:xfrm>
+          <a:prstGeom prst="ellipse">
+            <a:avLst/>
+          </a:prstGeom>
+        </p:spPr>
+        <p:style>
+          <a:lnRef idx="2">
+            <a:schemeClr val="dk1"/>
+          </a:lnRef>
+          <a:fillRef idx="1">
+            <a:schemeClr val="lt1"/>
+          </a:fillRef>
+          <a:effectRef idx="0">
+            <a:schemeClr val="dk1"/>
+          </a:effectRef>
+          <a:fontRef idx="minor">
+            <a:schemeClr val="dk1"/>
+          </a:fontRef>
+        </p:style>
+        <p:txBody>
+          <a:bodyPr rtlCol="0" anchor="ctr"/>
+          <a:lstStyle/>
+          <a:p>
+            <a:pPr algn="ctr"/>
+            <a:endParaRPr lang="zh-CN" altLang="en-US"/>
+          </a:p>
+        </p:txBody>
+      </p:sp>
+      <p:sp>
+        <p:nvSpPr>
+          <p:cNvPr id="19" name="矩形 18"/>
+          <p:cNvSpPr/>
+          <p:nvPr/>
+        </p:nvSpPr>
+        <p:spPr>
+          <a:xfrm>
+            <a:off x="5369603" y="3089654"/>
+            <a:ext cx="2944776" cy="1245345"/>
+          </a:xfrm>
+          <a:prstGeom prst="rect">
+            <a:avLst/>
+          </a:prstGeom>
+        </p:spPr>
+        <p:style>
+          <a:lnRef idx="2">
+            <a:schemeClr val="dk1"/>
+          </a:lnRef>
+          <a:fillRef idx="1">
+            <a:schemeClr val="lt1"/>
+          </a:fillRef>
+          <a:effectRef idx="0">
+            <a:schemeClr val="dk1"/>
+          </a:effectRef>
+          <a:fontRef idx="minor">
+            <a:schemeClr val="dk1"/>
+          </a:fontRef>
+        </p:style>
+        <p:txBody>
+          <a:bodyPr rtlCol="0" anchor="ctr"/>
+          <a:lstStyle/>
+          <a:p>
+            <a:pPr algn="ctr"/>
+            <a:r>
+              <a:rPr lang="en-US" altLang="zh-CN" dirty="0" smtClean="0"/>
+              <a:t>MT7688/7628 Model</a:t>
+            </a:r>
+          </a:p>
+          <a:p>
+            <a:pPr algn="ctr"/>
+            <a:r>
+              <a:rPr lang="zh-CN" altLang="zh-CN" dirty="0"/>
+              <a:t>1Gb/64Mb</a:t>
+            </a:r>
+            <a:endParaRPr lang="zh-CN" altLang="en-US" dirty="0"/>
+          </a:p>
+        </p:txBody>
+      </p:sp>
+      <p:sp>
+        <p:nvSpPr>
+          <p:cNvPr id="50" name="矩形 49"/>
+          <p:cNvSpPr/>
+          <p:nvPr/>
+        </p:nvSpPr>
+        <p:spPr>
+          <a:xfrm rot="16200000">
+            <a:off x="1259438" y="2834448"/>
+            <a:ext cx="616992" cy="653924"/>
+          </a:xfrm>
+          <a:prstGeom prst="rect">
+            <a:avLst/>
+          </a:prstGeom>
+        </p:spPr>
+        <p:style>
+          <a:lnRef idx="2">
+            <a:schemeClr val="dk1"/>
+          </a:lnRef>
+          <a:fillRef idx="1">
+            <a:schemeClr val="lt1"/>
+          </a:fillRef>
+          <a:effectRef idx="0">
+            <a:schemeClr val="dk1"/>
+          </a:effectRef>
+          <a:fontRef idx="minor">
+            <a:schemeClr val="dk1"/>
+          </a:fontRef>
+        </p:style>
+        <p:txBody>
+          <a:bodyPr rtlCol="0" anchor="ctr"/>
+          <a:lstStyle/>
+          <a:p>
+            <a:pPr algn="ctr"/>
+            <a:r>
+              <a:rPr lang="en-US" altLang="zh-CN" dirty="0" smtClean="0"/>
+              <a:t>SD</a:t>
+            </a:r>
+          </a:p>
+          <a:p>
+            <a:pPr algn="ctr"/>
+            <a:r>
+              <a:rPr lang="en-US" altLang="zh-CN" dirty="0" smtClean="0"/>
+              <a:t>Card</a:t>
+            </a:r>
+            <a:endParaRPr lang="zh-CN" altLang="en-US" dirty="0"/>
+          </a:p>
+        </p:txBody>
+      </p:sp>
+      <p:sp>
+        <p:nvSpPr>
+          <p:cNvPr id="51" name="矩形 50"/>
+          <p:cNvSpPr/>
+          <p:nvPr/>
+        </p:nvSpPr>
+        <p:spPr>
+          <a:xfrm>
+            <a:off x="6569266" y="4663892"/>
+            <a:ext cx="134750" cy="73479"/>
+          </a:xfrm>
+          <a:prstGeom prst="rect">
+            <a:avLst/>
+          </a:prstGeom>
+        </p:spPr>
+        <p:style>
+          <a:lnRef idx="2">
+            <a:schemeClr val="dk1"/>
+          </a:lnRef>
+          <a:fillRef idx="1">
+            <a:schemeClr val="lt1"/>
+          </a:fillRef>
+          <a:effectRef idx="0">
+            <a:schemeClr val="dk1"/>
+          </a:effectRef>
+          <a:fontRef idx="minor">
+            <a:schemeClr val="dk1"/>
+          </a:fontRef>
+        </p:style>
+        <p:txBody>
+          <a:bodyPr rtlCol="0" anchor="ctr"/>
+          <a:lstStyle/>
+          <a:p>
+            <a:pPr algn="ctr"/>
+            <a:endParaRPr lang="zh-CN" altLang="en-US" dirty="0"/>
+          </a:p>
+        </p:txBody>
+      </p:sp>
+      <p:sp>
+        <p:nvSpPr>
+          <p:cNvPr id="52" name="矩形 51"/>
+          <p:cNvSpPr/>
+          <p:nvPr/>
+        </p:nvSpPr>
+        <p:spPr>
+          <a:xfrm>
+            <a:off x="1620503" y="5057002"/>
+            <a:ext cx="620487" cy="381970"/>
+          </a:xfrm>
+          <a:prstGeom prst="rect">
+            <a:avLst/>
+          </a:prstGeom>
+        </p:spPr>
+        <p:style>
+          <a:lnRef idx="2">
+            <a:schemeClr val="dk1"/>
+          </a:lnRef>
+          <a:fillRef idx="1">
+            <a:schemeClr val="lt1"/>
+          </a:fillRef>
+          <a:effectRef idx="0">
+            <a:schemeClr val="dk1"/>
+          </a:effectRef>
+          <a:fontRef idx="minor">
+            <a:schemeClr val="dk1"/>
+          </a:fontRef>
+        </p:style>
+        <p:txBody>
+          <a:bodyPr rtlCol="0" anchor="ctr"/>
+          <a:lstStyle/>
+          <a:p>
+            <a:pPr algn="ctr"/>
+            <a:r>
+              <a:rPr lang="en-US" altLang="zh-CN" dirty="0" smtClean="0"/>
+              <a:t>USB</a:t>
+            </a:r>
+            <a:endParaRPr lang="zh-CN" altLang="en-US" dirty="0"/>
+          </a:p>
+        </p:txBody>
+      </p:sp>
+      <p:sp>
+        <p:nvSpPr>
+          <p:cNvPr id="55" name="矩形 54"/>
+          <p:cNvSpPr/>
+          <p:nvPr/>
+        </p:nvSpPr>
+        <p:spPr>
+          <a:xfrm>
+            <a:off x="762000" y="402771"/>
+            <a:ext cx="1959429" cy="522515"/>
+          </a:xfrm>
+          <a:prstGeom prst="rect">
+            <a:avLst/>
+          </a:prstGeom>
+        </p:spPr>
+        <p:style>
+          <a:lnRef idx="2">
+            <a:schemeClr val="dk1"/>
+          </a:lnRef>
+          <a:fillRef idx="1">
+            <a:schemeClr val="lt1"/>
+          </a:fillRef>
+          <a:effectRef idx="0">
+            <a:schemeClr val="dk1"/>
+          </a:effectRef>
+          <a:fontRef idx="minor">
+            <a:schemeClr val="dk1"/>
+          </a:fontRef>
+        </p:style>
+        <p:txBody>
+          <a:bodyPr rtlCol="0" anchor="ctr"/>
+          <a:lstStyle/>
+          <a:p>
+            <a:pPr algn="ctr"/>
+            <a:r>
+              <a:rPr lang="en-US" altLang="zh-CN" dirty="0" smtClean="0"/>
+              <a:t>Version 4 – S2</a:t>
+            </a:r>
+            <a:endParaRPr lang="zh-CN" altLang="en-US" dirty="0"/>
+          </a:p>
+        </p:txBody>
+      </p:sp>
+    </p:spTree>
+    <p:extLst>
+      <p:ext uri="{BB962C8B-B14F-4D97-AF65-F5344CB8AC3E}">
+        <p14:creationId xmlns:p14="http://schemas.microsoft.com/office/powerpoint/2010/main" val="3155156461"/>
       </p:ext>
     </p:extLst>
   </p:cSld>
@@ -7136,7 +9034,7 @@
           <p:cNvPr id="59" name="直接连接符 58">
             <a:extLst>
               <a:ext uri="{FF2B5EF4-FFF2-40B4-BE49-F238E27FC236}">
-                <a16:creationId xmlns:a16="http://schemas.microsoft.com/office/drawing/2014/main" id="{B0612C4A-FDB4-49C6-99DC-8A1177131D50}"/>
+                <a16:creationId xmlns:a16="http://schemas.microsoft.com/office/drawing/2014/main" xmlns="" id="{B0612C4A-FDB4-49C6-99DC-8A1177131D50}"/>
               </a:ext>
             </a:extLst>
           </p:cNvPr>
@@ -7180,7 +9078,7 @@
           <p:cNvPr id="57" name="直接连接符 56">
             <a:extLst>
               <a:ext uri="{FF2B5EF4-FFF2-40B4-BE49-F238E27FC236}">
-                <a16:creationId xmlns:a16="http://schemas.microsoft.com/office/drawing/2014/main" id="{61BAD73C-9ED2-49A6-B4F0-1BBDFDB501D8}"/>
+                <a16:creationId xmlns:a16="http://schemas.microsoft.com/office/drawing/2014/main" xmlns="" id="{61BAD73C-9ED2-49A6-B4F0-1BBDFDB501D8}"/>
               </a:ext>
             </a:extLst>
           </p:cNvPr>
@@ -7224,7 +9122,7 @@
           <p:cNvPr id="53" name="直接连接符 52">
             <a:extLst>
               <a:ext uri="{FF2B5EF4-FFF2-40B4-BE49-F238E27FC236}">
-                <a16:creationId xmlns:a16="http://schemas.microsoft.com/office/drawing/2014/main" id="{94FDCC07-00C9-45D0-B707-87B0D913F652}"/>
+                <a16:creationId xmlns:a16="http://schemas.microsoft.com/office/drawing/2014/main" xmlns="" id="{94FDCC07-00C9-45D0-B707-87B0D913F652}"/>
               </a:ext>
             </a:extLst>
           </p:cNvPr>
@@ -7268,7 +9166,7 @@
           <p:cNvPr id="49" name="直接连接符 48">
             <a:extLst>
               <a:ext uri="{FF2B5EF4-FFF2-40B4-BE49-F238E27FC236}">
-                <a16:creationId xmlns:a16="http://schemas.microsoft.com/office/drawing/2014/main" id="{CC165633-05D9-45F4-AF2C-E15F5D957D38}"/>
+                <a16:creationId xmlns:a16="http://schemas.microsoft.com/office/drawing/2014/main" xmlns="" id="{CC165633-05D9-45F4-AF2C-E15F5D957D38}"/>
               </a:ext>
             </a:extLst>
           </p:cNvPr>
@@ -7312,7 +9210,7 @@
           <p:cNvPr id="48" name="直接连接符 47">
             <a:extLst>
               <a:ext uri="{FF2B5EF4-FFF2-40B4-BE49-F238E27FC236}">
-                <a16:creationId xmlns:a16="http://schemas.microsoft.com/office/drawing/2014/main" id="{D6383094-CE0A-4492-A713-BC5D512860D4}"/>
+                <a16:creationId xmlns:a16="http://schemas.microsoft.com/office/drawing/2014/main" xmlns="" id="{D6383094-CE0A-4492-A713-BC5D512860D4}"/>
               </a:ext>
             </a:extLst>
           </p:cNvPr>
@@ -7356,7 +9254,7 @@
           <p:cNvPr id="47" name="直接连接符 46">
             <a:extLst>
               <a:ext uri="{FF2B5EF4-FFF2-40B4-BE49-F238E27FC236}">
-                <a16:creationId xmlns:a16="http://schemas.microsoft.com/office/drawing/2014/main" id="{C94951D2-8DD4-42C0-A481-97E6C25A33B7}"/>
+                <a16:creationId xmlns:a16="http://schemas.microsoft.com/office/drawing/2014/main" xmlns="" id="{C94951D2-8DD4-42C0-A481-97E6C25A33B7}"/>
               </a:ext>
             </a:extLst>
           </p:cNvPr>
@@ -7400,7 +9298,7 @@
           <p:cNvPr id="24" name="直接连接符 23">
             <a:extLst>
               <a:ext uri="{FF2B5EF4-FFF2-40B4-BE49-F238E27FC236}">
-                <a16:creationId xmlns:a16="http://schemas.microsoft.com/office/drawing/2014/main" id="{473A74A2-3CE8-4446-B677-255A62247C1D}"/>
+                <a16:creationId xmlns:a16="http://schemas.microsoft.com/office/drawing/2014/main" xmlns="" id="{473A74A2-3CE8-4446-B677-255A62247C1D}"/>
               </a:ext>
             </a:extLst>
           </p:cNvPr>
@@ -7444,7 +9342,7 @@
           <p:cNvPr id="46" name="直接连接符 45">
             <a:extLst>
               <a:ext uri="{FF2B5EF4-FFF2-40B4-BE49-F238E27FC236}">
-                <a16:creationId xmlns:a16="http://schemas.microsoft.com/office/drawing/2014/main" id="{93CCEF41-3D1A-48AB-BE82-AC1423FC84D5}"/>
+                <a16:creationId xmlns:a16="http://schemas.microsoft.com/office/drawing/2014/main" xmlns="" id="{93CCEF41-3D1A-48AB-BE82-AC1423FC84D5}"/>
               </a:ext>
             </a:extLst>
           </p:cNvPr>
@@ -7488,7 +9386,7 @@
           <p:cNvPr id="40" name="圆柱形 39">
             <a:extLst>
               <a:ext uri="{FF2B5EF4-FFF2-40B4-BE49-F238E27FC236}">
-                <a16:creationId xmlns:a16="http://schemas.microsoft.com/office/drawing/2014/main" id="{FE2E533D-5D96-43CB-A77B-D3799107B0F5}"/>
+                <a16:creationId xmlns:a16="http://schemas.microsoft.com/office/drawing/2014/main" xmlns="" id="{FE2E533D-5D96-43CB-A77B-D3799107B0F5}"/>
               </a:ext>
             </a:extLst>
           </p:cNvPr>
@@ -7542,7 +9440,7 @@
           <p:cNvPr id="43" name="圆柱形 42">
             <a:extLst>
               <a:ext uri="{FF2B5EF4-FFF2-40B4-BE49-F238E27FC236}">
-                <a16:creationId xmlns:a16="http://schemas.microsoft.com/office/drawing/2014/main" id="{CDABACE9-93B0-45D3-8908-7EE179237CF0}"/>
+                <a16:creationId xmlns:a16="http://schemas.microsoft.com/office/drawing/2014/main" xmlns="" id="{CDABACE9-93B0-45D3-8908-7EE179237CF0}"/>
               </a:ext>
             </a:extLst>
           </p:cNvPr>
@@ -7596,7 +9494,7 @@
           <p:cNvPr id="42" name="圆柱形 41">
             <a:extLst>
               <a:ext uri="{FF2B5EF4-FFF2-40B4-BE49-F238E27FC236}">
-                <a16:creationId xmlns:a16="http://schemas.microsoft.com/office/drawing/2014/main" id="{CB57CAD4-FFFE-4646-A55B-FDA28AF9B101}"/>
+                <a16:creationId xmlns:a16="http://schemas.microsoft.com/office/drawing/2014/main" xmlns="" id="{CB57CAD4-FFFE-4646-A55B-FDA28AF9B101}"/>
               </a:ext>
             </a:extLst>
           </p:cNvPr>
@@ -8770,7 +10668,7 @@
           <p:cNvPr id="2" name="矩形 1">
             <a:extLst>
               <a:ext uri="{FF2B5EF4-FFF2-40B4-BE49-F238E27FC236}">
-                <a16:creationId xmlns:a16="http://schemas.microsoft.com/office/drawing/2014/main" id="{6195E1B2-D03E-450A-9908-5A4B12A88C79}"/>
+                <a16:creationId xmlns:a16="http://schemas.microsoft.com/office/drawing/2014/main" xmlns="" id="{6195E1B2-D03E-450A-9908-5A4B12A88C79}"/>
               </a:ext>
             </a:extLst>
           </p:cNvPr>
@@ -8820,7 +10718,7 @@
           <p:cNvPr id="30" name="矩形 29">
             <a:extLst>
               <a:ext uri="{FF2B5EF4-FFF2-40B4-BE49-F238E27FC236}">
-                <a16:creationId xmlns:a16="http://schemas.microsoft.com/office/drawing/2014/main" id="{1E4FF06F-9F23-44B4-93ED-32A23B3A89F4}"/>
+                <a16:creationId xmlns:a16="http://schemas.microsoft.com/office/drawing/2014/main" xmlns="" id="{1E4FF06F-9F23-44B4-93ED-32A23B3A89F4}"/>
               </a:ext>
             </a:extLst>
           </p:cNvPr>
@@ -8875,7 +10773,7 @@
           <p:cNvPr id="31" name="矩形 30">
             <a:extLst>
               <a:ext uri="{FF2B5EF4-FFF2-40B4-BE49-F238E27FC236}">
-                <a16:creationId xmlns:a16="http://schemas.microsoft.com/office/drawing/2014/main" id="{CF9834D3-CBCB-45DB-A2E8-87BF80266815}"/>
+                <a16:creationId xmlns:a16="http://schemas.microsoft.com/office/drawing/2014/main" xmlns="" id="{CF9834D3-CBCB-45DB-A2E8-87BF80266815}"/>
               </a:ext>
             </a:extLst>
           </p:cNvPr>
@@ -8931,7 +10829,7 @@
           <p:cNvPr id="37" name="矩形 36">
             <a:extLst>
               <a:ext uri="{FF2B5EF4-FFF2-40B4-BE49-F238E27FC236}">
-                <a16:creationId xmlns:a16="http://schemas.microsoft.com/office/drawing/2014/main" id="{C4E8A817-9A94-42F8-974D-3F1C511DFBE1}"/>
+                <a16:creationId xmlns:a16="http://schemas.microsoft.com/office/drawing/2014/main" xmlns="" id="{C4E8A817-9A94-42F8-974D-3F1C511DFBE1}"/>
               </a:ext>
             </a:extLst>
           </p:cNvPr>
@@ -8991,7 +10889,7 @@
           <p:cNvPr id="8" name="右大括号 7">
             <a:extLst>
               <a:ext uri="{FF2B5EF4-FFF2-40B4-BE49-F238E27FC236}">
-                <a16:creationId xmlns:a16="http://schemas.microsoft.com/office/drawing/2014/main" id="{65D7FD4A-9DB7-4403-B6AC-B18D53706051}"/>
+                <a16:creationId xmlns:a16="http://schemas.microsoft.com/office/drawing/2014/main" xmlns="" id="{65D7FD4A-9DB7-4403-B6AC-B18D53706051}"/>
               </a:ext>
             </a:extLst>
           </p:cNvPr>
@@ -9038,7 +10936,7 @@
           <p:cNvPr id="14" name="矩形 13">
             <a:extLst>
               <a:ext uri="{FF2B5EF4-FFF2-40B4-BE49-F238E27FC236}">
-                <a16:creationId xmlns:a16="http://schemas.microsoft.com/office/drawing/2014/main" id="{F29A3D16-7342-466D-969F-F25F200F859D}"/>
+                <a16:creationId xmlns:a16="http://schemas.microsoft.com/office/drawing/2014/main" xmlns="" id="{F29A3D16-7342-466D-969F-F25F200F859D}"/>
               </a:ext>
             </a:extLst>
           </p:cNvPr>
@@ -9073,7 +10971,7 @@
           <p:cNvPr id="38" name="圆柱形 37">
             <a:extLst>
               <a:ext uri="{FF2B5EF4-FFF2-40B4-BE49-F238E27FC236}">
-                <a16:creationId xmlns:a16="http://schemas.microsoft.com/office/drawing/2014/main" id="{6B35CB05-826A-4F21-84B4-EC4FF1A7D374}"/>
+                <a16:creationId xmlns:a16="http://schemas.microsoft.com/office/drawing/2014/main" xmlns="" id="{6B35CB05-826A-4F21-84B4-EC4FF1A7D374}"/>
               </a:ext>
             </a:extLst>
           </p:cNvPr>
@@ -9127,7 +11025,7 @@
           <p:cNvPr id="39" name="圆柱形 38">
             <a:extLst>
               <a:ext uri="{FF2B5EF4-FFF2-40B4-BE49-F238E27FC236}">
-                <a16:creationId xmlns:a16="http://schemas.microsoft.com/office/drawing/2014/main" id="{04344B83-66BB-42C8-BD71-01DCB27D7900}"/>
+                <a16:creationId xmlns:a16="http://schemas.microsoft.com/office/drawing/2014/main" xmlns="" id="{04344B83-66BB-42C8-BD71-01DCB27D7900}"/>
               </a:ext>
             </a:extLst>
           </p:cNvPr>
@@ -9181,7 +11079,7 @@
           <p:cNvPr id="18" name="立方体 17">
             <a:extLst>
               <a:ext uri="{FF2B5EF4-FFF2-40B4-BE49-F238E27FC236}">
-                <a16:creationId xmlns:a16="http://schemas.microsoft.com/office/drawing/2014/main" id="{D166C661-D91B-4D1C-A06F-0A0B3ADF2EBC}"/>
+                <a16:creationId xmlns:a16="http://schemas.microsoft.com/office/drawing/2014/main" xmlns="" id="{D166C661-D91B-4D1C-A06F-0A0B3ADF2EBC}"/>
               </a:ext>
             </a:extLst>
           </p:cNvPr>
@@ -9233,7 +11131,7 @@
           <p:cNvPr id="41" name="圆柱形 40">
             <a:extLst>
               <a:ext uri="{FF2B5EF4-FFF2-40B4-BE49-F238E27FC236}">
-                <a16:creationId xmlns:a16="http://schemas.microsoft.com/office/drawing/2014/main" id="{B2CAAB81-D9B0-4614-A32F-D30ED0182F38}"/>
+                <a16:creationId xmlns:a16="http://schemas.microsoft.com/office/drawing/2014/main" xmlns="" id="{B2CAAB81-D9B0-4614-A32F-D30ED0182F38}"/>
               </a:ext>
             </a:extLst>
           </p:cNvPr>
@@ -9287,7 +11185,7 @@
           <p:cNvPr id="44" name="圆柱形 43">
             <a:extLst>
               <a:ext uri="{FF2B5EF4-FFF2-40B4-BE49-F238E27FC236}">
-                <a16:creationId xmlns:a16="http://schemas.microsoft.com/office/drawing/2014/main" id="{28509D93-430C-41BC-9836-AB44C089F33F}"/>
+                <a16:creationId xmlns:a16="http://schemas.microsoft.com/office/drawing/2014/main" xmlns="" id="{28509D93-430C-41BC-9836-AB44C089F33F}"/>
               </a:ext>
             </a:extLst>
           </p:cNvPr>
@@ -9550,7 +11448,7 @@
           <p:cNvPr id="2" name="图片 1">
             <a:extLst>
               <a:ext uri="{FF2B5EF4-FFF2-40B4-BE49-F238E27FC236}">
-                <a16:creationId xmlns:a16="http://schemas.microsoft.com/office/drawing/2014/main" id="{29492C5B-6DC3-4923-B4D8-7044D359FC75}"/>
+                <a16:creationId xmlns:a16="http://schemas.microsoft.com/office/drawing/2014/main" xmlns="" id="{29492C5B-6DC3-4923-B4D8-7044D359FC75}"/>
               </a:ext>
             </a:extLst>
           </p:cNvPr>
@@ -10151,7 +12049,7 @@
           <p:cNvPr id="2" name="矩形 1">
             <a:extLst>
               <a:ext uri="{FF2B5EF4-FFF2-40B4-BE49-F238E27FC236}">
-                <a16:creationId xmlns:a16="http://schemas.microsoft.com/office/drawing/2014/main" id="{5AA56607-0C89-4FF1-8AB4-472D95F1B685}"/>
+                <a16:creationId xmlns:a16="http://schemas.microsoft.com/office/drawing/2014/main" xmlns="" id="{5AA56607-0C89-4FF1-8AB4-472D95F1B685}"/>
               </a:ext>
             </a:extLst>
           </p:cNvPr>
@@ -10206,7 +12104,7 @@
           <p:cNvPr id="3" name="矩形 2">
             <a:extLst>
               <a:ext uri="{FF2B5EF4-FFF2-40B4-BE49-F238E27FC236}">
-                <a16:creationId xmlns:a16="http://schemas.microsoft.com/office/drawing/2014/main" id="{93FA19D6-7D78-400C-AFE8-B4CB85F1F3F9}"/>
+                <a16:creationId xmlns:a16="http://schemas.microsoft.com/office/drawing/2014/main" xmlns="" id="{93FA19D6-7D78-400C-AFE8-B4CB85F1F3F9}"/>
               </a:ext>
             </a:extLst>
           </p:cNvPr>
@@ -10266,7 +12164,7 @@
           <p:cNvPr id="4" name="矩形 3">
             <a:extLst>
               <a:ext uri="{FF2B5EF4-FFF2-40B4-BE49-F238E27FC236}">
-                <a16:creationId xmlns:a16="http://schemas.microsoft.com/office/drawing/2014/main" id="{4326502D-B9DC-4521-B99A-B7267B06EADE}"/>
+                <a16:creationId xmlns:a16="http://schemas.microsoft.com/office/drawing/2014/main" xmlns="" id="{4326502D-B9DC-4521-B99A-B7267B06EADE}"/>
               </a:ext>
             </a:extLst>
           </p:cNvPr>
@@ -10326,7 +12224,7 @@
           <p:cNvPr id="5" name="矩形 4">
             <a:extLst>
               <a:ext uri="{FF2B5EF4-FFF2-40B4-BE49-F238E27FC236}">
-                <a16:creationId xmlns:a16="http://schemas.microsoft.com/office/drawing/2014/main" id="{C9A5A6DE-45E3-4897-8D25-37BE4F889C5B}"/>
+                <a16:creationId xmlns:a16="http://schemas.microsoft.com/office/drawing/2014/main" xmlns="" id="{C9A5A6DE-45E3-4897-8D25-37BE4F889C5B}"/>
               </a:ext>
             </a:extLst>
           </p:cNvPr>
@@ -10383,7 +12281,7 @@
           <p:cNvPr id="15" name="矩形 14">
             <a:extLst>
               <a:ext uri="{FF2B5EF4-FFF2-40B4-BE49-F238E27FC236}">
-                <a16:creationId xmlns:a16="http://schemas.microsoft.com/office/drawing/2014/main" id="{C9A5A6DE-45E3-4897-8D25-37BE4F889C5B}"/>
+                <a16:creationId xmlns:a16="http://schemas.microsoft.com/office/drawing/2014/main" xmlns="" id="{C9A5A6DE-45E3-4897-8D25-37BE4F889C5B}"/>
               </a:ext>
             </a:extLst>
           </p:cNvPr>
@@ -10440,7 +12338,7 @@
           <p:cNvPr id="18" name="矩形: 圆角 6">
             <a:extLst>
               <a:ext uri="{FF2B5EF4-FFF2-40B4-BE49-F238E27FC236}">
-                <a16:creationId xmlns:a16="http://schemas.microsoft.com/office/drawing/2014/main" id="{942A04B4-2387-4E00-940C-771209097755}"/>
+                <a16:creationId xmlns:a16="http://schemas.microsoft.com/office/drawing/2014/main" xmlns="" id="{942A04B4-2387-4E00-940C-771209097755}"/>
               </a:ext>
             </a:extLst>
           </p:cNvPr>
@@ -10498,7 +12396,7 @@
           <p:cNvPr id="19" name="矩形 18">
             <a:extLst>
               <a:ext uri="{FF2B5EF4-FFF2-40B4-BE49-F238E27FC236}">
-                <a16:creationId xmlns:a16="http://schemas.microsoft.com/office/drawing/2014/main" id="{93FA19D6-7D78-400C-AFE8-B4CB85F1F3F9}"/>
+                <a16:creationId xmlns:a16="http://schemas.microsoft.com/office/drawing/2014/main" xmlns="" id="{93FA19D6-7D78-400C-AFE8-B4CB85F1F3F9}"/>
               </a:ext>
             </a:extLst>
           </p:cNvPr>
@@ -10555,7 +12453,7 @@
           <p:cNvPr id="21" name="矩形: 圆角 6">
             <a:extLst>
               <a:ext uri="{FF2B5EF4-FFF2-40B4-BE49-F238E27FC236}">
-                <a16:creationId xmlns:a16="http://schemas.microsoft.com/office/drawing/2014/main" id="{942A04B4-2387-4E00-940C-771209097755}"/>
+                <a16:creationId xmlns:a16="http://schemas.microsoft.com/office/drawing/2014/main" xmlns="" id="{942A04B4-2387-4E00-940C-771209097755}"/>
               </a:ext>
             </a:extLst>
           </p:cNvPr>
@@ -10612,7 +12510,7 @@
           <p:cNvPr id="23" name="矩形: 圆角 6">
             <a:extLst>
               <a:ext uri="{FF2B5EF4-FFF2-40B4-BE49-F238E27FC236}">
-                <a16:creationId xmlns:a16="http://schemas.microsoft.com/office/drawing/2014/main" id="{942A04B4-2387-4E00-940C-771209097755}"/>
+                <a16:creationId xmlns:a16="http://schemas.microsoft.com/office/drawing/2014/main" xmlns="" id="{942A04B4-2387-4E00-940C-771209097755}"/>
               </a:ext>
             </a:extLst>
           </p:cNvPr>
@@ -10673,7 +12571,7 @@
           <p:cNvPr id="24" name="矩形: 圆角 6">
             <a:extLst>
               <a:ext uri="{FF2B5EF4-FFF2-40B4-BE49-F238E27FC236}">
-                <a16:creationId xmlns:a16="http://schemas.microsoft.com/office/drawing/2014/main" id="{942A04B4-2387-4E00-940C-771209097755}"/>
+                <a16:creationId xmlns:a16="http://schemas.microsoft.com/office/drawing/2014/main" xmlns="" id="{942A04B4-2387-4E00-940C-771209097755}"/>
               </a:ext>
             </a:extLst>
           </p:cNvPr>
@@ -10730,7 +12628,7 @@
           <p:cNvPr id="25" name="矩形 24">
             <a:extLst>
               <a:ext uri="{FF2B5EF4-FFF2-40B4-BE49-F238E27FC236}">
-                <a16:creationId xmlns:a16="http://schemas.microsoft.com/office/drawing/2014/main" id="{BB0C55E0-545C-4D77-B964-911EF85975A8}"/>
+                <a16:creationId xmlns:a16="http://schemas.microsoft.com/office/drawing/2014/main" xmlns="" id="{BB0C55E0-545C-4D77-B964-911EF85975A8}"/>
               </a:ext>
             </a:extLst>
           </p:cNvPr>
@@ -10787,7 +12685,7 @@
           <p:cNvPr id="13" name="矩形: 圆角 6">
             <a:extLst>
               <a:ext uri="{FF2B5EF4-FFF2-40B4-BE49-F238E27FC236}">
-                <a16:creationId xmlns:a16="http://schemas.microsoft.com/office/drawing/2014/main" id="{942A04B4-2387-4E00-940C-771209097755}"/>
+                <a16:creationId xmlns:a16="http://schemas.microsoft.com/office/drawing/2014/main" xmlns="" id="{942A04B4-2387-4E00-940C-771209097755}"/>
               </a:ext>
             </a:extLst>
           </p:cNvPr>
@@ -10844,7 +12742,7 @@
           <p:cNvPr id="14" name="矩形: 圆角 6">
             <a:extLst>
               <a:ext uri="{FF2B5EF4-FFF2-40B4-BE49-F238E27FC236}">
-                <a16:creationId xmlns:a16="http://schemas.microsoft.com/office/drawing/2014/main" id="{942A04B4-2387-4E00-940C-771209097755}"/>
+                <a16:creationId xmlns:a16="http://schemas.microsoft.com/office/drawing/2014/main" xmlns="" id="{942A04B4-2387-4E00-940C-771209097755}"/>
               </a:ext>
             </a:extLst>
           </p:cNvPr>
@@ -10901,7 +12799,7 @@
           <p:cNvPr id="16" name="直接连接符 15">
             <a:extLst>
               <a:ext uri="{FF2B5EF4-FFF2-40B4-BE49-F238E27FC236}">
-                <a16:creationId xmlns:a16="http://schemas.microsoft.com/office/drawing/2014/main" id="{C94951D2-8DD4-42C0-A481-97E6C25A33B7}"/>
+                <a16:creationId xmlns:a16="http://schemas.microsoft.com/office/drawing/2014/main" xmlns="" id="{C94951D2-8DD4-42C0-A481-97E6C25A33B7}"/>
               </a:ext>
             </a:extLst>
           </p:cNvPr>
@@ -10945,7 +12843,7 @@
           <p:cNvPr id="17" name="直接连接符 16">
             <a:extLst>
               <a:ext uri="{FF2B5EF4-FFF2-40B4-BE49-F238E27FC236}">
-                <a16:creationId xmlns:a16="http://schemas.microsoft.com/office/drawing/2014/main" id="{C94951D2-8DD4-42C0-A481-97E6C25A33B7}"/>
+                <a16:creationId xmlns:a16="http://schemas.microsoft.com/office/drawing/2014/main" xmlns="" id="{C94951D2-8DD4-42C0-A481-97E6C25A33B7}"/>
               </a:ext>
             </a:extLst>
           </p:cNvPr>
@@ -11026,7 +12924,7 @@
           <p:cNvPr id="20" name="矩形 19">
             <a:extLst>
               <a:ext uri="{FF2B5EF4-FFF2-40B4-BE49-F238E27FC236}">
-                <a16:creationId xmlns:a16="http://schemas.microsoft.com/office/drawing/2014/main" id="{F29A3D16-7342-466D-969F-F25F200F859D}"/>
+                <a16:creationId xmlns:a16="http://schemas.microsoft.com/office/drawing/2014/main" xmlns="" id="{F29A3D16-7342-466D-969F-F25F200F859D}"/>
               </a:ext>
             </a:extLst>
           </p:cNvPr>
@@ -11061,7 +12959,7 @@
           <p:cNvPr id="22" name="直接连接符 21">
             <a:extLst>
               <a:ext uri="{FF2B5EF4-FFF2-40B4-BE49-F238E27FC236}">
-                <a16:creationId xmlns:a16="http://schemas.microsoft.com/office/drawing/2014/main" id="{C94951D2-8DD4-42C0-A481-97E6C25A33B7}"/>
+                <a16:creationId xmlns:a16="http://schemas.microsoft.com/office/drawing/2014/main" xmlns="" id="{C94951D2-8DD4-42C0-A481-97E6C25A33B7}"/>
               </a:ext>
             </a:extLst>
           </p:cNvPr>
@@ -11142,7 +13040,7 @@
           <p:cNvPr id="27" name="矩形 26">
             <a:extLst>
               <a:ext uri="{FF2B5EF4-FFF2-40B4-BE49-F238E27FC236}">
-                <a16:creationId xmlns:a16="http://schemas.microsoft.com/office/drawing/2014/main" id="{F29A3D16-7342-466D-969F-F25F200F859D}"/>
+                <a16:creationId xmlns:a16="http://schemas.microsoft.com/office/drawing/2014/main" xmlns="" id="{F29A3D16-7342-466D-969F-F25F200F859D}"/>
               </a:ext>
             </a:extLst>
           </p:cNvPr>
@@ -11177,7 +13075,7 @@
           <p:cNvPr id="28" name="直接连接符 27">
             <a:extLst>
               <a:ext uri="{FF2B5EF4-FFF2-40B4-BE49-F238E27FC236}">
-                <a16:creationId xmlns:a16="http://schemas.microsoft.com/office/drawing/2014/main" id="{C94951D2-8DD4-42C0-A481-97E6C25A33B7}"/>
+                <a16:creationId xmlns:a16="http://schemas.microsoft.com/office/drawing/2014/main" xmlns="" id="{C94951D2-8DD4-42C0-A481-97E6C25A33B7}"/>
               </a:ext>
             </a:extLst>
           </p:cNvPr>
@@ -11221,7 +13119,7 @@
           <p:cNvPr id="29" name="右大括号 28">
             <a:extLst>
               <a:ext uri="{FF2B5EF4-FFF2-40B4-BE49-F238E27FC236}">
-                <a16:creationId xmlns:a16="http://schemas.microsoft.com/office/drawing/2014/main" id="{65D7FD4A-9DB7-4403-B6AC-B18D53706051}"/>
+                <a16:creationId xmlns:a16="http://schemas.microsoft.com/office/drawing/2014/main" xmlns="" id="{65D7FD4A-9DB7-4403-B6AC-B18D53706051}"/>
               </a:ext>
             </a:extLst>
           </p:cNvPr>
@@ -11273,7 +13171,7 @@
           <p:cNvPr id="30" name="矩形 29">
             <a:extLst>
               <a:ext uri="{FF2B5EF4-FFF2-40B4-BE49-F238E27FC236}">
-                <a16:creationId xmlns:a16="http://schemas.microsoft.com/office/drawing/2014/main" id="{F29A3D16-7342-466D-969F-F25F200F859D}"/>
+                <a16:creationId xmlns:a16="http://schemas.microsoft.com/office/drawing/2014/main" xmlns="" id="{F29A3D16-7342-466D-969F-F25F200F859D}"/>
               </a:ext>
             </a:extLst>
           </p:cNvPr>
@@ -11308,7 +13206,7 @@
           <p:cNvPr id="31" name="直接连接符 30">
             <a:extLst>
               <a:ext uri="{FF2B5EF4-FFF2-40B4-BE49-F238E27FC236}">
-                <a16:creationId xmlns:a16="http://schemas.microsoft.com/office/drawing/2014/main" id="{C94951D2-8DD4-42C0-A481-97E6C25A33B7}"/>
+                <a16:creationId xmlns:a16="http://schemas.microsoft.com/office/drawing/2014/main" xmlns="" id="{C94951D2-8DD4-42C0-A481-97E6C25A33B7}"/>
               </a:ext>
             </a:extLst>
           </p:cNvPr>
@@ -11352,7 +13250,7 @@
           <p:cNvPr id="33" name="直接连接符 32">
             <a:extLst>
               <a:ext uri="{FF2B5EF4-FFF2-40B4-BE49-F238E27FC236}">
-                <a16:creationId xmlns:a16="http://schemas.microsoft.com/office/drawing/2014/main" id="{C94951D2-8DD4-42C0-A481-97E6C25A33B7}"/>
+                <a16:creationId xmlns:a16="http://schemas.microsoft.com/office/drawing/2014/main" xmlns="" id="{C94951D2-8DD4-42C0-A481-97E6C25A33B7}"/>
               </a:ext>
             </a:extLst>
           </p:cNvPr>
@@ -11396,7 +13294,7 @@
           <p:cNvPr id="34" name="直接连接符 33">
             <a:extLst>
               <a:ext uri="{FF2B5EF4-FFF2-40B4-BE49-F238E27FC236}">
-                <a16:creationId xmlns:a16="http://schemas.microsoft.com/office/drawing/2014/main" id="{C94951D2-8DD4-42C0-A481-97E6C25A33B7}"/>
+                <a16:creationId xmlns:a16="http://schemas.microsoft.com/office/drawing/2014/main" xmlns="" id="{C94951D2-8DD4-42C0-A481-97E6C25A33B7}"/>
               </a:ext>
             </a:extLst>
           </p:cNvPr>
@@ -11440,7 +13338,7 @@
           <p:cNvPr id="36" name="直接连接符 35">
             <a:extLst>
               <a:ext uri="{FF2B5EF4-FFF2-40B4-BE49-F238E27FC236}">
-                <a16:creationId xmlns:a16="http://schemas.microsoft.com/office/drawing/2014/main" id="{C94951D2-8DD4-42C0-A481-97E6C25A33B7}"/>
+                <a16:creationId xmlns:a16="http://schemas.microsoft.com/office/drawing/2014/main" xmlns="" id="{C94951D2-8DD4-42C0-A481-97E6C25A33B7}"/>
               </a:ext>
             </a:extLst>
           </p:cNvPr>
@@ -11484,7 +13382,7 @@
           <p:cNvPr id="38" name="右大括号 37">
             <a:extLst>
               <a:ext uri="{FF2B5EF4-FFF2-40B4-BE49-F238E27FC236}">
-                <a16:creationId xmlns:a16="http://schemas.microsoft.com/office/drawing/2014/main" id="{65D7FD4A-9DB7-4403-B6AC-B18D53706051}"/>
+                <a16:creationId xmlns:a16="http://schemas.microsoft.com/office/drawing/2014/main" xmlns="" id="{65D7FD4A-9DB7-4403-B6AC-B18D53706051}"/>
               </a:ext>
             </a:extLst>
           </p:cNvPr>
@@ -11536,7 +13434,7 @@
           <p:cNvPr id="39" name="矩形 38">
             <a:extLst>
               <a:ext uri="{FF2B5EF4-FFF2-40B4-BE49-F238E27FC236}">
-                <a16:creationId xmlns:a16="http://schemas.microsoft.com/office/drawing/2014/main" id="{F29A3D16-7342-466D-969F-F25F200F859D}"/>
+                <a16:creationId xmlns:a16="http://schemas.microsoft.com/office/drawing/2014/main" xmlns="" id="{F29A3D16-7342-466D-969F-F25F200F859D}"/>
               </a:ext>
             </a:extLst>
           </p:cNvPr>
@@ -11805,7 +13703,7 @@
           <p:cNvPr id="45" name="直接连接符 44">
             <a:extLst>
               <a:ext uri="{FF2B5EF4-FFF2-40B4-BE49-F238E27FC236}">
-                <a16:creationId xmlns:a16="http://schemas.microsoft.com/office/drawing/2014/main" id="{C94951D2-8DD4-42C0-A481-97E6C25A33B7}"/>
+                <a16:creationId xmlns:a16="http://schemas.microsoft.com/office/drawing/2014/main" xmlns="" id="{C94951D2-8DD4-42C0-A481-97E6C25A33B7}"/>
               </a:ext>
             </a:extLst>
           </p:cNvPr>
@@ -11886,7 +13784,7 @@
           <p:cNvPr id="48" name="矩形 47">
             <a:extLst>
               <a:ext uri="{FF2B5EF4-FFF2-40B4-BE49-F238E27FC236}">
-                <a16:creationId xmlns:a16="http://schemas.microsoft.com/office/drawing/2014/main" id="{F29A3D16-7342-466D-969F-F25F200F859D}"/>
+                <a16:creationId xmlns:a16="http://schemas.microsoft.com/office/drawing/2014/main" xmlns="" id="{F29A3D16-7342-466D-969F-F25F200F859D}"/>
               </a:ext>
             </a:extLst>
           </p:cNvPr>
@@ -12208,7 +14106,7 @@
           <p:cNvPr id="55" name="右大括号 54">
             <a:extLst>
               <a:ext uri="{FF2B5EF4-FFF2-40B4-BE49-F238E27FC236}">
-                <a16:creationId xmlns:a16="http://schemas.microsoft.com/office/drawing/2014/main" id="{65D7FD4A-9DB7-4403-B6AC-B18D53706051}"/>
+                <a16:creationId xmlns:a16="http://schemas.microsoft.com/office/drawing/2014/main" xmlns="" id="{65D7FD4A-9DB7-4403-B6AC-B18D53706051}"/>
               </a:ext>
             </a:extLst>
           </p:cNvPr>
@@ -12260,7 +14158,7 @@
           <p:cNvPr id="56" name="矩形 55">
             <a:extLst>
               <a:ext uri="{FF2B5EF4-FFF2-40B4-BE49-F238E27FC236}">
-                <a16:creationId xmlns:a16="http://schemas.microsoft.com/office/drawing/2014/main" id="{F29A3D16-7342-466D-969F-F25F200F859D}"/>
+                <a16:creationId xmlns:a16="http://schemas.microsoft.com/office/drawing/2014/main" xmlns="" id="{F29A3D16-7342-466D-969F-F25F200F859D}"/>
               </a:ext>
             </a:extLst>
           </p:cNvPr>
@@ -12295,7 +14193,7 @@
           <p:cNvPr id="59" name="矩形 58">
             <a:extLst>
               <a:ext uri="{FF2B5EF4-FFF2-40B4-BE49-F238E27FC236}">
-                <a16:creationId xmlns:a16="http://schemas.microsoft.com/office/drawing/2014/main" id="{F29A3D16-7342-466D-969F-F25F200F859D}"/>
+                <a16:creationId xmlns:a16="http://schemas.microsoft.com/office/drawing/2014/main" xmlns="" id="{F29A3D16-7342-466D-969F-F25F200F859D}"/>
               </a:ext>
             </a:extLst>
           </p:cNvPr>
@@ -12330,7 +14228,7 @@
           <p:cNvPr id="60" name="矩形 59">
             <a:extLst>
               <a:ext uri="{FF2B5EF4-FFF2-40B4-BE49-F238E27FC236}">
-                <a16:creationId xmlns:a16="http://schemas.microsoft.com/office/drawing/2014/main" id="{F29A3D16-7342-466D-969F-F25F200F859D}"/>
+                <a16:creationId xmlns:a16="http://schemas.microsoft.com/office/drawing/2014/main" xmlns="" id="{F29A3D16-7342-466D-969F-F25F200F859D}"/>
               </a:ext>
             </a:extLst>
           </p:cNvPr>
@@ -12365,7 +14263,7 @@
           <p:cNvPr id="61" name="矩形 60">
             <a:extLst>
               <a:ext uri="{FF2B5EF4-FFF2-40B4-BE49-F238E27FC236}">
-                <a16:creationId xmlns:a16="http://schemas.microsoft.com/office/drawing/2014/main" id="{F29A3D16-7342-466D-969F-F25F200F859D}"/>
+                <a16:creationId xmlns:a16="http://schemas.microsoft.com/office/drawing/2014/main" xmlns="" id="{F29A3D16-7342-466D-969F-F25F200F859D}"/>
               </a:ext>
             </a:extLst>
           </p:cNvPr>
@@ -12400,7 +14298,7 @@
           <p:cNvPr id="62" name="矩形 61">
             <a:extLst>
               <a:ext uri="{FF2B5EF4-FFF2-40B4-BE49-F238E27FC236}">
-                <a16:creationId xmlns:a16="http://schemas.microsoft.com/office/drawing/2014/main" id="{F29A3D16-7342-466D-969F-F25F200F859D}"/>
+                <a16:creationId xmlns:a16="http://schemas.microsoft.com/office/drawing/2014/main" xmlns="" id="{F29A3D16-7342-466D-969F-F25F200F859D}"/>
               </a:ext>
             </a:extLst>
           </p:cNvPr>
@@ -12435,7 +14333,7 @@
           <p:cNvPr id="63" name="矩形 62">
             <a:extLst>
               <a:ext uri="{FF2B5EF4-FFF2-40B4-BE49-F238E27FC236}">
-                <a16:creationId xmlns:a16="http://schemas.microsoft.com/office/drawing/2014/main" id="{F29A3D16-7342-466D-969F-F25F200F859D}"/>
+                <a16:creationId xmlns:a16="http://schemas.microsoft.com/office/drawing/2014/main" xmlns="" id="{F29A3D16-7342-466D-969F-F25F200F859D}"/>
               </a:ext>
             </a:extLst>
           </p:cNvPr>
@@ -12470,7 +14368,7 @@
           <p:cNvPr id="64" name="矩形 63">
             <a:extLst>
               <a:ext uri="{FF2B5EF4-FFF2-40B4-BE49-F238E27FC236}">
-                <a16:creationId xmlns:a16="http://schemas.microsoft.com/office/drawing/2014/main" id="{F29A3D16-7342-466D-969F-F25F200F859D}"/>
+                <a16:creationId xmlns:a16="http://schemas.microsoft.com/office/drawing/2014/main" xmlns="" id="{F29A3D16-7342-466D-969F-F25F200F859D}"/>
               </a:ext>
             </a:extLst>
           </p:cNvPr>
@@ -12535,7 +14433,7 @@
           <p:cNvPr id="2" name="矩形 1">
             <a:extLst>
               <a:ext uri="{FF2B5EF4-FFF2-40B4-BE49-F238E27FC236}">
-                <a16:creationId xmlns:a16="http://schemas.microsoft.com/office/drawing/2014/main" id="{C8A7849E-911B-40F9-B477-855AD6CBB0E9}"/>
+                <a16:creationId xmlns:a16="http://schemas.microsoft.com/office/drawing/2014/main" xmlns="" id="{C8A7849E-911B-40F9-B477-855AD6CBB0E9}"/>
               </a:ext>
             </a:extLst>
           </p:cNvPr>
@@ -12579,7 +14477,7 @@
           <p:cNvPr id="3" name="矩形 2">
             <a:extLst>
               <a:ext uri="{FF2B5EF4-FFF2-40B4-BE49-F238E27FC236}">
-                <a16:creationId xmlns:a16="http://schemas.microsoft.com/office/drawing/2014/main" id="{E9F94B9D-BB0B-459C-8DBD-791D64A21734}"/>
+                <a16:creationId xmlns:a16="http://schemas.microsoft.com/office/drawing/2014/main" xmlns="" id="{E9F94B9D-BB0B-459C-8DBD-791D64A21734}"/>
               </a:ext>
             </a:extLst>
           </p:cNvPr>
@@ -12627,7 +14525,7 @@
           <p:cNvPr id="4" name="矩形 3">
             <a:extLst>
               <a:ext uri="{FF2B5EF4-FFF2-40B4-BE49-F238E27FC236}">
-                <a16:creationId xmlns:a16="http://schemas.microsoft.com/office/drawing/2014/main" id="{50EE0DB5-02E1-4FEA-A897-2CA60F7ADC82}"/>
+                <a16:creationId xmlns:a16="http://schemas.microsoft.com/office/drawing/2014/main" xmlns="" id="{50EE0DB5-02E1-4FEA-A897-2CA60F7ADC82}"/>
               </a:ext>
             </a:extLst>
           </p:cNvPr>
@@ -12671,7 +14569,7 @@
           <p:cNvPr id="5" name="矩形 4">
             <a:extLst>
               <a:ext uri="{FF2B5EF4-FFF2-40B4-BE49-F238E27FC236}">
-                <a16:creationId xmlns:a16="http://schemas.microsoft.com/office/drawing/2014/main" id="{549F3974-0797-4C3A-A982-29204D3A521D}"/>
+                <a16:creationId xmlns:a16="http://schemas.microsoft.com/office/drawing/2014/main" xmlns="" id="{549F3974-0797-4C3A-A982-29204D3A521D}"/>
               </a:ext>
             </a:extLst>
           </p:cNvPr>
@@ -12719,7 +14617,7 @@
           <p:cNvPr id="6" name="矩形 5">
             <a:extLst>
               <a:ext uri="{FF2B5EF4-FFF2-40B4-BE49-F238E27FC236}">
-                <a16:creationId xmlns:a16="http://schemas.microsoft.com/office/drawing/2014/main" id="{A57BCBF1-AEE7-4F2A-A92F-903B9E59F31D}"/>
+                <a16:creationId xmlns:a16="http://schemas.microsoft.com/office/drawing/2014/main" xmlns="" id="{A57BCBF1-AEE7-4F2A-A92F-903B9E59F31D}"/>
               </a:ext>
             </a:extLst>
           </p:cNvPr>
@@ -12763,7 +14661,7 @@
           <p:cNvPr id="7" name="矩形 6">
             <a:extLst>
               <a:ext uri="{FF2B5EF4-FFF2-40B4-BE49-F238E27FC236}">
-                <a16:creationId xmlns:a16="http://schemas.microsoft.com/office/drawing/2014/main" id="{8F89BA29-172E-4CE6-833C-6AA55D79292A}"/>
+                <a16:creationId xmlns:a16="http://schemas.microsoft.com/office/drawing/2014/main" xmlns="" id="{8F89BA29-172E-4CE6-833C-6AA55D79292A}"/>
               </a:ext>
             </a:extLst>
           </p:cNvPr>
@@ -12807,7 +14705,7 @@
           <p:cNvPr id="8" name="矩形 7">
             <a:extLst>
               <a:ext uri="{FF2B5EF4-FFF2-40B4-BE49-F238E27FC236}">
-                <a16:creationId xmlns:a16="http://schemas.microsoft.com/office/drawing/2014/main" id="{0AD12FC3-820C-4FC2-BBC1-9FDD8E9176B3}"/>
+                <a16:creationId xmlns:a16="http://schemas.microsoft.com/office/drawing/2014/main" xmlns="" id="{0AD12FC3-820C-4FC2-BBC1-9FDD8E9176B3}"/>
               </a:ext>
             </a:extLst>
           </p:cNvPr>
@@ -12851,7 +14749,7 @@
           <p:cNvPr id="9" name="矩形 8">
             <a:extLst>
               <a:ext uri="{FF2B5EF4-FFF2-40B4-BE49-F238E27FC236}">
-                <a16:creationId xmlns:a16="http://schemas.microsoft.com/office/drawing/2014/main" id="{B111B6EA-9B21-424D-9CB1-1E62EBE0FEEF}"/>
+                <a16:creationId xmlns:a16="http://schemas.microsoft.com/office/drawing/2014/main" xmlns="" id="{B111B6EA-9B21-424D-9CB1-1E62EBE0FEEF}"/>
               </a:ext>
             </a:extLst>
           </p:cNvPr>
@@ -12895,7 +14793,7 @@
           <p:cNvPr id="10" name="矩形 9">
             <a:extLst>
               <a:ext uri="{FF2B5EF4-FFF2-40B4-BE49-F238E27FC236}">
-                <a16:creationId xmlns:a16="http://schemas.microsoft.com/office/drawing/2014/main" id="{47A28AEB-AA40-45D4-9A9B-9B033777DF62}"/>
+                <a16:creationId xmlns:a16="http://schemas.microsoft.com/office/drawing/2014/main" xmlns="" id="{47A28AEB-AA40-45D4-9A9B-9B033777DF62}"/>
               </a:ext>
             </a:extLst>
           </p:cNvPr>
@@ -12939,7 +14837,7 @@
           <p:cNvPr id="12" name="椭圆 11">
             <a:extLst>
               <a:ext uri="{FF2B5EF4-FFF2-40B4-BE49-F238E27FC236}">
-                <a16:creationId xmlns:a16="http://schemas.microsoft.com/office/drawing/2014/main" id="{88B95B7A-8B6D-45F8-A8BA-14670F0D57EF}"/>
+                <a16:creationId xmlns:a16="http://schemas.microsoft.com/office/drawing/2014/main" xmlns="" id="{88B95B7A-8B6D-45F8-A8BA-14670F0D57EF}"/>
               </a:ext>
             </a:extLst>
           </p:cNvPr>
@@ -12984,7 +14882,7 @@
           <p:cNvPr id="13" name="椭圆 12">
             <a:extLst>
               <a:ext uri="{FF2B5EF4-FFF2-40B4-BE49-F238E27FC236}">
-                <a16:creationId xmlns:a16="http://schemas.microsoft.com/office/drawing/2014/main" id="{FF716F28-C68B-4D0D-84F6-D3621853F5C3}"/>
+                <a16:creationId xmlns:a16="http://schemas.microsoft.com/office/drawing/2014/main" xmlns="" id="{FF716F28-C68B-4D0D-84F6-D3621853F5C3}"/>
               </a:ext>
             </a:extLst>
           </p:cNvPr>
@@ -13028,7 +14926,7 @@
           <p:cNvPr id="14" name="椭圆 13">
             <a:extLst>
               <a:ext uri="{FF2B5EF4-FFF2-40B4-BE49-F238E27FC236}">
-                <a16:creationId xmlns:a16="http://schemas.microsoft.com/office/drawing/2014/main" id="{63B834B8-F3CA-4FDA-81FC-4491AB8A543A}"/>
+                <a16:creationId xmlns:a16="http://schemas.microsoft.com/office/drawing/2014/main" xmlns="" id="{63B834B8-F3CA-4FDA-81FC-4491AB8A543A}"/>
               </a:ext>
             </a:extLst>
           </p:cNvPr>
@@ -13072,7 +14970,7 @@
           <p:cNvPr id="15" name="椭圆 14">
             <a:extLst>
               <a:ext uri="{FF2B5EF4-FFF2-40B4-BE49-F238E27FC236}">
-                <a16:creationId xmlns:a16="http://schemas.microsoft.com/office/drawing/2014/main" id="{A19C592B-C565-4693-A332-40BA5C7F1629}"/>
+                <a16:creationId xmlns:a16="http://schemas.microsoft.com/office/drawing/2014/main" xmlns="" id="{A19C592B-C565-4693-A332-40BA5C7F1629}"/>
               </a:ext>
             </a:extLst>
           </p:cNvPr>
@@ -13117,7 +15015,7 @@
           <p:cNvPr id="16" name="矩形 15">
             <a:extLst>
               <a:ext uri="{FF2B5EF4-FFF2-40B4-BE49-F238E27FC236}">
-                <a16:creationId xmlns:a16="http://schemas.microsoft.com/office/drawing/2014/main" id="{C0028BF5-4C0C-4F62-B90E-74F162D5CB65}"/>
+                <a16:creationId xmlns:a16="http://schemas.microsoft.com/office/drawing/2014/main" xmlns="" id="{C0028BF5-4C0C-4F62-B90E-74F162D5CB65}"/>
               </a:ext>
             </a:extLst>
           </p:cNvPr>
@@ -13165,7 +15063,7 @@
           <p:cNvPr id="17" name="矩形 16">
             <a:extLst>
               <a:ext uri="{FF2B5EF4-FFF2-40B4-BE49-F238E27FC236}">
-                <a16:creationId xmlns:a16="http://schemas.microsoft.com/office/drawing/2014/main" id="{AAB4CE55-6534-4A28-823C-DF125D3B5132}"/>
+                <a16:creationId xmlns:a16="http://schemas.microsoft.com/office/drawing/2014/main" xmlns="" id="{AAB4CE55-6534-4A28-823C-DF125D3B5132}"/>
               </a:ext>
             </a:extLst>
           </p:cNvPr>
@@ -13220,7 +15118,7 @@
           <p:cNvPr id="18" name="矩形 17">
             <a:extLst>
               <a:ext uri="{FF2B5EF4-FFF2-40B4-BE49-F238E27FC236}">
-                <a16:creationId xmlns:a16="http://schemas.microsoft.com/office/drawing/2014/main" id="{DDC3A7B4-6494-4704-AEE9-9E1F0A46897B}"/>
+                <a16:creationId xmlns:a16="http://schemas.microsoft.com/office/drawing/2014/main" xmlns="" id="{DDC3A7B4-6494-4704-AEE9-9E1F0A46897B}"/>
               </a:ext>
             </a:extLst>
           </p:cNvPr>
@@ -13275,7 +15173,7 @@
           <p:cNvPr id="19" name="矩形 18">
             <a:extLst>
               <a:ext uri="{FF2B5EF4-FFF2-40B4-BE49-F238E27FC236}">
-                <a16:creationId xmlns:a16="http://schemas.microsoft.com/office/drawing/2014/main" id="{33718A82-7A61-4BD6-A0AE-69103684CE5F}"/>
+                <a16:creationId xmlns:a16="http://schemas.microsoft.com/office/drawing/2014/main" xmlns="" id="{33718A82-7A61-4BD6-A0AE-69103684CE5F}"/>
               </a:ext>
             </a:extLst>
           </p:cNvPr>
@@ -13318,7 +15216,7 @@
           <p:cNvPr id="20" name="矩形 19">
             <a:extLst>
               <a:ext uri="{FF2B5EF4-FFF2-40B4-BE49-F238E27FC236}">
-                <a16:creationId xmlns:a16="http://schemas.microsoft.com/office/drawing/2014/main" id="{C4011502-A762-4BA2-A75C-112E15BEDD08}"/>
+                <a16:creationId xmlns:a16="http://schemas.microsoft.com/office/drawing/2014/main" xmlns="" id="{C4011502-A762-4BA2-A75C-112E15BEDD08}"/>
               </a:ext>
             </a:extLst>
           </p:cNvPr>
@@ -13361,7 +15259,7 @@
           <p:cNvPr id="21" name="矩形 20">
             <a:extLst>
               <a:ext uri="{FF2B5EF4-FFF2-40B4-BE49-F238E27FC236}">
-                <a16:creationId xmlns:a16="http://schemas.microsoft.com/office/drawing/2014/main" id="{6797A39C-8E65-4555-B3A4-DBC0352578F3}"/>
+                <a16:creationId xmlns:a16="http://schemas.microsoft.com/office/drawing/2014/main" xmlns="" id="{6797A39C-8E65-4555-B3A4-DBC0352578F3}"/>
               </a:ext>
             </a:extLst>
           </p:cNvPr>
@@ -13403,7 +15301,7 @@
           <p:cNvPr id="22" name="矩形 21">
             <a:extLst>
               <a:ext uri="{FF2B5EF4-FFF2-40B4-BE49-F238E27FC236}">
-                <a16:creationId xmlns:a16="http://schemas.microsoft.com/office/drawing/2014/main" id="{6B58B23A-DC64-4148-9226-33683A2C9A99}"/>
+                <a16:creationId xmlns:a16="http://schemas.microsoft.com/office/drawing/2014/main" xmlns="" id="{6B58B23A-DC64-4148-9226-33683A2C9A99}"/>
               </a:ext>
             </a:extLst>
           </p:cNvPr>
@@ -13437,7 +15335,7 @@
           <p:cNvPr id="23" name="矩形 22">
             <a:extLst>
               <a:ext uri="{FF2B5EF4-FFF2-40B4-BE49-F238E27FC236}">
-                <a16:creationId xmlns:a16="http://schemas.microsoft.com/office/drawing/2014/main" id="{35130935-65E2-4F1C-8631-7E4BD4B4DCC4}"/>
+                <a16:creationId xmlns:a16="http://schemas.microsoft.com/office/drawing/2014/main" xmlns="" id="{35130935-65E2-4F1C-8631-7E4BD4B4DCC4}"/>
               </a:ext>
             </a:extLst>
           </p:cNvPr>
@@ -13471,7 +15369,7 @@
           <p:cNvPr id="24" name="矩形 23">
             <a:extLst>
               <a:ext uri="{FF2B5EF4-FFF2-40B4-BE49-F238E27FC236}">
-                <a16:creationId xmlns:a16="http://schemas.microsoft.com/office/drawing/2014/main" id="{F3E02D4F-B76D-4D6E-AB4C-61E863679F41}"/>
+                <a16:creationId xmlns:a16="http://schemas.microsoft.com/office/drawing/2014/main" xmlns="" id="{F3E02D4F-B76D-4D6E-AB4C-61E863679F41}"/>
               </a:ext>
             </a:extLst>
           </p:cNvPr>
@@ -13519,7 +15417,7 @@
           <p:cNvPr id="29" name="组合 28">
             <a:extLst>
               <a:ext uri="{FF2B5EF4-FFF2-40B4-BE49-F238E27FC236}">
-                <a16:creationId xmlns:a16="http://schemas.microsoft.com/office/drawing/2014/main" id="{AA571BCF-14D5-4AF9-8FC8-B2B81CEF3D3C}"/>
+                <a16:creationId xmlns:a16="http://schemas.microsoft.com/office/drawing/2014/main" xmlns="" id="{AA571BCF-14D5-4AF9-8FC8-B2B81CEF3D3C}"/>
               </a:ext>
             </a:extLst>
           </p:cNvPr>
@@ -13539,7 +15437,7 @@
             <p:cNvPr id="28" name="椭圆 27">
               <a:extLst>
                 <a:ext uri="{FF2B5EF4-FFF2-40B4-BE49-F238E27FC236}">
-                  <a16:creationId xmlns:a16="http://schemas.microsoft.com/office/drawing/2014/main" id="{F5EE1765-1FDB-49D4-8ACC-987822B56A21}"/>
+                  <a16:creationId xmlns:a16="http://schemas.microsoft.com/office/drawing/2014/main" xmlns="" id="{F5EE1765-1FDB-49D4-8ACC-987822B56A21}"/>
                 </a:ext>
               </a:extLst>
             </p:cNvPr>
@@ -13583,7 +15481,7 @@
             <p:cNvPr id="27" name="椭圆 26">
               <a:extLst>
                 <a:ext uri="{FF2B5EF4-FFF2-40B4-BE49-F238E27FC236}">
-                  <a16:creationId xmlns:a16="http://schemas.microsoft.com/office/drawing/2014/main" id="{6C3EF5C3-B3B1-4786-A54B-487DF5D5C2AC}"/>
+                  <a16:creationId xmlns:a16="http://schemas.microsoft.com/office/drawing/2014/main" xmlns="" id="{6C3EF5C3-B3B1-4786-A54B-487DF5D5C2AC}"/>
                 </a:ext>
               </a:extLst>
             </p:cNvPr>
@@ -13636,7 +15534,7 @@
           <p:cNvPr id="30" name="组合 29">
             <a:extLst>
               <a:ext uri="{FF2B5EF4-FFF2-40B4-BE49-F238E27FC236}">
-                <a16:creationId xmlns:a16="http://schemas.microsoft.com/office/drawing/2014/main" id="{A0A3D282-3E58-4A52-8053-1CCD660823F8}"/>
+                <a16:creationId xmlns:a16="http://schemas.microsoft.com/office/drawing/2014/main" xmlns="" id="{A0A3D282-3E58-4A52-8053-1CCD660823F8}"/>
               </a:ext>
             </a:extLst>
           </p:cNvPr>
@@ -13656,7 +15554,7 @@
             <p:cNvPr id="31" name="椭圆 30">
               <a:extLst>
                 <a:ext uri="{FF2B5EF4-FFF2-40B4-BE49-F238E27FC236}">
-                  <a16:creationId xmlns:a16="http://schemas.microsoft.com/office/drawing/2014/main" id="{EEF5BB86-FCF2-48B7-91D5-3416A7522090}"/>
+                  <a16:creationId xmlns:a16="http://schemas.microsoft.com/office/drawing/2014/main" xmlns="" id="{EEF5BB86-FCF2-48B7-91D5-3416A7522090}"/>
                 </a:ext>
               </a:extLst>
             </p:cNvPr>
@@ -13700,7 +15598,7 @@
             <p:cNvPr id="32" name="椭圆 31">
               <a:extLst>
                 <a:ext uri="{FF2B5EF4-FFF2-40B4-BE49-F238E27FC236}">
-                  <a16:creationId xmlns:a16="http://schemas.microsoft.com/office/drawing/2014/main" id="{02980C2D-B798-4A8F-A958-14F44A4A8C06}"/>
+                  <a16:creationId xmlns:a16="http://schemas.microsoft.com/office/drawing/2014/main" xmlns="" id="{02980C2D-B798-4A8F-A958-14F44A4A8C06}"/>
                 </a:ext>
               </a:extLst>
             </p:cNvPr>
@@ -13753,7 +15651,7 @@
           <p:cNvPr id="33" name="矩形 32">
             <a:extLst>
               <a:ext uri="{FF2B5EF4-FFF2-40B4-BE49-F238E27FC236}">
-                <a16:creationId xmlns:a16="http://schemas.microsoft.com/office/drawing/2014/main" id="{DA601A91-BCC0-4E25-81D5-2DD56F74F23D}"/>
+                <a16:creationId xmlns:a16="http://schemas.microsoft.com/office/drawing/2014/main" xmlns="" id="{DA601A91-BCC0-4E25-81D5-2DD56F74F23D}"/>
               </a:ext>
             </a:extLst>
           </p:cNvPr>
@@ -13795,7 +15693,7 @@
           <p:cNvPr id="34" name="矩形 33">
             <a:extLst>
               <a:ext uri="{FF2B5EF4-FFF2-40B4-BE49-F238E27FC236}">
-                <a16:creationId xmlns:a16="http://schemas.microsoft.com/office/drawing/2014/main" id="{BC59CD5E-09B6-426A-BE30-3EEA89E1DF79}"/>
+                <a16:creationId xmlns:a16="http://schemas.microsoft.com/office/drawing/2014/main" xmlns="" id="{BC59CD5E-09B6-426A-BE30-3EEA89E1DF79}"/>
               </a:ext>
             </a:extLst>
           </p:cNvPr>
@@ -13867,7 +15765,7 @@
           <p:cNvPr id="31" name="矩形 30">
             <a:extLst>
               <a:ext uri="{FF2B5EF4-FFF2-40B4-BE49-F238E27FC236}">
-                <a16:creationId xmlns:a16="http://schemas.microsoft.com/office/drawing/2014/main" id="{3932F80A-3232-416F-B8E0-C900C0BCF520}"/>
+                <a16:creationId xmlns:a16="http://schemas.microsoft.com/office/drawing/2014/main" xmlns="" id="{3932F80A-3232-416F-B8E0-C900C0BCF520}"/>
               </a:ext>
             </a:extLst>
           </p:cNvPr>
@@ -13911,7 +15809,7 @@
           <p:cNvPr id="28" name="矩形 27">
             <a:extLst>
               <a:ext uri="{FF2B5EF4-FFF2-40B4-BE49-F238E27FC236}">
-                <a16:creationId xmlns:a16="http://schemas.microsoft.com/office/drawing/2014/main" id="{D9F354FE-06F4-4C94-AD42-BE9865DA3D2E}"/>
+                <a16:creationId xmlns:a16="http://schemas.microsoft.com/office/drawing/2014/main" xmlns="" id="{D9F354FE-06F4-4C94-AD42-BE9865DA3D2E}"/>
               </a:ext>
             </a:extLst>
           </p:cNvPr>
@@ -13959,7 +15857,7 @@
           <p:cNvPr id="27" name="矩形 26">
             <a:extLst>
               <a:ext uri="{FF2B5EF4-FFF2-40B4-BE49-F238E27FC236}">
-                <a16:creationId xmlns:a16="http://schemas.microsoft.com/office/drawing/2014/main" id="{BF630FE5-02D9-4892-8428-BBB8C453520A}"/>
+                <a16:creationId xmlns:a16="http://schemas.microsoft.com/office/drawing/2014/main" xmlns="" id="{BF630FE5-02D9-4892-8428-BBB8C453520A}"/>
               </a:ext>
             </a:extLst>
           </p:cNvPr>
@@ -14003,7 +15901,7 @@
           <p:cNvPr id="36" name="椭圆 35">
             <a:extLst>
               <a:ext uri="{FF2B5EF4-FFF2-40B4-BE49-F238E27FC236}">
-                <a16:creationId xmlns:a16="http://schemas.microsoft.com/office/drawing/2014/main" id="{F75CF5A2-03F3-479D-AC27-63E52F7CB9D3}"/>
+                <a16:creationId xmlns:a16="http://schemas.microsoft.com/office/drawing/2014/main" xmlns="" id="{F75CF5A2-03F3-479D-AC27-63E52F7CB9D3}"/>
               </a:ext>
             </a:extLst>
           </p:cNvPr>
@@ -14048,7 +15946,7 @@
           <p:cNvPr id="37" name="椭圆 36">
             <a:extLst>
               <a:ext uri="{FF2B5EF4-FFF2-40B4-BE49-F238E27FC236}">
-                <a16:creationId xmlns:a16="http://schemas.microsoft.com/office/drawing/2014/main" id="{26645976-6F84-48AD-B509-46EC386E29D5}"/>
+                <a16:creationId xmlns:a16="http://schemas.microsoft.com/office/drawing/2014/main" xmlns="" id="{26645976-6F84-48AD-B509-46EC386E29D5}"/>
               </a:ext>
             </a:extLst>
           </p:cNvPr>
@@ -14092,7 +15990,7 @@
           <p:cNvPr id="38" name="椭圆 37">
             <a:extLst>
               <a:ext uri="{FF2B5EF4-FFF2-40B4-BE49-F238E27FC236}">
-                <a16:creationId xmlns:a16="http://schemas.microsoft.com/office/drawing/2014/main" id="{DE957281-87B8-4187-A00B-0A76E4C36EBE}"/>
+                <a16:creationId xmlns:a16="http://schemas.microsoft.com/office/drawing/2014/main" xmlns="" id="{DE957281-87B8-4187-A00B-0A76E4C36EBE}"/>
               </a:ext>
             </a:extLst>
           </p:cNvPr>
@@ -14136,7 +16034,7 @@
           <p:cNvPr id="39" name="椭圆 38">
             <a:extLst>
               <a:ext uri="{FF2B5EF4-FFF2-40B4-BE49-F238E27FC236}">
-                <a16:creationId xmlns:a16="http://schemas.microsoft.com/office/drawing/2014/main" id="{334BE293-2050-43EF-830C-510C86B3979D}"/>
+                <a16:creationId xmlns:a16="http://schemas.microsoft.com/office/drawing/2014/main" xmlns="" id="{334BE293-2050-43EF-830C-510C86B3979D}"/>
               </a:ext>
             </a:extLst>
           </p:cNvPr>
@@ -14181,7 +16079,7 @@
           <p:cNvPr id="44" name="组合 43">
             <a:extLst>
               <a:ext uri="{FF2B5EF4-FFF2-40B4-BE49-F238E27FC236}">
-                <a16:creationId xmlns:a16="http://schemas.microsoft.com/office/drawing/2014/main" id="{B99AEDF5-FAD3-4F45-9AC6-4FBE56A9D887}"/>
+                <a16:creationId xmlns:a16="http://schemas.microsoft.com/office/drawing/2014/main" xmlns="" id="{B99AEDF5-FAD3-4F45-9AC6-4FBE56A9D887}"/>
               </a:ext>
             </a:extLst>
           </p:cNvPr>
@@ -14201,7 +16099,7 @@
             <p:cNvPr id="45" name="椭圆 44">
               <a:extLst>
                 <a:ext uri="{FF2B5EF4-FFF2-40B4-BE49-F238E27FC236}">
-                  <a16:creationId xmlns:a16="http://schemas.microsoft.com/office/drawing/2014/main" id="{E91FE637-3E62-4F20-BD33-CA412B82BE93}"/>
+                  <a16:creationId xmlns:a16="http://schemas.microsoft.com/office/drawing/2014/main" xmlns="" id="{E91FE637-3E62-4F20-BD33-CA412B82BE93}"/>
                 </a:ext>
               </a:extLst>
             </p:cNvPr>
@@ -14245,7 +16143,7 @@
             <p:cNvPr id="46" name="椭圆 45">
               <a:extLst>
                 <a:ext uri="{FF2B5EF4-FFF2-40B4-BE49-F238E27FC236}">
-                  <a16:creationId xmlns:a16="http://schemas.microsoft.com/office/drawing/2014/main" id="{2D16A979-E0B1-424E-8730-731AACFB80BE}"/>
+                  <a16:creationId xmlns:a16="http://schemas.microsoft.com/office/drawing/2014/main" xmlns="" id="{2D16A979-E0B1-424E-8730-731AACFB80BE}"/>
                 </a:ext>
               </a:extLst>
             </p:cNvPr>
@@ -14298,7 +16196,7 @@
           <p:cNvPr id="52" name="组合 51">
             <a:extLst>
               <a:ext uri="{FF2B5EF4-FFF2-40B4-BE49-F238E27FC236}">
-                <a16:creationId xmlns:a16="http://schemas.microsoft.com/office/drawing/2014/main" id="{10EB72AF-4AEE-462D-93AD-5703E3D5967B}"/>
+                <a16:creationId xmlns:a16="http://schemas.microsoft.com/office/drawing/2014/main" xmlns="" id="{10EB72AF-4AEE-462D-93AD-5703E3D5967B}"/>
               </a:ext>
             </a:extLst>
           </p:cNvPr>
@@ -14318,7 +16216,7 @@
             <p:cNvPr id="53" name="椭圆 52">
               <a:extLst>
                 <a:ext uri="{FF2B5EF4-FFF2-40B4-BE49-F238E27FC236}">
-                  <a16:creationId xmlns:a16="http://schemas.microsoft.com/office/drawing/2014/main" id="{DB19FA0A-4009-4980-912E-F1953F900453}"/>
+                  <a16:creationId xmlns:a16="http://schemas.microsoft.com/office/drawing/2014/main" xmlns="" id="{DB19FA0A-4009-4980-912E-F1953F900453}"/>
                 </a:ext>
               </a:extLst>
             </p:cNvPr>
@@ -14362,7 +16260,7 @@
             <p:cNvPr id="54" name="椭圆 53">
               <a:extLst>
                 <a:ext uri="{FF2B5EF4-FFF2-40B4-BE49-F238E27FC236}">
-                  <a16:creationId xmlns:a16="http://schemas.microsoft.com/office/drawing/2014/main" id="{2A888D66-8D73-4E06-BC34-DBAF95E83AB3}"/>
+                  <a16:creationId xmlns:a16="http://schemas.microsoft.com/office/drawing/2014/main" xmlns="" id="{2A888D66-8D73-4E06-BC34-DBAF95E83AB3}"/>
                 </a:ext>
               </a:extLst>
             </p:cNvPr>
@@ -14415,7 +16313,7 @@
           <p:cNvPr id="55" name="矩形 54">
             <a:extLst>
               <a:ext uri="{FF2B5EF4-FFF2-40B4-BE49-F238E27FC236}">
-                <a16:creationId xmlns:a16="http://schemas.microsoft.com/office/drawing/2014/main" id="{5B79D0BC-75B1-4F46-B377-A3B61EF83949}"/>
+                <a16:creationId xmlns:a16="http://schemas.microsoft.com/office/drawing/2014/main" xmlns="" id="{5B79D0BC-75B1-4F46-B377-A3B61EF83949}"/>
               </a:ext>
             </a:extLst>
           </p:cNvPr>
@@ -14449,7 +16347,7 @@
           <p:cNvPr id="56" name="矩形 55">
             <a:extLst>
               <a:ext uri="{FF2B5EF4-FFF2-40B4-BE49-F238E27FC236}">
-                <a16:creationId xmlns:a16="http://schemas.microsoft.com/office/drawing/2014/main" id="{1AA65494-53EA-4D9F-AF2D-4370E574B618}"/>
+                <a16:creationId xmlns:a16="http://schemas.microsoft.com/office/drawing/2014/main" xmlns="" id="{1AA65494-53EA-4D9F-AF2D-4370E574B618}"/>
               </a:ext>
             </a:extLst>
           </p:cNvPr>
@@ -14483,7 +16381,7 @@
           <p:cNvPr id="57" name="矩形 56">
             <a:extLst>
               <a:ext uri="{FF2B5EF4-FFF2-40B4-BE49-F238E27FC236}">
-                <a16:creationId xmlns:a16="http://schemas.microsoft.com/office/drawing/2014/main" id="{AE380427-15FF-40E3-B09B-2E9A2C0EF872}"/>
+                <a16:creationId xmlns:a16="http://schemas.microsoft.com/office/drawing/2014/main" xmlns="" id="{AE380427-15FF-40E3-B09B-2E9A2C0EF872}"/>
               </a:ext>
             </a:extLst>
           </p:cNvPr>
@@ -14527,7 +16425,7 @@
           <p:cNvPr id="58" name="弧形 57">
             <a:extLst>
               <a:ext uri="{FF2B5EF4-FFF2-40B4-BE49-F238E27FC236}">
-                <a16:creationId xmlns:a16="http://schemas.microsoft.com/office/drawing/2014/main" id="{7DB8BB38-27A8-433C-82B2-B13ECEF82709}"/>
+                <a16:creationId xmlns:a16="http://schemas.microsoft.com/office/drawing/2014/main" xmlns="" id="{7DB8BB38-27A8-433C-82B2-B13ECEF82709}"/>
               </a:ext>
             </a:extLst>
           </p:cNvPr>
@@ -14580,7 +16478,7 @@
           <p:cNvPr id="60" name="椭圆 59">
             <a:extLst>
               <a:ext uri="{FF2B5EF4-FFF2-40B4-BE49-F238E27FC236}">
-                <a16:creationId xmlns:a16="http://schemas.microsoft.com/office/drawing/2014/main" id="{A4D3C9D7-F7E5-4E16-9074-24F0CF1558A2}"/>
+                <a16:creationId xmlns:a16="http://schemas.microsoft.com/office/drawing/2014/main" xmlns="" id="{A4D3C9D7-F7E5-4E16-9074-24F0CF1558A2}"/>
               </a:ext>
             </a:extLst>
           </p:cNvPr>
@@ -14632,7 +16530,7 @@
           <p:cNvPr id="61" name="椭圆 60">
             <a:extLst>
               <a:ext uri="{FF2B5EF4-FFF2-40B4-BE49-F238E27FC236}">
-                <a16:creationId xmlns:a16="http://schemas.microsoft.com/office/drawing/2014/main" id="{36638C21-6CCF-49A6-AB4D-E4FD2D496E3C}"/>
+                <a16:creationId xmlns:a16="http://schemas.microsoft.com/office/drawing/2014/main" xmlns="" id="{36638C21-6CCF-49A6-AB4D-E4FD2D496E3C}"/>
               </a:ext>
             </a:extLst>
           </p:cNvPr>
@@ -14684,7 +16582,7 @@
           <p:cNvPr id="62" name="椭圆 61">
             <a:extLst>
               <a:ext uri="{FF2B5EF4-FFF2-40B4-BE49-F238E27FC236}">
-                <a16:creationId xmlns:a16="http://schemas.microsoft.com/office/drawing/2014/main" id="{553F1AEA-ACE6-43D1-ABF8-DD2E3A3CC5CA}"/>
+                <a16:creationId xmlns:a16="http://schemas.microsoft.com/office/drawing/2014/main" xmlns="" id="{553F1AEA-ACE6-43D1-ABF8-DD2E3A3CC5CA}"/>
               </a:ext>
             </a:extLst>
           </p:cNvPr>
@@ -14736,7 +16634,7 @@
           <p:cNvPr id="63" name="矩形 62">
             <a:extLst>
               <a:ext uri="{FF2B5EF4-FFF2-40B4-BE49-F238E27FC236}">
-                <a16:creationId xmlns:a16="http://schemas.microsoft.com/office/drawing/2014/main" id="{F7EEE9A2-0A5B-4BFF-B4C8-3C981E32B8AA}"/>
+                <a16:creationId xmlns:a16="http://schemas.microsoft.com/office/drawing/2014/main" xmlns="" id="{F7EEE9A2-0A5B-4BFF-B4C8-3C981E32B8AA}"/>
               </a:ext>
             </a:extLst>
           </p:cNvPr>
@@ -14780,7 +16678,7 @@
           <p:cNvPr id="64" name="矩形 63">
             <a:extLst>
               <a:ext uri="{FF2B5EF4-FFF2-40B4-BE49-F238E27FC236}">
-                <a16:creationId xmlns:a16="http://schemas.microsoft.com/office/drawing/2014/main" id="{375834CA-C596-4948-A3DA-B9CFD8C512EA}"/>
+                <a16:creationId xmlns:a16="http://schemas.microsoft.com/office/drawing/2014/main" xmlns="" id="{375834CA-C596-4948-A3DA-B9CFD8C512EA}"/>
               </a:ext>
             </a:extLst>
           </p:cNvPr>
@@ -14824,7 +16722,7 @@
           <p:cNvPr id="65" name="矩形 64">
             <a:extLst>
               <a:ext uri="{FF2B5EF4-FFF2-40B4-BE49-F238E27FC236}">
-                <a16:creationId xmlns:a16="http://schemas.microsoft.com/office/drawing/2014/main" id="{5BAF36C3-4072-4DB2-BDCA-543F9FDEB7BF}"/>
+                <a16:creationId xmlns:a16="http://schemas.microsoft.com/office/drawing/2014/main" xmlns="" id="{5BAF36C3-4072-4DB2-BDCA-543F9FDEB7BF}"/>
               </a:ext>
             </a:extLst>
           </p:cNvPr>
@@ -14858,7 +16756,7 @@
           <p:cNvPr id="66" name="矩形 65">
             <a:extLst>
               <a:ext uri="{FF2B5EF4-FFF2-40B4-BE49-F238E27FC236}">
-                <a16:creationId xmlns:a16="http://schemas.microsoft.com/office/drawing/2014/main" id="{A6DE9C7D-EC7F-4F04-9EA8-61E11757885D}"/>
+                <a16:creationId xmlns:a16="http://schemas.microsoft.com/office/drawing/2014/main" xmlns="" id="{A6DE9C7D-EC7F-4F04-9EA8-61E11757885D}"/>
               </a:ext>
             </a:extLst>
           </p:cNvPr>
@@ -14922,7 +16820,7 @@
           <p:cNvPr id="2" name="矩形 1">
             <a:extLst>
               <a:ext uri="{FF2B5EF4-FFF2-40B4-BE49-F238E27FC236}">
-                <a16:creationId xmlns:a16="http://schemas.microsoft.com/office/drawing/2014/main" id="{39AD512D-B38E-42DB-97F2-1E453FDCBEA8}"/>
+                <a16:creationId xmlns:a16="http://schemas.microsoft.com/office/drawing/2014/main" xmlns="" id="{39AD512D-B38E-42DB-97F2-1E453FDCBEA8}"/>
               </a:ext>
             </a:extLst>
           </p:cNvPr>
@@ -14966,7 +16864,7 @@
           <p:cNvPr id="4" name="矩形 3">
             <a:extLst>
               <a:ext uri="{FF2B5EF4-FFF2-40B4-BE49-F238E27FC236}">
-                <a16:creationId xmlns:a16="http://schemas.microsoft.com/office/drawing/2014/main" id="{30BD5A06-57CC-4C50-B4DB-B5F51B674F5B}"/>
+                <a16:creationId xmlns:a16="http://schemas.microsoft.com/office/drawing/2014/main" xmlns="" id="{30BD5A06-57CC-4C50-B4DB-B5F51B674F5B}"/>
               </a:ext>
             </a:extLst>
           </p:cNvPr>
@@ -15010,7 +16908,7 @@
           <p:cNvPr id="5" name="椭圆 4">
             <a:extLst>
               <a:ext uri="{FF2B5EF4-FFF2-40B4-BE49-F238E27FC236}">
-                <a16:creationId xmlns:a16="http://schemas.microsoft.com/office/drawing/2014/main" id="{1E073CCE-04A5-4AB8-BF19-70442BB14ABB}"/>
+                <a16:creationId xmlns:a16="http://schemas.microsoft.com/office/drawing/2014/main" xmlns="" id="{1E073CCE-04A5-4AB8-BF19-70442BB14ABB}"/>
               </a:ext>
             </a:extLst>
           </p:cNvPr>
@@ -15055,7 +16953,7 @@
           <p:cNvPr id="6" name="椭圆 5">
             <a:extLst>
               <a:ext uri="{FF2B5EF4-FFF2-40B4-BE49-F238E27FC236}">
-                <a16:creationId xmlns:a16="http://schemas.microsoft.com/office/drawing/2014/main" id="{43C53126-9AF0-4214-A572-B5C45091A404}"/>
+                <a16:creationId xmlns:a16="http://schemas.microsoft.com/office/drawing/2014/main" xmlns="" id="{43C53126-9AF0-4214-A572-B5C45091A404}"/>
               </a:ext>
             </a:extLst>
           </p:cNvPr>
@@ -15099,7 +16997,7 @@
           <p:cNvPr id="7" name="椭圆 6">
             <a:extLst>
               <a:ext uri="{FF2B5EF4-FFF2-40B4-BE49-F238E27FC236}">
-                <a16:creationId xmlns:a16="http://schemas.microsoft.com/office/drawing/2014/main" id="{B9CDF78F-77B1-47A4-998F-C806731E2831}"/>
+                <a16:creationId xmlns:a16="http://schemas.microsoft.com/office/drawing/2014/main" xmlns="" id="{B9CDF78F-77B1-47A4-998F-C806731E2831}"/>
               </a:ext>
             </a:extLst>
           </p:cNvPr>
@@ -15143,7 +17041,7 @@
           <p:cNvPr id="8" name="椭圆 7">
             <a:extLst>
               <a:ext uri="{FF2B5EF4-FFF2-40B4-BE49-F238E27FC236}">
-                <a16:creationId xmlns:a16="http://schemas.microsoft.com/office/drawing/2014/main" id="{FBCF4E2E-4563-41AA-A7B3-4A77245ACB1E}"/>
+                <a16:creationId xmlns:a16="http://schemas.microsoft.com/office/drawing/2014/main" xmlns="" id="{FBCF4E2E-4563-41AA-A7B3-4A77245ACB1E}"/>
               </a:ext>
             </a:extLst>
           </p:cNvPr>
@@ -15188,7 +17086,7 @@
           <p:cNvPr id="17" name="矩形 16">
             <a:extLst>
               <a:ext uri="{FF2B5EF4-FFF2-40B4-BE49-F238E27FC236}">
-                <a16:creationId xmlns:a16="http://schemas.microsoft.com/office/drawing/2014/main" id="{9D22A83E-2774-48C0-A7CA-23A51D63DEFD}"/>
+                <a16:creationId xmlns:a16="http://schemas.microsoft.com/office/drawing/2014/main" xmlns="" id="{9D22A83E-2774-48C0-A7CA-23A51D63DEFD}"/>
               </a:ext>
             </a:extLst>
           </p:cNvPr>
@@ -15232,7 +17130,7 @@
           <p:cNvPr id="18" name="弧形 17">
             <a:extLst>
               <a:ext uri="{FF2B5EF4-FFF2-40B4-BE49-F238E27FC236}">
-                <a16:creationId xmlns:a16="http://schemas.microsoft.com/office/drawing/2014/main" id="{8FF296A8-6003-4544-A5FB-C43B1248F798}"/>
+                <a16:creationId xmlns:a16="http://schemas.microsoft.com/office/drawing/2014/main" xmlns="" id="{8FF296A8-6003-4544-A5FB-C43B1248F798}"/>
               </a:ext>
             </a:extLst>
           </p:cNvPr>
@@ -15285,7 +17183,7 @@
           <p:cNvPr id="19" name="椭圆 18">
             <a:extLst>
               <a:ext uri="{FF2B5EF4-FFF2-40B4-BE49-F238E27FC236}">
-                <a16:creationId xmlns:a16="http://schemas.microsoft.com/office/drawing/2014/main" id="{B26BD503-7256-4E8F-9B70-978BF775D0DD}"/>
+                <a16:creationId xmlns:a16="http://schemas.microsoft.com/office/drawing/2014/main" xmlns="" id="{B26BD503-7256-4E8F-9B70-978BF775D0DD}"/>
               </a:ext>
             </a:extLst>
           </p:cNvPr>
@@ -15337,7 +17235,7 @@
           <p:cNvPr id="20" name="椭圆 19">
             <a:extLst>
               <a:ext uri="{FF2B5EF4-FFF2-40B4-BE49-F238E27FC236}">
-                <a16:creationId xmlns:a16="http://schemas.microsoft.com/office/drawing/2014/main" id="{0DCD0E03-808F-4A3D-8C16-8F8DF95187F8}"/>
+                <a16:creationId xmlns:a16="http://schemas.microsoft.com/office/drawing/2014/main" xmlns="" id="{0DCD0E03-808F-4A3D-8C16-8F8DF95187F8}"/>
               </a:ext>
             </a:extLst>
           </p:cNvPr>
@@ -15389,7 +17287,7 @@
           <p:cNvPr id="21" name="椭圆 20">
             <a:extLst>
               <a:ext uri="{FF2B5EF4-FFF2-40B4-BE49-F238E27FC236}">
-                <a16:creationId xmlns:a16="http://schemas.microsoft.com/office/drawing/2014/main" id="{7FFCEA4B-011A-4AFB-A6DD-D8306729B5DF}"/>
+                <a16:creationId xmlns:a16="http://schemas.microsoft.com/office/drawing/2014/main" xmlns="" id="{7FFCEA4B-011A-4AFB-A6DD-D8306729B5DF}"/>
               </a:ext>
             </a:extLst>
           </p:cNvPr>
@@ -15441,7 +17339,7 @@
           <p:cNvPr id="22" name="矩形 21">
             <a:extLst>
               <a:ext uri="{FF2B5EF4-FFF2-40B4-BE49-F238E27FC236}">
-                <a16:creationId xmlns:a16="http://schemas.microsoft.com/office/drawing/2014/main" id="{E4F30A2E-C96C-4317-BB9A-A9C71070D3FE}"/>
+                <a16:creationId xmlns:a16="http://schemas.microsoft.com/office/drawing/2014/main" xmlns="" id="{E4F30A2E-C96C-4317-BB9A-A9C71070D3FE}"/>
               </a:ext>
             </a:extLst>
           </p:cNvPr>
@@ -15485,7 +17383,7 @@
           <p:cNvPr id="23" name="矩形 22">
             <a:extLst>
               <a:ext uri="{FF2B5EF4-FFF2-40B4-BE49-F238E27FC236}">
-                <a16:creationId xmlns:a16="http://schemas.microsoft.com/office/drawing/2014/main" id="{55A7B6F3-30DA-4681-966C-EB95FCD23EF7}"/>
+                <a16:creationId xmlns:a16="http://schemas.microsoft.com/office/drawing/2014/main" xmlns="" id="{55A7B6F3-30DA-4681-966C-EB95FCD23EF7}"/>
               </a:ext>
             </a:extLst>
           </p:cNvPr>
@@ -15529,7 +17427,7 @@
           <p:cNvPr id="24" name="矩形 23">
             <a:extLst>
               <a:ext uri="{FF2B5EF4-FFF2-40B4-BE49-F238E27FC236}">
-                <a16:creationId xmlns:a16="http://schemas.microsoft.com/office/drawing/2014/main" id="{50CA8D6E-8992-4CF8-8D71-E568BBAAEE11}"/>
+                <a16:creationId xmlns:a16="http://schemas.microsoft.com/office/drawing/2014/main" xmlns="" id="{50CA8D6E-8992-4CF8-8D71-E568BBAAEE11}"/>
               </a:ext>
             </a:extLst>
           </p:cNvPr>
@@ -15573,7 +17471,7 @@
           <p:cNvPr id="25" name="矩形 24">
             <a:extLst>
               <a:ext uri="{FF2B5EF4-FFF2-40B4-BE49-F238E27FC236}">
-                <a16:creationId xmlns:a16="http://schemas.microsoft.com/office/drawing/2014/main" id="{EDB4D9F7-EAAD-4327-B3F8-F9B2958C2703}"/>
+                <a16:creationId xmlns:a16="http://schemas.microsoft.com/office/drawing/2014/main" xmlns="" id="{EDB4D9F7-EAAD-4327-B3F8-F9B2958C2703}"/>
               </a:ext>
             </a:extLst>
           </p:cNvPr>
@@ -15617,7 +17515,7 @@
           <p:cNvPr id="3" name="矩形 2">
             <a:extLst>
               <a:ext uri="{FF2B5EF4-FFF2-40B4-BE49-F238E27FC236}">
-                <a16:creationId xmlns:a16="http://schemas.microsoft.com/office/drawing/2014/main" id="{4F03A318-8992-4D4A-85EC-40E07052E614}"/>
+                <a16:creationId xmlns:a16="http://schemas.microsoft.com/office/drawing/2014/main" xmlns="" id="{4F03A318-8992-4D4A-85EC-40E07052E614}"/>
               </a:ext>
             </a:extLst>
           </p:cNvPr>
@@ -15665,7 +17563,7 @@
           <p:cNvPr id="29" name="直接连接符 28">
             <a:extLst>
               <a:ext uri="{FF2B5EF4-FFF2-40B4-BE49-F238E27FC236}">
-                <a16:creationId xmlns:a16="http://schemas.microsoft.com/office/drawing/2014/main" id="{C7071CA5-1306-4D0F-871B-1B39BE6D2C6A}"/>
+                <a16:creationId xmlns:a16="http://schemas.microsoft.com/office/drawing/2014/main" xmlns="" id="{C7071CA5-1306-4D0F-871B-1B39BE6D2C6A}"/>
               </a:ext>
             </a:extLst>
           </p:cNvPr>
@@ -15703,7 +17601,7 @@
           <p:cNvPr id="31" name="直接连接符 30">
             <a:extLst>
               <a:ext uri="{FF2B5EF4-FFF2-40B4-BE49-F238E27FC236}">
-                <a16:creationId xmlns:a16="http://schemas.microsoft.com/office/drawing/2014/main" id="{A9A96BCA-A28D-452F-808A-0199960C1EF1}"/>
+                <a16:creationId xmlns:a16="http://schemas.microsoft.com/office/drawing/2014/main" xmlns="" id="{A9A96BCA-A28D-452F-808A-0199960C1EF1}"/>
               </a:ext>
             </a:extLst>
           </p:cNvPr>
@@ -15741,7 +17639,7 @@
           <p:cNvPr id="33" name="直接箭头连接符 32">
             <a:extLst>
               <a:ext uri="{FF2B5EF4-FFF2-40B4-BE49-F238E27FC236}">
-                <a16:creationId xmlns:a16="http://schemas.microsoft.com/office/drawing/2014/main" id="{F5B95145-BFAB-4671-913A-95C7BBBC8EE8}"/>
+                <a16:creationId xmlns:a16="http://schemas.microsoft.com/office/drawing/2014/main" xmlns="" id="{F5B95145-BFAB-4671-913A-95C7BBBC8EE8}"/>
               </a:ext>
             </a:extLst>
           </p:cNvPr>
@@ -15781,7 +17679,7 @@
           <p:cNvPr id="34" name="矩形 33">
             <a:extLst>
               <a:ext uri="{FF2B5EF4-FFF2-40B4-BE49-F238E27FC236}">
-                <a16:creationId xmlns:a16="http://schemas.microsoft.com/office/drawing/2014/main" id="{5BEBBC22-989B-46DA-860A-1F4272DA4F7D}"/>
+                <a16:creationId xmlns:a16="http://schemas.microsoft.com/office/drawing/2014/main" xmlns="" id="{5BEBBC22-989B-46DA-860A-1F4272DA4F7D}"/>
               </a:ext>
             </a:extLst>
           </p:cNvPr>
@@ -15815,7 +17713,7 @@
           <p:cNvPr id="35" name="矩形 34">
             <a:extLst>
               <a:ext uri="{FF2B5EF4-FFF2-40B4-BE49-F238E27FC236}">
-                <a16:creationId xmlns:a16="http://schemas.microsoft.com/office/drawing/2014/main" id="{198384A6-A6CC-40E3-BFAD-F40E31A95EF4}"/>
+                <a16:creationId xmlns:a16="http://schemas.microsoft.com/office/drawing/2014/main" xmlns="" id="{198384A6-A6CC-40E3-BFAD-F40E31A95EF4}"/>
               </a:ext>
             </a:extLst>
           </p:cNvPr>
@@ -15858,7 +17756,7 @@
           <p:cNvPr id="36" name="直接连接符 35">
             <a:extLst>
               <a:ext uri="{FF2B5EF4-FFF2-40B4-BE49-F238E27FC236}">
-                <a16:creationId xmlns:a16="http://schemas.microsoft.com/office/drawing/2014/main" id="{DA4D5211-958C-4642-9F52-20F7169DBBE2}"/>
+                <a16:creationId xmlns:a16="http://schemas.microsoft.com/office/drawing/2014/main" xmlns="" id="{DA4D5211-958C-4642-9F52-20F7169DBBE2}"/>
               </a:ext>
             </a:extLst>
           </p:cNvPr>
@@ -15896,7 +17794,7 @@
           <p:cNvPr id="38" name="直接连接符 37">
             <a:extLst>
               <a:ext uri="{FF2B5EF4-FFF2-40B4-BE49-F238E27FC236}">
-                <a16:creationId xmlns:a16="http://schemas.microsoft.com/office/drawing/2014/main" id="{E2143363-3068-4396-9446-236B5C1F8270}"/>
+                <a16:creationId xmlns:a16="http://schemas.microsoft.com/office/drawing/2014/main" xmlns="" id="{E2143363-3068-4396-9446-236B5C1F8270}"/>
               </a:ext>
             </a:extLst>
           </p:cNvPr>
@@ -15934,7 +17832,7 @@
           <p:cNvPr id="39" name="直接箭头连接符 38">
             <a:extLst>
               <a:ext uri="{FF2B5EF4-FFF2-40B4-BE49-F238E27FC236}">
-                <a16:creationId xmlns:a16="http://schemas.microsoft.com/office/drawing/2014/main" id="{87558373-F448-4EC5-8A6D-25BA724301A8}"/>
+                <a16:creationId xmlns:a16="http://schemas.microsoft.com/office/drawing/2014/main" xmlns="" id="{87558373-F448-4EC5-8A6D-25BA724301A8}"/>
               </a:ext>
             </a:extLst>
           </p:cNvPr>
@@ -15974,7 +17872,7 @@
           <p:cNvPr id="40" name="矩形 39">
             <a:extLst>
               <a:ext uri="{FF2B5EF4-FFF2-40B4-BE49-F238E27FC236}">
-                <a16:creationId xmlns:a16="http://schemas.microsoft.com/office/drawing/2014/main" id="{FC1AFF1A-FF8F-4594-8DCB-52FE6053BC77}"/>
+                <a16:creationId xmlns:a16="http://schemas.microsoft.com/office/drawing/2014/main" xmlns="" id="{FC1AFF1A-FF8F-4594-8DCB-52FE6053BC77}"/>
               </a:ext>
             </a:extLst>
           </p:cNvPr>
@@ -16008,7 +17906,7 @@
           <p:cNvPr id="42" name="直接连接符 41">
             <a:extLst>
               <a:ext uri="{FF2B5EF4-FFF2-40B4-BE49-F238E27FC236}">
-                <a16:creationId xmlns:a16="http://schemas.microsoft.com/office/drawing/2014/main" id="{545B0BCD-47A9-4735-8523-086B32FE8C45}"/>
+                <a16:creationId xmlns:a16="http://schemas.microsoft.com/office/drawing/2014/main" xmlns="" id="{545B0BCD-47A9-4735-8523-086B32FE8C45}"/>
               </a:ext>
             </a:extLst>
           </p:cNvPr>
@@ -16046,7 +17944,7 @@
           <p:cNvPr id="43" name="直接箭头连接符 42">
             <a:extLst>
               <a:ext uri="{FF2B5EF4-FFF2-40B4-BE49-F238E27FC236}">
-                <a16:creationId xmlns:a16="http://schemas.microsoft.com/office/drawing/2014/main" id="{3761C616-A134-4DCA-AABC-575469DE4668}"/>
+                <a16:creationId xmlns:a16="http://schemas.microsoft.com/office/drawing/2014/main" xmlns="" id="{3761C616-A134-4DCA-AABC-575469DE4668}"/>
               </a:ext>
             </a:extLst>
           </p:cNvPr>
@@ -16088,7 +17986,7 @@
           <p:cNvPr id="46" name="矩形 45">
             <a:extLst>
               <a:ext uri="{FF2B5EF4-FFF2-40B4-BE49-F238E27FC236}">
-                <a16:creationId xmlns:a16="http://schemas.microsoft.com/office/drawing/2014/main" id="{3F8EA31E-2287-4E36-A93F-5620ADC0E665}"/>
+                <a16:creationId xmlns:a16="http://schemas.microsoft.com/office/drawing/2014/main" xmlns="" id="{3F8EA31E-2287-4E36-A93F-5620ADC0E665}"/>
               </a:ext>
             </a:extLst>
           </p:cNvPr>
@@ -16122,7 +18020,7 @@
           <p:cNvPr id="50" name="矩形 49">
             <a:extLst>
               <a:ext uri="{FF2B5EF4-FFF2-40B4-BE49-F238E27FC236}">
-                <a16:creationId xmlns:a16="http://schemas.microsoft.com/office/drawing/2014/main" id="{1C92F821-1CA9-4922-A407-226C3318FE4E}"/>
+                <a16:creationId xmlns:a16="http://schemas.microsoft.com/office/drawing/2014/main" xmlns="" id="{1C92F821-1CA9-4922-A407-226C3318FE4E}"/>
               </a:ext>
             </a:extLst>
           </p:cNvPr>
@@ -16157,7 +18055,7 @@
           <p:cNvPr id="51" name="右大括号 50">
             <a:extLst>
               <a:ext uri="{FF2B5EF4-FFF2-40B4-BE49-F238E27FC236}">
-                <a16:creationId xmlns:a16="http://schemas.microsoft.com/office/drawing/2014/main" id="{B30D63C6-A627-49BE-BE67-4B8F821FB348}"/>
+                <a16:creationId xmlns:a16="http://schemas.microsoft.com/office/drawing/2014/main" xmlns="" id="{B30D63C6-A627-49BE-BE67-4B8F821FB348}"/>
               </a:ext>
             </a:extLst>
           </p:cNvPr>
@@ -16209,7 +18107,7 @@
           <p:cNvPr id="52" name="矩形 51">
             <a:extLst>
               <a:ext uri="{FF2B5EF4-FFF2-40B4-BE49-F238E27FC236}">
-                <a16:creationId xmlns:a16="http://schemas.microsoft.com/office/drawing/2014/main" id="{D56C19D5-01A6-4BF0-8CE3-683CE102795B}"/>
+                <a16:creationId xmlns:a16="http://schemas.microsoft.com/office/drawing/2014/main" xmlns="" id="{D56C19D5-01A6-4BF0-8CE3-683CE102795B}"/>
               </a:ext>
             </a:extLst>
           </p:cNvPr>
@@ -16247,7 +18145,7 @@
           <p:cNvPr id="53" name="右大括号 52">
             <a:extLst>
               <a:ext uri="{FF2B5EF4-FFF2-40B4-BE49-F238E27FC236}">
-                <a16:creationId xmlns:a16="http://schemas.microsoft.com/office/drawing/2014/main" id="{93A20529-5955-4168-AB80-614BC670BDC8}"/>
+                <a16:creationId xmlns:a16="http://schemas.microsoft.com/office/drawing/2014/main" xmlns="" id="{93A20529-5955-4168-AB80-614BC670BDC8}"/>
               </a:ext>
             </a:extLst>
           </p:cNvPr>
@@ -16299,7 +18197,7 @@
           <p:cNvPr id="54" name="矩形 53">
             <a:extLst>
               <a:ext uri="{FF2B5EF4-FFF2-40B4-BE49-F238E27FC236}">
-                <a16:creationId xmlns:a16="http://schemas.microsoft.com/office/drawing/2014/main" id="{114D9BE6-741A-4F52-82D9-40D89A1648D0}"/>
+                <a16:creationId xmlns:a16="http://schemas.microsoft.com/office/drawing/2014/main" xmlns="" id="{114D9BE6-741A-4F52-82D9-40D89A1648D0}"/>
               </a:ext>
             </a:extLst>
           </p:cNvPr>
